--- a/Spring.pptx
+++ b/Spring.pptx
@@ -11,8 +11,8 @@
     <p:sldId id="257" r:id="rId5"/>
     <p:sldId id="262" r:id="rId6"/>
     <p:sldId id="263" r:id="rId7"/>
-    <p:sldId id="264" r:id="rId8"/>
-    <p:sldId id="265" r:id="rId9"/>
+    <p:sldId id="265" r:id="rId8"/>
+    <p:sldId id="264" r:id="rId9"/>
     <p:sldId id="258" r:id="rId10"/>
     <p:sldId id="260" r:id="rId11"/>
   </p:sldIdLst>
@@ -3518,11 +3518,7 @@
           <a:p>
             <a:r>
               <a:rPr lang="en-US" sz="3600" dirty="0" smtClean="0"/>
-              <a:t>Spring </a:t>
-            </a:r>
-            <a:r>
-              <a:rPr lang="en-US" sz="3600" dirty="0" smtClean="0"/>
-              <a:t>Core</a:t>
+              <a:t>Spring Core</a:t>
             </a:r>
           </a:p>
           <a:p>
@@ -4177,82 +4173,33 @@
         </p:nvSpPr>
         <p:spPr/>
         <p:txBody>
-          <a:bodyPr/>
-          <a:lstStyle/>
-          <a:p>
-            <a:r>
-              <a:rPr lang="en-US" dirty="0" smtClean="0"/>
-              <a:t>Bean Definition: name, class, </a:t>
-            </a:r>
-            <a:r>
-              <a:rPr lang="en-US" dirty="0" err="1" smtClean="0"/>
-              <a:t>contructor-arg</a:t>
-            </a:r>
-            <a:r>
-              <a:rPr lang="en-US" dirty="0" smtClean="0"/>
-              <a:t>, </a:t>
-            </a:r>
-            <a:r>
-              <a:rPr lang="en-US" dirty="0" err="1" smtClean="0"/>
-              <a:t>autowiring</a:t>
-            </a:r>
-            <a:r>
-              <a:rPr lang="en-US" dirty="0" smtClean="0"/>
-              <a:t> mode, properties, </a:t>
-            </a:r>
-            <a:r>
-              <a:rPr lang="en-US" dirty="0" err="1" smtClean="0"/>
-              <a:t>init</a:t>
-            </a:r>
-            <a:r>
-              <a:rPr lang="en-US" dirty="0" smtClean="0"/>
-              <a:t>-method, destroy-method, scope </a:t>
-            </a:r>
-          </a:p>
-          <a:p>
-            <a:pPr lvl="1"/>
-            <a:r>
-              <a:rPr lang="en-US" dirty="0" err="1" smtClean="0"/>
-              <a:t>Autowiring</a:t>
-            </a:r>
-            <a:r>
-              <a:rPr lang="en-US" dirty="0" smtClean="0"/>
-              <a:t> mode: no, </a:t>
-            </a:r>
-            <a:r>
-              <a:rPr lang="en-US" dirty="0" err="1" smtClean="0"/>
-              <a:t>byName</a:t>
-            </a:r>
-            <a:r>
-              <a:rPr lang="en-US" dirty="0" smtClean="0"/>
-              <a:t>, </a:t>
-            </a:r>
-            <a:r>
-              <a:rPr lang="en-US" dirty="0" err="1" smtClean="0"/>
-              <a:t>byType</a:t>
-            </a:r>
-            <a:r>
-              <a:rPr lang="en-US" dirty="0" smtClean="0"/>
-              <a:t>, </a:t>
-            </a:r>
-            <a:r>
-              <a:rPr lang="en-US" dirty="0" err="1" smtClean="0"/>
-              <a:t>contructor</a:t>
-            </a:r>
-            <a:r>
-              <a:rPr lang="en-US" dirty="0" smtClean="0"/>
-              <a:t>, </a:t>
-            </a:r>
-            <a:r>
-              <a:rPr lang="en-US" dirty="0" err="1" smtClean="0"/>
-              <a:t>autodetect</a:t>
+          <a:bodyPr>
+            <a:normAutofit/>
+          </a:bodyPr>
+          <a:lstStyle/>
+          <a:p>
+            <a:r>
+              <a:rPr lang="en-US" dirty="0" smtClean="0"/>
+              <a:t>Bean </a:t>
+            </a:r>
+            <a:r>
+              <a:rPr lang="en-US" dirty="0" smtClean="0"/>
+              <a:t>Definition: </a:t>
+            </a:r>
+            <a:r>
+              <a:rPr lang="en-US" dirty="0" smtClean="0"/>
+              <a:t>xml, annotation, java code </a:t>
             </a:r>
             <a:endParaRPr lang="en-US" dirty="0" smtClean="0"/>
           </a:p>
           <a:p>
             <a:r>
               <a:rPr lang="en-US" dirty="0" smtClean="0"/>
-              <a:t>Bean Scope: singleton, prototype, request, session, application, </a:t>
+              <a:t>Bean </a:t>
+            </a:r>
+            <a:r>
+              <a:rPr lang="en-US" dirty="0" smtClean="0"/>
+              <a:t>Scope: singleton, prototype, request, session, application, </a:t>
             </a:r>
             <a:r>
               <a:rPr lang="en-US" dirty="0" err="1" smtClean="0"/>
@@ -4264,6 +4211,52 @@
             <a:r>
               <a:rPr lang="en-US" dirty="0" smtClean="0"/>
               <a:t>Bean Life Cycle: </a:t>
+            </a:r>
+            <a:endParaRPr lang="en-US" dirty="0" smtClean="0"/>
+          </a:p>
+          <a:p>
+            <a:pPr lvl="1"/>
+            <a:r>
+              <a:rPr lang="en-US" dirty="0" err="1" smtClean="0"/>
+              <a:t>Init</a:t>
+            </a:r>
+            <a:r>
+              <a:rPr lang="en-US" dirty="0" smtClean="0"/>
+              <a:t>-method</a:t>
+            </a:r>
+          </a:p>
+          <a:p>
+            <a:pPr lvl="1"/>
+            <a:r>
+              <a:rPr lang="en-US" dirty="0" smtClean="0"/>
+              <a:t>destroy-method:</a:t>
+            </a:r>
+          </a:p>
+          <a:p>
+            <a:pPr lvl="2"/>
+            <a:r>
+              <a:rPr lang="en-US" dirty="0" err="1" smtClean="0"/>
+              <a:t>AbstractApplicationContext</a:t>
+            </a:r>
+            <a:r>
+              <a:rPr lang="en-US" dirty="0" smtClean="0"/>
+              <a:t> context -&gt; </a:t>
+            </a:r>
+            <a:r>
+              <a:rPr lang="en-US" dirty="0"/>
+              <a:t>context </a:t>
+            </a:r>
+            <a:r>
+              <a:rPr lang="en-US" dirty="0" smtClean="0"/>
+              <a:t>.</a:t>
+            </a:r>
+            <a:r>
+              <a:rPr lang="en-US" dirty="0" err="1" smtClean="0"/>
+              <a:t>registerShutdownHook</a:t>
+            </a:r>
+            <a:r>
+              <a:rPr lang="en-US" dirty="0" smtClean="0"/>
+              <a:t>()</a:t>
             </a:r>
             <a:endParaRPr lang="en-US" dirty="0"/>
           </a:p>
@@ -4316,51 +4309,405 @@
           <a:p>
             <a:r>
               <a:rPr lang="en-US" dirty="0" smtClean="0"/>
-              <a:t>Dependency </a:t>
-            </a:r>
+              <a:t>Beans </a:t>
+            </a:r>
+            <a:r>
+              <a:rPr lang="en-US" dirty="0" err="1" smtClean="0"/>
+              <a:t>Difinition</a:t>
+            </a:r>
+            <a:endParaRPr lang="en-US" dirty="0"/>
+          </a:p>
+        </p:txBody>
+      </p:sp>
+      <p:sp>
+        <p:nvSpPr>
+          <p:cNvPr id="3" name="Content Placeholder 2"/>
+          <p:cNvSpPr>
+            <a:spLocks noGrp="1"/>
+          </p:cNvSpPr>
+          <p:nvPr>
+            <p:ph idx="1"/>
+          </p:nvPr>
+        </p:nvSpPr>
+        <p:spPr/>
+        <p:txBody>
+          <a:bodyPr>
+            <a:normAutofit fontScale="85000" lnSpcReduction="20000"/>
+          </a:bodyPr>
+          <a:lstStyle/>
+          <a:p>
+            <a:r>
+              <a:rPr lang="en-US" dirty="0" smtClean="0"/>
+              <a:t>XML</a:t>
+            </a:r>
+          </a:p>
+          <a:p>
+            <a:pPr lvl="1"/>
             <a:r>
               <a:rPr lang="en-US" dirty="0"/>
-              <a:t>I</a:t>
-            </a:r>
-            <a:r>
-              <a:rPr lang="en-US" dirty="0" smtClean="0"/>
-              <a:t>njection</a:t>
-            </a:r>
-            <a:endParaRPr lang="en-US" dirty="0"/>
-          </a:p>
-        </p:txBody>
-      </p:sp>
-      <p:sp>
-        <p:nvSpPr>
-          <p:cNvPr id="3" name="Content Placeholder 2"/>
-          <p:cNvSpPr>
-            <a:spLocks noGrp="1"/>
-          </p:cNvSpPr>
-          <p:nvPr>
-            <p:ph idx="1"/>
-          </p:nvPr>
-        </p:nvSpPr>
-        <p:spPr/>
-        <p:txBody>
-          <a:bodyPr/>
-          <a:lstStyle/>
-          <a:p>
+              <a:t>&lt;bean&gt;</a:t>
+            </a:r>
+          </a:p>
+          <a:p>
+            <a:pPr lvl="2"/>
             <a:r>
               <a:rPr lang="en-US" dirty="0"/>
-              <a:t>Constructor-based </a:t>
+              <a:t>name, class, </a:t>
+            </a:r>
+            <a:r>
+              <a:rPr lang="en-US" dirty="0" err="1" smtClean="0"/>
+              <a:t>contructor-arg</a:t>
+            </a:r>
+            <a:r>
+              <a:rPr lang="en-US" dirty="0" smtClean="0"/>
+              <a:t>, </a:t>
+            </a:r>
+            <a:r>
+              <a:rPr lang="en-US" dirty="0"/>
+              <a:t>properties, </a:t>
+            </a:r>
+            <a:r>
+              <a:rPr lang="en-US" dirty="0" err="1"/>
+              <a:t>init</a:t>
+            </a:r>
+            <a:r>
+              <a:rPr lang="en-US" dirty="0"/>
+              <a:t>-method, destroy-method, </a:t>
+            </a:r>
+            <a:r>
+              <a:rPr lang="en-US" dirty="0" smtClean="0"/>
+              <a:t>scope</a:t>
+            </a:r>
+          </a:p>
+          <a:p>
+            <a:pPr lvl="2"/>
+            <a:r>
+              <a:rPr lang="en-US" dirty="0" err="1" smtClean="0"/>
+              <a:t>Autowire</a:t>
+            </a:r>
+            <a:r>
+              <a:rPr lang="en-US" dirty="0" smtClean="0"/>
+              <a:t>: </a:t>
+            </a:r>
+            <a:r>
+              <a:rPr lang="en-US" dirty="0"/>
+              <a:t>No, </a:t>
+            </a:r>
+            <a:r>
+              <a:rPr lang="en-US" dirty="0" err="1"/>
+              <a:t>byType</a:t>
+            </a:r>
+            <a:r>
+              <a:rPr lang="en-US" dirty="0"/>
+              <a:t>, </a:t>
+            </a:r>
+            <a:r>
+              <a:rPr lang="en-US" dirty="0" err="1"/>
+              <a:t>byName</a:t>
+            </a:r>
+            <a:r>
+              <a:rPr lang="en-US" dirty="0"/>
+              <a:t>, </a:t>
+            </a:r>
+            <a:r>
+              <a:rPr lang="en-US" dirty="0" err="1"/>
+              <a:t>contructor</a:t>
+            </a:r>
+            <a:r>
+              <a:rPr lang="en-US" dirty="0"/>
+              <a:t>, </a:t>
+            </a:r>
+            <a:r>
+              <a:rPr lang="en-US" dirty="0" err="1" smtClean="0"/>
+              <a:t>autodetect</a:t>
+            </a:r>
+            <a:endParaRPr lang="en-US" dirty="0"/>
+          </a:p>
+          <a:p>
+            <a:pPr lvl="1"/>
+            <a:r>
+              <a:rPr lang="en-US" dirty="0"/>
+              <a:t>&lt;property&gt;</a:t>
+            </a:r>
+          </a:p>
+          <a:p>
+            <a:pPr lvl="1"/>
+            <a:r>
+              <a:rPr lang="en-US" dirty="0"/>
+              <a:t>&lt;constructor-</a:t>
+            </a:r>
+            <a:r>
+              <a:rPr lang="en-US" dirty="0" err="1"/>
+              <a:t>arg</a:t>
+            </a:r>
+            <a:r>
+              <a:rPr lang="en-US" dirty="0"/>
+              <a:t>&gt; </a:t>
             </a:r>
             <a:endParaRPr lang="en-US" dirty="0" smtClean="0"/>
           </a:p>
           <a:p>
             <a:r>
               <a:rPr lang="en-US" dirty="0" smtClean="0"/>
-              <a:t>Setter-based</a:t>
-            </a:r>
-          </a:p>
-          <a:p>
-            <a:pPr marL="45720" indent="0">
-              <a:buNone/>
-            </a:pPr>
+              <a:t>Annotation </a:t>
+            </a:r>
+            <a:r>
+              <a:rPr lang="en-US" dirty="0"/>
+              <a:t>Base </a:t>
+            </a:r>
+            <a:r>
+              <a:rPr lang="en-US" dirty="0" smtClean="0"/>
+              <a:t>Configure: </a:t>
+            </a:r>
+          </a:p>
+          <a:p>
+            <a:pPr lvl="1"/>
+            <a:r>
+              <a:rPr lang="en-US" dirty="0" err="1" smtClean="0"/>
+              <a:t>thêm</a:t>
+            </a:r>
+            <a:r>
+              <a:rPr lang="en-US" dirty="0" smtClean="0"/>
+              <a:t> </a:t>
+            </a:r>
+            <a:r>
+              <a:rPr lang="en-US" dirty="0" err="1" smtClean="0"/>
+              <a:t>cấu</a:t>
+            </a:r>
+            <a:r>
+              <a:rPr lang="en-US" dirty="0" smtClean="0"/>
+              <a:t> </a:t>
+            </a:r>
+            <a:r>
+              <a:rPr lang="en-US" dirty="0" err="1" smtClean="0"/>
+              <a:t>hình</a:t>
+            </a:r>
+            <a:r>
+              <a:rPr lang="en-US" dirty="0" smtClean="0"/>
+              <a:t> </a:t>
+            </a:r>
+            <a:r>
+              <a:rPr lang="en-US" dirty="0" err="1" smtClean="0"/>
+              <a:t>trong</a:t>
+            </a:r>
+            <a:r>
+              <a:rPr lang="en-US" dirty="0" smtClean="0"/>
+              <a:t> xml configure: </a:t>
+            </a:r>
+            <a:r>
+              <a:rPr lang="en-US" dirty="0"/>
+              <a:t>&lt;</a:t>
+            </a:r>
+            <a:r>
+              <a:rPr lang="en-US" dirty="0" err="1"/>
+              <a:t>context:annotation-config</a:t>
+            </a:r>
+            <a:r>
+              <a:rPr lang="en-US" dirty="0" smtClean="0"/>
+              <a:t>/&gt;, </a:t>
+            </a:r>
+            <a:r>
+              <a:rPr lang="en-US" dirty="0" err="1" smtClean="0"/>
+              <a:t>trong</a:t>
+            </a:r>
+            <a:r>
+              <a:rPr lang="en-US" dirty="0" smtClean="0"/>
+              <a:t> &lt;beans …&gt;</a:t>
+            </a:r>
+            <a:endParaRPr lang="en-US" dirty="0" smtClean="0"/>
+          </a:p>
+          <a:p>
+            <a:pPr lvl="1"/>
+            <a:r>
+              <a:rPr lang="en-US" dirty="0" smtClean="0"/>
+              <a:t>@Required: </a:t>
+            </a:r>
+            <a:r>
+              <a:rPr lang="en-US" dirty="0" err="1" smtClean="0"/>
+              <a:t>thực</a:t>
+            </a:r>
+            <a:r>
+              <a:rPr lang="en-US" dirty="0" smtClean="0"/>
+              <a:t> </a:t>
+            </a:r>
+            <a:r>
+              <a:rPr lang="en-US" dirty="0" err="1" smtClean="0"/>
+              <a:t>hiên</a:t>
+            </a:r>
+            <a:r>
+              <a:rPr lang="en-US" dirty="0" smtClean="0"/>
+              <a:t> </a:t>
+            </a:r>
+            <a:r>
+              <a:rPr lang="en-US" dirty="0" err="1" smtClean="0"/>
+              <a:t>trên</a:t>
+            </a:r>
+            <a:r>
+              <a:rPr lang="en-US" dirty="0" smtClean="0"/>
+              <a:t> </a:t>
+            </a:r>
+            <a:r>
+              <a:rPr lang="en-US" dirty="0" err="1" smtClean="0"/>
+              <a:t>các</a:t>
+            </a:r>
+            <a:r>
+              <a:rPr lang="en-US" dirty="0" smtClean="0"/>
+              <a:t> property setter method</a:t>
+            </a:r>
+          </a:p>
+          <a:p>
+            <a:pPr lvl="1"/>
+            <a:r>
+              <a:rPr lang="en-US" dirty="0" smtClean="0"/>
+              <a:t>@</a:t>
+            </a:r>
+            <a:r>
+              <a:rPr lang="en-US" dirty="0" err="1" smtClean="0"/>
+              <a:t>Autowired</a:t>
+            </a:r>
+            <a:r>
+              <a:rPr lang="en-US" dirty="0" smtClean="0"/>
+              <a:t>: </a:t>
+            </a:r>
+            <a:r>
+              <a:rPr lang="en-US" dirty="0" err="1" smtClean="0"/>
+              <a:t>trên</a:t>
+            </a:r>
+            <a:r>
+              <a:rPr lang="en-US" dirty="0" smtClean="0"/>
+              <a:t> </a:t>
+            </a:r>
+            <a:r>
+              <a:rPr lang="en-US" dirty="0" err="1" smtClean="0"/>
+              <a:t>contructor</a:t>
+            </a:r>
+            <a:r>
+              <a:rPr lang="en-US" dirty="0" smtClean="0"/>
+              <a:t>, properties, property setter method, non-setter method</a:t>
+            </a:r>
+          </a:p>
+          <a:p>
+            <a:pPr lvl="2"/>
+            <a:r>
+              <a:rPr lang="en-US" dirty="0"/>
+              <a:t>@</a:t>
+            </a:r>
+            <a:r>
+              <a:rPr lang="en-US" dirty="0" err="1"/>
+              <a:t>Autowired</a:t>
+            </a:r>
+            <a:r>
+              <a:rPr lang="en-US" dirty="0"/>
+              <a:t>(required=false</a:t>
+            </a:r>
+            <a:r>
+              <a:rPr lang="en-US" dirty="0" smtClean="0"/>
+              <a:t>): </a:t>
+            </a:r>
+            <a:r>
+              <a:rPr lang="en-US" dirty="0" err="1" smtClean="0"/>
+              <a:t>mặc</a:t>
+            </a:r>
+            <a:r>
+              <a:rPr lang="en-US" dirty="0" smtClean="0"/>
+              <a:t> </a:t>
+            </a:r>
+            <a:r>
+              <a:rPr lang="en-US" dirty="0" err="1" smtClean="0"/>
+              <a:t>định</a:t>
+            </a:r>
+            <a:r>
+              <a:rPr lang="en-US" dirty="0" smtClean="0"/>
+              <a:t> </a:t>
+            </a:r>
+            <a:r>
+              <a:rPr lang="en-US" dirty="0" err="1" smtClean="0"/>
+              <a:t>yêu</a:t>
+            </a:r>
+            <a:r>
+              <a:rPr lang="en-US" dirty="0" smtClean="0"/>
+              <a:t> </a:t>
+            </a:r>
+            <a:r>
+              <a:rPr lang="en-US" dirty="0" err="1" smtClean="0"/>
+              <a:t>cầu</a:t>
+            </a:r>
+            <a:r>
+              <a:rPr lang="en-US" dirty="0" smtClean="0"/>
+              <a:t> required</a:t>
+            </a:r>
+          </a:p>
+          <a:p>
+            <a:pPr lvl="2"/>
+            <a:r>
+              <a:rPr lang="en-US" dirty="0" err="1" smtClean="0"/>
+              <a:t>Cố</a:t>
+            </a:r>
+            <a:r>
+              <a:rPr lang="en-US" dirty="0" smtClean="0"/>
+              <a:t> </a:t>
+            </a:r>
+            <a:r>
+              <a:rPr lang="en-US" dirty="0" err="1" smtClean="0"/>
+              <a:t>gắng</a:t>
+            </a:r>
+            <a:r>
+              <a:rPr lang="en-US" dirty="0" smtClean="0"/>
+              <a:t> </a:t>
+            </a:r>
+            <a:r>
+              <a:rPr lang="en-US" dirty="0" err="1" smtClean="0"/>
+              <a:t>thực</a:t>
+            </a:r>
+            <a:r>
+              <a:rPr lang="en-US" dirty="0" smtClean="0"/>
+              <a:t> </a:t>
+            </a:r>
+            <a:r>
+              <a:rPr lang="en-US" dirty="0" err="1" smtClean="0"/>
+              <a:t>hiện</a:t>
+            </a:r>
+            <a:r>
+              <a:rPr lang="en-US" dirty="0" smtClean="0"/>
+              <a:t> </a:t>
+            </a:r>
+            <a:r>
+              <a:rPr lang="en-US" dirty="0" err="1" smtClean="0"/>
+              <a:t>autowiring</a:t>
+            </a:r>
+            <a:r>
+              <a:rPr lang="en-US" dirty="0" smtClean="0"/>
+              <a:t> </a:t>
+            </a:r>
+            <a:r>
+              <a:rPr lang="en-US" dirty="0" err="1" smtClean="0"/>
+              <a:t>byType</a:t>
+            </a:r>
+            <a:r>
+              <a:rPr lang="en-US" dirty="0" smtClean="0"/>
+              <a:t> </a:t>
+            </a:r>
+            <a:r>
+              <a:rPr lang="en-US" dirty="0" err="1" smtClean="0"/>
+              <a:t>trước</a:t>
+            </a:r>
+            <a:endParaRPr lang="en-US" dirty="0" smtClean="0"/>
+          </a:p>
+          <a:p>
+            <a:pPr lvl="1"/>
+            <a:r>
+              <a:rPr lang="en-US" dirty="0" smtClean="0"/>
+              <a:t>@Qualifier: </a:t>
+            </a:r>
+            <a:endParaRPr lang="en-US" dirty="0"/>
+          </a:p>
+          <a:p>
+            <a:r>
+              <a:rPr lang="en-US" dirty="0"/>
+              <a:t>Java Base Configure</a:t>
+            </a:r>
+          </a:p>
+          <a:p>
             <a:endParaRPr lang="en-US" dirty="0"/>
           </a:p>
         </p:txBody>
@@ -4368,7 +4715,7 @@
     </p:spTree>
     <p:extLst>
       <p:ext uri="{BB962C8B-B14F-4D97-AF65-F5344CB8AC3E}">
-        <p14:creationId xmlns:p14="http://schemas.microsoft.com/office/powerpoint/2010/main" val="1736113905"/>
+        <p14:creationId xmlns:p14="http://schemas.microsoft.com/office/powerpoint/2010/main" val="2466659363"/>
       </p:ext>
     </p:extLst>
   </p:cSld>
@@ -4412,7 +4759,15 @@
           <a:p>
             <a:r>
               <a:rPr lang="en-US" dirty="0" smtClean="0"/>
-              <a:t>Configure metadata</a:t>
+              <a:t>Dependency </a:t>
+            </a:r>
+            <a:r>
+              <a:rPr lang="en-US" dirty="0"/>
+              <a:t>I</a:t>
+            </a:r>
+            <a:r>
+              <a:rPr lang="en-US" dirty="0" smtClean="0"/>
+              <a:t>njection</a:t>
             </a:r>
             <a:endParaRPr lang="en-US" dirty="0"/>
           </a:p>
@@ -4435,26 +4790,29 @@
           <a:p>
             <a:r>
               <a:rPr lang="en-US" dirty="0" smtClean="0"/>
-              <a:t>XML</a:t>
-            </a:r>
-          </a:p>
-          <a:p>
-            <a:r>
-              <a:rPr lang="en-US" dirty="0" smtClean="0"/>
-              <a:t>Annotation </a:t>
-            </a:r>
-            <a:r>
-              <a:rPr lang="en-US" dirty="0"/>
-              <a:t>Base Configure</a:t>
-            </a:r>
-          </a:p>
-          <a:p>
-            <a:r>
-              <a:rPr lang="en-US" dirty="0"/>
-              <a:t>Java Base Configure</a:t>
-            </a:r>
-          </a:p>
-          <a:p>
+              <a:t>Constructor-based: &lt;constructor-</a:t>
+            </a:r>
+            <a:r>
+              <a:rPr lang="en-US" dirty="0" err="1" smtClean="0"/>
+              <a:t>arg</a:t>
+            </a:r>
+            <a:r>
+              <a:rPr lang="en-US" dirty="0" smtClean="0"/>
+              <a:t> name=“…” value||ref=“…” /&gt;</a:t>
+            </a:r>
+            <a:endParaRPr lang="en-US" dirty="0" smtClean="0"/>
+          </a:p>
+          <a:p>
+            <a:r>
+              <a:rPr lang="en-US" dirty="0" smtClean="0"/>
+              <a:t>Setter-based: &lt;property name=“…” value||ref=“…” /&gt;</a:t>
+            </a:r>
+            <a:endParaRPr lang="en-US" dirty="0" smtClean="0"/>
+          </a:p>
+          <a:p>
+            <a:pPr marL="45720" indent="0">
+              <a:buNone/>
+            </a:pPr>
             <a:endParaRPr lang="en-US" dirty="0"/>
           </a:p>
         </p:txBody>
@@ -4462,7 +4820,7 @@
     </p:spTree>
     <p:extLst>
       <p:ext uri="{BB962C8B-B14F-4D97-AF65-F5344CB8AC3E}">
-        <p14:creationId xmlns:p14="http://schemas.microsoft.com/office/powerpoint/2010/main" val="2466659363"/>
+        <p14:creationId xmlns:p14="http://schemas.microsoft.com/office/powerpoint/2010/main" val="1736113905"/>
       </p:ext>
     </p:extLst>
   </p:cSld>

--- a/Spring.pptx
+++ b/Spring.pptx
@@ -4180,26 +4180,13 @@
           <a:p>
             <a:r>
               <a:rPr lang="en-US" dirty="0" smtClean="0"/>
-              <a:t>Bean </a:t>
-            </a:r>
-            <a:r>
-              <a:rPr lang="en-US" dirty="0" smtClean="0"/>
-              <a:t>Definition: </a:t>
-            </a:r>
-            <a:r>
-              <a:rPr lang="en-US" dirty="0" smtClean="0"/>
-              <a:t>xml, annotation, java code </a:t>
-            </a:r>
-            <a:endParaRPr lang="en-US" dirty="0" smtClean="0"/>
-          </a:p>
-          <a:p>
-            <a:r>
-              <a:rPr lang="en-US" dirty="0" smtClean="0"/>
-              <a:t>Bean </a:t>
-            </a:r>
-            <a:r>
-              <a:rPr lang="en-US" dirty="0" smtClean="0"/>
-              <a:t>Scope: singleton, prototype, request, session, application, </a:t>
+              <a:t>Bean Definition: xml, annotation, java code </a:t>
+            </a:r>
+          </a:p>
+          <a:p>
+            <a:r>
+              <a:rPr lang="en-US" dirty="0" smtClean="0"/>
+              <a:t>Bean Scope: singleton, prototype, request, session, application, </a:t>
             </a:r>
             <a:r>
               <a:rPr lang="en-US" dirty="0" err="1" smtClean="0"/>
@@ -4212,7 +4199,6 @@
               <a:rPr lang="en-US" dirty="0" smtClean="0"/>
               <a:t>Bean Life Cycle: </a:t>
             </a:r>
-            <a:endParaRPr lang="en-US" dirty="0" smtClean="0"/>
           </a:p>
           <a:p>
             <a:pPr lvl="1"/>
@@ -4514,7 +4500,6 @@
               <a:rPr lang="en-US" dirty="0" smtClean="0"/>
               <a:t> &lt;beans …&gt;</a:t>
             </a:r>
-            <a:endParaRPr lang="en-US" dirty="0" smtClean="0"/>
           </a:p>
           <a:p>
             <a:pPr lvl="1"/>
@@ -4641,7 +4626,15 @@
             <a:pPr lvl="2"/>
             <a:r>
               <a:rPr lang="en-US" dirty="0" err="1" smtClean="0"/>
-              <a:t>Cố</a:t>
+              <a:t>Chỉ</a:t>
+            </a:r>
+            <a:r>
+              <a:rPr lang="en-US" dirty="0" smtClean="0"/>
+              <a:t> </a:t>
+            </a:r>
+            <a:r>
+              <a:rPr lang="en-US" dirty="0" err="1" smtClean="0"/>
+              <a:t>cố</a:t>
             </a:r>
             <a:r>
               <a:rPr lang="en-US" dirty="0" smtClean="0"/>
@@ -4682,14 +4675,6 @@
             <a:r>
               <a:rPr lang="en-US" dirty="0" err="1" smtClean="0"/>
               <a:t>byType</a:t>
-            </a:r>
-            <a:r>
-              <a:rPr lang="en-US" dirty="0" smtClean="0"/>
-              <a:t> </a:t>
-            </a:r>
-            <a:r>
-              <a:rPr lang="en-US" dirty="0" err="1" smtClean="0"/>
-              <a:t>trước</a:t>
             </a:r>
             <a:endParaRPr lang="en-US" dirty="0" smtClean="0"/>
           </a:p>
@@ -4800,14 +4785,12 @@
               <a:rPr lang="en-US" dirty="0" smtClean="0"/>
               <a:t> name=“…” value||ref=“…” /&gt;</a:t>
             </a:r>
-            <a:endParaRPr lang="en-US" dirty="0" smtClean="0"/>
           </a:p>
           <a:p>
             <a:r>
               <a:rPr lang="en-US" dirty="0" smtClean="0"/>
               <a:t>Setter-based: &lt;property name=“…” value||ref=“…” /&gt;</a:t>
             </a:r>
-            <a:endParaRPr lang="en-US" dirty="0" smtClean="0"/>
           </a:p>
           <a:p>
             <a:pPr marL="45720" indent="0">

--- a/Spring.pptx
+++ b/Spring.pptx
@@ -10,11 +10,14 @@
     <p:sldId id="261" r:id="rId4"/>
     <p:sldId id="257" r:id="rId5"/>
     <p:sldId id="262" r:id="rId6"/>
-    <p:sldId id="263" r:id="rId7"/>
-    <p:sldId id="265" r:id="rId8"/>
-    <p:sldId id="264" r:id="rId9"/>
-    <p:sldId id="258" r:id="rId10"/>
-    <p:sldId id="260" r:id="rId11"/>
+    <p:sldId id="268" r:id="rId7"/>
+    <p:sldId id="263" r:id="rId8"/>
+    <p:sldId id="265" r:id="rId9"/>
+    <p:sldId id="266" r:id="rId10"/>
+    <p:sldId id="267" r:id="rId11"/>
+    <p:sldId id="264" r:id="rId12"/>
+    <p:sldId id="258" r:id="rId13"/>
+    <p:sldId id="260" r:id="rId14"/>
   </p:sldIdLst>
   <p:sldSz cx="12192000" cy="6858000"/>
   <p:notesSz cx="6858000" cy="9144000"/>
@@ -115,7 +118,7 @@
   </p:defaultTextStyle>
   <p:extLst>
     <p:ext uri="{EFAFB233-063F-42B5-8137-9DF3F51BA10A}">
-      <p15:sldGuideLst xmlns:p15="http://schemas.microsoft.com/office/powerpoint/2012/main"/>
+      <p15:sldGuideLst xmlns:p15="http://schemas.microsoft.com/office/powerpoint/2012/main" xmlns=""/>
     </p:ext>
   </p:extLst>
 </p:presentation>
@@ -3406,6 +3409,619 @@
           <a:lstStyle/>
           <a:p>
             <a:r>
+              <a:rPr lang="en-US" smtClean="0"/>
+              <a:t>Beans</a:t>
+            </a:r>
+            <a:endParaRPr lang="en-US" dirty="0"/>
+          </a:p>
+        </p:txBody>
+      </p:sp>
+      <p:sp>
+        <p:nvSpPr>
+          <p:cNvPr id="3" name="Content Placeholder 2"/>
+          <p:cNvSpPr>
+            <a:spLocks noGrp="1"/>
+          </p:cNvSpPr>
+          <p:nvPr>
+            <p:ph idx="1"/>
+          </p:nvPr>
+        </p:nvSpPr>
+        <p:spPr>
+          <a:xfrm>
+            <a:off x="910989" y="1525136"/>
+            <a:ext cx="9010934" cy="5080379"/>
+          </a:xfrm>
+        </p:spPr>
+        <p:txBody>
+          <a:bodyPr>
+            <a:noAutofit/>
+          </a:bodyPr>
+          <a:lstStyle/>
+          <a:p>
+            <a:pPr marL="45720" indent="0">
+              <a:buNone/>
+            </a:pPr>
+            <a:r>
+              <a:rPr lang="en-US" sz="2800">
+                <a:solidFill>
+                  <a:schemeClr val="tx1"/>
+                </a:solidFill>
+              </a:rPr>
+              <a:t>Beans </a:t>
+            </a:r>
+            <a:r>
+              <a:rPr lang="en-US" sz="2800" smtClean="0">
+                <a:solidFill>
+                  <a:schemeClr val="tx1"/>
+                </a:solidFill>
+              </a:rPr>
+              <a:t>Life Cycle</a:t>
+            </a:r>
+            <a:endParaRPr lang="en-US" sz="2800">
+              <a:solidFill>
+                <a:schemeClr val="tx1"/>
+              </a:solidFill>
+            </a:endParaRPr>
+          </a:p>
+          <a:p>
+            <a:endParaRPr lang="en-US" sz="1600" dirty="0">
+              <a:solidFill>
+                <a:schemeClr val="tx1"/>
+              </a:solidFill>
+            </a:endParaRPr>
+          </a:p>
+        </p:txBody>
+      </p:sp>
+    </p:spTree>
+    <p:extLst>
+      <p:ext uri="{BB962C8B-B14F-4D97-AF65-F5344CB8AC3E}">
+        <p14:creationId xmlns:p14="http://schemas.microsoft.com/office/powerpoint/2010/main" val="882262097"/>
+      </p:ext>
+    </p:extLst>
+  </p:cSld>
+  <p:clrMapOvr>
+    <a:masterClrMapping/>
+  </p:clrMapOvr>
+  <p:timing>
+    <p:tnLst>
+      <p:par>
+        <p:cTn id="1" dur="indefinite" restart="never" nodeType="tmRoot"/>
+      </p:par>
+    </p:tnLst>
+  </p:timing>
+</p:sld>
+</file>
+
+<file path=ppt/slides/slide11.xml><?xml version="1.0" encoding="utf-8"?>
+<p:sld xmlns:a="http://schemas.openxmlformats.org/drawingml/2006/main" xmlns:r="http://schemas.openxmlformats.org/officeDocument/2006/relationships" xmlns:p="http://schemas.openxmlformats.org/presentationml/2006/main">
+  <p:cSld>
+    <p:spTree>
+      <p:nvGrpSpPr>
+        <p:cNvPr id="1" name=""/>
+        <p:cNvGrpSpPr/>
+        <p:nvPr/>
+      </p:nvGrpSpPr>
+      <p:grpSpPr>
+        <a:xfrm>
+          <a:off x="0" y="0"/>
+          <a:ext cx="0" cy="0"/>
+          <a:chOff x="0" y="0"/>
+          <a:chExt cx="0" cy="0"/>
+        </a:xfrm>
+      </p:grpSpPr>
+      <p:sp>
+        <p:nvSpPr>
+          <p:cNvPr id="2" name="Title 1"/>
+          <p:cNvSpPr>
+            <a:spLocks noGrp="1"/>
+          </p:cNvSpPr>
+          <p:nvPr>
+            <p:ph type="title"/>
+          </p:nvPr>
+        </p:nvSpPr>
+        <p:spPr/>
+        <p:txBody>
+          <a:bodyPr/>
+          <a:lstStyle/>
+          <a:p>
+            <a:r>
+              <a:rPr lang="en-US" dirty="0" smtClean="0"/>
+              <a:t>Dependency </a:t>
+            </a:r>
+            <a:r>
+              <a:rPr lang="en-US" dirty="0"/>
+              <a:t>I</a:t>
+            </a:r>
+            <a:r>
+              <a:rPr lang="en-US" dirty="0" smtClean="0"/>
+              <a:t>njection</a:t>
+            </a:r>
+            <a:endParaRPr lang="en-US" dirty="0"/>
+          </a:p>
+        </p:txBody>
+      </p:sp>
+      <p:sp>
+        <p:nvSpPr>
+          <p:cNvPr id="3" name="Content Placeholder 2"/>
+          <p:cNvSpPr>
+            <a:spLocks noGrp="1"/>
+          </p:cNvSpPr>
+          <p:nvPr>
+            <p:ph idx="1"/>
+          </p:nvPr>
+        </p:nvSpPr>
+        <p:spPr>
+          <a:xfrm>
+            <a:off x="1143000" y="1733266"/>
+            <a:ext cx="9872871" cy="4362734"/>
+          </a:xfrm>
+        </p:spPr>
+        <p:txBody>
+          <a:bodyPr>
+            <a:normAutofit fontScale="92500" lnSpcReduction="20000"/>
+          </a:bodyPr>
+          <a:lstStyle/>
+          <a:p>
+            <a:pPr marL="45720" indent="0">
+              <a:buNone/>
+            </a:pPr>
+            <a:r>
+              <a:rPr lang="en-US" sz="2400" smtClean="0">
+                <a:solidFill>
+                  <a:schemeClr val="tx1"/>
+                </a:solidFill>
+              </a:rPr>
+              <a:t>DI: </a:t>
+            </a:r>
+          </a:p>
+          <a:p>
+            <a:pPr marL="45720" indent="0">
+              <a:buNone/>
+            </a:pPr>
+            <a:r>
+              <a:rPr lang="en-US" sz="2400" smtClean="0">
+                <a:solidFill>
+                  <a:schemeClr val="tx1"/>
+                </a:solidFill>
+              </a:rPr>
+              <a:t>DI trong Spring</a:t>
+            </a:r>
+            <a:endParaRPr lang="en-US" sz="2400" smtClean="0">
+              <a:solidFill>
+                <a:schemeClr val="tx1"/>
+              </a:solidFill>
+            </a:endParaRPr>
+          </a:p>
+          <a:p>
+            <a:r>
+              <a:rPr lang="en-US" sz="2400" smtClean="0">
+                <a:solidFill>
+                  <a:schemeClr val="tx1"/>
+                </a:solidFill>
+              </a:rPr>
+              <a:t>XML</a:t>
+            </a:r>
+          </a:p>
+          <a:p>
+            <a:pPr lvl="1"/>
+            <a:r>
+              <a:rPr lang="en-US" sz="2400" smtClean="0">
+                <a:solidFill>
+                  <a:schemeClr val="tx1"/>
+                </a:solidFill>
+              </a:rPr>
+              <a:t>Constructor-based</a:t>
+            </a:r>
+            <a:r>
+              <a:rPr lang="en-US" sz="2400" dirty="0" smtClean="0">
+                <a:solidFill>
+                  <a:schemeClr val="tx1"/>
+                </a:solidFill>
+              </a:rPr>
+              <a:t>: &lt;constructor-</a:t>
+            </a:r>
+            <a:r>
+              <a:rPr lang="en-US" sz="2400" dirty="0" err="1" smtClean="0">
+                <a:solidFill>
+                  <a:schemeClr val="tx1"/>
+                </a:solidFill>
+              </a:rPr>
+              <a:t>arg</a:t>
+            </a:r>
+            <a:r>
+              <a:rPr lang="en-US" sz="2400" dirty="0" smtClean="0">
+                <a:solidFill>
+                  <a:schemeClr val="tx1"/>
+                </a:solidFill>
+              </a:rPr>
+              <a:t> name</a:t>
+            </a:r>
+            <a:r>
+              <a:rPr lang="en-US" sz="2400" smtClean="0">
+                <a:solidFill>
+                  <a:schemeClr val="tx1"/>
+                </a:solidFill>
+              </a:rPr>
+              <a:t>=“…” </a:t>
+            </a:r>
+            <a:r>
+              <a:rPr lang="en-US" sz="2400" smtClean="0">
+                <a:solidFill>
+                  <a:schemeClr val="tx1"/>
+                </a:solidFill>
+              </a:rPr>
+              <a:t>value|ref</a:t>
+            </a:r>
+            <a:r>
+              <a:rPr lang="en-US" sz="2400" dirty="0" smtClean="0">
+                <a:solidFill>
+                  <a:schemeClr val="tx1"/>
+                </a:solidFill>
+              </a:rPr>
+              <a:t>=“…” /&gt;</a:t>
+            </a:r>
+          </a:p>
+          <a:p>
+            <a:pPr lvl="1"/>
+            <a:r>
+              <a:rPr lang="en-US" sz="2400" dirty="0" smtClean="0">
+                <a:solidFill>
+                  <a:schemeClr val="tx1"/>
+                </a:solidFill>
+              </a:rPr>
+              <a:t>Setter-based: &lt;property name</a:t>
+            </a:r>
+            <a:r>
+              <a:rPr lang="en-US" sz="2400" smtClean="0">
+                <a:solidFill>
+                  <a:schemeClr val="tx1"/>
+                </a:solidFill>
+              </a:rPr>
+              <a:t>=“…” </a:t>
+            </a:r>
+            <a:r>
+              <a:rPr lang="en-US" sz="2400" smtClean="0">
+                <a:solidFill>
+                  <a:schemeClr val="tx1"/>
+                </a:solidFill>
+              </a:rPr>
+              <a:t>value|ref</a:t>
+            </a:r>
+            <a:r>
+              <a:rPr lang="en-US" sz="2400" dirty="0" smtClean="0">
+                <a:solidFill>
+                  <a:schemeClr val="tx1"/>
+                </a:solidFill>
+              </a:rPr>
+              <a:t>=“…” /&gt;</a:t>
+            </a:r>
+          </a:p>
+          <a:p>
+            <a:r>
+              <a:rPr lang="en-US" sz="2400" smtClean="0">
+                <a:solidFill>
+                  <a:schemeClr val="tx1"/>
+                </a:solidFill>
+              </a:rPr>
+              <a:t>Annotation</a:t>
+            </a:r>
+          </a:p>
+          <a:p>
+            <a:pPr lvl="1"/>
+            <a:r>
+              <a:rPr lang="en-US">
+                <a:solidFill>
+                  <a:schemeClr val="tx1"/>
+                </a:solidFill>
+              </a:rPr>
+              <a:t>thêm cấu hình trong xml configure: &lt;context:annotation-config/&gt;, trong &lt;beans …&gt;</a:t>
+            </a:r>
+          </a:p>
+          <a:p>
+            <a:pPr lvl="1"/>
+            <a:r>
+              <a:rPr lang="en-US">
+                <a:solidFill>
+                  <a:schemeClr val="tx1"/>
+                </a:solidFill>
+              </a:rPr>
+              <a:t>@Required: thực hiện trên các property setter method</a:t>
+            </a:r>
+          </a:p>
+          <a:p>
+            <a:pPr lvl="1"/>
+            <a:r>
+              <a:rPr lang="en-US">
+                <a:solidFill>
+                  <a:schemeClr val="tx1"/>
+                </a:solidFill>
+              </a:rPr>
+              <a:t>@Autowired: trên contructor, properties, property setter method, non-setter method</a:t>
+            </a:r>
+          </a:p>
+          <a:p>
+            <a:pPr lvl="2"/>
+            <a:r>
+              <a:rPr lang="en-US">
+                <a:solidFill>
+                  <a:schemeClr val="tx1"/>
+                </a:solidFill>
+              </a:rPr>
+              <a:t>@Autowired(required=false</a:t>
+            </a:r>
+            <a:r>
+              <a:rPr lang="en-US">
+                <a:solidFill>
+                  <a:schemeClr val="tx1"/>
+                </a:solidFill>
+              </a:rPr>
+              <a:t>): </a:t>
+            </a:r>
+            <a:r>
+              <a:rPr lang="en-US" smtClean="0">
+                <a:solidFill>
+                  <a:schemeClr val="tx1"/>
+                </a:solidFill>
+              </a:rPr>
+              <a:t>bỏ mặc </a:t>
+            </a:r>
+            <a:r>
+              <a:rPr lang="en-US">
+                <a:solidFill>
+                  <a:schemeClr val="tx1"/>
+                </a:solidFill>
+              </a:rPr>
+              <a:t>định yêu cầu required</a:t>
+            </a:r>
+          </a:p>
+          <a:p>
+            <a:pPr lvl="2"/>
+            <a:r>
+              <a:rPr lang="en-US" smtClean="0">
+                <a:solidFill>
+                  <a:schemeClr val="tx1"/>
+                </a:solidFill>
+              </a:rPr>
+              <a:t>Cố </a:t>
+            </a:r>
+            <a:r>
+              <a:rPr lang="en-US">
+                <a:solidFill>
+                  <a:schemeClr val="tx1"/>
+                </a:solidFill>
+              </a:rPr>
+              <a:t>gắng thực hiện </a:t>
+            </a:r>
+            <a:r>
+              <a:rPr lang="en-US">
+                <a:solidFill>
+                  <a:schemeClr val="tx1"/>
+                </a:solidFill>
+              </a:rPr>
+              <a:t>autowiring </a:t>
+            </a:r>
+            <a:r>
+              <a:rPr lang="en-US" smtClean="0">
+                <a:solidFill>
+                  <a:schemeClr val="tx1"/>
+                </a:solidFill>
+              </a:rPr>
+              <a:t>theo byType</a:t>
+            </a:r>
+            <a:endParaRPr lang="en-US">
+              <a:solidFill>
+                <a:schemeClr val="tx1"/>
+              </a:solidFill>
+            </a:endParaRPr>
+          </a:p>
+          <a:p>
+            <a:pPr lvl="1"/>
+            <a:r>
+              <a:rPr lang="en-US">
+                <a:solidFill>
+                  <a:schemeClr val="tx1"/>
+                </a:solidFill>
+              </a:rPr>
+              <a:t>@Qualifier</a:t>
+            </a:r>
+            <a:r>
+              <a:rPr lang="en-US" sz="1800">
+                <a:solidFill>
+                  <a:schemeClr val="tx1"/>
+                </a:solidFill>
+              </a:rPr>
+              <a:t>: </a:t>
+            </a:r>
+            <a:r>
+              <a:rPr lang="en-US" sz="1800" smtClean="0">
+                <a:solidFill>
+                  <a:schemeClr val="tx1"/>
+                </a:solidFill>
+              </a:rPr>
+              <a:t>có nhiều bean cùng kiểu, để xác định rõ sẽ wire với bean nào bằng định danh name</a:t>
+            </a:r>
+          </a:p>
+          <a:p>
+            <a:pPr lvl="1"/>
+            <a:r>
+              <a:rPr lang="vi-VN" sz="1800">
+                <a:solidFill>
+                  <a:schemeClr val="tx1"/>
+                </a:solidFill>
+              </a:rPr>
+              <a:t>@</a:t>
+            </a:r>
+            <a:r>
+              <a:rPr lang="vi-VN" sz="1800" smtClean="0">
+                <a:solidFill>
+                  <a:schemeClr val="tx1"/>
+                </a:solidFill>
+              </a:rPr>
+              <a:t>PostConstruct, @PreDestroy, </a:t>
+            </a:r>
+            <a:r>
+              <a:rPr lang="vi-VN" sz="1800">
+                <a:solidFill>
+                  <a:schemeClr val="tx1"/>
+                </a:solidFill>
+              </a:rPr>
+              <a:t>@</a:t>
+            </a:r>
+            <a:r>
+              <a:rPr lang="vi-VN" sz="1800" smtClean="0">
+                <a:solidFill>
+                  <a:schemeClr val="tx1"/>
+                </a:solidFill>
+              </a:rPr>
+              <a:t>Resource ( như by-Name autowiring)</a:t>
+            </a:r>
+            <a:endParaRPr lang="en-US" sz="1800">
+              <a:solidFill>
+                <a:schemeClr val="tx1"/>
+              </a:solidFill>
+            </a:endParaRPr>
+          </a:p>
+          <a:p>
+            <a:endParaRPr lang="en-US" dirty="0">
+              <a:solidFill>
+                <a:schemeClr val="tx1"/>
+              </a:solidFill>
+            </a:endParaRPr>
+          </a:p>
+        </p:txBody>
+      </p:sp>
+    </p:spTree>
+    <p:extLst>
+      <p:ext uri="{BB962C8B-B14F-4D97-AF65-F5344CB8AC3E}">
+        <p14:creationId xmlns:p14="http://schemas.microsoft.com/office/powerpoint/2010/main" val="1736113905"/>
+      </p:ext>
+    </p:extLst>
+  </p:cSld>
+  <p:clrMapOvr>
+    <a:masterClrMapping/>
+  </p:clrMapOvr>
+  <p:timing>
+    <p:tnLst>
+      <p:par>
+        <p:cTn id="1" dur="indefinite" restart="never" nodeType="tmRoot"/>
+      </p:par>
+    </p:tnLst>
+  </p:timing>
+</p:sld>
+</file>
+
+<file path=ppt/slides/slide12.xml><?xml version="1.0" encoding="utf-8"?>
+<p:sld xmlns:a="http://schemas.openxmlformats.org/drawingml/2006/main" xmlns:r="http://schemas.openxmlformats.org/officeDocument/2006/relationships" xmlns:p="http://schemas.openxmlformats.org/presentationml/2006/main">
+  <p:cSld>
+    <p:spTree>
+      <p:nvGrpSpPr>
+        <p:cNvPr id="1" name=""/>
+        <p:cNvGrpSpPr/>
+        <p:nvPr/>
+      </p:nvGrpSpPr>
+      <p:grpSpPr>
+        <a:xfrm>
+          <a:off x="0" y="0"/>
+          <a:ext cx="0" cy="0"/>
+          <a:chOff x="0" y="0"/>
+          <a:chExt cx="0" cy="0"/>
+        </a:xfrm>
+      </p:grpSpPr>
+      <p:sp>
+        <p:nvSpPr>
+          <p:cNvPr id="2" name="Title 1"/>
+          <p:cNvSpPr>
+            <a:spLocks noGrp="1"/>
+          </p:cNvSpPr>
+          <p:nvPr>
+            <p:ph type="title"/>
+          </p:nvPr>
+        </p:nvSpPr>
+        <p:spPr/>
+        <p:txBody>
+          <a:bodyPr/>
+          <a:lstStyle/>
+          <a:p>
+            <a:r>
+              <a:rPr lang="en-US" dirty="0" smtClean="0"/>
+              <a:t>Spring MVC</a:t>
+            </a:r>
+            <a:endParaRPr lang="en-US" dirty="0"/>
+          </a:p>
+        </p:txBody>
+      </p:sp>
+      <p:sp>
+        <p:nvSpPr>
+          <p:cNvPr id="3" name="Content Placeholder 2"/>
+          <p:cNvSpPr>
+            <a:spLocks noGrp="1"/>
+          </p:cNvSpPr>
+          <p:nvPr>
+            <p:ph idx="1"/>
+          </p:nvPr>
+        </p:nvSpPr>
+        <p:spPr/>
+        <p:txBody>
+          <a:bodyPr/>
+          <a:lstStyle/>
+          <a:p>
+            <a:endParaRPr lang="en-US"/>
+          </a:p>
+        </p:txBody>
+      </p:sp>
+    </p:spTree>
+    <p:extLst>
+      <p:ext uri="{BB962C8B-B14F-4D97-AF65-F5344CB8AC3E}">
+        <p14:creationId xmlns:p14="http://schemas.microsoft.com/office/powerpoint/2010/main" val="2116481890"/>
+      </p:ext>
+    </p:extLst>
+  </p:cSld>
+  <p:clrMapOvr>
+    <a:masterClrMapping/>
+  </p:clrMapOvr>
+  <p:timing>
+    <p:tnLst>
+      <p:par>
+        <p:cTn id="1" dur="indefinite" restart="never" nodeType="tmRoot"/>
+      </p:par>
+    </p:tnLst>
+  </p:timing>
+</p:sld>
+</file>
+
+<file path=ppt/slides/slide13.xml><?xml version="1.0" encoding="utf-8"?>
+<p:sld xmlns:a="http://schemas.openxmlformats.org/drawingml/2006/main" xmlns:r="http://schemas.openxmlformats.org/officeDocument/2006/relationships" xmlns:p="http://schemas.openxmlformats.org/presentationml/2006/main">
+  <p:cSld>
+    <p:spTree>
+      <p:nvGrpSpPr>
+        <p:cNvPr id="1" name=""/>
+        <p:cNvGrpSpPr/>
+        <p:nvPr/>
+      </p:nvGrpSpPr>
+      <p:grpSpPr>
+        <a:xfrm>
+          <a:off x="0" y="0"/>
+          <a:ext cx="0" cy="0"/>
+          <a:chOff x="0" y="0"/>
+          <a:chExt cx="0" cy="0"/>
+        </a:xfrm>
+      </p:grpSpPr>
+      <p:sp>
+        <p:nvSpPr>
+          <p:cNvPr id="2" name="Title 1"/>
+          <p:cNvSpPr>
+            <a:spLocks noGrp="1"/>
+          </p:cNvSpPr>
+          <p:nvPr>
+            <p:ph type="title"/>
+          </p:nvPr>
+        </p:nvSpPr>
+        <p:spPr/>
+        <p:txBody>
+          <a:bodyPr/>
+          <a:lstStyle/>
+          <a:p>
+            <a:r>
               <a:rPr lang="en-US" dirty="0" smtClean="0"/>
               <a:t>Spring Boot</a:t>
             </a:r>
@@ -3442,6 +4058,13 @@
   <p:clrMapOvr>
     <a:masterClrMapping/>
   </p:clrMapOvr>
+  <p:timing>
+    <p:tnLst>
+      <p:par>
+        <p:cTn id="1" dur="indefinite" restart="never" nodeType="tmRoot"/>
+      </p:par>
+    </p:tnLst>
+  </p:timing>
 </p:sld>
 </file>
 
@@ -3614,8 +4237,8 @@
         </p:blipFill>
         <p:spPr bwMode="auto">
           <a:xfrm>
-            <a:off x="7877202" y="2049087"/>
-            <a:ext cx="3885714" cy="3371429"/>
+            <a:off x="6918784" y="1612597"/>
+            <a:ext cx="5031916" cy="4365928"/>
           </a:xfrm>
           <a:prstGeom prst="rect">
             <a:avLst/>
@@ -3640,8 +4263,8 @@
         </p:nvSpPr>
         <p:spPr>
           <a:xfrm>
-            <a:off x="810491" y="2130135"/>
-            <a:ext cx="6525491" cy="1477328"/>
+            <a:off x="223627" y="2130135"/>
+            <a:ext cx="6746009" cy="2308324"/>
           </a:xfrm>
           <a:prstGeom prst="rect">
             <a:avLst/>
@@ -3659,7 +4282,7 @@
               <a:buChar char="-"/>
             </a:pPr>
             <a:r>
-              <a:rPr lang="en-US" dirty="0" smtClean="0">
+              <a:rPr lang="en-US" sz="2400" dirty="0" smtClean="0">
                 <a:solidFill>
                   <a:schemeClr val="accent2"/>
                 </a:solidFill>
@@ -3673,29 +4296,58 @@
               <a:buChar char="•"/>
             </a:pPr>
             <a:r>
-              <a:rPr lang="en-US" dirty="0" smtClean="0">
+              <a:rPr lang="en-US" sz="2400" dirty="0" smtClean="0">
                 <a:solidFill>
                   <a:schemeClr val="accent2"/>
                 </a:solidFill>
               </a:rPr>
-              <a:t>Core module: </a:t>
-            </a:r>
-            <a:r>
-              <a:rPr lang="en-US" dirty="0" err="1" smtClean="0">
+              <a:t>Core module</a:t>
+            </a:r>
+            <a:r>
+              <a:rPr lang="en-US" sz="2400" smtClean="0">
                 <a:solidFill>
                   <a:schemeClr val="accent2"/>
                 </a:solidFill>
               </a:rPr>
-              <a:t>IoC</a:t>
-            </a:r>
-            <a:r>
-              <a:rPr lang="en-US" dirty="0" smtClean="0">
+              <a:t>: </a:t>
+            </a:r>
+            <a:r>
+              <a:rPr lang="en-US" sz="2400" smtClean="0">
                 <a:solidFill>
                   <a:schemeClr val="accent2"/>
                 </a:solidFill>
               </a:rPr>
-              <a:t> &amp; Dependency Injection</a:t>
-            </a:r>
+              <a:t>Inversion of Controll (IoC) </a:t>
+            </a:r>
+            <a:r>
+              <a:rPr lang="en-US" sz="2400" dirty="0" smtClean="0">
+                <a:solidFill>
+                  <a:schemeClr val="accent2"/>
+                </a:solidFill>
+              </a:rPr>
+              <a:t>&amp; </a:t>
+            </a:r>
+            <a:r>
+              <a:rPr lang="en-US" sz="2400" smtClean="0">
+                <a:solidFill>
+                  <a:schemeClr val="accent2"/>
+                </a:solidFill>
+              </a:rPr>
+              <a:t>Dependency </a:t>
+            </a:r>
+            <a:r>
+              <a:rPr lang="en-US" sz="2400" smtClean="0">
+                <a:solidFill>
+                  <a:schemeClr val="accent2"/>
+                </a:solidFill>
+              </a:rPr>
+              <a:t>Injection (DI)</a:t>
+            </a:r>
+            <a:endParaRPr lang="en-US" sz="2400" dirty="0" smtClean="0">
+              <a:solidFill>
+                <a:schemeClr val="accent2"/>
+              </a:solidFill>
+            </a:endParaRPr>
           </a:p>
           <a:p>
             <a:pPr marL="742950" lvl="1" indent="-285750">
@@ -3703,7 +4355,7 @@
               <a:buChar char="•"/>
             </a:pPr>
             <a:r>
-              <a:rPr lang="en-US" dirty="0" smtClean="0">
+              <a:rPr lang="en-US" sz="2400" dirty="0" smtClean="0">
                 <a:solidFill>
                   <a:schemeClr val="accent2"/>
                 </a:solidFill>
@@ -3711,7 +4363,7 @@
               <a:t>Beans </a:t>
             </a:r>
             <a:r>
-              <a:rPr lang="en-US" dirty="0">
+              <a:rPr lang="en-US" sz="2400" dirty="0">
                 <a:solidFill>
                   <a:schemeClr val="accent2"/>
                 </a:solidFill>
@@ -3719,7 +4371,7 @@
               <a:t>module </a:t>
             </a:r>
             <a:r>
-              <a:rPr lang="en-US" dirty="0" smtClean="0">
+              <a:rPr lang="en-US" sz="2400" dirty="0" smtClean="0">
                 <a:solidFill>
                   <a:schemeClr val="accent2"/>
                 </a:solidFill>
@@ -3727,14 +4379,14 @@
               <a:t>: </a:t>
             </a:r>
             <a:r>
-              <a:rPr lang="en-US" dirty="0" err="1" smtClean="0">
+              <a:rPr lang="en-US" sz="2400" dirty="0" err="1" smtClean="0">
                 <a:solidFill>
                   <a:schemeClr val="accent2"/>
                 </a:solidFill>
               </a:rPr>
               <a:t>BeanFactory</a:t>
             </a:r>
-            <a:endParaRPr lang="en-US" dirty="0" smtClean="0">
+            <a:endParaRPr lang="en-US" sz="2400" dirty="0" smtClean="0">
               <a:solidFill>
                 <a:schemeClr val="accent2"/>
               </a:solidFill>
@@ -3746,7 +4398,7 @@
               <a:buChar char="•"/>
             </a:pPr>
             <a:r>
-              <a:rPr lang="en-US" dirty="0" smtClean="0">
+              <a:rPr lang="en-US" sz="2400" dirty="0" smtClean="0">
                 <a:solidFill>
                   <a:schemeClr val="accent2"/>
                 </a:solidFill>
@@ -3754,7 +4406,7 @@
               <a:t>Context </a:t>
             </a:r>
             <a:r>
-              <a:rPr lang="en-US" dirty="0">
+              <a:rPr lang="en-US" sz="2400" dirty="0">
                 <a:solidFill>
                   <a:schemeClr val="accent2"/>
                 </a:solidFill>
@@ -3762,7 +4414,7 @@
               <a:t>module </a:t>
             </a:r>
             <a:r>
-              <a:rPr lang="en-US" dirty="0" smtClean="0">
+              <a:rPr lang="en-US" sz="2400" dirty="0" smtClean="0">
                 <a:solidFill>
                   <a:schemeClr val="accent2"/>
                 </a:solidFill>
@@ -3770,14 +4422,14 @@
               <a:t>: </a:t>
             </a:r>
             <a:r>
-              <a:rPr lang="en-US" dirty="0" err="1" smtClean="0">
+              <a:rPr lang="en-US" sz="2400" dirty="0" err="1" smtClean="0">
                 <a:solidFill>
                   <a:schemeClr val="accent2"/>
                 </a:solidFill>
               </a:rPr>
               <a:t>ApplicationContext</a:t>
             </a:r>
-            <a:endParaRPr lang="en-US" dirty="0" smtClean="0">
+            <a:endParaRPr lang="en-US" sz="2400" dirty="0" smtClean="0">
               <a:solidFill>
                 <a:schemeClr val="accent2"/>
               </a:solidFill>
@@ -3789,7 +4441,7 @@
               <a:buChar char="•"/>
             </a:pPr>
             <a:r>
-              <a:rPr lang="en-US" dirty="0" err="1" smtClean="0">
+              <a:rPr lang="en-US" sz="2400" dirty="0" err="1" smtClean="0">
                 <a:solidFill>
                   <a:schemeClr val="accent2"/>
                 </a:solidFill>
@@ -3797,7 +4449,7 @@
               <a:t>SpEL</a:t>
             </a:r>
             <a:r>
-              <a:rPr lang="en-US" dirty="0" smtClean="0">
+              <a:rPr lang="en-US" sz="2400" dirty="0" smtClean="0">
                 <a:solidFill>
                   <a:schemeClr val="accent2"/>
                 </a:solidFill>
@@ -3805,7 +4457,7 @@
               <a:t> </a:t>
             </a:r>
             <a:r>
-              <a:rPr lang="en-US" dirty="0">
+              <a:rPr lang="en-US" sz="2400" dirty="0">
                 <a:solidFill>
                   <a:schemeClr val="accent2"/>
                 </a:solidFill>
@@ -3925,6 +4577,13 @@
   <p:clrMapOvr>
     <a:masterClrMapping/>
   </p:clrMapOvr>
+  <p:timing>
+    <p:tnLst>
+      <p:par>
+        <p:cTn id="1" dur="indefinite" restart="never" nodeType="tmRoot"/>
+      </p:par>
+    </p:tnLst>
+  </p:timing>
 </p:sld>
 </file>
 
@@ -3982,7 +4641,7 @@
             <p:ph idx="1"/>
           </p:nvPr>
         </p:nvPicPr>
-        <p:blipFill>
+        <p:blipFill rotWithShape="1">
           <a:blip r:embed="rId2">
             <a:extLst>
               <a:ext uri="{28A0092B-C50C-407E-A947-70E740481C1C}">
@@ -3990,15 +4649,13 @@
               </a:ext>
             </a:extLst>
           </a:blip>
-          <a:srcRect/>
-          <a:stretch>
-            <a:fillRect/>
-          </a:stretch>
+          <a:srcRect l="232" t="727" r="7430" b="327"/>
+          <a:stretch/>
         </p:blipFill>
         <p:spPr bwMode="auto">
           <a:xfrm>
-            <a:off x="7146998" y="2390956"/>
-            <a:ext cx="4743450" cy="2819400"/>
+            <a:off x="6390185" y="1337480"/>
+            <a:ext cx="5456072" cy="4105716"/>
           </a:xfrm>
           <a:prstGeom prst="rect">
             <a:avLst/>
@@ -4017,8 +4674,8 @@
         </p:nvSpPr>
         <p:spPr>
           <a:xfrm>
-            <a:off x="997526" y="2067791"/>
-            <a:ext cx="5860473" cy="1200329"/>
+            <a:off x="315126" y="1672006"/>
+            <a:ext cx="6890892" cy="5170646"/>
           </a:xfrm>
           <a:prstGeom prst="rect">
             <a:avLst/>
@@ -4032,72 +4689,149 @@
           <a:lstStyle/>
           <a:p>
             <a:pPr marL="285750" indent="-285750">
-              <a:buFontTx/>
-              <a:buChar char="-"/>
+              <a:buFont typeface="Arial" panose="020B0604020202020204" pitchFamily="34" charset="0"/>
+              <a:buChar char="•"/>
             </a:pPr>
             <a:r>
-              <a:rPr lang="en-US" dirty="0"/>
-              <a:t>POJOs: </a:t>
-            </a:r>
-            <a:r>
-              <a:rPr lang="en-US" dirty="0" smtClean="0"/>
-              <a:t>(plain </a:t>
-            </a:r>
-            <a:r>
-              <a:rPr lang="en-US" dirty="0"/>
-              <a:t>old Java </a:t>
-            </a:r>
-            <a:r>
-              <a:rPr lang="en-US" dirty="0" smtClean="0"/>
-              <a:t>object) </a:t>
-            </a:r>
-            <a:r>
-              <a:rPr lang="en-US" dirty="0" err="1" smtClean="0"/>
+              <a:rPr lang="en-US" sz="2400" smtClean="0"/>
+              <a:t> POJOs</a:t>
+            </a:r>
+            <a:r>
+              <a:rPr lang="en-US" sz="2400"/>
+              <a:t>: </a:t>
+            </a:r>
+            <a:r>
+              <a:rPr lang="en-US" sz="2400" smtClean="0"/>
+              <a:t>(Plain </a:t>
+            </a:r>
+            <a:r>
+              <a:rPr lang="en-US" sz="2400" dirty="0"/>
+              <a:t>O</a:t>
+            </a:r>
+            <a:r>
+              <a:rPr lang="en-US" sz="2400" smtClean="0"/>
+              <a:t>ld </a:t>
+            </a:r>
+            <a:r>
+              <a:rPr lang="en-US" sz="2400"/>
+              <a:t>Java </a:t>
+            </a:r>
+            <a:r>
+              <a:rPr lang="en-US" sz="2400" smtClean="0"/>
+              <a:t>O</a:t>
+            </a:r>
+            <a:r>
+              <a:rPr lang="en-US" sz="2400" smtClean="0"/>
+              <a:t>bjects) </a:t>
+            </a:r>
+            <a:r>
+              <a:rPr lang="en-US" sz="2400" dirty="0" err="1" smtClean="0"/>
               <a:t>các</a:t>
             </a:r>
             <a:r>
-              <a:rPr lang="en-US" dirty="0" smtClean="0"/>
+              <a:rPr lang="en-US" sz="2400" dirty="0" smtClean="0"/>
               <a:t> </a:t>
             </a:r>
             <a:r>
-              <a:rPr lang="en-US" dirty="0" err="1" smtClean="0"/>
+              <a:rPr lang="en-US" sz="2400" dirty="0" err="1" smtClean="0"/>
               <a:t>đối</a:t>
             </a:r>
             <a:r>
-              <a:rPr lang="en-US" dirty="0" smtClean="0"/>
+              <a:rPr lang="en-US" sz="2400" dirty="0" smtClean="0"/>
               <a:t> </a:t>
             </a:r>
             <a:r>
-              <a:rPr lang="en-US" dirty="0" err="1" smtClean="0"/>
+              <a:rPr lang="en-US" sz="2400" dirty="0" err="1" smtClean="0"/>
               <a:t>tượng</a:t>
             </a:r>
             <a:r>
-              <a:rPr lang="en-US" dirty="0" smtClean="0"/>
+              <a:rPr lang="en-US" sz="2400" dirty="0" smtClean="0"/>
               <a:t> Java </a:t>
             </a:r>
             <a:r>
-              <a:rPr lang="en-US" dirty="0" err="1" smtClean="0"/>
+              <a:rPr lang="en-US" sz="2400" err="1" smtClean="0"/>
               <a:t>thuần</a:t>
             </a:r>
             <a:r>
-              <a:rPr lang="en-US" dirty="0" smtClean="0"/>
+              <a:rPr lang="en-US" sz="2400" smtClean="0"/>
               <a:t> </a:t>
             </a:r>
             <a:r>
-              <a:rPr lang="en-US" dirty="0" err="1" smtClean="0"/>
-              <a:t>túy</a:t>
-            </a:r>
-            <a:endParaRPr lang="en-US" dirty="0" smtClean="0"/>
+              <a:rPr lang="en-US" sz="2400" smtClean="0"/>
+              <a:t>túy: chỉ gồm các thuộc tính và method, ko extends, implements</a:t>
+            </a:r>
+            <a:endParaRPr lang="en-US" sz="2400" dirty="0"/>
           </a:p>
           <a:p>
             <a:pPr marL="285750" indent="-285750">
-              <a:buFontTx/>
-              <a:buChar char="-"/>
+              <a:buFont typeface="Arial" panose="020B0604020202020204" pitchFamily="34" charset="0"/>
+              <a:buChar char="•"/>
             </a:pPr>
             <a:r>
-              <a:rPr lang="en-US" dirty="0" smtClean="0"/>
-              <a:t>Configuration Metadata: XML, Annotations, Java code</a:t>
-            </a:r>
+              <a:rPr lang="en-US" sz="2400" smtClean="0"/>
+              <a:t>Configuration </a:t>
+            </a:r>
+            <a:r>
+              <a:rPr lang="en-US" sz="2400" dirty="0" smtClean="0"/>
+              <a:t>Metadata: XML, Annotations, </a:t>
+            </a:r>
+            <a:r>
+              <a:rPr lang="en-US" sz="2400" smtClean="0"/>
+              <a:t>Java </a:t>
+            </a:r>
+            <a:r>
+              <a:rPr lang="en-US" sz="2400" smtClean="0"/>
+              <a:t>code</a:t>
+            </a:r>
+          </a:p>
+          <a:p>
+            <a:pPr marL="285750" indent="-285750">
+              <a:buFont typeface="Arial" panose="020B0604020202020204" pitchFamily="34" charset="0"/>
+              <a:buChar char="•"/>
+            </a:pPr>
+            <a:r>
+              <a:rPr lang="en-US" sz="2400" smtClean="0"/>
+              <a:t>IoC: xử lý mà nhờ đó các Objects xác định chúng sẽ làm việc với những objects nào hay các dependencies</a:t>
+            </a:r>
+          </a:p>
+          <a:p>
+            <a:pPr marL="285750" indent="-285750">
+              <a:buFont typeface="Arial" panose="020B0604020202020204" pitchFamily="34" charset="0"/>
+              <a:buChar char="•"/>
+            </a:pPr>
+            <a:r>
+              <a:rPr lang="en-US" sz="2400" smtClean="0"/>
+              <a:t>IoC Container:</a:t>
+            </a:r>
+          </a:p>
+          <a:p>
+            <a:pPr marL="742950" lvl="1" indent="-285750">
+              <a:buFont typeface="Arial" panose="020B0604020202020204" pitchFamily="34" charset="0"/>
+              <a:buChar char="•"/>
+            </a:pPr>
+            <a:r>
+              <a:rPr lang="en-US" sz="2400" smtClean="0"/>
+              <a:t>BeanFactory: cung cấp cấu hình, chức năng cơ bản để quản lý bất kỳ kiểu đối tượng nào</a:t>
+            </a:r>
+          </a:p>
+          <a:p>
+            <a:pPr marL="742950" lvl="1" indent="-285750">
+              <a:buFont typeface="Arial" panose="020B0604020202020204" pitchFamily="34" charset="0"/>
+              <a:buChar char="•"/>
+            </a:pPr>
+            <a:r>
+              <a:rPr lang="en-US" sz="2400"/>
+              <a:t>ApplicationContext: </a:t>
+            </a:r>
+            <a:r>
+              <a:rPr lang="en-US" sz="2400"/>
+              <a:t>BeanFactory </a:t>
+            </a:r>
+            <a:r>
+              <a:rPr lang="en-US" sz="2400" smtClean="0"/>
+              <a:t>+ enterprise-specific functionality</a:t>
+            </a:r>
+            <a:endParaRPr lang="en-US" sz="2400" dirty="0" smtClean="0"/>
           </a:p>
           <a:p>
             <a:pPr marL="285750" indent="-285750">
@@ -4118,6 +4852,13 @@
   <p:clrMapOvr>
     <a:masterClrMapping/>
   </p:clrMapOvr>
+  <p:timing>
+    <p:tnLst>
+      <p:par>
+        <p:cTn id="1" dur="indefinite" restart="never" nodeType="tmRoot"/>
+      </p:par>
+    </p:tnLst>
+  </p:timing>
 </p:sld>
 </file>
 
@@ -4154,96 +4895,53 @@
           <a:lstStyle/>
           <a:p>
             <a:r>
+              <a:rPr lang="en-US" dirty="0" err="1" smtClean="0"/>
+              <a:t>IoC</a:t>
+            </a:r>
+            <a:r>
               <a:rPr lang="en-US" dirty="0" smtClean="0"/>
-              <a:t>Beans</a:t>
-            </a:r>
-            <a:endParaRPr lang="en-US" dirty="0"/>
-          </a:p>
-        </p:txBody>
-      </p:sp>
-      <p:sp>
-        <p:nvSpPr>
-          <p:cNvPr id="3" name="Content Placeholder 2"/>
-          <p:cNvSpPr>
-            <a:spLocks noGrp="1"/>
-          </p:cNvSpPr>
-          <p:nvPr>
-            <p:ph idx="1"/>
-          </p:nvPr>
-        </p:nvSpPr>
-        <p:spPr/>
-        <p:txBody>
-          <a:bodyPr>
-            <a:normAutofit/>
+              <a:t> Container</a:t>
+            </a:r>
+            <a:endParaRPr lang="en-US" dirty="0"/>
+          </a:p>
+        </p:txBody>
+      </p:sp>
+      <p:sp>
+        <p:nvSpPr>
+          <p:cNvPr id="5" name="TextBox 4"/>
+          <p:cNvSpPr txBox="1"/>
+          <p:nvPr/>
+        </p:nvSpPr>
+        <p:spPr>
+          <a:xfrm>
+            <a:off x="315126" y="1672006"/>
+            <a:ext cx="6890892" cy="738664"/>
+          </a:xfrm>
+          <a:prstGeom prst="rect">
+            <a:avLst/>
+          </a:prstGeom>
+          <a:noFill/>
+        </p:spPr>
+        <p:txBody>
+          <a:bodyPr wrap="square" rtlCol="0">
+            <a:spAutoFit/>
           </a:bodyPr>
           <a:lstStyle/>
           <a:p>
-            <a:r>
-              <a:rPr lang="en-US" dirty="0" smtClean="0"/>
-              <a:t>Bean Definition: xml, annotation, java code </a:t>
-            </a:r>
-          </a:p>
-          <a:p>
-            <a:r>
-              <a:rPr lang="en-US" dirty="0" smtClean="0"/>
-              <a:t>Bean Scope: singleton, prototype, request, session, application, </a:t>
-            </a:r>
-            <a:r>
-              <a:rPr lang="en-US" dirty="0" err="1" smtClean="0"/>
-              <a:t>websocket</a:t>
-            </a:r>
-            <a:endParaRPr lang="en-US" dirty="0" smtClean="0"/>
-          </a:p>
-          <a:p>
-            <a:r>
-              <a:rPr lang="en-US" dirty="0" smtClean="0"/>
-              <a:t>Bean Life Cycle: </a:t>
-            </a:r>
-          </a:p>
-          <a:p>
-            <a:pPr lvl="1"/>
-            <a:r>
-              <a:rPr lang="en-US" dirty="0" err="1" smtClean="0"/>
-              <a:t>Init</a:t>
-            </a:r>
-            <a:r>
-              <a:rPr lang="en-US" dirty="0" smtClean="0"/>
-              <a:t>-method</a:t>
-            </a:r>
-          </a:p>
-          <a:p>
-            <a:pPr lvl="1"/>
-            <a:r>
-              <a:rPr lang="en-US" dirty="0" smtClean="0"/>
-              <a:t>destroy-method:</a:t>
-            </a:r>
-          </a:p>
-          <a:p>
-            <a:pPr lvl="2"/>
-            <a:r>
-              <a:rPr lang="en-US" dirty="0" err="1" smtClean="0"/>
-              <a:t>AbstractApplicationContext</a:t>
-            </a:r>
-            <a:r>
-              <a:rPr lang="en-US" dirty="0" smtClean="0"/>
-              <a:t> context -&gt; </a:t>
-            </a:r>
-            <a:r>
-              <a:rPr lang="en-US" dirty="0"/>
-              <a:t>context </a:t>
-            </a:r>
-            <a:r>
-              <a:rPr lang="en-US" dirty="0" smtClean="0"/>
-              <a:t>.</a:t>
-            </a:r>
-            <a:r>
-              <a:rPr lang="en-US" dirty="0" err="1" smtClean="0"/>
-              <a:t>registerShutdownHook</a:t>
-            </a:r>
-            <a:r>
-              <a:rPr lang="en-US" dirty="0" smtClean="0"/>
-              <a:t>()</a:t>
-            </a:r>
+            <a:pPr marL="285750" indent="-285750">
+              <a:buFont typeface="Arial" panose="020B0604020202020204" pitchFamily="34" charset="0"/>
+              <a:buChar char="•"/>
+            </a:pPr>
+            <a:r>
+              <a:rPr lang="en-US" sz="2400" smtClean="0"/>
+              <a:t>Ví dụ Config và IoC Container</a:t>
+            </a:r>
+          </a:p>
+          <a:p>
+            <a:pPr marL="285750" indent="-285750">
+              <a:buFontTx/>
+              <a:buChar char="-"/>
+            </a:pPr>
             <a:endParaRPr lang="en-US" dirty="0"/>
           </a:p>
         </p:txBody>
@@ -4251,13 +4949,20 @@
     </p:spTree>
     <p:extLst>
       <p:ext uri="{BB962C8B-B14F-4D97-AF65-F5344CB8AC3E}">
-        <p14:creationId xmlns:p14="http://schemas.microsoft.com/office/powerpoint/2010/main" val="2111838338"/>
+        <p14:creationId xmlns:p14="http://schemas.microsoft.com/office/powerpoint/2010/main" val="2785261490"/>
       </p:ext>
     </p:extLst>
   </p:cSld>
   <p:clrMapOvr>
     <a:masterClrMapping/>
   </p:clrMapOvr>
+  <p:timing>
+    <p:tnLst>
+      <p:par>
+        <p:cTn id="1" dur="indefinite" restart="never" nodeType="tmRoot"/>
+      </p:par>
+    </p:tnLst>
+  </p:timing>
 </p:sld>
 </file>
 
@@ -4295,11 +5000,7 @@
           <a:p>
             <a:r>
               <a:rPr lang="en-US" dirty="0" smtClean="0"/>
-              <a:t>Beans </a:t>
-            </a:r>
-            <a:r>
-              <a:rPr lang="en-US" dirty="0" err="1" smtClean="0"/>
-              <a:t>Difinition</a:t>
+              <a:t>Beans</a:t>
             </a:r>
             <a:endParaRPr lang="en-US" dirty="0"/>
           </a:p>
@@ -4315,398 +5016,226 @@
             <p:ph idx="1"/>
           </p:nvPr>
         </p:nvSpPr>
-        <p:spPr/>
+        <p:spPr>
+          <a:xfrm>
+            <a:off x="269528" y="1596788"/>
+            <a:ext cx="9872871" cy="4499212"/>
+          </a:xfrm>
+        </p:spPr>
         <p:txBody>
           <a:bodyPr>
-            <a:normAutofit fontScale="85000" lnSpcReduction="20000"/>
+            <a:normAutofit lnSpcReduction="10000"/>
           </a:bodyPr>
           <a:lstStyle/>
           <a:p>
-            <a:r>
-              <a:rPr lang="en-US" dirty="0" smtClean="0"/>
-              <a:t>XML</a:t>
+            <a:pPr marL="45720" indent="0">
+              <a:buNone/>
+            </a:pPr>
+            <a:r>
+              <a:rPr lang="en-US" sz="2800" smtClean="0">
+                <a:solidFill>
+                  <a:schemeClr val="tx1"/>
+                </a:solidFill>
+              </a:rPr>
+              <a:t>Bean: </a:t>
+            </a:r>
+          </a:p>
+          <a:p>
+            <a:pPr marL="45720" indent="0">
+              <a:buNone/>
+            </a:pPr>
+            <a:r>
+              <a:rPr lang="en-US" sz="2800" smtClean="0">
+                <a:solidFill>
+                  <a:schemeClr val="tx1"/>
+                </a:solidFill>
+              </a:rPr>
+              <a:t>Bean trong Spring</a:t>
+            </a:r>
+          </a:p>
+          <a:p>
+            <a:r>
+              <a:rPr lang="en-US" sz="2800" smtClean="0">
+                <a:solidFill>
+                  <a:schemeClr val="tx1"/>
+                </a:solidFill>
+              </a:rPr>
+              <a:t>Bean Definition: </a:t>
+            </a:r>
+            <a:r>
+              <a:rPr lang="en-US" sz="2800" dirty="0" smtClean="0">
+                <a:solidFill>
+                  <a:schemeClr val="tx1"/>
+                </a:solidFill>
+              </a:rPr>
+              <a:t>xml</a:t>
+            </a:r>
+            <a:r>
+              <a:rPr lang="en-US" sz="2800" smtClean="0">
+                <a:solidFill>
+                  <a:schemeClr val="tx1"/>
+                </a:solidFill>
+              </a:rPr>
+              <a:t>, </a:t>
+            </a:r>
+            <a:r>
+              <a:rPr lang="en-US" sz="2800" smtClean="0">
+                <a:solidFill>
+                  <a:schemeClr val="tx1"/>
+                </a:solidFill>
+              </a:rPr>
+              <a:t>annotation &amp; </a:t>
+            </a:r>
+            <a:r>
+              <a:rPr lang="en-US" sz="2800" dirty="0" smtClean="0">
+                <a:solidFill>
+                  <a:schemeClr val="tx1"/>
+                </a:solidFill>
+              </a:rPr>
+              <a:t>java code </a:t>
+            </a:r>
+          </a:p>
+          <a:p>
+            <a:r>
+              <a:rPr lang="en-US" sz="2800" dirty="0" smtClean="0">
+                <a:solidFill>
+                  <a:schemeClr val="tx1"/>
+                </a:solidFill>
+              </a:rPr>
+              <a:t>Bean Scope: singleton, prototype, request, session, application, </a:t>
+            </a:r>
+            <a:r>
+              <a:rPr lang="en-US" sz="2800" dirty="0" err="1" smtClean="0">
+                <a:solidFill>
+                  <a:schemeClr val="tx1"/>
+                </a:solidFill>
+              </a:rPr>
+              <a:t>websocket</a:t>
+            </a:r>
+            <a:endParaRPr lang="en-US" sz="2800" dirty="0" smtClean="0">
+              <a:solidFill>
+                <a:schemeClr val="tx1"/>
+              </a:solidFill>
+            </a:endParaRPr>
+          </a:p>
+          <a:p>
+            <a:r>
+              <a:rPr lang="en-US" sz="2800" dirty="0" smtClean="0">
+                <a:solidFill>
+                  <a:schemeClr val="tx1"/>
+                </a:solidFill>
+              </a:rPr>
+              <a:t>Bean Life Cycle: </a:t>
             </a:r>
           </a:p>
           <a:p>
             <a:pPr lvl="1"/>
             <a:r>
-              <a:rPr lang="en-US" dirty="0"/>
-              <a:t>&lt;bean&gt;</a:t>
+              <a:rPr lang="en-US" sz="2800" dirty="0" err="1" smtClean="0">
+                <a:solidFill>
+                  <a:schemeClr val="tx1"/>
+                </a:solidFill>
+              </a:rPr>
+              <a:t>Init</a:t>
+            </a:r>
+            <a:r>
+              <a:rPr lang="en-US" sz="2800" dirty="0" smtClean="0">
+                <a:solidFill>
+                  <a:schemeClr val="tx1"/>
+                </a:solidFill>
+              </a:rPr>
+              <a:t>-method</a:t>
+            </a:r>
+          </a:p>
+          <a:p>
+            <a:pPr lvl="1"/>
+            <a:r>
+              <a:rPr lang="en-US" sz="2800" dirty="0" smtClean="0">
+                <a:solidFill>
+                  <a:schemeClr val="tx1"/>
+                </a:solidFill>
+              </a:rPr>
+              <a:t>destroy-method:</a:t>
             </a:r>
           </a:p>
           <a:p>
             <a:pPr lvl="2"/>
             <a:r>
-              <a:rPr lang="en-US" dirty="0"/>
-              <a:t>name, class, </a:t>
-            </a:r>
-            <a:r>
-              <a:rPr lang="en-US" dirty="0" err="1" smtClean="0"/>
-              <a:t>contructor-arg</a:t>
-            </a:r>
-            <a:r>
-              <a:rPr lang="en-US" dirty="0" smtClean="0"/>
-              <a:t>, </a:t>
-            </a:r>
-            <a:r>
-              <a:rPr lang="en-US" dirty="0"/>
-              <a:t>properties, </a:t>
-            </a:r>
-            <a:r>
-              <a:rPr lang="en-US" dirty="0" err="1"/>
-              <a:t>init</a:t>
-            </a:r>
-            <a:r>
-              <a:rPr lang="en-US" dirty="0"/>
-              <a:t>-method, destroy-method, </a:t>
-            </a:r>
-            <a:r>
-              <a:rPr lang="en-US" dirty="0" smtClean="0"/>
-              <a:t>scope</a:t>
+              <a:rPr lang="en-US" sz="2400" dirty="0" err="1" smtClean="0">
+                <a:solidFill>
+                  <a:schemeClr val="tx1"/>
+                </a:solidFill>
+              </a:rPr>
+              <a:t>AbstractApplicationContext</a:t>
+            </a:r>
+            <a:r>
+              <a:rPr lang="en-US" sz="2400" dirty="0" smtClean="0">
+                <a:solidFill>
+                  <a:schemeClr val="tx1"/>
+                </a:solidFill>
+              </a:rPr>
+              <a:t> context </a:t>
+            </a:r>
+            <a:r>
+              <a:rPr lang="en-US" sz="2400" smtClean="0">
+                <a:solidFill>
+                  <a:schemeClr val="tx1"/>
+                </a:solidFill>
+              </a:rPr>
+              <a:t>-&gt; </a:t>
+            </a:r>
+            <a:r>
+              <a:rPr lang="en-US" sz="2400" smtClean="0">
+                <a:solidFill>
+                  <a:schemeClr val="tx1"/>
+                </a:solidFill>
+              </a:rPr>
+              <a:t>context</a:t>
             </a:r>
           </a:p>
           <a:p>
             <a:pPr lvl="2"/>
             <a:r>
-              <a:rPr lang="en-US" dirty="0" err="1" smtClean="0"/>
-              <a:t>Autowire</a:t>
-            </a:r>
-            <a:r>
-              <a:rPr lang="en-US" dirty="0" smtClean="0"/>
-              <a:t>: </a:t>
-            </a:r>
-            <a:r>
-              <a:rPr lang="en-US" dirty="0"/>
-              <a:t>No, </a:t>
-            </a:r>
-            <a:r>
-              <a:rPr lang="en-US" dirty="0" err="1"/>
-              <a:t>byType</a:t>
-            </a:r>
-            <a:r>
-              <a:rPr lang="en-US" dirty="0"/>
-              <a:t>, </a:t>
-            </a:r>
-            <a:r>
-              <a:rPr lang="en-US" dirty="0" err="1"/>
-              <a:t>byName</a:t>
-            </a:r>
-            <a:r>
-              <a:rPr lang="en-US" dirty="0"/>
-              <a:t>, </a:t>
-            </a:r>
-            <a:r>
-              <a:rPr lang="en-US" dirty="0" err="1"/>
-              <a:t>contructor</a:t>
-            </a:r>
-            <a:r>
-              <a:rPr lang="en-US" dirty="0"/>
-              <a:t>, </a:t>
-            </a:r>
-            <a:r>
-              <a:rPr lang="en-US" dirty="0" err="1" smtClean="0"/>
-              <a:t>autodetect</a:t>
-            </a:r>
-            <a:endParaRPr lang="en-US" dirty="0"/>
-          </a:p>
-          <a:p>
-            <a:pPr lvl="1"/>
-            <a:r>
-              <a:rPr lang="en-US" dirty="0"/>
-              <a:t>&lt;property&gt;</a:t>
-            </a:r>
-          </a:p>
-          <a:p>
-            <a:pPr lvl="1"/>
-            <a:r>
-              <a:rPr lang="en-US" dirty="0"/>
-              <a:t>&lt;constructor-</a:t>
-            </a:r>
-            <a:r>
-              <a:rPr lang="en-US" dirty="0" err="1"/>
-              <a:t>arg</a:t>
-            </a:r>
-            <a:r>
-              <a:rPr lang="en-US" dirty="0"/>
-              <a:t>&gt; </a:t>
-            </a:r>
-            <a:endParaRPr lang="en-US" dirty="0" smtClean="0"/>
-          </a:p>
-          <a:p>
-            <a:r>
-              <a:rPr lang="en-US" dirty="0" smtClean="0"/>
-              <a:t>Annotation </a:t>
-            </a:r>
-            <a:r>
-              <a:rPr lang="en-US" dirty="0"/>
-              <a:t>Base </a:t>
-            </a:r>
-            <a:r>
-              <a:rPr lang="en-US" dirty="0" smtClean="0"/>
-              <a:t>Configure: </a:t>
-            </a:r>
-          </a:p>
-          <a:p>
-            <a:pPr lvl="1"/>
-            <a:r>
-              <a:rPr lang="en-US" dirty="0" err="1" smtClean="0"/>
-              <a:t>thêm</a:t>
-            </a:r>
-            <a:r>
-              <a:rPr lang="en-US" dirty="0" smtClean="0"/>
-              <a:t> </a:t>
-            </a:r>
-            <a:r>
-              <a:rPr lang="en-US" dirty="0" err="1" smtClean="0"/>
-              <a:t>cấu</a:t>
-            </a:r>
-            <a:r>
-              <a:rPr lang="en-US" dirty="0" smtClean="0"/>
-              <a:t> </a:t>
-            </a:r>
-            <a:r>
-              <a:rPr lang="en-US" dirty="0" err="1" smtClean="0"/>
-              <a:t>hình</a:t>
-            </a:r>
-            <a:r>
-              <a:rPr lang="en-US" dirty="0" smtClean="0"/>
-              <a:t> </a:t>
-            </a:r>
-            <a:r>
-              <a:rPr lang="en-US" dirty="0" err="1" smtClean="0"/>
-              <a:t>trong</a:t>
-            </a:r>
-            <a:r>
-              <a:rPr lang="en-US" dirty="0" smtClean="0"/>
-              <a:t> xml configure: </a:t>
-            </a:r>
-            <a:r>
-              <a:rPr lang="en-US" dirty="0"/>
-              <a:t>&lt;</a:t>
-            </a:r>
-            <a:r>
-              <a:rPr lang="en-US" dirty="0" err="1"/>
-              <a:t>context:annotation-config</a:t>
-            </a:r>
-            <a:r>
-              <a:rPr lang="en-US" dirty="0" smtClean="0"/>
-              <a:t>/&gt;, </a:t>
-            </a:r>
-            <a:r>
-              <a:rPr lang="en-US" dirty="0" err="1" smtClean="0"/>
-              <a:t>trong</a:t>
-            </a:r>
-            <a:r>
-              <a:rPr lang="en-US" dirty="0" smtClean="0"/>
-              <a:t> &lt;beans …&gt;</a:t>
-            </a:r>
-          </a:p>
-          <a:p>
-            <a:pPr lvl="1"/>
-            <a:r>
-              <a:rPr lang="en-US" dirty="0" smtClean="0"/>
-              <a:t>@Required: </a:t>
-            </a:r>
-            <a:r>
-              <a:rPr lang="en-US" dirty="0" err="1" smtClean="0"/>
-              <a:t>thực</a:t>
-            </a:r>
-            <a:r>
-              <a:rPr lang="en-US" dirty="0" smtClean="0"/>
-              <a:t> </a:t>
-            </a:r>
-            <a:r>
-              <a:rPr lang="en-US" dirty="0" err="1" smtClean="0"/>
-              <a:t>hiên</a:t>
-            </a:r>
-            <a:r>
-              <a:rPr lang="en-US" dirty="0" smtClean="0"/>
-              <a:t> </a:t>
-            </a:r>
-            <a:r>
-              <a:rPr lang="en-US" dirty="0" err="1" smtClean="0"/>
-              <a:t>trên</a:t>
-            </a:r>
-            <a:r>
-              <a:rPr lang="en-US" dirty="0" smtClean="0"/>
-              <a:t> </a:t>
-            </a:r>
-            <a:r>
-              <a:rPr lang="en-US" dirty="0" err="1" smtClean="0"/>
-              <a:t>các</a:t>
-            </a:r>
-            <a:r>
-              <a:rPr lang="en-US" dirty="0" smtClean="0"/>
-              <a:t> property setter method</a:t>
-            </a:r>
-          </a:p>
-          <a:p>
-            <a:pPr lvl="1"/>
-            <a:r>
-              <a:rPr lang="en-US" dirty="0" smtClean="0"/>
-              <a:t>@</a:t>
-            </a:r>
-            <a:r>
-              <a:rPr lang="en-US" dirty="0" err="1" smtClean="0"/>
-              <a:t>Autowired</a:t>
-            </a:r>
-            <a:r>
-              <a:rPr lang="en-US" dirty="0" smtClean="0"/>
-              <a:t>: </a:t>
-            </a:r>
-            <a:r>
-              <a:rPr lang="en-US" dirty="0" err="1" smtClean="0"/>
-              <a:t>trên</a:t>
-            </a:r>
-            <a:r>
-              <a:rPr lang="en-US" dirty="0" smtClean="0"/>
-              <a:t> </a:t>
-            </a:r>
-            <a:r>
-              <a:rPr lang="en-US" dirty="0" err="1" smtClean="0"/>
-              <a:t>contructor</a:t>
-            </a:r>
-            <a:r>
-              <a:rPr lang="en-US" dirty="0" smtClean="0"/>
-              <a:t>, properties, property setter method, non-setter method</a:t>
-            </a:r>
-          </a:p>
-          <a:p>
-            <a:pPr lvl="2"/>
-            <a:r>
-              <a:rPr lang="en-US" dirty="0"/>
-              <a:t>@</a:t>
-            </a:r>
-            <a:r>
-              <a:rPr lang="en-US" dirty="0" err="1"/>
-              <a:t>Autowired</a:t>
-            </a:r>
-            <a:r>
-              <a:rPr lang="en-US" dirty="0"/>
-              <a:t>(required=false</a:t>
-            </a:r>
-            <a:r>
-              <a:rPr lang="en-US" dirty="0" smtClean="0"/>
-              <a:t>): </a:t>
-            </a:r>
-            <a:r>
-              <a:rPr lang="en-US" dirty="0" err="1" smtClean="0"/>
-              <a:t>mặc</a:t>
-            </a:r>
-            <a:r>
-              <a:rPr lang="en-US" dirty="0" smtClean="0"/>
-              <a:t> </a:t>
-            </a:r>
-            <a:r>
-              <a:rPr lang="en-US" dirty="0" err="1" smtClean="0"/>
-              <a:t>định</a:t>
-            </a:r>
-            <a:r>
-              <a:rPr lang="en-US" dirty="0" smtClean="0"/>
-              <a:t> </a:t>
-            </a:r>
-            <a:r>
-              <a:rPr lang="en-US" dirty="0" err="1" smtClean="0"/>
-              <a:t>yêu</a:t>
-            </a:r>
-            <a:r>
-              <a:rPr lang="en-US" dirty="0" smtClean="0"/>
-              <a:t> </a:t>
-            </a:r>
-            <a:r>
-              <a:rPr lang="en-US" dirty="0" err="1" smtClean="0"/>
-              <a:t>cầu</a:t>
-            </a:r>
-            <a:r>
-              <a:rPr lang="en-US" dirty="0" smtClean="0"/>
-              <a:t> required</a:t>
-            </a:r>
-          </a:p>
-          <a:p>
-            <a:pPr lvl="2"/>
-            <a:r>
-              <a:rPr lang="en-US" dirty="0" err="1" smtClean="0"/>
-              <a:t>Chỉ</a:t>
-            </a:r>
-            <a:r>
-              <a:rPr lang="en-US" dirty="0" smtClean="0"/>
-              <a:t> </a:t>
-            </a:r>
-            <a:r>
-              <a:rPr lang="en-US" dirty="0" err="1" smtClean="0"/>
-              <a:t>cố</a:t>
-            </a:r>
-            <a:r>
-              <a:rPr lang="en-US" dirty="0" smtClean="0"/>
-              <a:t> </a:t>
-            </a:r>
-            <a:r>
-              <a:rPr lang="en-US" dirty="0" err="1" smtClean="0"/>
-              <a:t>gắng</a:t>
-            </a:r>
-            <a:r>
-              <a:rPr lang="en-US" dirty="0" smtClean="0"/>
-              <a:t> </a:t>
-            </a:r>
-            <a:r>
-              <a:rPr lang="en-US" dirty="0" err="1" smtClean="0"/>
-              <a:t>thực</a:t>
-            </a:r>
-            <a:r>
-              <a:rPr lang="en-US" dirty="0" smtClean="0"/>
-              <a:t> </a:t>
-            </a:r>
-            <a:r>
-              <a:rPr lang="en-US" dirty="0" err="1" smtClean="0"/>
-              <a:t>hiện</a:t>
-            </a:r>
-            <a:r>
-              <a:rPr lang="en-US" dirty="0" smtClean="0"/>
-              <a:t> </a:t>
-            </a:r>
-            <a:r>
-              <a:rPr lang="en-US" dirty="0" err="1" smtClean="0"/>
-              <a:t>autowiring</a:t>
-            </a:r>
-            <a:r>
-              <a:rPr lang="en-US" dirty="0" smtClean="0"/>
-              <a:t> </a:t>
-            </a:r>
-            <a:r>
-              <a:rPr lang="en-US" dirty="0" err="1" smtClean="0"/>
-              <a:t>byType</a:t>
-            </a:r>
-            <a:endParaRPr lang="en-US" dirty="0" smtClean="0"/>
-          </a:p>
-          <a:p>
-            <a:pPr lvl="1"/>
-            <a:r>
-              <a:rPr lang="en-US" dirty="0" smtClean="0"/>
-              <a:t>@Qualifier: </a:t>
-            </a:r>
-            <a:endParaRPr lang="en-US" dirty="0"/>
-          </a:p>
-          <a:p>
-            <a:r>
-              <a:rPr lang="en-US" dirty="0"/>
-              <a:t>Java Base Configure</a:t>
-            </a:r>
-          </a:p>
-          <a:p>
-            <a:endParaRPr lang="en-US" dirty="0"/>
+              <a:rPr lang="en-US" sz="2400" smtClean="0">
+                <a:solidFill>
+                  <a:schemeClr val="tx1"/>
+                </a:solidFill>
+              </a:rPr>
+              <a:t>.registerShutdownHook</a:t>
+            </a:r>
+            <a:r>
+              <a:rPr lang="en-US" sz="2400" dirty="0" smtClean="0">
+                <a:solidFill>
+                  <a:schemeClr val="tx1"/>
+                </a:solidFill>
+              </a:rPr>
+              <a:t>()</a:t>
+            </a:r>
+            <a:endParaRPr lang="en-US" sz="2400" dirty="0">
+              <a:solidFill>
+                <a:schemeClr val="tx1"/>
+              </a:solidFill>
+            </a:endParaRPr>
           </a:p>
         </p:txBody>
       </p:sp>
     </p:spTree>
     <p:extLst>
       <p:ext uri="{BB962C8B-B14F-4D97-AF65-F5344CB8AC3E}">
-        <p14:creationId xmlns:p14="http://schemas.microsoft.com/office/powerpoint/2010/main" val="2466659363"/>
+        <p14:creationId xmlns:p14="http://schemas.microsoft.com/office/powerpoint/2010/main" val="2111838338"/>
       </p:ext>
     </p:extLst>
   </p:cSld>
   <p:clrMapOvr>
     <a:masterClrMapping/>
   </p:clrMapOvr>
+  <p:timing>
+    <p:tnLst>
+      <p:par>
+        <p:cTn id="1" dur="indefinite" restart="never" nodeType="tmRoot"/>
+      </p:par>
+    </p:tnLst>
+  </p:timing>
 </p:sld>
 </file>
 
@@ -4743,16 +5272,8 @@
           <a:lstStyle/>
           <a:p>
             <a:r>
-              <a:rPr lang="en-US" dirty="0" smtClean="0"/>
-              <a:t>Dependency </a:t>
-            </a:r>
-            <a:r>
-              <a:rPr lang="en-US" dirty="0"/>
-              <a:t>I</a:t>
-            </a:r>
-            <a:r>
-              <a:rPr lang="en-US" dirty="0" smtClean="0"/>
-              <a:t>njection</a:t>
+              <a:rPr lang="en-US" smtClean="0"/>
+              <a:t>Beans</a:t>
             </a:r>
             <a:endParaRPr lang="en-US" dirty="0"/>
           </a:p>
@@ -4768,48 +5289,351 @@
             <p:ph idx="1"/>
           </p:nvPr>
         </p:nvSpPr>
-        <p:spPr/>
-        <p:txBody>
-          <a:bodyPr/>
-          <a:lstStyle/>
-          <a:p>
-            <a:r>
-              <a:rPr lang="en-US" dirty="0" smtClean="0"/>
-              <a:t>Constructor-based: &lt;constructor-</a:t>
-            </a:r>
-            <a:r>
-              <a:rPr lang="en-US" dirty="0" err="1" smtClean="0"/>
+        <p:spPr>
+          <a:xfrm>
+            <a:off x="910989" y="1525136"/>
+            <a:ext cx="9010934" cy="5080379"/>
+          </a:xfrm>
+        </p:spPr>
+        <p:txBody>
+          <a:bodyPr>
+            <a:noAutofit/>
+          </a:bodyPr>
+          <a:lstStyle/>
+          <a:p>
+            <a:pPr marL="45720" indent="0">
+              <a:buNone/>
+            </a:pPr>
+            <a:r>
+              <a:rPr lang="en-US" sz="2800">
+                <a:solidFill>
+                  <a:schemeClr val="tx1"/>
+                </a:solidFill>
+              </a:rPr>
+              <a:t>Beans Difinition</a:t>
+            </a:r>
+          </a:p>
+          <a:p>
+            <a:r>
+              <a:rPr lang="en-US" sz="2400" smtClean="0">
+                <a:solidFill>
+                  <a:schemeClr val="tx1"/>
+                </a:solidFill>
+              </a:rPr>
+              <a:t>XML </a:t>
+            </a:r>
+          </a:p>
+          <a:p>
+            <a:pPr lvl="1"/>
+            <a:r>
+              <a:rPr lang="en-US" smtClean="0">
+                <a:solidFill>
+                  <a:schemeClr val="tx1"/>
+                </a:solidFill>
+              </a:rPr>
+              <a:t>&lt;bean&gt;</a:t>
+            </a:r>
+          </a:p>
+          <a:p>
+            <a:pPr lvl="2"/>
+            <a:r>
+              <a:rPr lang="en-US" sz="2000" smtClean="0">
+                <a:solidFill>
+                  <a:schemeClr val="tx1"/>
+                </a:solidFill>
+              </a:rPr>
+              <a:t>name</a:t>
+            </a:r>
+            <a:r>
+              <a:rPr lang="en-US" sz="2000">
+                <a:solidFill>
+                  <a:schemeClr val="tx1"/>
+                </a:solidFill>
+              </a:rPr>
+              <a:t>, </a:t>
+            </a:r>
+            <a:r>
+              <a:rPr lang="en-US" sz="2000" smtClean="0">
+                <a:solidFill>
+                  <a:schemeClr val="tx1"/>
+                </a:solidFill>
+              </a:rPr>
+              <a:t>class, </a:t>
+            </a:r>
+            <a:r>
+              <a:rPr lang="en-US" sz="2000" dirty="0" err="1">
+                <a:solidFill>
+                  <a:schemeClr val="tx1"/>
+                </a:solidFill>
+              </a:rPr>
+              <a:t>init</a:t>
+            </a:r>
+            <a:r>
+              <a:rPr lang="en-US" sz="2000" dirty="0">
+                <a:solidFill>
+                  <a:schemeClr val="tx1"/>
+                </a:solidFill>
+              </a:rPr>
+              <a:t>-method, destroy-method</a:t>
+            </a:r>
+            <a:r>
+              <a:rPr lang="en-US" sz="2000">
+                <a:solidFill>
+                  <a:schemeClr val="tx1"/>
+                </a:solidFill>
+              </a:rPr>
+              <a:t>, </a:t>
+            </a:r>
+            <a:r>
+              <a:rPr lang="en-US" sz="2000" smtClean="0">
+                <a:solidFill>
+                  <a:schemeClr val="tx1"/>
+                </a:solidFill>
+              </a:rPr>
+              <a:t>scope, factory-method</a:t>
+            </a:r>
+            <a:endParaRPr lang="en-US" sz="2000" dirty="0" smtClean="0">
+              <a:solidFill>
+                <a:schemeClr val="tx1"/>
+              </a:solidFill>
+            </a:endParaRPr>
+          </a:p>
+          <a:p>
+            <a:pPr lvl="2"/>
+            <a:r>
+              <a:rPr lang="en-US" sz="2000" dirty="0" err="1" smtClean="0">
+                <a:solidFill>
+                  <a:schemeClr val="tx1"/>
+                </a:solidFill>
+              </a:rPr>
+              <a:t>Autowire</a:t>
+            </a:r>
+            <a:r>
+              <a:rPr lang="en-US" sz="2000" dirty="0" smtClean="0">
+                <a:solidFill>
+                  <a:schemeClr val="tx1"/>
+                </a:solidFill>
+              </a:rPr>
+              <a:t>: </a:t>
+            </a:r>
+            <a:r>
+              <a:rPr lang="en-US" sz="2000" dirty="0">
+                <a:solidFill>
+                  <a:schemeClr val="tx1"/>
+                </a:solidFill>
+              </a:rPr>
+              <a:t>No, </a:t>
+            </a:r>
+            <a:r>
+              <a:rPr lang="en-US" sz="2000" dirty="0" err="1">
+                <a:solidFill>
+                  <a:schemeClr val="tx1"/>
+                </a:solidFill>
+              </a:rPr>
+              <a:t>byType</a:t>
+            </a:r>
+            <a:r>
+              <a:rPr lang="en-US" sz="2000" dirty="0">
+                <a:solidFill>
+                  <a:schemeClr val="tx1"/>
+                </a:solidFill>
+              </a:rPr>
+              <a:t>, </a:t>
+            </a:r>
+            <a:r>
+              <a:rPr lang="en-US" sz="2000" dirty="0" err="1">
+                <a:solidFill>
+                  <a:schemeClr val="tx1"/>
+                </a:solidFill>
+              </a:rPr>
+              <a:t>byName</a:t>
+            </a:r>
+            <a:r>
+              <a:rPr lang="en-US" sz="2000" dirty="0">
+                <a:solidFill>
+                  <a:schemeClr val="tx1"/>
+                </a:solidFill>
+              </a:rPr>
+              <a:t>, </a:t>
+            </a:r>
+            <a:r>
+              <a:rPr lang="en-US" sz="2000" dirty="0" err="1">
+                <a:solidFill>
+                  <a:schemeClr val="tx1"/>
+                </a:solidFill>
+              </a:rPr>
+              <a:t>contructor</a:t>
+            </a:r>
+            <a:r>
+              <a:rPr lang="en-US" sz="2000" dirty="0">
+                <a:solidFill>
+                  <a:schemeClr val="tx1"/>
+                </a:solidFill>
+              </a:rPr>
+              <a:t>, </a:t>
+            </a:r>
+            <a:r>
+              <a:rPr lang="en-US" sz="2000" dirty="0" err="1" smtClean="0">
+                <a:solidFill>
+                  <a:schemeClr val="tx1"/>
+                </a:solidFill>
+              </a:rPr>
+              <a:t>autodetect</a:t>
+            </a:r>
+            <a:endParaRPr lang="en-US" sz="2000" dirty="0">
+              <a:solidFill>
+                <a:schemeClr val="tx1"/>
+              </a:solidFill>
+            </a:endParaRPr>
+          </a:p>
+          <a:p>
+            <a:pPr lvl="1"/>
+            <a:r>
+              <a:rPr lang="en-US" sz="2400" dirty="0">
+                <a:solidFill>
+                  <a:schemeClr val="tx1"/>
+                </a:solidFill>
+              </a:rPr>
+              <a:t>&lt;property&gt;</a:t>
+            </a:r>
+          </a:p>
+          <a:p>
+            <a:pPr lvl="1"/>
+            <a:r>
+              <a:rPr lang="en-US" sz="2400" dirty="0">
+                <a:solidFill>
+                  <a:schemeClr val="tx1"/>
+                </a:solidFill>
+              </a:rPr>
+              <a:t>&lt;constructor-</a:t>
+            </a:r>
+            <a:r>
+              <a:rPr lang="en-US" sz="2400" dirty="0" err="1">
+                <a:solidFill>
+                  <a:schemeClr val="tx1"/>
+                </a:solidFill>
+              </a:rPr>
               <a:t>arg</a:t>
             </a:r>
             <a:r>
-              <a:rPr lang="en-US" dirty="0" smtClean="0"/>
-              <a:t> name=“…” value||ref=“…” /&gt;</a:t>
-            </a:r>
-          </a:p>
-          <a:p>
-            <a:r>
-              <a:rPr lang="en-US" dirty="0" smtClean="0"/>
-              <a:t>Setter-based: &lt;property name=“…” value||ref=“…” /&gt;</a:t>
-            </a:r>
-          </a:p>
-          <a:p>
-            <a:pPr marL="45720" indent="0">
-              <a:buNone/>
-            </a:pPr>
-            <a:endParaRPr lang="en-US" dirty="0"/>
+              <a:rPr lang="en-US" sz="2400" dirty="0">
+                <a:solidFill>
+                  <a:schemeClr val="tx1"/>
+                </a:solidFill>
+              </a:rPr>
+              <a:t>&gt; </a:t>
+            </a:r>
+            <a:endParaRPr lang="en-US" sz="2400" dirty="0" smtClean="0">
+              <a:solidFill>
+                <a:schemeClr val="tx1"/>
+              </a:solidFill>
+            </a:endParaRPr>
+          </a:p>
+          <a:p>
+            <a:r>
+              <a:rPr lang="en-US" sz="2400" dirty="0" smtClean="0">
+                <a:solidFill>
+                  <a:schemeClr val="tx1"/>
+                </a:solidFill>
+              </a:rPr>
+              <a:t>Annotation </a:t>
+            </a:r>
+            <a:r>
+              <a:rPr lang="en-US" sz="2400" dirty="0">
+                <a:solidFill>
+                  <a:schemeClr val="tx1"/>
+                </a:solidFill>
+              </a:rPr>
+              <a:t>Base </a:t>
+            </a:r>
+            <a:r>
+              <a:rPr lang="en-US" sz="2400" dirty="0" smtClean="0">
+                <a:solidFill>
+                  <a:schemeClr val="tx1"/>
+                </a:solidFill>
+              </a:rPr>
+              <a:t>Configure: </a:t>
+            </a:r>
+          </a:p>
+          <a:p>
+            <a:r>
+              <a:rPr lang="en-US" sz="2400" smtClean="0">
+                <a:solidFill>
+                  <a:schemeClr val="tx1"/>
+                </a:solidFill>
+              </a:rPr>
+              <a:t>Java </a:t>
+            </a:r>
+            <a:r>
+              <a:rPr lang="en-US" sz="2400">
+                <a:solidFill>
+                  <a:schemeClr val="tx1"/>
+                </a:solidFill>
+              </a:rPr>
+              <a:t>Base </a:t>
+            </a:r>
+            <a:r>
+              <a:rPr lang="en-US" sz="2400" smtClean="0">
+                <a:solidFill>
+                  <a:schemeClr val="tx1"/>
+                </a:solidFill>
+              </a:rPr>
+              <a:t>Configure</a:t>
+            </a:r>
+          </a:p>
+          <a:p>
+            <a:pPr lvl="1"/>
+            <a:r>
+              <a:rPr lang="en-US" smtClean="0">
+                <a:solidFill>
+                  <a:schemeClr val="tx1"/>
+                </a:solidFill>
+              </a:rPr>
+              <a:t>@Configuration: class mà cung cấp các định nghĩa bean cho container IoC</a:t>
+            </a:r>
+          </a:p>
+          <a:p>
+            <a:pPr lvl="1"/>
+            <a:r>
+              <a:rPr lang="en-US" smtClean="0">
+                <a:solidFill>
+                  <a:schemeClr val="tx1"/>
+                </a:solidFill>
+              </a:rPr>
+              <a:t>@Bean: phương thức mà trả về 1 object và object đó được đăng ký như 1 bean</a:t>
+            </a:r>
+            <a:endParaRPr lang="en-US" dirty="0">
+              <a:solidFill>
+                <a:schemeClr val="tx1"/>
+              </a:solidFill>
+            </a:endParaRPr>
+          </a:p>
+          <a:p>
+            <a:endParaRPr lang="en-US" sz="1600" dirty="0">
+              <a:solidFill>
+                <a:schemeClr val="tx1"/>
+              </a:solidFill>
+            </a:endParaRPr>
           </a:p>
         </p:txBody>
       </p:sp>
     </p:spTree>
     <p:extLst>
       <p:ext uri="{BB962C8B-B14F-4D97-AF65-F5344CB8AC3E}">
-        <p14:creationId xmlns:p14="http://schemas.microsoft.com/office/powerpoint/2010/main" val="1736113905"/>
+        <p14:creationId xmlns:p14="http://schemas.microsoft.com/office/powerpoint/2010/main" val="2466659363"/>
       </p:ext>
     </p:extLst>
   </p:cSld>
   <p:clrMapOvr>
     <a:masterClrMapping/>
   </p:clrMapOvr>
+  <p:timing>
+    <p:tnLst>
+      <p:par>
+        <p:cTn id="1" dur="indefinite" restart="never" nodeType="tmRoot"/>
+      </p:par>
+    </p:tnLst>
+  </p:timing>
 </p:sld>
 </file>
 
@@ -4846,8 +5670,8 @@
           <a:lstStyle/>
           <a:p>
             <a:r>
-              <a:rPr lang="en-US" dirty="0" smtClean="0"/>
-              <a:t>Spring MVC</a:t>
+              <a:rPr lang="en-US" smtClean="0"/>
+              <a:t>Beans</a:t>
             </a:r>
             <a:endParaRPr lang="en-US" dirty="0"/>
           </a:p>
@@ -4863,25 +5687,69 @@
             <p:ph idx="1"/>
           </p:nvPr>
         </p:nvSpPr>
-        <p:spPr/>
-        <p:txBody>
-          <a:bodyPr/>
-          <a:lstStyle/>
-          <a:p>
-            <a:endParaRPr lang="en-US"/>
+        <p:spPr>
+          <a:xfrm>
+            <a:off x="910989" y="1525136"/>
+            <a:ext cx="9010934" cy="5080379"/>
+          </a:xfrm>
+        </p:spPr>
+        <p:txBody>
+          <a:bodyPr>
+            <a:noAutofit/>
+          </a:bodyPr>
+          <a:lstStyle/>
+          <a:p>
+            <a:pPr marL="45720" indent="0">
+              <a:buNone/>
+            </a:pPr>
+            <a:r>
+              <a:rPr lang="en-US" sz="2800">
+                <a:solidFill>
+                  <a:schemeClr val="tx1"/>
+                </a:solidFill>
+              </a:rPr>
+              <a:t>Beans </a:t>
+            </a:r>
+            <a:r>
+              <a:rPr lang="en-US" sz="2800" smtClean="0">
+                <a:solidFill>
+                  <a:schemeClr val="tx1"/>
+                </a:solidFill>
+              </a:rPr>
+              <a:t>Scope</a:t>
+            </a:r>
+            <a:endParaRPr lang="en-US" sz="2800">
+              <a:solidFill>
+                <a:schemeClr val="tx1"/>
+              </a:solidFill>
+            </a:endParaRPr>
+          </a:p>
+          <a:p>
+            <a:endParaRPr lang="en-US" sz="1600" dirty="0">
+              <a:solidFill>
+                <a:schemeClr val="tx1"/>
+              </a:solidFill>
+            </a:endParaRPr>
           </a:p>
         </p:txBody>
       </p:sp>
     </p:spTree>
     <p:extLst>
       <p:ext uri="{BB962C8B-B14F-4D97-AF65-F5344CB8AC3E}">
-        <p14:creationId xmlns:p14="http://schemas.microsoft.com/office/powerpoint/2010/main" val="2116481890"/>
+        <p14:creationId xmlns:p14="http://schemas.microsoft.com/office/powerpoint/2010/main" val="2790798935"/>
       </p:ext>
     </p:extLst>
   </p:cSld>
   <p:clrMapOvr>
     <a:masterClrMapping/>
   </p:clrMapOvr>
+  <p:timing>
+    <p:tnLst>
+      <p:par>
+        <p:cTn id="1" dur="indefinite" restart="never" nodeType="tmRoot"/>
+      </p:par>
+    </p:tnLst>
+  </p:timing>
 </p:sld>
 </file>
 
@@ -5116,7 +5984,7 @@
   <a:extraClrSchemeLst/>
   <a:extLst>
     <a:ext uri="{05A4C25C-085E-4340-85A3-A5531E510DB2}">
-      <thm15:themeFamily xmlns:thm15="http://schemas.microsoft.com/office/thememl/2012/main" name="Basis" id="{5665723A-49BA-4B57-8411-A56F8F207965}" vid="{90E45F77-AEFC-46EF-A7C1-5B338C297B02}"/>
+      <thm15:themeFamily xmlns:thm15="http://schemas.microsoft.com/office/thememl/2012/main" xmlns="" name="Basis" id="{5665723A-49BA-4B57-8411-A56F8F207965}" vid="{90E45F77-AEFC-46EF-A7C1-5B338C297B02}"/>
     </a:ext>
   </a:extLst>
 </a:theme>

--- a/Spring.pptx
+++ b/Spring.pptx
@@ -4,6 +4,9 @@
   <p:sldMasterIdLst>
     <p:sldMasterId id="2147483684" r:id="rId1"/>
   </p:sldMasterIdLst>
+  <p:notesMasterIdLst>
+    <p:notesMasterId r:id="rId21"/>
+  </p:notesMasterIdLst>
   <p:sldIdLst>
     <p:sldId id="256" r:id="rId2"/>
     <p:sldId id="259" r:id="rId3"/>
@@ -17,7 +20,13 @@
     <p:sldId id="267" r:id="rId11"/>
     <p:sldId id="264" r:id="rId12"/>
     <p:sldId id="258" r:id="rId13"/>
-    <p:sldId id="260" r:id="rId14"/>
+    <p:sldId id="269" r:id="rId14"/>
+    <p:sldId id="271" r:id="rId15"/>
+    <p:sldId id="272" r:id="rId16"/>
+    <p:sldId id="273" r:id="rId17"/>
+    <p:sldId id="274" r:id="rId18"/>
+    <p:sldId id="275" r:id="rId19"/>
+    <p:sldId id="260" r:id="rId20"/>
   </p:sldIdLst>
   <p:sldSz cx="12192000" cy="6858000"/>
   <p:notesSz cx="6858000" cy="9144000"/>
@@ -118,10 +127,467 @@
   </p:defaultTextStyle>
   <p:extLst>
     <p:ext uri="{EFAFB233-063F-42B5-8137-9DF3F51BA10A}">
-      <p15:sldGuideLst xmlns:p15="http://schemas.microsoft.com/office/powerpoint/2012/main" xmlns=""/>
+      <p15:sldGuideLst xmlns:p15="http://schemas.microsoft.com/office/powerpoint/2012/main">
+        <p15:guide id="1" orient="horz" pos="2160">
+          <p15:clr>
+            <a:srgbClr val="A4A3A4"/>
+          </p15:clr>
+        </p15:guide>
+        <p15:guide id="2" pos="3840">
+          <p15:clr>
+            <a:srgbClr val="A4A3A4"/>
+          </p15:clr>
+        </p15:guide>
+      </p15:sldGuideLst>
     </p:ext>
   </p:extLst>
 </p:presentation>
+</file>
+
+<file path=ppt/commentAuthors.xml><?xml version="1.0" encoding="utf-8"?>
+<p:cmAuthorLst xmlns:a="http://schemas.openxmlformats.org/drawingml/2006/main" xmlns:r="http://schemas.openxmlformats.org/officeDocument/2006/relationships" xmlns:p="http://schemas.openxmlformats.org/presentationml/2006/main">
+  <p:cmAuthor id="1" name="Lò Văn Kiên" initials="LVK" lastIdx="1" clrIdx="0">
+    <p:extLst>
+      <p:ext uri="{19B8F6BF-5375-455C-9EA6-DF929625EA0E}">
+        <p15:presenceInfo xmlns:p15="http://schemas.microsoft.com/office/powerpoint/2012/main" userId="S-1-5-21-982111736-496572185-1971197690-1137" providerId="AD"/>
+      </p:ext>
+    </p:extLst>
+  </p:cmAuthor>
+</p:cmAuthorLst>
+</file>
+
+<file path=ppt/notesMasters/notesMaster1.xml><?xml version="1.0" encoding="utf-8"?>
+<p:notesMaster xmlns:a="http://schemas.openxmlformats.org/drawingml/2006/main" xmlns:r="http://schemas.openxmlformats.org/officeDocument/2006/relationships" xmlns:p="http://schemas.openxmlformats.org/presentationml/2006/main">
+  <p:cSld>
+    <p:bg>
+      <p:bgRef idx="1001">
+        <a:schemeClr val="bg1"/>
+      </p:bgRef>
+    </p:bg>
+    <p:spTree>
+      <p:nvGrpSpPr>
+        <p:cNvPr id="1" name=""/>
+        <p:cNvGrpSpPr/>
+        <p:nvPr/>
+      </p:nvGrpSpPr>
+      <p:grpSpPr>
+        <a:xfrm>
+          <a:off x="0" y="0"/>
+          <a:ext cx="0" cy="0"/>
+          <a:chOff x="0" y="0"/>
+          <a:chExt cx="0" cy="0"/>
+        </a:xfrm>
+      </p:grpSpPr>
+      <p:sp>
+        <p:nvSpPr>
+          <p:cNvPr id="2" name="Header Placeholder 1"/>
+          <p:cNvSpPr>
+            <a:spLocks noGrp="1"/>
+          </p:cNvSpPr>
+          <p:nvPr>
+            <p:ph type="hdr" sz="quarter"/>
+          </p:nvPr>
+        </p:nvSpPr>
+        <p:spPr>
+          <a:xfrm>
+            <a:off x="0" y="0"/>
+            <a:ext cx="2971800" cy="458788"/>
+          </a:xfrm>
+          <a:prstGeom prst="rect">
+            <a:avLst/>
+          </a:prstGeom>
+        </p:spPr>
+        <p:txBody>
+          <a:bodyPr vert="horz" lIns="91440" tIns="45720" rIns="91440" bIns="45720" rtlCol="0"/>
+          <a:lstStyle>
+            <a:lvl1pPr algn="l">
+              <a:defRPr sz="1200"/>
+            </a:lvl1pPr>
+          </a:lstStyle>
+          <a:p>
+            <a:endParaRPr lang="en-US"/>
+          </a:p>
+        </p:txBody>
+      </p:sp>
+      <p:sp>
+        <p:nvSpPr>
+          <p:cNvPr id="3" name="Date Placeholder 2"/>
+          <p:cNvSpPr>
+            <a:spLocks noGrp="1"/>
+          </p:cNvSpPr>
+          <p:nvPr>
+            <p:ph type="dt" idx="1"/>
+          </p:nvPr>
+        </p:nvSpPr>
+        <p:spPr>
+          <a:xfrm>
+            <a:off x="3884613" y="0"/>
+            <a:ext cx="2971800" cy="458788"/>
+          </a:xfrm>
+          <a:prstGeom prst="rect">
+            <a:avLst/>
+          </a:prstGeom>
+        </p:spPr>
+        <p:txBody>
+          <a:bodyPr vert="horz" lIns="91440" tIns="45720" rIns="91440" bIns="45720" rtlCol="0"/>
+          <a:lstStyle>
+            <a:lvl1pPr algn="r">
+              <a:defRPr sz="1200"/>
+            </a:lvl1pPr>
+          </a:lstStyle>
+          <a:p>
+            <a:fld id="{031B0C94-0509-4FB7-8ABE-E78509E4B774}" type="datetimeFigureOut">
+              <a:rPr lang="en-US" smtClean="0"/>
+              <a:t>4/11/2018</a:t>
+            </a:fld>
+            <a:endParaRPr lang="en-US"/>
+          </a:p>
+        </p:txBody>
+      </p:sp>
+      <p:sp>
+        <p:nvSpPr>
+          <p:cNvPr id="4" name="Slide Image Placeholder 3"/>
+          <p:cNvSpPr>
+            <a:spLocks noGrp="1" noRot="1" noChangeAspect="1"/>
+          </p:cNvSpPr>
+          <p:nvPr>
+            <p:ph type="sldImg" idx="2"/>
+          </p:nvPr>
+        </p:nvSpPr>
+        <p:spPr>
+          <a:xfrm>
+            <a:off x="685800" y="1143000"/>
+            <a:ext cx="5486400" cy="3086100"/>
+          </a:xfrm>
+          <a:prstGeom prst="rect">
+            <a:avLst/>
+          </a:prstGeom>
+          <a:noFill/>
+          <a:ln w="12700">
+            <a:solidFill>
+              <a:prstClr val="black"/>
+            </a:solidFill>
+          </a:ln>
+        </p:spPr>
+        <p:txBody>
+          <a:bodyPr vert="horz" lIns="91440" tIns="45720" rIns="91440" bIns="45720" rtlCol="0" anchor="ctr"/>
+          <a:lstStyle/>
+          <a:p>
+            <a:endParaRPr lang="en-US"/>
+          </a:p>
+        </p:txBody>
+      </p:sp>
+      <p:sp>
+        <p:nvSpPr>
+          <p:cNvPr id="5" name="Notes Placeholder 4"/>
+          <p:cNvSpPr>
+            <a:spLocks noGrp="1"/>
+          </p:cNvSpPr>
+          <p:nvPr>
+            <p:ph type="body" sz="quarter" idx="3"/>
+          </p:nvPr>
+        </p:nvSpPr>
+        <p:spPr>
+          <a:xfrm>
+            <a:off x="685800" y="4400550"/>
+            <a:ext cx="5486400" cy="3600450"/>
+          </a:xfrm>
+          <a:prstGeom prst="rect">
+            <a:avLst/>
+          </a:prstGeom>
+        </p:spPr>
+        <p:txBody>
+          <a:bodyPr vert="horz" lIns="91440" tIns="45720" rIns="91440" bIns="45720" rtlCol="0"/>
+          <a:lstStyle/>
+          <a:p>
+            <a:pPr lvl="0"/>
+            <a:r>
+              <a:rPr lang="en-US" smtClean="0"/>
+              <a:t>Click to edit Master text styles</a:t>
+            </a:r>
+          </a:p>
+          <a:p>
+            <a:pPr lvl="1"/>
+            <a:r>
+              <a:rPr lang="en-US" smtClean="0"/>
+              <a:t>Second level</a:t>
+            </a:r>
+          </a:p>
+          <a:p>
+            <a:pPr lvl="2"/>
+            <a:r>
+              <a:rPr lang="en-US" smtClean="0"/>
+              <a:t>Third level</a:t>
+            </a:r>
+          </a:p>
+          <a:p>
+            <a:pPr lvl="3"/>
+            <a:r>
+              <a:rPr lang="en-US" smtClean="0"/>
+              <a:t>Fourth level</a:t>
+            </a:r>
+          </a:p>
+          <a:p>
+            <a:pPr lvl="4"/>
+            <a:r>
+              <a:rPr lang="en-US" smtClean="0"/>
+              <a:t>Fifth level</a:t>
+            </a:r>
+            <a:endParaRPr lang="en-US"/>
+          </a:p>
+        </p:txBody>
+      </p:sp>
+      <p:sp>
+        <p:nvSpPr>
+          <p:cNvPr id="6" name="Footer Placeholder 5"/>
+          <p:cNvSpPr>
+            <a:spLocks noGrp="1"/>
+          </p:cNvSpPr>
+          <p:nvPr>
+            <p:ph type="ftr" sz="quarter" idx="4"/>
+          </p:nvPr>
+        </p:nvSpPr>
+        <p:spPr>
+          <a:xfrm>
+            <a:off x="0" y="8685213"/>
+            <a:ext cx="2971800" cy="458787"/>
+          </a:xfrm>
+          <a:prstGeom prst="rect">
+            <a:avLst/>
+          </a:prstGeom>
+        </p:spPr>
+        <p:txBody>
+          <a:bodyPr vert="horz" lIns="91440" tIns="45720" rIns="91440" bIns="45720" rtlCol="0" anchor="b"/>
+          <a:lstStyle>
+            <a:lvl1pPr algn="l">
+              <a:defRPr sz="1200"/>
+            </a:lvl1pPr>
+          </a:lstStyle>
+          <a:p>
+            <a:endParaRPr lang="en-US"/>
+          </a:p>
+        </p:txBody>
+      </p:sp>
+      <p:sp>
+        <p:nvSpPr>
+          <p:cNvPr id="7" name="Slide Number Placeholder 6"/>
+          <p:cNvSpPr>
+            <a:spLocks noGrp="1"/>
+          </p:cNvSpPr>
+          <p:nvPr>
+            <p:ph type="sldNum" sz="quarter" idx="5"/>
+          </p:nvPr>
+        </p:nvSpPr>
+        <p:spPr>
+          <a:xfrm>
+            <a:off x="3884613" y="8685213"/>
+            <a:ext cx="2971800" cy="458787"/>
+          </a:xfrm>
+          <a:prstGeom prst="rect">
+            <a:avLst/>
+          </a:prstGeom>
+        </p:spPr>
+        <p:txBody>
+          <a:bodyPr vert="horz" lIns="91440" tIns="45720" rIns="91440" bIns="45720" rtlCol="0" anchor="b"/>
+          <a:lstStyle>
+            <a:lvl1pPr algn="r">
+              <a:defRPr sz="1200"/>
+            </a:lvl1pPr>
+          </a:lstStyle>
+          <a:p>
+            <a:fld id="{D5AAECD5-8335-4937-AC00-0774527DFE1F}" type="slidenum">
+              <a:rPr lang="en-US" smtClean="0"/>
+              <a:t>‹#›</a:t>
+            </a:fld>
+            <a:endParaRPr lang="en-US"/>
+          </a:p>
+        </p:txBody>
+      </p:sp>
+    </p:spTree>
+    <p:extLst>
+      <p:ext uri="{BB962C8B-B14F-4D97-AF65-F5344CB8AC3E}">
+        <p14:creationId xmlns:p14="http://schemas.microsoft.com/office/powerpoint/2010/main" val="253790189"/>
+      </p:ext>
+    </p:extLst>
+  </p:cSld>
+  <p:clrMap bg1="lt1" tx1="dk1" bg2="lt2" tx2="dk2" accent1="accent1" accent2="accent2" accent3="accent3" accent4="accent4" accent5="accent5" accent6="accent6" hlink="hlink" folHlink="folHlink"/>
+  <p:notesStyle>
+    <a:lvl1pPr marL="0" algn="l" defTabSz="914400" rtl="0" eaLnBrk="1" latinLnBrk="0" hangingPunct="1">
+      <a:defRPr sz="1200" kern="1200">
+        <a:solidFill>
+          <a:schemeClr val="tx1"/>
+        </a:solidFill>
+        <a:latin typeface="+mn-lt"/>
+        <a:ea typeface="+mn-ea"/>
+        <a:cs typeface="+mn-cs"/>
+      </a:defRPr>
+    </a:lvl1pPr>
+    <a:lvl2pPr marL="457200" algn="l" defTabSz="914400" rtl="0" eaLnBrk="1" latinLnBrk="0" hangingPunct="1">
+      <a:defRPr sz="1200" kern="1200">
+        <a:solidFill>
+          <a:schemeClr val="tx1"/>
+        </a:solidFill>
+        <a:latin typeface="+mn-lt"/>
+        <a:ea typeface="+mn-ea"/>
+        <a:cs typeface="+mn-cs"/>
+      </a:defRPr>
+    </a:lvl2pPr>
+    <a:lvl3pPr marL="914400" algn="l" defTabSz="914400" rtl="0" eaLnBrk="1" latinLnBrk="0" hangingPunct="1">
+      <a:defRPr sz="1200" kern="1200">
+        <a:solidFill>
+          <a:schemeClr val="tx1"/>
+        </a:solidFill>
+        <a:latin typeface="+mn-lt"/>
+        <a:ea typeface="+mn-ea"/>
+        <a:cs typeface="+mn-cs"/>
+      </a:defRPr>
+    </a:lvl3pPr>
+    <a:lvl4pPr marL="1371600" algn="l" defTabSz="914400" rtl="0" eaLnBrk="1" latinLnBrk="0" hangingPunct="1">
+      <a:defRPr sz="1200" kern="1200">
+        <a:solidFill>
+          <a:schemeClr val="tx1"/>
+        </a:solidFill>
+        <a:latin typeface="+mn-lt"/>
+        <a:ea typeface="+mn-ea"/>
+        <a:cs typeface="+mn-cs"/>
+      </a:defRPr>
+    </a:lvl4pPr>
+    <a:lvl5pPr marL="1828800" algn="l" defTabSz="914400" rtl="0" eaLnBrk="1" latinLnBrk="0" hangingPunct="1">
+      <a:defRPr sz="1200" kern="1200">
+        <a:solidFill>
+          <a:schemeClr val="tx1"/>
+        </a:solidFill>
+        <a:latin typeface="+mn-lt"/>
+        <a:ea typeface="+mn-ea"/>
+        <a:cs typeface="+mn-cs"/>
+      </a:defRPr>
+    </a:lvl5pPr>
+    <a:lvl6pPr marL="2286000" algn="l" defTabSz="914400" rtl="0" eaLnBrk="1" latinLnBrk="0" hangingPunct="1">
+      <a:defRPr sz="1200" kern="1200">
+        <a:solidFill>
+          <a:schemeClr val="tx1"/>
+        </a:solidFill>
+        <a:latin typeface="+mn-lt"/>
+        <a:ea typeface="+mn-ea"/>
+        <a:cs typeface="+mn-cs"/>
+      </a:defRPr>
+    </a:lvl6pPr>
+    <a:lvl7pPr marL="2743200" algn="l" defTabSz="914400" rtl="0" eaLnBrk="1" latinLnBrk="0" hangingPunct="1">
+      <a:defRPr sz="1200" kern="1200">
+        <a:solidFill>
+          <a:schemeClr val="tx1"/>
+        </a:solidFill>
+        <a:latin typeface="+mn-lt"/>
+        <a:ea typeface="+mn-ea"/>
+        <a:cs typeface="+mn-cs"/>
+      </a:defRPr>
+    </a:lvl7pPr>
+    <a:lvl8pPr marL="3200400" algn="l" defTabSz="914400" rtl="0" eaLnBrk="1" latinLnBrk="0" hangingPunct="1">
+      <a:defRPr sz="1200" kern="1200">
+        <a:solidFill>
+          <a:schemeClr val="tx1"/>
+        </a:solidFill>
+        <a:latin typeface="+mn-lt"/>
+        <a:ea typeface="+mn-ea"/>
+        <a:cs typeface="+mn-cs"/>
+      </a:defRPr>
+    </a:lvl8pPr>
+    <a:lvl9pPr marL="3657600" algn="l" defTabSz="914400" rtl="0" eaLnBrk="1" latinLnBrk="0" hangingPunct="1">
+      <a:defRPr sz="1200" kern="1200">
+        <a:solidFill>
+          <a:schemeClr val="tx1"/>
+        </a:solidFill>
+        <a:latin typeface="+mn-lt"/>
+        <a:ea typeface="+mn-ea"/>
+        <a:cs typeface="+mn-cs"/>
+      </a:defRPr>
+    </a:lvl9pPr>
+  </p:notesStyle>
+</p:notesMaster>
+</file>
+
+<file path=ppt/notesSlides/notesSlide1.xml><?xml version="1.0" encoding="utf-8"?>
+<p:notes xmlns:a="http://schemas.openxmlformats.org/drawingml/2006/main" xmlns:r="http://schemas.openxmlformats.org/officeDocument/2006/relationships" xmlns:p="http://schemas.openxmlformats.org/presentationml/2006/main">
+  <p:cSld>
+    <p:spTree>
+      <p:nvGrpSpPr>
+        <p:cNvPr id="1" name=""/>
+        <p:cNvGrpSpPr/>
+        <p:nvPr/>
+      </p:nvGrpSpPr>
+      <p:grpSpPr>
+        <a:xfrm>
+          <a:off x="0" y="0"/>
+          <a:ext cx="0" cy="0"/>
+          <a:chOff x="0" y="0"/>
+          <a:chExt cx="0" cy="0"/>
+        </a:xfrm>
+      </p:grpSpPr>
+      <p:sp>
+        <p:nvSpPr>
+          <p:cNvPr id="2" name="Slide Image Placeholder 1"/>
+          <p:cNvSpPr>
+            <a:spLocks noGrp="1" noRot="1" noChangeAspect="1"/>
+          </p:cNvSpPr>
+          <p:nvPr>
+            <p:ph type="sldImg"/>
+          </p:nvPr>
+        </p:nvSpPr>
+        <p:spPr/>
+      </p:sp>
+      <p:sp>
+        <p:nvSpPr>
+          <p:cNvPr id="3" name="Notes Placeholder 2"/>
+          <p:cNvSpPr>
+            <a:spLocks noGrp="1"/>
+          </p:cNvSpPr>
+          <p:nvPr>
+            <p:ph type="body" idx="1"/>
+          </p:nvPr>
+        </p:nvSpPr>
+        <p:spPr/>
+        <p:txBody>
+          <a:bodyPr/>
+          <a:lstStyle/>
+          <a:p>
+            <a:endParaRPr lang="en-US" dirty="0"/>
+          </a:p>
+        </p:txBody>
+      </p:sp>
+      <p:sp>
+        <p:nvSpPr>
+          <p:cNvPr id="4" name="Slide Number Placeholder 3"/>
+          <p:cNvSpPr>
+            <a:spLocks noGrp="1"/>
+          </p:cNvSpPr>
+          <p:nvPr>
+            <p:ph type="sldNum" sz="quarter" idx="10"/>
+          </p:nvPr>
+        </p:nvSpPr>
+        <p:spPr/>
+        <p:txBody>
+          <a:bodyPr/>
+          <a:lstStyle/>
+          <a:p>
+            <a:fld id="{D5AAECD5-8335-4937-AC00-0774527DFE1F}" type="slidenum">
+              <a:rPr lang="en-US" smtClean="0"/>
+              <a:t>13</a:t>
+            </a:fld>
+            <a:endParaRPr lang="en-US"/>
+          </a:p>
+        </p:txBody>
+      </p:sp>
+    </p:spTree>
+    <p:extLst>
+      <p:ext uri="{BB962C8B-B14F-4D97-AF65-F5344CB8AC3E}">
+        <p14:creationId xmlns:p14="http://schemas.microsoft.com/office/powerpoint/2010/main" val="4069607188"/>
+      </p:ext>
+    </p:extLst>
+  </p:cSld>
+  <p:clrMapOvr>
+    <a:masterClrMapping/>
+  </p:clrMapOvr>
+</p:notes>
 </file>
 
 <file path=ppt/slideLayouts/slideLayout1.xml><?xml version="1.0" encoding="utf-8"?>
@@ -320,7 +786,7 @@
           <a:p>
             <a:fld id="{96DFF08F-DC6B-4601-B491-B0F83F6DD2DA}" type="datetimeFigureOut">
               <a:rPr lang="en-US" dirty="0"/>
-              <a:t>4/10/2018</a:t>
+              <a:t>4/11/2018</a:t>
             </a:fld>
             <a:endParaRPr lang="en-US" dirty="0"/>
           </a:p>
@@ -536,7 +1002,7 @@
           <a:p>
             <a:fld id="{96DFF08F-DC6B-4601-B491-B0F83F6DD2DA}" type="datetimeFigureOut">
               <a:rPr lang="en-US" dirty="0"/>
-              <a:t>4/10/2018</a:t>
+              <a:t>4/11/2018</a:t>
             </a:fld>
             <a:endParaRPr lang="en-US" dirty="0"/>
           </a:p>
@@ -711,7 +1177,7 @@
           <a:p>
             <a:fld id="{96DFF08F-DC6B-4601-B491-B0F83F6DD2DA}" type="datetimeFigureOut">
               <a:rPr lang="en-US" dirty="0"/>
-              <a:t>4/10/2018</a:t>
+              <a:t>4/11/2018</a:t>
             </a:fld>
             <a:endParaRPr lang="en-US" dirty="0"/>
           </a:p>
@@ -876,7 +1342,7 @@
           <a:p>
             <a:fld id="{96DFF08F-DC6B-4601-B491-B0F83F6DD2DA}" type="datetimeFigureOut">
               <a:rPr lang="en-US" dirty="0"/>
-              <a:t>4/10/2018</a:t>
+              <a:t>4/11/2018</a:t>
             </a:fld>
             <a:endParaRPr lang="en-US" dirty="0"/>
           </a:p>
@@ -1122,7 +1588,7 @@
           <a:p>
             <a:fld id="{96DFF08F-DC6B-4601-B491-B0F83F6DD2DA}" type="datetimeFigureOut">
               <a:rPr lang="en-US" dirty="0"/>
-              <a:t>4/10/2018</a:t>
+              <a:t>4/11/2018</a:t>
             </a:fld>
             <a:endParaRPr lang="en-US" dirty="0"/>
           </a:p>
@@ -1440,7 +1906,7 @@
           <a:p>
             <a:fld id="{96DFF08F-DC6B-4601-B491-B0F83F6DD2DA}" type="datetimeFigureOut">
               <a:rPr lang="en-US" dirty="0"/>
-              <a:t>4/10/2018</a:t>
+              <a:t>4/11/2018</a:t>
             </a:fld>
             <a:endParaRPr lang="en-US" dirty="0"/>
           </a:p>
@@ -1859,7 +2325,7 @@
           <a:p>
             <a:fld id="{96DFF08F-DC6B-4601-B491-B0F83F6DD2DA}" type="datetimeFigureOut">
               <a:rPr lang="en-US" dirty="0"/>
-              <a:t>4/10/2018</a:t>
+              <a:t>4/11/2018</a:t>
             </a:fld>
             <a:endParaRPr lang="en-US" dirty="0"/>
           </a:p>
@@ -1972,7 +2438,7 @@
           <a:p>
             <a:fld id="{96DFF08F-DC6B-4601-B491-B0F83F6DD2DA}" type="datetimeFigureOut">
               <a:rPr lang="en-US" dirty="0"/>
-              <a:t>4/10/2018</a:t>
+              <a:t>4/11/2018</a:t>
             </a:fld>
             <a:endParaRPr lang="en-US" dirty="0"/>
           </a:p>
@@ -2062,7 +2528,7 @@
           <a:p>
             <a:fld id="{96DFF08F-DC6B-4601-B491-B0F83F6DD2DA}" type="datetimeFigureOut">
               <a:rPr lang="en-US" dirty="0"/>
-              <a:t>4/10/2018</a:t>
+              <a:t>4/11/2018</a:t>
             </a:fld>
             <a:endParaRPr lang="en-US" dirty="0"/>
           </a:p>
@@ -2347,7 +2813,7 @@
           <a:p>
             <a:fld id="{96DFF08F-DC6B-4601-B491-B0F83F6DD2DA}" type="datetimeFigureOut">
               <a:rPr lang="en-US" dirty="0"/>
-              <a:t>4/10/2018</a:t>
+              <a:t>4/11/2018</a:t>
             </a:fld>
             <a:endParaRPr lang="en-US" dirty="0"/>
           </a:p>
@@ -2614,7 +3080,7 @@
           <a:p>
             <a:fld id="{96DFF08F-DC6B-4601-B491-B0F83F6DD2DA}" type="datetimeFigureOut">
               <a:rPr lang="en-US" dirty="0"/>
-              <a:t>4/10/2018</a:t>
+              <a:t>4/11/2018</a:t>
             </a:fld>
             <a:endParaRPr lang="en-US" dirty="0"/>
           </a:p>
@@ -2864,7 +3330,7 @@
             <a:fld id="{96DFF08F-DC6B-4601-B491-B0F83F6DD2DA}" type="datetimeFigureOut">
               <a:rPr lang="en-US" dirty="0"/>
               <a:pPr/>
-              <a:t>4/10/2018</a:t>
+              <a:t>4/11/2018</a:t>
             </a:fld>
             <a:endParaRPr lang="en-US" dirty="0"/>
           </a:p>
@@ -3442,7 +3908,7 @@
               <a:buNone/>
             </a:pPr>
             <a:r>
-              <a:rPr lang="en-US" sz="2800">
+              <a:rPr lang="en-US" sz="2800" dirty="0">
                 <a:solidFill>
                   <a:schemeClr val="tx1"/>
                 </a:solidFill>
@@ -3450,14 +3916,124 @@
               <a:t>Beans </a:t>
             </a:r>
             <a:r>
-              <a:rPr lang="en-US" sz="2800" smtClean="0">
+              <a:rPr lang="en-US" sz="2800" dirty="0" smtClean="0">
                 <a:solidFill>
                   <a:schemeClr val="tx1"/>
                 </a:solidFill>
               </a:rPr>
               <a:t>Life Cycle</a:t>
             </a:r>
-            <a:endParaRPr lang="en-US" sz="2800">
+          </a:p>
+          <a:p>
+            <a:pPr lvl="1"/>
+            <a:r>
+              <a:rPr lang="en-US" sz="2800" dirty="0" err="1" smtClean="0">
+                <a:solidFill>
+                  <a:schemeClr val="tx1"/>
+                </a:solidFill>
+              </a:rPr>
+              <a:t>Init</a:t>
+            </a:r>
+            <a:r>
+              <a:rPr lang="en-US" sz="2800" dirty="0" smtClean="0">
+                <a:solidFill>
+                  <a:schemeClr val="tx1"/>
+                </a:solidFill>
+              </a:rPr>
+              <a:t>-method: </a:t>
+            </a:r>
+            <a:r>
+              <a:rPr lang="en-US" sz="2800" dirty="0" err="1" smtClean="0">
+                <a:solidFill>
+                  <a:schemeClr val="tx1"/>
+                </a:solidFill>
+              </a:rPr>
+              <a:t>init</a:t>
+            </a:r>
+            <a:r>
+              <a:rPr lang="en-US" sz="2800" dirty="0" smtClean="0">
+                <a:solidFill>
+                  <a:schemeClr val="tx1"/>
+                </a:solidFill>
+              </a:rPr>
+              <a:t>-method=“”</a:t>
+            </a:r>
+            <a:endParaRPr lang="en-US" sz="2800" dirty="0">
+              <a:solidFill>
+                <a:schemeClr val="tx1"/>
+              </a:solidFill>
+            </a:endParaRPr>
+          </a:p>
+          <a:p>
+            <a:pPr lvl="1"/>
+            <a:r>
+              <a:rPr lang="en-US" sz="2800" dirty="0">
+                <a:solidFill>
+                  <a:schemeClr val="tx1"/>
+                </a:solidFill>
+              </a:rPr>
+              <a:t>destroy-method</a:t>
+            </a:r>
+            <a:r>
+              <a:rPr lang="en-US" sz="2800" dirty="0" smtClean="0">
+                <a:solidFill>
+                  <a:schemeClr val="tx1"/>
+                </a:solidFill>
+              </a:rPr>
+              <a:t>: destroy-method=“”</a:t>
+            </a:r>
+            <a:endParaRPr lang="en-US" sz="2800" dirty="0">
+              <a:solidFill>
+                <a:schemeClr val="tx1"/>
+              </a:solidFill>
+            </a:endParaRPr>
+          </a:p>
+          <a:p>
+            <a:pPr lvl="2"/>
+            <a:r>
+              <a:rPr lang="en-US" sz="2400" dirty="0" err="1">
+                <a:solidFill>
+                  <a:schemeClr val="tx1"/>
+                </a:solidFill>
+              </a:rPr>
+              <a:t>AbstractApplicationContext</a:t>
+            </a:r>
+            <a:r>
+              <a:rPr lang="en-US" sz="2400" dirty="0">
+                <a:solidFill>
+                  <a:schemeClr val="tx1"/>
+                </a:solidFill>
+              </a:rPr>
+              <a:t> context -&gt; context</a:t>
+            </a:r>
+          </a:p>
+          <a:p>
+            <a:pPr lvl="2"/>
+            <a:r>
+              <a:rPr lang="en-US" sz="2400" dirty="0">
+                <a:solidFill>
+                  <a:schemeClr val="tx1"/>
+                </a:solidFill>
+              </a:rPr>
+              <a:t>.</a:t>
+            </a:r>
+            <a:r>
+              <a:rPr lang="en-US" sz="2400" dirty="0" err="1">
+                <a:solidFill>
+                  <a:schemeClr val="tx1"/>
+                </a:solidFill>
+              </a:rPr>
+              <a:t>registerShutdownHook</a:t>
+            </a:r>
+            <a:r>
+              <a:rPr lang="en-US" sz="2400" dirty="0" smtClean="0">
+                <a:solidFill>
+                  <a:schemeClr val="tx1"/>
+                </a:solidFill>
+              </a:rPr>
+              <a:t>()</a:t>
+            </a:r>
+            <a:endParaRPr lang="en-US" sz="2800" dirty="0">
               <a:solidFill>
                 <a:schemeClr val="tx1"/>
               </a:solidFill>
@@ -3553,12 +4129,12 @@
         <p:spPr>
           <a:xfrm>
             <a:off x="1143000" y="1733266"/>
-            <a:ext cx="9872871" cy="4362734"/>
+            <a:ext cx="9872871" cy="4896134"/>
           </a:xfrm>
         </p:spPr>
         <p:txBody>
           <a:bodyPr>
-            <a:normAutofit fontScale="92500" lnSpcReduction="20000"/>
+            <a:normAutofit fontScale="70000" lnSpcReduction="20000"/>
           </a:bodyPr>
           <a:lstStyle/>
           <a:p>
@@ -3566,7 +4142,7 @@
               <a:buNone/>
             </a:pPr>
             <a:r>
-              <a:rPr lang="en-US" sz="2400" smtClean="0">
+              <a:rPr lang="en-US" sz="2400" dirty="0" smtClean="0">
                 <a:solidFill>
                   <a:schemeClr val="tx1"/>
                 </a:solidFill>
@@ -3579,310 +4155,1336 @@
               <a:buNone/>
             </a:pPr>
             <a:r>
-              <a:rPr lang="en-US" sz="2400" smtClean="0">
-                <a:solidFill>
-                  <a:schemeClr val="tx1"/>
-                </a:solidFill>
-              </a:rPr>
-              <a:t>DI trong Spring</a:t>
-            </a:r>
-            <a:endParaRPr lang="en-US" sz="2400" smtClean="0">
+              <a:rPr lang="en-US" sz="2400" dirty="0" smtClean="0">
+                <a:solidFill>
+                  <a:schemeClr val="tx1"/>
+                </a:solidFill>
+              </a:rPr>
+              <a:t>DI </a:t>
+            </a:r>
+            <a:r>
+              <a:rPr lang="en-US" sz="2400" dirty="0" err="1" smtClean="0">
+                <a:solidFill>
+                  <a:schemeClr val="tx1"/>
+                </a:solidFill>
+              </a:rPr>
+              <a:t>trong</a:t>
+            </a:r>
+            <a:r>
+              <a:rPr lang="en-US" sz="2400" dirty="0" smtClean="0">
+                <a:solidFill>
+                  <a:schemeClr val="tx1"/>
+                </a:solidFill>
+              </a:rPr>
+              <a:t> Spring</a:t>
+            </a:r>
+          </a:p>
+          <a:p>
+            <a:r>
+              <a:rPr lang="en-US" sz="2400" dirty="0" smtClean="0">
+                <a:solidFill>
+                  <a:schemeClr val="tx1"/>
+                </a:solidFill>
+              </a:rPr>
+              <a:t>XML</a:t>
+            </a:r>
+          </a:p>
+          <a:p>
+            <a:pPr lvl="1"/>
+            <a:r>
+              <a:rPr lang="en-US" sz="2400" dirty="0" smtClean="0">
+                <a:solidFill>
+                  <a:schemeClr val="tx1"/>
+                </a:solidFill>
+              </a:rPr>
+              <a:t>Constructor-based: &lt;constructor-</a:t>
+            </a:r>
+            <a:r>
+              <a:rPr lang="en-US" sz="2400" dirty="0" err="1" smtClean="0">
+                <a:solidFill>
+                  <a:schemeClr val="tx1"/>
+                </a:solidFill>
+              </a:rPr>
+              <a:t>arg</a:t>
+            </a:r>
+            <a:r>
+              <a:rPr lang="en-US" sz="2400" dirty="0" smtClean="0">
+                <a:solidFill>
+                  <a:schemeClr val="tx1"/>
+                </a:solidFill>
+              </a:rPr>
+              <a:t> name=“…” </a:t>
+            </a:r>
+            <a:r>
+              <a:rPr lang="en-US" sz="2400" dirty="0" err="1" smtClean="0">
+                <a:solidFill>
+                  <a:schemeClr val="tx1"/>
+                </a:solidFill>
+              </a:rPr>
+              <a:t>value|ref</a:t>
+            </a:r>
+            <a:r>
+              <a:rPr lang="en-US" sz="2400" dirty="0" smtClean="0">
+                <a:solidFill>
+                  <a:schemeClr val="tx1"/>
+                </a:solidFill>
+              </a:rPr>
+              <a:t>=“…” /&gt;</a:t>
+            </a:r>
+          </a:p>
+          <a:p>
+            <a:pPr lvl="1"/>
+            <a:r>
+              <a:rPr lang="en-US" sz="2400" dirty="0" smtClean="0">
+                <a:solidFill>
+                  <a:schemeClr val="tx1"/>
+                </a:solidFill>
+              </a:rPr>
+              <a:t>Setter-based: &lt;property name=“…” </a:t>
+            </a:r>
+            <a:r>
+              <a:rPr lang="en-US" sz="2400" dirty="0" err="1" smtClean="0">
+                <a:solidFill>
+                  <a:schemeClr val="tx1"/>
+                </a:solidFill>
+              </a:rPr>
+              <a:t>value|ref</a:t>
+            </a:r>
+            <a:r>
+              <a:rPr lang="en-US" sz="2400" dirty="0" smtClean="0">
+                <a:solidFill>
+                  <a:schemeClr val="tx1"/>
+                </a:solidFill>
+              </a:rPr>
+              <a:t>=“…” /&gt;</a:t>
+            </a:r>
+          </a:p>
+          <a:p>
+            <a:r>
+              <a:rPr lang="en-US" sz="2400" dirty="0" smtClean="0">
+                <a:solidFill>
+                  <a:schemeClr val="tx1"/>
+                </a:solidFill>
+              </a:rPr>
+              <a:t>Annotation</a:t>
+            </a:r>
+          </a:p>
+          <a:p>
+            <a:pPr lvl="1"/>
+            <a:r>
+              <a:rPr lang="en-US" sz="2100" dirty="0" err="1">
+                <a:solidFill>
+                  <a:schemeClr val="tx1"/>
+                </a:solidFill>
+              </a:rPr>
+              <a:t>thêm</a:t>
+            </a:r>
+            <a:r>
+              <a:rPr lang="en-US" sz="2100" dirty="0">
+                <a:solidFill>
+                  <a:schemeClr val="tx1"/>
+                </a:solidFill>
+              </a:rPr>
+              <a:t> </a:t>
+            </a:r>
+            <a:r>
+              <a:rPr lang="en-US" sz="2100" dirty="0" err="1">
+                <a:solidFill>
+                  <a:schemeClr val="tx1"/>
+                </a:solidFill>
+              </a:rPr>
+              <a:t>cấu</a:t>
+            </a:r>
+            <a:r>
+              <a:rPr lang="en-US" sz="2100" dirty="0">
+                <a:solidFill>
+                  <a:schemeClr val="tx1"/>
+                </a:solidFill>
+              </a:rPr>
+              <a:t> </a:t>
+            </a:r>
+            <a:r>
+              <a:rPr lang="en-US" sz="2100" dirty="0" err="1">
+                <a:solidFill>
+                  <a:schemeClr val="tx1"/>
+                </a:solidFill>
+              </a:rPr>
+              <a:t>hình</a:t>
+            </a:r>
+            <a:r>
+              <a:rPr lang="en-US" sz="2100" dirty="0">
+                <a:solidFill>
+                  <a:schemeClr val="tx1"/>
+                </a:solidFill>
+              </a:rPr>
+              <a:t> </a:t>
+            </a:r>
+            <a:r>
+              <a:rPr lang="en-US" sz="2100" dirty="0" err="1">
+                <a:solidFill>
+                  <a:schemeClr val="tx1"/>
+                </a:solidFill>
+              </a:rPr>
+              <a:t>trong</a:t>
+            </a:r>
+            <a:r>
+              <a:rPr lang="en-US" sz="2100" dirty="0">
+                <a:solidFill>
+                  <a:schemeClr val="tx1"/>
+                </a:solidFill>
+              </a:rPr>
+              <a:t> xml configure: &lt;</a:t>
+            </a:r>
+            <a:r>
+              <a:rPr lang="en-US" sz="2100" dirty="0" err="1">
+                <a:solidFill>
+                  <a:schemeClr val="tx1"/>
+                </a:solidFill>
+              </a:rPr>
+              <a:t>context:annotation-config</a:t>
+            </a:r>
+            <a:r>
+              <a:rPr lang="en-US" sz="2100" dirty="0">
+                <a:solidFill>
+                  <a:schemeClr val="tx1"/>
+                </a:solidFill>
+              </a:rPr>
+              <a:t>/&gt;, </a:t>
+            </a:r>
+            <a:r>
+              <a:rPr lang="en-US" sz="2100" dirty="0" err="1">
+                <a:solidFill>
+                  <a:schemeClr val="tx1"/>
+                </a:solidFill>
+              </a:rPr>
+              <a:t>trong</a:t>
+            </a:r>
+            <a:r>
+              <a:rPr lang="en-US" sz="2100" dirty="0">
+                <a:solidFill>
+                  <a:schemeClr val="tx1"/>
+                </a:solidFill>
+              </a:rPr>
+              <a:t> &lt;beans …&gt;</a:t>
+            </a:r>
+          </a:p>
+          <a:p>
+            <a:pPr lvl="1"/>
+            <a:r>
+              <a:rPr lang="en-US" sz="2100" dirty="0">
+                <a:solidFill>
+                  <a:schemeClr val="tx1"/>
+                </a:solidFill>
+              </a:rPr>
+              <a:t>@Required: </a:t>
+            </a:r>
+            <a:r>
+              <a:rPr lang="en-US" sz="2100" dirty="0" err="1">
+                <a:solidFill>
+                  <a:schemeClr val="tx1"/>
+                </a:solidFill>
+              </a:rPr>
+              <a:t>thực</a:t>
+            </a:r>
+            <a:r>
+              <a:rPr lang="en-US" sz="2100" dirty="0">
+                <a:solidFill>
+                  <a:schemeClr val="tx1"/>
+                </a:solidFill>
+              </a:rPr>
+              <a:t> </a:t>
+            </a:r>
+            <a:r>
+              <a:rPr lang="en-US" sz="2100" dirty="0" err="1">
+                <a:solidFill>
+                  <a:schemeClr val="tx1"/>
+                </a:solidFill>
+              </a:rPr>
+              <a:t>hiện</a:t>
+            </a:r>
+            <a:r>
+              <a:rPr lang="en-US" sz="2100" dirty="0">
+                <a:solidFill>
+                  <a:schemeClr val="tx1"/>
+                </a:solidFill>
+              </a:rPr>
+              <a:t> </a:t>
+            </a:r>
+            <a:r>
+              <a:rPr lang="en-US" sz="2100" dirty="0" err="1">
+                <a:solidFill>
+                  <a:schemeClr val="tx1"/>
+                </a:solidFill>
+              </a:rPr>
+              <a:t>trên</a:t>
+            </a:r>
+            <a:r>
+              <a:rPr lang="en-US" sz="2100" dirty="0">
+                <a:solidFill>
+                  <a:schemeClr val="tx1"/>
+                </a:solidFill>
+              </a:rPr>
+              <a:t> </a:t>
+            </a:r>
+            <a:r>
+              <a:rPr lang="en-US" sz="2100" dirty="0" err="1">
+                <a:solidFill>
+                  <a:schemeClr val="tx1"/>
+                </a:solidFill>
+              </a:rPr>
+              <a:t>các</a:t>
+            </a:r>
+            <a:r>
+              <a:rPr lang="en-US" sz="2100" dirty="0">
+                <a:solidFill>
+                  <a:schemeClr val="tx1"/>
+                </a:solidFill>
+              </a:rPr>
+              <a:t> property setter method</a:t>
+            </a:r>
+          </a:p>
+          <a:p>
+            <a:pPr lvl="1"/>
+            <a:r>
+              <a:rPr lang="en-US" sz="2100" dirty="0">
+                <a:solidFill>
+                  <a:schemeClr val="tx1"/>
+                </a:solidFill>
+              </a:rPr>
+              <a:t>@</a:t>
+            </a:r>
+            <a:r>
+              <a:rPr lang="en-US" sz="2100" dirty="0" err="1">
+                <a:solidFill>
+                  <a:schemeClr val="tx1"/>
+                </a:solidFill>
+              </a:rPr>
+              <a:t>Autowired</a:t>
+            </a:r>
+            <a:r>
+              <a:rPr lang="en-US" sz="2100" dirty="0">
+                <a:solidFill>
+                  <a:schemeClr val="tx1"/>
+                </a:solidFill>
+              </a:rPr>
+              <a:t>: </a:t>
+            </a:r>
+            <a:r>
+              <a:rPr lang="en-US" sz="2100" dirty="0" err="1">
+                <a:solidFill>
+                  <a:schemeClr val="tx1"/>
+                </a:solidFill>
+              </a:rPr>
+              <a:t>trên</a:t>
+            </a:r>
+            <a:r>
+              <a:rPr lang="en-US" sz="2100" dirty="0">
+                <a:solidFill>
+                  <a:schemeClr val="tx1"/>
+                </a:solidFill>
+              </a:rPr>
+              <a:t> </a:t>
+            </a:r>
+            <a:r>
+              <a:rPr lang="en-US" sz="2100" dirty="0" err="1">
+                <a:solidFill>
+                  <a:schemeClr val="tx1"/>
+                </a:solidFill>
+              </a:rPr>
+              <a:t>contructor</a:t>
+            </a:r>
+            <a:r>
+              <a:rPr lang="en-US" sz="2100" dirty="0">
+                <a:solidFill>
+                  <a:schemeClr val="tx1"/>
+                </a:solidFill>
+              </a:rPr>
+              <a:t>, properties, property setter method, non-setter method</a:t>
+            </a:r>
+          </a:p>
+          <a:p>
+            <a:pPr lvl="2"/>
+            <a:r>
+              <a:rPr lang="en-US" sz="2100" dirty="0">
+                <a:solidFill>
+                  <a:schemeClr val="tx1"/>
+                </a:solidFill>
+              </a:rPr>
+              <a:t>@</a:t>
+            </a:r>
+            <a:r>
+              <a:rPr lang="en-US" sz="2100" dirty="0" err="1">
+                <a:solidFill>
+                  <a:schemeClr val="tx1"/>
+                </a:solidFill>
+              </a:rPr>
+              <a:t>Autowired</a:t>
+            </a:r>
+            <a:r>
+              <a:rPr lang="en-US" sz="2100" dirty="0">
+                <a:solidFill>
+                  <a:schemeClr val="tx1"/>
+                </a:solidFill>
+              </a:rPr>
+              <a:t>(required=false): </a:t>
+            </a:r>
+            <a:r>
+              <a:rPr lang="en-US" sz="2100" dirty="0" err="1" smtClean="0">
+                <a:solidFill>
+                  <a:schemeClr val="tx1"/>
+                </a:solidFill>
+              </a:rPr>
+              <a:t>bỏ</a:t>
+            </a:r>
+            <a:r>
+              <a:rPr lang="en-US" sz="2100" dirty="0" smtClean="0">
+                <a:solidFill>
+                  <a:schemeClr val="tx1"/>
+                </a:solidFill>
+              </a:rPr>
+              <a:t> </a:t>
+            </a:r>
+            <a:r>
+              <a:rPr lang="en-US" sz="2100" dirty="0" err="1" smtClean="0">
+                <a:solidFill>
+                  <a:schemeClr val="tx1"/>
+                </a:solidFill>
+              </a:rPr>
+              <a:t>yêu</a:t>
+            </a:r>
+            <a:r>
+              <a:rPr lang="en-US" sz="2100" dirty="0" smtClean="0">
+                <a:solidFill>
+                  <a:schemeClr val="tx1"/>
+                </a:solidFill>
+              </a:rPr>
+              <a:t> </a:t>
+            </a:r>
+            <a:r>
+              <a:rPr lang="en-US" sz="2100" dirty="0" err="1">
+                <a:solidFill>
+                  <a:schemeClr val="tx1"/>
+                </a:solidFill>
+              </a:rPr>
+              <a:t>cầu</a:t>
+            </a:r>
+            <a:r>
+              <a:rPr lang="en-US" sz="2100" dirty="0">
+                <a:solidFill>
+                  <a:schemeClr val="tx1"/>
+                </a:solidFill>
+              </a:rPr>
+              <a:t> required </a:t>
+            </a:r>
+            <a:r>
+              <a:rPr lang="en-US" sz="2100" dirty="0" err="1">
+                <a:solidFill>
+                  <a:schemeClr val="tx1"/>
+                </a:solidFill>
+              </a:rPr>
+              <a:t>mặc</a:t>
+            </a:r>
+            <a:r>
+              <a:rPr lang="en-US" sz="2100" dirty="0">
+                <a:solidFill>
+                  <a:schemeClr val="tx1"/>
+                </a:solidFill>
+              </a:rPr>
+              <a:t> </a:t>
+            </a:r>
+            <a:r>
+              <a:rPr lang="en-US" sz="2100" dirty="0" err="1">
+                <a:solidFill>
+                  <a:schemeClr val="tx1"/>
+                </a:solidFill>
+              </a:rPr>
+              <a:t>định</a:t>
+            </a:r>
+            <a:r>
+              <a:rPr lang="en-US" sz="2100" dirty="0">
+                <a:solidFill>
+                  <a:schemeClr val="tx1"/>
+                </a:solidFill>
+              </a:rPr>
+              <a:t> </a:t>
+            </a:r>
+          </a:p>
+          <a:p>
+            <a:pPr lvl="2"/>
+            <a:r>
+              <a:rPr lang="en-US" sz="2100" dirty="0" err="1" smtClean="0">
+                <a:solidFill>
+                  <a:schemeClr val="tx1"/>
+                </a:solidFill>
+              </a:rPr>
+              <a:t>Cố</a:t>
+            </a:r>
+            <a:r>
+              <a:rPr lang="en-US" sz="2100" dirty="0" smtClean="0">
+                <a:solidFill>
+                  <a:schemeClr val="tx1"/>
+                </a:solidFill>
+              </a:rPr>
+              <a:t> </a:t>
+            </a:r>
+            <a:r>
+              <a:rPr lang="en-US" sz="2100" dirty="0" err="1">
+                <a:solidFill>
+                  <a:schemeClr val="tx1"/>
+                </a:solidFill>
+              </a:rPr>
+              <a:t>gắng</a:t>
+            </a:r>
+            <a:r>
+              <a:rPr lang="en-US" sz="2100" dirty="0">
+                <a:solidFill>
+                  <a:schemeClr val="tx1"/>
+                </a:solidFill>
+              </a:rPr>
+              <a:t> </a:t>
+            </a:r>
+            <a:r>
+              <a:rPr lang="en-US" sz="2100" dirty="0" err="1">
+                <a:solidFill>
+                  <a:schemeClr val="tx1"/>
+                </a:solidFill>
+              </a:rPr>
+              <a:t>thực</a:t>
+            </a:r>
+            <a:r>
+              <a:rPr lang="en-US" sz="2100" dirty="0">
+                <a:solidFill>
+                  <a:schemeClr val="tx1"/>
+                </a:solidFill>
+              </a:rPr>
+              <a:t> </a:t>
+            </a:r>
+            <a:r>
+              <a:rPr lang="en-US" sz="2100" dirty="0" err="1">
+                <a:solidFill>
+                  <a:schemeClr val="tx1"/>
+                </a:solidFill>
+              </a:rPr>
+              <a:t>hiện</a:t>
+            </a:r>
+            <a:r>
+              <a:rPr lang="en-US" sz="2100" dirty="0">
+                <a:solidFill>
+                  <a:schemeClr val="tx1"/>
+                </a:solidFill>
+              </a:rPr>
+              <a:t> </a:t>
+            </a:r>
+            <a:r>
+              <a:rPr lang="en-US" sz="2100" dirty="0" err="1">
+                <a:solidFill>
+                  <a:schemeClr val="tx1"/>
+                </a:solidFill>
+              </a:rPr>
+              <a:t>autowiring</a:t>
+            </a:r>
+            <a:r>
+              <a:rPr lang="en-US" sz="2100" dirty="0">
+                <a:solidFill>
+                  <a:schemeClr val="tx1"/>
+                </a:solidFill>
+              </a:rPr>
+              <a:t> </a:t>
+            </a:r>
+            <a:r>
+              <a:rPr lang="en-US" sz="2100" dirty="0" err="1" smtClean="0">
+                <a:solidFill>
+                  <a:schemeClr val="tx1"/>
+                </a:solidFill>
+              </a:rPr>
+              <a:t>theo</a:t>
+            </a:r>
+            <a:r>
+              <a:rPr lang="en-US" sz="2100" dirty="0" smtClean="0">
+                <a:solidFill>
+                  <a:schemeClr val="tx1"/>
+                </a:solidFill>
+              </a:rPr>
+              <a:t> </a:t>
+            </a:r>
+            <a:r>
+              <a:rPr lang="en-US" sz="2100" dirty="0" err="1" smtClean="0">
+                <a:solidFill>
+                  <a:schemeClr val="tx1"/>
+                </a:solidFill>
+              </a:rPr>
+              <a:t>byType</a:t>
+            </a:r>
+            <a:endParaRPr lang="en-US" sz="2100" dirty="0">
               <a:solidFill>
                 <a:schemeClr val="tx1"/>
               </a:solidFill>
             </a:endParaRPr>
           </a:p>
           <a:p>
-            <a:r>
-              <a:rPr lang="en-US" sz="2400" smtClean="0">
-                <a:solidFill>
-                  <a:schemeClr val="tx1"/>
-                </a:solidFill>
-              </a:rPr>
-              <a:t>XML</a:t>
-            </a:r>
-          </a:p>
-          <a:p>
             <a:pPr lvl="1"/>
             <a:r>
-              <a:rPr lang="en-US" sz="2400" smtClean="0">
-                <a:solidFill>
-                  <a:schemeClr val="tx1"/>
-                </a:solidFill>
-              </a:rPr>
-              <a:t>Constructor-based</a:t>
-            </a:r>
-            <a:r>
-              <a:rPr lang="en-US" sz="2400" dirty="0" smtClean="0">
-                <a:solidFill>
-                  <a:schemeClr val="tx1"/>
-                </a:solidFill>
-              </a:rPr>
-              <a:t>: &lt;constructor-</a:t>
-            </a:r>
-            <a:r>
-              <a:rPr lang="en-US" sz="2400" dirty="0" err="1" smtClean="0">
-                <a:solidFill>
-                  <a:schemeClr val="tx1"/>
-                </a:solidFill>
-              </a:rPr>
-              <a:t>arg</a:t>
-            </a:r>
-            <a:r>
-              <a:rPr lang="en-US" sz="2400" dirty="0" smtClean="0">
+              <a:rPr lang="en-US" sz="2100" dirty="0">
+                <a:solidFill>
+                  <a:schemeClr val="tx1"/>
+                </a:solidFill>
+              </a:rPr>
+              <a:t>@Qualifier: </a:t>
+            </a:r>
+            <a:r>
+              <a:rPr lang="en-US" sz="2100" dirty="0" err="1">
+                <a:solidFill>
+                  <a:schemeClr val="tx1"/>
+                </a:solidFill>
+              </a:rPr>
+              <a:t>hỗ</a:t>
+            </a:r>
+            <a:r>
+              <a:rPr lang="en-US" sz="2100" dirty="0">
+                <a:solidFill>
+                  <a:schemeClr val="tx1"/>
+                </a:solidFill>
+              </a:rPr>
+              <a:t> </a:t>
+            </a:r>
+            <a:r>
+              <a:rPr lang="en-US" sz="2100" dirty="0" err="1">
+                <a:solidFill>
+                  <a:schemeClr val="tx1"/>
+                </a:solidFill>
+              </a:rPr>
+              <a:t>trợ</a:t>
+            </a:r>
+            <a:r>
+              <a:rPr lang="en-US" sz="2100" dirty="0">
+                <a:solidFill>
+                  <a:schemeClr val="tx1"/>
+                </a:solidFill>
+              </a:rPr>
+              <a:t> @</a:t>
+            </a:r>
+            <a:r>
+              <a:rPr lang="en-US" sz="2100" dirty="0" err="1">
+                <a:solidFill>
+                  <a:schemeClr val="tx1"/>
+                </a:solidFill>
+              </a:rPr>
+              <a:t>Autowired</a:t>
+            </a:r>
+            <a:r>
+              <a:rPr lang="en-US" sz="2100" dirty="0">
+                <a:solidFill>
+                  <a:schemeClr val="tx1"/>
+                </a:solidFill>
+              </a:rPr>
+              <a:t> </a:t>
+            </a:r>
+            <a:r>
+              <a:rPr lang="en-US" sz="2100" dirty="0" err="1">
+                <a:solidFill>
+                  <a:schemeClr val="tx1"/>
+                </a:solidFill>
+              </a:rPr>
+              <a:t>khi</a:t>
+            </a:r>
+            <a:r>
+              <a:rPr lang="en-US" sz="2100" dirty="0">
+                <a:solidFill>
+                  <a:schemeClr val="tx1"/>
+                </a:solidFill>
+              </a:rPr>
+              <a:t> </a:t>
+            </a:r>
+            <a:r>
+              <a:rPr lang="en-US" sz="2100" dirty="0" err="1">
+                <a:solidFill>
+                  <a:schemeClr val="tx1"/>
+                </a:solidFill>
+              </a:rPr>
+              <a:t>có</a:t>
+            </a:r>
+            <a:r>
+              <a:rPr lang="en-US" sz="2100" dirty="0">
+                <a:solidFill>
+                  <a:schemeClr val="tx1"/>
+                </a:solidFill>
+              </a:rPr>
+              <a:t> </a:t>
+            </a:r>
+            <a:r>
+              <a:rPr lang="en-US" sz="2100" dirty="0" err="1">
+                <a:solidFill>
+                  <a:schemeClr val="tx1"/>
+                </a:solidFill>
+              </a:rPr>
+              <a:t>nhiều</a:t>
+            </a:r>
+            <a:r>
+              <a:rPr lang="en-US" sz="2100" dirty="0">
+                <a:solidFill>
+                  <a:schemeClr val="tx1"/>
+                </a:solidFill>
+              </a:rPr>
+              <a:t> bean </a:t>
+            </a:r>
+            <a:r>
+              <a:rPr lang="en-US" sz="2100" dirty="0" err="1">
+                <a:solidFill>
+                  <a:schemeClr val="tx1"/>
+                </a:solidFill>
+              </a:rPr>
+              <a:t>cùng</a:t>
+            </a:r>
+            <a:r>
+              <a:rPr lang="en-US" sz="2100" dirty="0">
+                <a:solidFill>
+                  <a:schemeClr val="tx1"/>
+                </a:solidFill>
+              </a:rPr>
+              <a:t> </a:t>
+            </a:r>
+            <a:r>
+              <a:rPr lang="en-US" sz="2100" dirty="0" err="1">
+                <a:solidFill>
+                  <a:schemeClr val="tx1"/>
+                </a:solidFill>
+              </a:rPr>
+              <a:t>kiểu</a:t>
+            </a:r>
+            <a:r>
+              <a:rPr lang="en-US" sz="2100" dirty="0">
+                <a:solidFill>
+                  <a:schemeClr val="tx1"/>
+                </a:solidFill>
+              </a:rPr>
+              <a:t>, </a:t>
+            </a:r>
+            <a:r>
+              <a:rPr lang="en-US" sz="2100" dirty="0" err="1" smtClean="0">
+                <a:solidFill>
+                  <a:schemeClr val="tx1"/>
+                </a:solidFill>
+              </a:rPr>
+              <a:t>để</a:t>
+            </a:r>
+            <a:r>
+              <a:rPr lang="en-US" sz="2100" dirty="0" smtClean="0">
+                <a:solidFill>
+                  <a:schemeClr val="tx1"/>
+                </a:solidFill>
+              </a:rPr>
+              <a:t> </a:t>
+            </a:r>
+            <a:r>
+              <a:rPr lang="en-US" sz="2100" dirty="0" err="1" smtClean="0">
+                <a:solidFill>
+                  <a:schemeClr val="tx1"/>
+                </a:solidFill>
+              </a:rPr>
+              <a:t>xác</a:t>
+            </a:r>
+            <a:r>
+              <a:rPr lang="en-US" sz="2100" dirty="0" smtClean="0">
+                <a:solidFill>
+                  <a:schemeClr val="tx1"/>
+                </a:solidFill>
+              </a:rPr>
+              <a:t> </a:t>
+            </a:r>
+            <a:r>
+              <a:rPr lang="en-US" sz="2100" dirty="0" err="1" smtClean="0">
+                <a:solidFill>
+                  <a:schemeClr val="tx1"/>
+                </a:solidFill>
+              </a:rPr>
+              <a:t>định</a:t>
+            </a:r>
+            <a:r>
+              <a:rPr lang="en-US" sz="2100" dirty="0" smtClean="0">
+                <a:solidFill>
+                  <a:schemeClr val="tx1"/>
+                </a:solidFill>
+              </a:rPr>
+              <a:t> </a:t>
+            </a:r>
+            <a:r>
+              <a:rPr lang="en-US" sz="2100" dirty="0" err="1" smtClean="0">
+                <a:solidFill>
+                  <a:schemeClr val="tx1"/>
+                </a:solidFill>
+              </a:rPr>
+              <a:t>rõ</a:t>
+            </a:r>
+            <a:r>
+              <a:rPr lang="en-US" sz="2100" dirty="0" smtClean="0">
+                <a:solidFill>
+                  <a:schemeClr val="tx1"/>
+                </a:solidFill>
+              </a:rPr>
+              <a:t> </a:t>
+            </a:r>
+            <a:r>
+              <a:rPr lang="en-US" sz="2100" dirty="0" err="1" smtClean="0">
+                <a:solidFill>
+                  <a:schemeClr val="tx1"/>
+                </a:solidFill>
+              </a:rPr>
+              <a:t>sẽ</a:t>
+            </a:r>
+            <a:r>
+              <a:rPr lang="en-US" sz="2100" dirty="0" smtClean="0">
+                <a:solidFill>
+                  <a:schemeClr val="tx1"/>
+                </a:solidFill>
+              </a:rPr>
+              <a:t> wire </a:t>
+            </a:r>
+            <a:r>
+              <a:rPr lang="en-US" sz="2100" dirty="0" err="1" smtClean="0">
+                <a:solidFill>
+                  <a:schemeClr val="tx1"/>
+                </a:solidFill>
+              </a:rPr>
+              <a:t>với</a:t>
+            </a:r>
+            <a:r>
+              <a:rPr lang="en-US" sz="2100" dirty="0" smtClean="0">
+                <a:solidFill>
+                  <a:schemeClr val="tx1"/>
+                </a:solidFill>
+              </a:rPr>
+              <a:t> bean </a:t>
+            </a:r>
+            <a:r>
+              <a:rPr lang="en-US" sz="2100" dirty="0" err="1" smtClean="0">
+                <a:solidFill>
+                  <a:schemeClr val="tx1"/>
+                </a:solidFill>
+              </a:rPr>
+              <a:t>nào</a:t>
+            </a:r>
+            <a:r>
+              <a:rPr lang="en-US" sz="2100" dirty="0" smtClean="0">
+                <a:solidFill>
+                  <a:schemeClr val="tx1"/>
+                </a:solidFill>
+              </a:rPr>
+              <a:t> </a:t>
+            </a:r>
+            <a:r>
+              <a:rPr lang="en-US" sz="2100" dirty="0" err="1" smtClean="0">
+                <a:solidFill>
+                  <a:schemeClr val="tx1"/>
+                </a:solidFill>
+              </a:rPr>
+              <a:t>bằng</a:t>
+            </a:r>
+            <a:r>
+              <a:rPr lang="en-US" sz="2100" dirty="0" smtClean="0">
+                <a:solidFill>
+                  <a:schemeClr val="tx1"/>
+                </a:solidFill>
+              </a:rPr>
+              <a:t> </a:t>
+            </a:r>
+            <a:r>
+              <a:rPr lang="en-US" sz="2100" dirty="0" err="1" smtClean="0">
+                <a:solidFill>
+                  <a:schemeClr val="tx1"/>
+                </a:solidFill>
+              </a:rPr>
+              <a:t>định</a:t>
+            </a:r>
+            <a:r>
+              <a:rPr lang="en-US" sz="2100" dirty="0" smtClean="0">
+                <a:solidFill>
+                  <a:schemeClr val="tx1"/>
+                </a:solidFill>
+              </a:rPr>
+              <a:t> </a:t>
+            </a:r>
+            <a:r>
+              <a:rPr lang="en-US" sz="2100" dirty="0" err="1" smtClean="0">
+                <a:solidFill>
+                  <a:schemeClr val="tx1"/>
+                </a:solidFill>
+              </a:rPr>
+              <a:t>danh</a:t>
+            </a:r>
+            <a:r>
+              <a:rPr lang="en-US" sz="2100" dirty="0" smtClean="0">
                 <a:solidFill>
                   <a:schemeClr val="tx1"/>
                 </a:solidFill>
               </a:rPr>
               <a:t> name</a:t>
             </a:r>
-            <a:r>
-              <a:rPr lang="en-US" sz="2400" smtClean="0">
-                <a:solidFill>
-                  <a:schemeClr val="tx1"/>
-                </a:solidFill>
-              </a:rPr>
-              <a:t>=“…” </a:t>
-            </a:r>
-            <a:r>
-              <a:rPr lang="en-US" sz="2400" smtClean="0">
-                <a:solidFill>
-                  <a:schemeClr val="tx1"/>
-                </a:solidFill>
-              </a:rPr>
-              <a:t>value|ref</a:t>
-            </a:r>
-            <a:r>
-              <a:rPr lang="en-US" sz="2400" dirty="0" smtClean="0">
-                <a:solidFill>
-                  <a:schemeClr val="tx1"/>
-                </a:solidFill>
-              </a:rPr>
-              <a:t>=“…” /&gt;</a:t>
-            </a:r>
           </a:p>
           <a:p>
             <a:pPr lvl="1"/>
             <a:r>
-              <a:rPr lang="en-US" sz="2400" dirty="0" smtClean="0">
-                <a:solidFill>
-                  <a:schemeClr val="tx1"/>
-                </a:solidFill>
-              </a:rPr>
-              <a:t>Setter-based: &lt;property name</a:t>
-            </a:r>
-            <a:r>
-              <a:rPr lang="en-US" sz="2400" smtClean="0">
-                <a:solidFill>
-                  <a:schemeClr val="tx1"/>
-                </a:solidFill>
-              </a:rPr>
-              <a:t>=“…” </a:t>
-            </a:r>
-            <a:r>
-              <a:rPr lang="en-US" sz="2400" smtClean="0">
-                <a:solidFill>
-                  <a:schemeClr val="tx1"/>
-                </a:solidFill>
-              </a:rPr>
-              <a:t>value|ref</a:t>
-            </a:r>
-            <a:r>
-              <a:rPr lang="en-US" sz="2400" dirty="0" smtClean="0">
-                <a:solidFill>
-                  <a:schemeClr val="tx1"/>
-                </a:solidFill>
-              </a:rPr>
-              <a:t>=“…” /&gt;</a:t>
-            </a:r>
-          </a:p>
-          <a:p>
-            <a:r>
-              <a:rPr lang="en-US" sz="2400" smtClean="0">
-                <a:solidFill>
-                  <a:schemeClr val="tx1"/>
-                </a:solidFill>
-              </a:rPr>
-              <a:t>Annotation</a:t>
+              <a:rPr lang="en-US" sz="2100" dirty="0" smtClean="0">
+                <a:solidFill>
+                  <a:schemeClr val="tx1"/>
+                </a:solidFill>
+              </a:rPr>
+              <a:t>@Primary: </a:t>
+            </a:r>
+            <a:r>
+              <a:rPr lang="en-US" sz="2100" dirty="0" err="1" smtClean="0">
+                <a:solidFill>
+                  <a:schemeClr val="tx1"/>
+                </a:solidFill>
+              </a:rPr>
+              <a:t>hỗ</a:t>
+            </a:r>
+            <a:r>
+              <a:rPr lang="en-US" sz="2100" dirty="0" smtClean="0">
+                <a:solidFill>
+                  <a:schemeClr val="tx1"/>
+                </a:solidFill>
+              </a:rPr>
+              <a:t> </a:t>
+            </a:r>
+            <a:r>
+              <a:rPr lang="en-US" sz="2100" dirty="0" err="1" smtClean="0">
+                <a:solidFill>
+                  <a:schemeClr val="tx1"/>
+                </a:solidFill>
+              </a:rPr>
+              <a:t>trợ</a:t>
+            </a:r>
+            <a:r>
+              <a:rPr lang="en-US" sz="2100" dirty="0" smtClean="0">
+                <a:solidFill>
+                  <a:schemeClr val="tx1"/>
+                </a:solidFill>
+              </a:rPr>
+              <a:t> @</a:t>
+            </a:r>
+            <a:r>
+              <a:rPr lang="en-US" sz="2100" dirty="0" err="1" smtClean="0">
+                <a:solidFill>
+                  <a:schemeClr val="tx1"/>
+                </a:solidFill>
+              </a:rPr>
+              <a:t>Autowired</a:t>
+            </a:r>
+            <a:r>
+              <a:rPr lang="en-US" sz="2100" dirty="0" smtClean="0">
+                <a:solidFill>
+                  <a:schemeClr val="tx1"/>
+                </a:solidFill>
+              </a:rPr>
+              <a:t> </a:t>
+            </a:r>
+            <a:r>
+              <a:rPr lang="en-US" sz="2100" dirty="0" err="1" smtClean="0">
+                <a:solidFill>
+                  <a:schemeClr val="tx1"/>
+                </a:solidFill>
+              </a:rPr>
+              <a:t>khi</a:t>
+            </a:r>
+            <a:r>
+              <a:rPr lang="en-US" sz="2100" dirty="0" smtClean="0">
+                <a:solidFill>
+                  <a:schemeClr val="tx1"/>
+                </a:solidFill>
+              </a:rPr>
+              <a:t> </a:t>
+            </a:r>
+            <a:r>
+              <a:rPr lang="en-US" sz="2100" dirty="0" err="1" smtClean="0">
+                <a:solidFill>
+                  <a:schemeClr val="tx1"/>
+                </a:solidFill>
+              </a:rPr>
+              <a:t>có</a:t>
+            </a:r>
+            <a:r>
+              <a:rPr lang="en-US" sz="2100" dirty="0" smtClean="0">
+                <a:solidFill>
+                  <a:schemeClr val="tx1"/>
+                </a:solidFill>
+              </a:rPr>
+              <a:t> </a:t>
+            </a:r>
+            <a:r>
+              <a:rPr lang="en-US" sz="2100" dirty="0" err="1" smtClean="0">
+                <a:solidFill>
+                  <a:schemeClr val="tx1"/>
+                </a:solidFill>
+              </a:rPr>
+              <a:t>nhiều</a:t>
+            </a:r>
+            <a:r>
+              <a:rPr lang="en-US" sz="2100" dirty="0" smtClean="0">
+                <a:solidFill>
+                  <a:schemeClr val="tx1"/>
+                </a:solidFill>
+              </a:rPr>
+              <a:t> bean </a:t>
+            </a:r>
+            <a:r>
+              <a:rPr lang="en-US" sz="2100" dirty="0" err="1" smtClean="0">
+                <a:solidFill>
+                  <a:schemeClr val="tx1"/>
+                </a:solidFill>
+              </a:rPr>
+              <a:t>cùng</a:t>
+            </a:r>
+            <a:r>
+              <a:rPr lang="en-US" sz="2100" dirty="0" smtClean="0">
+                <a:solidFill>
+                  <a:schemeClr val="tx1"/>
+                </a:solidFill>
+              </a:rPr>
+              <a:t> </a:t>
+            </a:r>
+            <a:r>
+              <a:rPr lang="en-US" sz="2100" dirty="0" err="1" smtClean="0">
+                <a:solidFill>
+                  <a:schemeClr val="tx1"/>
+                </a:solidFill>
+              </a:rPr>
+              <a:t>kiểu</a:t>
+            </a:r>
+            <a:r>
+              <a:rPr lang="en-US" sz="2100" dirty="0" smtClean="0">
+                <a:solidFill>
+                  <a:schemeClr val="tx1"/>
+                </a:solidFill>
+              </a:rPr>
+              <a:t>, </a:t>
+            </a:r>
+            <a:r>
+              <a:rPr lang="en-US" sz="2100" dirty="0" err="1" smtClean="0">
+                <a:solidFill>
+                  <a:schemeClr val="tx1"/>
+                </a:solidFill>
+              </a:rPr>
+              <a:t>sẽ</a:t>
+            </a:r>
+            <a:r>
+              <a:rPr lang="en-US" sz="2100" dirty="0" smtClean="0">
+                <a:solidFill>
+                  <a:schemeClr val="tx1"/>
+                </a:solidFill>
+              </a:rPr>
+              <a:t> wire bean </a:t>
+            </a:r>
+            <a:r>
+              <a:rPr lang="en-US" sz="2100" dirty="0" err="1" smtClean="0">
+                <a:solidFill>
+                  <a:schemeClr val="tx1"/>
+                </a:solidFill>
+              </a:rPr>
+              <a:t>có</a:t>
+            </a:r>
+            <a:r>
+              <a:rPr lang="en-US" sz="2100" dirty="0" smtClean="0">
+                <a:solidFill>
+                  <a:schemeClr val="tx1"/>
+                </a:solidFill>
+              </a:rPr>
+              <a:t> @Primary</a:t>
             </a:r>
           </a:p>
           <a:p>
             <a:pPr lvl="1"/>
             <a:r>
-              <a:rPr lang="en-US">
-                <a:solidFill>
-                  <a:schemeClr val="tx1"/>
-                </a:solidFill>
-              </a:rPr>
-              <a:t>thêm cấu hình trong xml configure: &lt;context:annotation-config/&gt;, trong &lt;beans …&gt;</a:t>
+              <a:rPr lang="en-US" sz="2100" dirty="0" smtClean="0">
+                <a:solidFill>
+                  <a:schemeClr val="tx1"/>
+                </a:solidFill>
+              </a:rPr>
+              <a:t>@Resource(name=“</a:t>
+            </a:r>
+            <a:r>
+              <a:rPr lang="en-US" sz="2100" dirty="0" err="1" smtClean="0">
+                <a:solidFill>
+                  <a:schemeClr val="tx1"/>
+                </a:solidFill>
+              </a:rPr>
+              <a:t>beanName</a:t>
+            </a:r>
+            <a:r>
+              <a:rPr lang="en-US" sz="2100" dirty="0" smtClean="0">
+                <a:solidFill>
+                  <a:schemeClr val="tx1"/>
+                </a:solidFill>
+              </a:rPr>
+              <a:t>”): </a:t>
+            </a:r>
+            <a:r>
+              <a:rPr lang="en-US" sz="2100" dirty="0" err="1" smtClean="0">
+                <a:solidFill>
+                  <a:schemeClr val="tx1"/>
+                </a:solidFill>
+              </a:rPr>
+              <a:t>trên</a:t>
+            </a:r>
+            <a:r>
+              <a:rPr lang="en-US" sz="2100" dirty="0" smtClean="0">
+                <a:solidFill>
+                  <a:schemeClr val="tx1"/>
+                </a:solidFill>
+              </a:rPr>
+              <a:t> field name </a:t>
+            </a:r>
+            <a:r>
+              <a:rPr lang="en-US" sz="2100" dirty="0" err="1" smtClean="0">
+                <a:solidFill>
+                  <a:schemeClr val="tx1"/>
+                </a:solidFill>
+              </a:rPr>
+              <a:t>và</a:t>
+            </a:r>
+            <a:r>
+              <a:rPr lang="en-US" sz="2100" dirty="0" smtClean="0">
+                <a:solidFill>
+                  <a:schemeClr val="tx1"/>
+                </a:solidFill>
+              </a:rPr>
+              <a:t> setter method, inject </a:t>
+            </a:r>
+            <a:r>
+              <a:rPr lang="en-US" sz="2100" dirty="0" err="1" smtClean="0">
+                <a:solidFill>
+                  <a:schemeClr val="tx1"/>
+                </a:solidFill>
+              </a:rPr>
+              <a:t>theo</a:t>
+            </a:r>
+            <a:r>
+              <a:rPr lang="en-US" sz="2100" dirty="0" smtClean="0">
+                <a:solidFill>
+                  <a:schemeClr val="tx1"/>
+                </a:solidFill>
+              </a:rPr>
+              <a:t> bean name</a:t>
+            </a:r>
+          </a:p>
+          <a:p>
+            <a:pPr lvl="2"/>
+            <a:r>
+              <a:rPr lang="en-US" sz="2100" dirty="0" err="1" smtClean="0">
+                <a:solidFill>
+                  <a:schemeClr val="tx1"/>
+                </a:solidFill>
+              </a:rPr>
+              <a:t>Nếu</a:t>
+            </a:r>
+            <a:r>
+              <a:rPr lang="en-US" sz="2100" dirty="0" smtClean="0">
+                <a:solidFill>
+                  <a:schemeClr val="tx1"/>
+                </a:solidFill>
+              </a:rPr>
+              <a:t> </a:t>
+            </a:r>
+            <a:r>
+              <a:rPr lang="en-US" sz="2100" dirty="0" err="1" smtClean="0">
+                <a:solidFill>
+                  <a:schemeClr val="tx1"/>
+                </a:solidFill>
+              </a:rPr>
+              <a:t>ko</a:t>
+            </a:r>
+            <a:r>
+              <a:rPr lang="en-US" sz="2100" dirty="0" smtClean="0">
+                <a:solidFill>
+                  <a:schemeClr val="tx1"/>
+                </a:solidFill>
+              </a:rPr>
+              <a:t> </a:t>
+            </a:r>
+            <a:r>
+              <a:rPr lang="en-US" sz="2100" dirty="0" err="1" smtClean="0">
+                <a:solidFill>
+                  <a:schemeClr val="tx1"/>
+                </a:solidFill>
+              </a:rPr>
+              <a:t>chỉ</a:t>
+            </a:r>
+            <a:r>
+              <a:rPr lang="en-US" sz="2100" dirty="0" smtClean="0">
+                <a:solidFill>
+                  <a:schemeClr val="tx1"/>
+                </a:solidFill>
+              </a:rPr>
+              <a:t> </a:t>
+            </a:r>
+            <a:r>
+              <a:rPr lang="en-US" sz="2100" dirty="0" err="1" smtClean="0">
+                <a:solidFill>
+                  <a:schemeClr val="tx1"/>
+                </a:solidFill>
+              </a:rPr>
+              <a:t>rõ</a:t>
+            </a:r>
+            <a:r>
+              <a:rPr lang="en-US" sz="2100" dirty="0" smtClean="0">
+                <a:solidFill>
+                  <a:schemeClr val="tx1"/>
+                </a:solidFill>
+              </a:rPr>
+              <a:t> name @Resource: </a:t>
+            </a:r>
+            <a:r>
+              <a:rPr lang="en-US" sz="2100" dirty="0" err="1" smtClean="0">
+                <a:solidFill>
+                  <a:schemeClr val="tx1"/>
+                </a:solidFill>
+              </a:rPr>
+              <a:t>lấy</a:t>
+            </a:r>
+            <a:r>
+              <a:rPr lang="en-US" sz="2100" dirty="0" smtClean="0">
+                <a:solidFill>
+                  <a:schemeClr val="tx1"/>
+                </a:solidFill>
+              </a:rPr>
+              <a:t> name default,</a:t>
+            </a:r>
+          </a:p>
+          <a:p>
+            <a:pPr lvl="3"/>
+            <a:r>
+              <a:rPr lang="en-US" sz="1900" dirty="0" err="1" smtClean="0">
+                <a:solidFill>
+                  <a:schemeClr val="tx1"/>
+                </a:solidFill>
+              </a:rPr>
+              <a:t>Với</a:t>
+            </a:r>
+            <a:r>
+              <a:rPr lang="en-US" sz="1900" dirty="0" smtClean="0">
+                <a:solidFill>
+                  <a:schemeClr val="tx1"/>
+                </a:solidFill>
+              </a:rPr>
+              <a:t> field: </a:t>
+            </a:r>
+            <a:r>
+              <a:rPr lang="en-US" sz="1900" dirty="0" err="1" smtClean="0">
+                <a:solidFill>
+                  <a:schemeClr val="tx1"/>
+                </a:solidFill>
+              </a:rPr>
+              <a:t>lấy</a:t>
+            </a:r>
+            <a:r>
+              <a:rPr lang="en-US" sz="1900" dirty="0" smtClean="0">
+                <a:solidFill>
+                  <a:schemeClr val="tx1"/>
+                </a:solidFill>
+              </a:rPr>
+              <a:t> </a:t>
+            </a:r>
+            <a:r>
+              <a:rPr lang="en-US" sz="1900" dirty="0" err="1" smtClean="0">
+                <a:solidFill>
+                  <a:schemeClr val="tx1"/>
+                </a:solidFill>
+              </a:rPr>
+              <a:t>tên</a:t>
+            </a:r>
+            <a:r>
+              <a:rPr lang="en-US" sz="1900" dirty="0" smtClean="0">
+                <a:solidFill>
+                  <a:schemeClr val="tx1"/>
+                </a:solidFill>
+              </a:rPr>
+              <a:t> field</a:t>
+            </a:r>
+          </a:p>
+          <a:p>
+            <a:pPr lvl="3"/>
+            <a:r>
+              <a:rPr lang="en-US" sz="1900" dirty="0" err="1" smtClean="0">
+                <a:solidFill>
+                  <a:schemeClr val="tx1"/>
+                </a:solidFill>
+              </a:rPr>
+              <a:t>Với</a:t>
+            </a:r>
+            <a:r>
+              <a:rPr lang="en-US" sz="1900" dirty="0" smtClean="0">
+                <a:solidFill>
+                  <a:schemeClr val="tx1"/>
+                </a:solidFill>
+              </a:rPr>
+              <a:t> setter method: </a:t>
+            </a:r>
+            <a:r>
+              <a:rPr lang="en-US" sz="1900" dirty="0" err="1" smtClean="0">
+                <a:solidFill>
+                  <a:schemeClr val="tx1"/>
+                </a:solidFill>
+              </a:rPr>
+              <a:t>lấy</a:t>
+            </a:r>
+            <a:r>
+              <a:rPr lang="en-US" sz="1900" dirty="0" smtClean="0">
+                <a:solidFill>
+                  <a:schemeClr val="tx1"/>
+                </a:solidFill>
+              </a:rPr>
+              <a:t> bean property name</a:t>
             </a:r>
           </a:p>
           <a:p>
             <a:pPr lvl="1"/>
             <a:r>
-              <a:rPr lang="en-US">
-                <a:solidFill>
-                  <a:schemeClr val="tx1"/>
-                </a:solidFill>
-              </a:rPr>
-              <a:t>@Required: thực hiện trên các property setter method</a:t>
-            </a:r>
-          </a:p>
-          <a:p>
-            <a:pPr lvl="1"/>
-            <a:r>
-              <a:rPr lang="en-US">
-                <a:solidFill>
-                  <a:schemeClr val="tx1"/>
-                </a:solidFill>
-              </a:rPr>
-              <a:t>@Autowired: trên contructor, properties, property setter method, non-setter method</a:t>
-            </a:r>
-          </a:p>
-          <a:p>
-            <a:pPr lvl="2"/>
-            <a:r>
-              <a:rPr lang="en-US">
-                <a:solidFill>
-                  <a:schemeClr val="tx1"/>
-                </a:solidFill>
-              </a:rPr>
-              <a:t>@Autowired(required=false</a:t>
-            </a:r>
-            <a:r>
-              <a:rPr lang="en-US">
-                <a:solidFill>
-                  <a:schemeClr val="tx1"/>
-                </a:solidFill>
-              </a:rPr>
-              <a:t>): </a:t>
-            </a:r>
-            <a:r>
-              <a:rPr lang="en-US" smtClean="0">
-                <a:solidFill>
-                  <a:schemeClr val="tx1"/>
-                </a:solidFill>
-              </a:rPr>
-              <a:t>bỏ mặc </a:t>
-            </a:r>
-            <a:r>
-              <a:rPr lang="en-US">
-                <a:solidFill>
-                  <a:schemeClr val="tx1"/>
-                </a:solidFill>
-              </a:rPr>
-              <a:t>định yêu cầu required</a:t>
-            </a:r>
-          </a:p>
-          <a:p>
-            <a:pPr lvl="2"/>
-            <a:r>
-              <a:rPr lang="en-US" smtClean="0">
-                <a:solidFill>
-                  <a:schemeClr val="tx1"/>
-                </a:solidFill>
-              </a:rPr>
-              <a:t>Cố </a:t>
-            </a:r>
-            <a:r>
-              <a:rPr lang="en-US">
-                <a:solidFill>
-                  <a:schemeClr val="tx1"/>
-                </a:solidFill>
-              </a:rPr>
-              <a:t>gắng thực hiện </a:t>
-            </a:r>
-            <a:r>
-              <a:rPr lang="en-US">
-                <a:solidFill>
-                  <a:schemeClr val="tx1"/>
-                </a:solidFill>
-              </a:rPr>
-              <a:t>autowiring </a:t>
-            </a:r>
-            <a:r>
-              <a:rPr lang="en-US" smtClean="0">
-                <a:solidFill>
-                  <a:schemeClr val="tx1"/>
-                </a:solidFill>
-              </a:rPr>
-              <a:t>theo byType</a:t>
-            </a:r>
-            <a:endParaRPr lang="en-US">
+              <a:rPr lang="vi-VN" dirty="0">
+                <a:solidFill>
+                  <a:schemeClr val="tx1"/>
+                </a:solidFill>
+              </a:rPr>
+              <a:t>@</a:t>
+            </a:r>
+            <a:r>
+              <a:rPr lang="vi-VN" dirty="0" smtClean="0">
+                <a:solidFill>
+                  <a:schemeClr val="tx1"/>
+                </a:solidFill>
+              </a:rPr>
+              <a:t>PostConstruct, @PreDestroy</a:t>
+            </a:r>
+            <a:r>
+              <a:rPr lang="en-US" dirty="0">
+                <a:solidFill>
+                  <a:schemeClr val="tx1"/>
+                </a:solidFill>
+              </a:rPr>
+              <a:t>, </a:t>
+            </a:r>
+            <a:r>
+              <a:rPr lang="en-US" sz="2300" dirty="0">
+                <a:solidFill>
+                  <a:schemeClr val="tx1"/>
+                </a:solidFill>
+              </a:rPr>
+              <a:t>@Resource</a:t>
+            </a:r>
+            <a:r>
+              <a:rPr lang="vi-VN" dirty="0" smtClean="0">
+                <a:solidFill>
+                  <a:schemeClr val="tx1"/>
+                </a:solidFill>
+              </a:rPr>
+              <a:t>( như by-Name autowiring)</a:t>
+            </a:r>
+            <a:endParaRPr lang="en-US" dirty="0">
               <a:solidFill>
                 <a:schemeClr val="tx1"/>
               </a:solidFill>
             </a:endParaRPr>
           </a:p>
           <a:p>
-            <a:pPr lvl="1"/>
-            <a:r>
-              <a:rPr lang="en-US">
-                <a:solidFill>
-                  <a:schemeClr val="tx1"/>
-                </a:solidFill>
-              </a:rPr>
-              <a:t>@Qualifier</a:t>
-            </a:r>
-            <a:r>
-              <a:rPr lang="en-US" sz="1800">
-                <a:solidFill>
-                  <a:schemeClr val="tx1"/>
-                </a:solidFill>
-              </a:rPr>
-              <a:t>: </a:t>
-            </a:r>
-            <a:r>
-              <a:rPr lang="en-US" sz="1800" smtClean="0">
-                <a:solidFill>
-                  <a:schemeClr val="tx1"/>
-                </a:solidFill>
-              </a:rPr>
-              <a:t>có nhiều bean cùng kiểu, để xác định rõ sẽ wire với bean nào bằng định danh name</a:t>
-            </a:r>
-          </a:p>
-          <a:p>
-            <a:pPr lvl="1"/>
-            <a:r>
-              <a:rPr lang="vi-VN" sz="1800">
-                <a:solidFill>
-                  <a:schemeClr val="tx1"/>
-                </a:solidFill>
-              </a:rPr>
-              <a:t>@</a:t>
-            </a:r>
-            <a:r>
-              <a:rPr lang="vi-VN" sz="1800" smtClean="0">
-                <a:solidFill>
-                  <a:schemeClr val="tx1"/>
-                </a:solidFill>
-              </a:rPr>
-              <a:t>PostConstruct, @PreDestroy, </a:t>
-            </a:r>
-            <a:r>
-              <a:rPr lang="vi-VN" sz="1800">
-                <a:solidFill>
-                  <a:schemeClr val="tx1"/>
-                </a:solidFill>
-              </a:rPr>
-              <a:t>@</a:t>
-            </a:r>
-            <a:r>
-              <a:rPr lang="vi-VN" sz="1800" smtClean="0">
-                <a:solidFill>
-                  <a:schemeClr val="tx1"/>
-                </a:solidFill>
-              </a:rPr>
-              <a:t>Resource ( như by-Name autowiring)</a:t>
-            </a:r>
-            <a:endParaRPr lang="en-US" sz="1800">
-              <a:solidFill>
-                <a:schemeClr val="tx1"/>
-              </a:solidFill>
-            </a:endParaRPr>
-          </a:p>
-          <a:p>
-            <a:endParaRPr lang="en-US" dirty="0">
+            <a:endParaRPr lang="en-US" sz="2100" dirty="0">
               <a:solidFill>
                 <a:schemeClr val="tx1"/>
               </a:solidFill>
@@ -3965,7 +5567,51 @@
           <a:bodyPr/>
           <a:lstStyle/>
           <a:p>
-            <a:endParaRPr lang="en-US"/>
+            <a:r>
+              <a:rPr lang="en-US" dirty="0" err="1" smtClean="0"/>
+              <a:t>Mô</a:t>
+            </a:r>
+            <a:r>
+              <a:rPr lang="en-US" dirty="0" smtClean="0"/>
+              <a:t> </a:t>
+            </a:r>
+            <a:r>
+              <a:rPr lang="en-US" dirty="0" err="1" smtClean="0"/>
+              <a:t>hình</a:t>
+            </a:r>
+            <a:endParaRPr lang="en-US" dirty="0" smtClean="0"/>
+          </a:p>
+          <a:p>
+            <a:r>
+              <a:rPr lang="en-US" dirty="0" err="1" smtClean="0"/>
+              <a:t>DispatcherSerlet</a:t>
+            </a:r>
+            <a:endParaRPr lang="en-US" dirty="0" smtClean="0"/>
+          </a:p>
+          <a:p>
+            <a:r>
+              <a:rPr lang="en-US" dirty="0" smtClean="0"/>
+              <a:t>Handler Mapping</a:t>
+            </a:r>
+          </a:p>
+          <a:p>
+            <a:r>
+              <a:rPr lang="en-US" dirty="0" smtClean="0"/>
+              <a:t>Controller</a:t>
+            </a:r>
+          </a:p>
+          <a:p>
+            <a:r>
+              <a:rPr lang="en-US" dirty="0" smtClean="0"/>
+              <a:t>View Resolver</a:t>
+            </a:r>
+          </a:p>
+          <a:p>
+            <a:r>
+              <a:rPr lang="en-US" dirty="0" smtClean="0"/>
+              <a:t>View</a:t>
+            </a:r>
+            <a:endParaRPr lang="en-US" dirty="0"/>
           </a:p>
         </p:txBody>
       </p:sp>
@@ -4022,6 +5668,552 @@
           <a:lstStyle/>
           <a:p>
             <a:r>
+              <a:rPr lang="en-US" dirty="0"/>
+              <a:t>Spring </a:t>
+            </a:r>
+            <a:r>
+              <a:rPr lang="en-US" dirty="0" smtClean="0"/>
+              <a:t>MVC – </a:t>
+            </a:r>
+            <a:r>
+              <a:rPr lang="en-US" dirty="0" err="1" smtClean="0"/>
+              <a:t>Mô</a:t>
+            </a:r>
+            <a:r>
+              <a:rPr lang="en-US" dirty="0" smtClean="0"/>
+              <a:t> </a:t>
+            </a:r>
+            <a:r>
+              <a:rPr lang="en-US" dirty="0" err="1" smtClean="0"/>
+              <a:t>hình</a:t>
+            </a:r>
+            <a:endParaRPr lang="en-US" dirty="0"/>
+          </a:p>
+        </p:txBody>
+      </p:sp>
+      <p:pic>
+        <p:nvPicPr>
+          <p:cNvPr id="1026" name="Picture 2" descr="Spring DispatcherServlet"/>
+          <p:cNvPicPr>
+            <a:picLocks noGrp="1" noChangeAspect="1" noChangeArrowheads="1"/>
+          </p:cNvPicPr>
+          <p:nvPr>
+            <p:ph idx="1"/>
+          </p:nvPr>
+        </p:nvPicPr>
+        <p:blipFill>
+          <a:blip r:embed="rId3">
+            <a:extLst>
+              <a:ext uri="{28A0092B-C50C-407E-A947-70E740481C1C}">
+                <a14:useLocalDpi xmlns:a14="http://schemas.microsoft.com/office/drawing/2010/main" val="0"/>
+              </a:ext>
+            </a:extLst>
+          </a:blip>
+          <a:srcRect/>
+          <a:stretch>
+            <a:fillRect/>
+          </a:stretch>
+        </p:blipFill>
+        <p:spPr bwMode="auto">
+          <a:xfrm>
+            <a:off x="3440538" y="2500092"/>
+            <a:ext cx="5277587" cy="3153215"/>
+          </a:xfrm>
+          <a:prstGeom prst="rect">
+            <a:avLst/>
+          </a:prstGeom>
+          <a:noFill/>
+          <a:extLst>
+            <a:ext uri="{909E8E84-426E-40DD-AFC4-6F175D3DCCD1}">
+              <a14:hiddenFill xmlns:a14="http://schemas.microsoft.com/office/drawing/2010/main">
+                <a:solidFill>
+                  <a:srgbClr val="FFFFFF"/>
+                </a:solidFill>
+              </a14:hiddenFill>
+            </a:ext>
+          </a:extLst>
+        </p:spPr>
+      </p:pic>
+    </p:spTree>
+    <p:extLst>
+      <p:ext uri="{BB962C8B-B14F-4D97-AF65-F5344CB8AC3E}">
+        <p14:creationId xmlns:p14="http://schemas.microsoft.com/office/powerpoint/2010/main" val="292451710"/>
+      </p:ext>
+    </p:extLst>
+  </p:cSld>
+  <p:clrMapOvr>
+    <a:masterClrMapping/>
+  </p:clrMapOvr>
+</p:sld>
+</file>
+
+<file path=ppt/slides/slide14.xml><?xml version="1.0" encoding="utf-8"?>
+<p:sld xmlns:a="http://schemas.openxmlformats.org/drawingml/2006/main" xmlns:r="http://schemas.openxmlformats.org/officeDocument/2006/relationships" xmlns:p="http://schemas.openxmlformats.org/presentationml/2006/main">
+  <p:cSld>
+    <p:spTree>
+      <p:nvGrpSpPr>
+        <p:cNvPr id="1" name=""/>
+        <p:cNvGrpSpPr/>
+        <p:nvPr/>
+      </p:nvGrpSpPr>
+      <p:grpSpPr>
+        <a:xfrm>
+          <a:off x="0" y="0"/>
+          <a:ext cx="0" cy="0"/>
+          <a:chOff x="0" y="0"/>
+          <a:chExt cx="0" cy="0"/>
+        </a:xfrm>
+      </p:grpSpPr>
+      <p:sp>
+        <p:nvSpPr>
+          <p:cNvPr id="2" name="Title 1"/>
+          <p:cNvSpPr>
+            <a:spLocks noGrp="1"/>
+          </p:cNvSpPr>
+          <p:nvPr>
+            <p:ph type="title"/>
+          </p:nvPr>
+        </p:nvSpPr>
+        <p:spPr/>
+        <p:txBody>
+          <a:bodyPr/>
+          <a:lstStyle/>
+          <a:p>
+            <a:r>
+              <a:rPr lang="en-US" dirty="0"/>
+              <a:t>Spring </a:t>
+            </a:r>
+            <a:r>
+              <a:rPr lang="en-US" dirty="0" smtClean="0"/>
+              <a:t>MVC – </a:t>
+            </a:r>
+            <a:r>
+              <a:rPr lang="en-US" dirty="0" err="1" smtClean="0"/>
+              <a:t>DispatcherServlet</a:t>
+            </a:r>
+            <a:endParaRPr lang="en-US" dirty="0"/>
+          </a:p>
+        </p:txBody>
+      </p:sp>
+      <p:sp>
+        <p:nvSpPr>
+          <p:cNvPr id="3" name="Content Placeholder 2"/>
+          <p:cNvSpPr>
+            <a:spLocks noGrp="1"/>
+          </p:cNvSpPr>
+          <p:nvPr>
+            <p:ph idx="1"/>
+          </p:nvPr>
+        </p:nvSpPr>
+        <p:spPr/>
+        <p:txBody>
+          <a:bodyPr/>
+          <a:lstStyle/>
+          <a:p>
+            <a:endParaRPr lang="en-US"/>
+          </a:p>
+        </p:txBody>
+      </p:sp>
+    </p:spTree>
+    <p:extLst>
+      <p:ext uri="{BB962C8B-B14F-4D97-AF65-F5344CB8AC3E}">
+        <p14:creationId xmlns:p14="http://schemas.microsoft.com/office/powerpoint/2010/main" val="1952450070"/>
+      </p:ext>
+    </p:extLst>
+  </p:cSld>
+  <p:clrMapOvr>
+    <a:masterClrMapping/>
+  </p:clrMapOvr>
+</p:sld>
+</file>
+
+<file path=ppt/slides/slide15.xml><?xml version="1.0" encoding="utf-8"?>
+<p:sld xmlns:a="http://schemas.openxmlformats.org/drawingml/2006/main" xmlns:r="http://schemas.openxmlformats.org/officeDocument/2006/relationships" xmlns:p="http://schemas.openxmlformats.org/presentationml/2006/main">
+  <p:cSld>
+    <p:spTree>
+      <p:nvGrpSpPr>
+        <p:cNvPr id="1" name=""/>
+        <p:cNvGrpSpPr/>
+        <p:nvPr/>
+      </p:nvGrpSpPr>
+      <p:grpSpPr>
+        <a:xfrm>
+          <a:off x="0" y="0"/>
+          <a:ext cx="0" cy="0"/>
+          <a:chOff x="0" y="0"/>
+          <a:chExt cx="0" cy="0"/>
+        </a:xfrm>
+      </p:grpSpPr>
+      <p:sp>
+        <p:nvSpPr>
+          <p:cNvPr id="2" name="Title 1"/>
+          <p:cNvSpPr>
+            <a:spLocks noGrp="1"/>
+          </p:cNvSpPr>
+          <p:nvPr>
+            <p:ph type="title"/>
+          </p:nvPr>
+        </p:nvSpPr>
+        <p:spPr/>
+        <p:txBody>
+          <a:bodyPr/>
+          <a:lstStyle/>
+          <a:p>
+            <a:r>
+              <a:rPr lang="en-US" dirty="0"/>
+              <a:t>Spring </a:t>
+            </a:r>
+            <a:r>
+              <a:rPr lang="en-US" dirty="0" smtClean="0"/>
+              <a:t>MVC – </a:t>
+            </a:r>
+            <a:r>
+              <a:rPr lang="en-US" dirty="0" err="1" smtClean="0"/>
+              <a:t>HandlerMapping</a:t>
+            </a:r>
+            <a:endParaRPr lang="en-US" dirty="0"/>
+          </a:p>
+        </p:txBody>
+      </p:sp>
+      <p:sp>
+        <p:nvSpPr>
+          <p:cNvPr id="3" name="Content Placeholder 2"/>
+          <p:cNvSpPr>
+            <a:spLocks noGrp="1"/>
+          </p:cNvSpPr>
+          <p:nvPr>
+            <p:ph idx="1"/>
+          </p:nvPr>
+        </p:nvSpPr>
+        <p:spPr/>
+        <p:txBody>
+          <a:bodyPr/>
+          <a:lstStyle/>
+          <a:p>
+            <a:endParaRPr lang="en-US" dirty="0"/>
+          </a:p>
+        </p:txBody>
+      </p:sp>
+    </p:spTree>
+    <p:extLst>
+      <p:ext uri="{BB962C8B-B14F-4D97-AF65-F5344CB8AC3E}">
+        <p14:creationId xmlns:p14="http://schemas.microsoft.com/office/powerpoint/2010/main" val="2388783712"/>
+      </p:ext>
+    </p:extLst>
+  </p:cSld>
+  <p:clrMapOvr>
+    <a:masterClrMapping/>
+  </p:clrMapOvr>
+</p:sld>
+</file>
+
+<file path=ppt/slides/slide16.xml><?xml version="1.0" encoding="utf-8"?>
+<p:sld xmlns:a="http://schemas.openxmlformats.org/drawingml/2006/main" xmlns:r="http://schemas.openxmlformats.org/officeDocument/2006/relationships" xmlns:p="http://schemas.openxmlformats.org/presentationml/2006/main">
+  <p:cSld>
+    <p:spTree>
+      <p:nvGrpSpPr>
+        <p:cNvPr id="1" name=""/>
+        <p:cNvGrpSpPr/>
+        <p:nvPr/>
+      </p:nvGrpSpPr>
+      <p:grpSpPr>
+        <a:xfrm>
+          <a:off x="0" y="0"/>
+          <a:ext cx="0" cy="0"/>
+          <a:chOff x="0" y="0"/>
+          <a:chExt cx="0" cy="0"/>
+        </a:xfrm>
+      </p:grpSpPr>
+      <p:sp>
+        <p:nvSpPr>
+          <p:cNvPr id="2" name="Title 1"/>
+          <p:cNvSpPr>
+            <a:spLocks noGrp="1"/>
+          </p:cNvSpPr>
+          <p:nvPr>
+            <p:ph type="title"/>
+          </p:nvPr>
+        </p:nvSpPr>
+        <p:spPr/>
+        <p:txBody>
+          <a:bodyPr/>
+          <a:lstStyle/>
+          <a:p>
+            <a:r>
+              <a:rPr lang="en-US" dirty="0"/>
+              <a:t>Spring </a:t>
+            </a:r>
+            <a:r>
+              <a:rPr lang="en-US" dirty="0" smtClean="0"/>
+              <a:t>MVC – Controller</a:t>
+            </a:r>
+            <a:endParaRPr lang="en-US" dirty="0"/>
+          </a:p>
+        </p:txBody>
+      </p:sp>
+      <p:sp>
+        <p:nvSpPr>
+          <p:cNvPr id="3" name="Content Placeholder 2"/>
+          <p:cNvSpPr>
+            <a:spLocks noGrp="1"/>
+          </p:cNvSpPr>
+          <p:nvPr>
+            <p:ph idx="1"/>
+          </p:nvPr>
+        </p:nvSpPr>
+        <p:spPr/>
+        <p:txBody>
+          <a:bodyPr/>
+          <a:lstStyle/>
+          <a:p>
+            <a:r>
+              <a:rPr lang="en-US" dirty="0" smtClean="0"/>
+              <a:t>@Controller</a:t>
+            </a:r>
+          </a:p>
+          <a:p>
+            <a:r>
+              <a:rPr lang="en-US" dirty="0" smtClean="0"/>
+              <a:t>@Configuration</a:t>
+            </a:r>
+          </a:p>
+          <a:p>
+            <a:r>
+              <a:rPr lang="en-US" dirty="0" smtClean="0"/>
+              <a:t>@</a:t>
+            </a:r>
+            <a:r>
+              <a:rPr lang="en-US" dirty="0" err="1" smtClean="0"/>
+              <a:t>ComponentScan</a:t>
+            </a:r>
+            <a:endParaRPr lang="en-US" dirty="0" smtClean="0"/>
+          </a:p>
+          <a:p>
+            <a:r>
+              <a:rPr lang="en-US" dirty="0" smtClean="0"/>
+              <a:t>@</a:t>
+            </a:r>
+            <a:r>
+              <a:rPr lang="en-US" dirty="0" err="1" smtClean="0"/>
+              <a:t>ResponseBody</a:t>
+            </a:r>
+            <a:endParaRPr lang="en-US" dirty="0" smtClean="0"/>
+          </a:p>
+          <a:p>
+            <a:r>
+              <a:rPr lang="en-US" dirty="0" smtClean="0"/>
+              <a:t>@</a:t>
+            </a:r>
+            <a:r>
+              <a:rPr lang="en-US" dirty="0" err="1" smtClean="0"/>
+              <a:t>RestController</a:t>
+            </a:r>
+            <a:endParaRPr lang="en-US" dirty="0"/>
+          </a:p>
+        </p:txBody>
+      </p:sp>
+    </p:spTree>
+    <p:extLst>
+      <p:ext uri="{BB962C8B-B14F-4D97-AF65-F5344CB8AC3E}">
+        <p14:creationId xmlns:p14="http://schemas.microsoft.com/office/powerpoint/2010/main" val="2354302117"/>
+      </p:ext>
+    </p:extLst>
+  </p:cSld>
+  <p:clrMapOvr>
+    <a:masterClrMapping/>
+  </p:clrMapOvr>
+</p:sld>
+</file>
+
+<file path=ppt/slides/slide17.xml><?xml version="1.0" encoding="utf-8"?>
+<p:sld xmlns:a="http://schemas.openxmlformats.org/drawingml/2006/main" xmlns:r="http://schemas.openxmlformats.org/officeDocument/2006/relationships" xmlns:p="http://schemas.openxmlformats.org/presentationml/2006/main">
+  <p:cSld>
+    <p:spTree>
+      <p:nvGrpSpPr>
+        <p:cNvPr id="1" name=""/>
+        <p:cNvGrpSpPr/>
+        <p:nvPr/>
+      </p:nvGrpSpPr>
+      <p:grpSpPr>
+        <a:xfrm>
+          <a:off x="0" y="0"/>
+          <a:ext cx="0" cy="0"/>
+          <a:chOff x="0" y="0"/>
+          <a:chExt cx="0" cy="0"/>
+        </a:xfrm>
+      </p:grpSpPr>
+      <p:sp>
+        <p:nvSpPr>
+          <p:cNvPr id="2" name="Title 1"/>
+          <p:cNvSpPr>
+            <a:spLocks noGrp="1"/>
+          </p:cNvSpPr>
+          <p:nvPr>
+            <p:ph type="title"/>
+          </p:nvPr>
+        </p:nvSpPr>
+        <p:spPr/>
+        <p:txBody>
+          <a:bodyPr/>
+          <a:lstStyle/>
+          <a:p>
+            <a:r>
+              <a:rPr lang="en-US" dirty="0"/>
+              <a:t>Spring </a:t>
+            </a:r>
+            <a:r>
+              <a:rPr lang="en-US" dirty="0" smtClean="0"/>
+              <a:t>MVC – </a:t>
+            </a:r>
+            <a:r>
+              <a:rPr lang="en-US" dirty="0" err="1" smtClean="0"/>
+              <a:t>ViewResolver</a:t>
+            </a:r>
+            <a:endParaRPr lang="en-US" dirty="0"/>
+          </a:p>
+        </p:txBody>
+      </p:sp>
+      <p:sp>
+        <p:nvSpPr>
+          <p:cNvPr id="3" name="Content Placeholder 2"/>
+          <p:cNvSpPr>
+            <a:spLocks noGrp="1"/>
+          </p:cNvSpPr>
+          <p:nvPr>
+            <p:ph idx="1"/>
+          </p:nvPr>
+        </p:nvSpPr>
+        <p:spPr/>
+        <p:txBody>
+          <a:bodyPr/>
+          <a:lstStyle/>
+          <a:p>
+            <a:endParaRPr lang="en-US"/>
+          </a:p>
+        </p:txBody>
+      </p:sp>
+    </p:spTree>
+    <p:extLst>
+      <p:ext uri="{BB962C8B-B14F-4D97-AF65-F5344CB8AC3E}">
+        <p14:creationId xmlns:p14="http://schemas.microsoft.com/office/powerpoint/2010/main" val="3349303326"/>
+      </p:ext>
+    </p:extLst>
+  </p:cSld>
+  <p:clrMapOvr>
+    <a:masterClrMapping/>
+  </p:clrMapOvr>
+</p:sld>
+</file>
+
+<file path=ppt/slides/slide18.xml><?xml version="1.0" encoding="utf-8"?>
+<p:sld xmlns:a="http://schemas.openxmlformats.org/drawingml/2006/main" xmlns:r="http://schemas.openxmlformats.org/officeDocument/2006/relationships" xmlns:p="http://schemas.openxmlformats.org/presentationml/2006/main">
+  <p:cSld>
+    <p:spTree>
+      <p:nvGrpSpPr>
+        <p:cNvPr id="1" name=""/>
+        <p:cNvGrpSpPr/>
+        <p:nvPr/>
+      </p:nvGrpSpPr>
+      <p:grpSpPr>
+        <a:xfrm>
+          <a:off x="0" y="0"/>
+          <a:ext cx="0" cy="0"/>
+          <a:chOff x="0" y="0"/>
+          <a:chExt cx="0" cy="0"/>
+        </a:xfrm>
+      </p:grpSpPr>
+      <p:sp>
+        <p:nvSpPr>
+          <p:cNvPr id="2" name="Title 1"/>
+          <p:cNvSpPr>
+            <a:spLocks noGrp="1"/>
+          </p:cNvSpPr>
+          <p:nvPr>
+            <p:ph type="title"/>
+          </p:nvPr>
+        </p:nvSpPr>
+        <p:spPr/>
+        <p:txBody>
+          <a:bodyPr/>
+          <a:lstStyle/>
+          <a:p>
+            <a:r>
+              <a:rPr lang="en-US" dirty="0"/>
+              <a:t>Spring </a:t>
+            </a:r>
+            <a:r>
+              <a:rPr lang="en-US" dirty="0" smtClean="0"/>
+              <a:t>MVC – View</a:t>
+            </a:r>
+            <a:endParaRPr lang="en-US" dirty="0"/>
+          </a:p>
+        </p:txBody>
+      </p:sp>
+      <p:sp>
+        <p:nvSpPr>
+          <p:cNvPr id="3" name="Content Placeholder 2"/>
+          <p:cNvSpPr>
+            <a:spLocks noGrp="1"/>
+          </p:cNvSpPr>
+          <p:nvPr>
+            <p:ph idx="1"/>
+          </p:nvPr>
+        </p:nvSpPr>
+        <p:spPr/>
+        <p:txBody>
+          <a:bodyPr/>
+          <a:lstStyle/>
+          <a:p>
+            <a:endParaRPr lang="en-US"/>
+          </a:p>
+        </p:txBody>
+      </p:sp>
+    </p:spTree>
+    <p:extLst>
+      <p:ext uri="{BB962C8B-B14F-4D97-AF65-F5344CB8AC3E}">
+        <p14:creationId xmlns:p14="http://schemas.microsoft.com/office/powerpoint/2010/main" val="3604753199"/>
+      </p:ext>
+    </p:extLst>
+  </p:cSld>
+  <p:clrMapOvr>
+    <a:masterClrMapping/>
+  </p:clrMapOvr>
+</p:sld>
+</file>
+
+<file path=ppt/slides/slide19.xml><?xml version="1.0" encoding="utf-8"?>
+<p:sld xmlns:a="http://schemas.openxmlformats.org/drawingml/2006/main" xmlns:r="http://schemas.openxmlformats.org/officeDocument/2006/relationships" xmlns:p="http://schemas.openxmlformats.org/presentationml/2006/main">
+  <p:cSld>
+    <p:spTree>
+      <p:nvGrpSpPr>
+        <p:cNvPr id="1" name=""/>
+        <p:cNvGrpSpPr/>
+        <p:nvPr/>
+      </p:nvGrpSpPr>
+      <p:grpSpPr>
+        <a:xfrm>
+          <a:off x="0" y="0"/>
+          <a:ext cx="0" cy="0"/>
+          <a:chOff x="0" y="0"/>
+          <a:chExt cx="0" cy="0"/>
+        </a:xfrm>
+      </p:grpSpPr>
+      <p:sp>
+        <p:nvSpPr>
+          <p:cNvPr id="2" name="Title 1"/>
+          <p:cNvSpPr>
+            <a:spLocks noGrp="1"/>
+          </p:cNvSpPr>
+          <p:nvPr>
+            <p:ph type="title"/>
+          </p:nvPr>
+        </p:nvSpPr>
+        <p:spPr/>
+        <p:txBody>
+          <a:bodyPr/>
+          <a:lstStyle/>
+          <a:p>
+            <a:r>
               <a:rPr lang="en-US" dirty="0" smtClean="0"/>
               <a:t>Spring Boot</a:t>
             </a:r>
@@ -4309,7 +6501,15 @@
                   <a:schemeClr val="accent2"/>
                 </a:solidFill>
               </a:rPr>
-              <a:t>: </a:t>
+              <a:t>: Inversion of Controll (IoC) </a:t>
+            </a:r>
+            <a:r>
+              <a:rPr lang="en-US" sz="2400" dirty="0" smtClean="0">
+                <a:solidFill>
+                  <a:schemeClr val="accent2"/>
+                </a:solidFill>
+              </a:rPr>
+              <a:t>&amp; </a:t>
             </a:r>
             <a:r>
               <a:rPr lang="en-US" sz="2400" smtClean="0">
@@ -4317,31 +6517,7 @@
                   <a:schemeClr val="accent2"/>
                 </a:solidFill>
               </a:rPr>
-              <a:t>Inversion of Controll (IoC) </a:t>
-            </a:r>
-            <a:r>
-              <a:rPr lang="en-US" sz="2400" dirty="0" smtClean="0">
-                <a:solidFill>
-                  <a:schemeClr val="accent2"/>
-                </a:solidFill>
-              </a:rPr>
-              <a:t>&amp; </a:t>
-            </a:r>
-            <a:r>
-              <a:rPr lang="en-US" sz="2400" smtClean="0">
-                <a:solidFill>
-                  <a:schemeClr val="accent2"/>
-                </a:solidFill>
-              </a:rPr>
-              <a:t>Dependency </a:t>
-            </a:r>
-            <a:r>
-              <a:rPr lang="en-US" sz="2400" smtClean="0">
-                <a:solidFill>
-                  <a:schemeClr val="accent2"/>
-                </a:solidFill>
-              </a:rPr>
-              <a:t>Injection (DI)</a:t>
+              <a:t>Dependency Injection (DI)</a:t>
             </a:r>
             <a:endParaRPr lang="en-US" sz="2400" dirty="0" smtClean="0">
               <a:solidFill>
@@ -4620,12 +6796,24 @@
           <a:lstStyle/>
           <a:p>
             <a:r>
+              <a:rPr lang="en-US" dirty="0"/>
+              <a:t>Spring </a:t>
+            </a:r>
+            <a:r>
+              <a:rPr lang="en-US" dirty="0" smtClean="0"/>
+              <a:t>Core - </a:t>
+            </a:r>
+            <a:r>
               <a:rPr lang="en-US" dirty="0" err="1" smtClean="0"/>
               <a:t>IoC</a:t>
             </a:r>
             <a:r>
               <a:rPr lang="en-US" dirty="0" smtClean="0"/>
-              <a:t> Container</a:t>
+              <a:t> </a:t>
+            </a:r>
+            <a:r>
+              <a:rPr lang="en-US" dirty="0" smtClean="0"/>
+              <a:t>Container</a:t>
             </a:r>
             <a:endParaRPr lang="en-US" dirty="0"/>
           </a:p>
@@ -4718,11 +6906,7 @@
             </a:r>
             <a:r>
               <a:rPr lang="en-US" sz="2400" smtClean="0"/>
-              <a:t>O</a:t>
-            </a:r>
-            <a:r>
-              <a:rPr lang="en-US" sz="2400" smtClean="0"/>
-              <a:t>bjects) </a:t>
+              <a:t>Objects) </a:t>
             </a:r>
             <a:r>
               <a:rPr lang="en-US" sz="2400" dirty="0" err="1" smtClean="0"/>
@@ -4754,11 +6938,7 @@
             </a:r>
             <a:r>
               <a:rPr lang="en-US" sz="2400" smtClean="0"/>
-              <a:t> </a:t>
-            </a:r>
-            <a:r>
-              <a:rPr lang="en-US" sz="2400" smtClean="0"/>
-              <a:t>túy: chỉ gồm các thuộc tính và method, ko extends, implements</a:t>
+              <a:t> túy: chỉ gồm các thuộc tính và method, ko extends, implements</a:t>
             </a:r>
             <a:endParaRPr lang="en-US" sz="2400" dirty="0"/>
           </a:p>
@@ -4777,11 +6957,7 @@
             </a:r>
             <a:r>
               <a:rPr lang="en-US" sz="2400" smtClean="0"/>
-              <a:t>Java </a:t>
-            </a:r>
-            <a:r>
-              <a:rPr lang="en-US" sz="2400" smtClean="0"/>
-              <a:t>code</a:t>
+              <a:t>Java code</a:t>
             </a:r>
           </a:p>
           <a:p>
@@ -4821,11 +6997,7 @@
             </a:pPr>
             <a:r>
               <a:rPr lang="en-US" sz="2400"/>
-              <a:t>ApplicationContext: </a:t>
-            </a:r>
-            <a:r>
-              <a:rPr lang="en-US" sz="2400"/>
-              <a:t>BeanFactory </a:t>
+              <a:t>ApplicationContext: BeanFactory </a:t>
             </a:r>
             <a:r>
               <a:rPr lang="en-US" sz="2400" smtClean="0"/>
@@ -4914,8 +7086,8 @@
         </p:nvSpPr>
         <p:spPr>
           <a:xfrm>
-            <a:off x="315126" y="1672006"/>
-            <a:ext cx="6890892" cy="738664"/>
+            <a:off x="315126" y="1672005"/>
+            <a:ext cx="11876874" cy="3323987"/>
           </a:xfrm>
           <a:prstGeom prst="rect">
             <a:avLst/>
@@ -4933,9 +7105,224 @@
               <a:buChar char="•"/>
             </a:pPr>
             <a:r>
-              <a:rPr lang="en-US" sz="2400" smtClean="0"/>
-              <a:t>Ví dụ Config và IoC Container</a:t>
-            </a:r>
+              <a:rPr lang="en-US" sz="2400" dirty="0" err="1" smtClean="0"/>
+              <a:t>Ví</a:t>
+            </a:r>
+            <a:r>
+              <a:rPr lang="en-US" sz="2400" dirty="0" smtClean="0"/>
+              <a:t> </a:t>
+            </a:r>
+            <a:r>
+              <a:rPr lang="en-US" sz="2400" dirty="0" err="1" smtClean="0"/>
+              <a:t>dụ</a:t>
+            </a:r>
+            <a:r>
+              <a:rPr lang="en-US" sz="2400" dirty="0" smtClean="0"/>
+              <a:t> </a:t>
+            </a:r>
+            <a:r>
+              <a:rPr lang="en-US" sz="2400" dirty="0" err="1" smtClean="0"/>
+              <a:t>IoC</a:t>
+            </a:r>
+            <a:r>
+              <a:rPr lang="en-US" sz="2400" dirty="0" smtClean="0"/>
+              <a:t> Container</a:t>
+            </a:r>
+          </a:p>
+          <a:p>
+            <a:pPr marL="742950" lvl="1" indent="-285750">
+              <a:buFont typeface="Arial" panose="020B0604020202020204" pitchFamily="34" charset="0"/>
+              <a:buChar char="•"/>
+            </a:pPr>
+            <a:endParaRPr lang="en-US" sz="2400" dirty="0"/>
+          </a:p>
+          <a:p>
+            <a:pPr marL="742950" lvl="1" indent="-285750">
+              <a:buFont typeface="Arial" panose="020B0604020202020204" pitchFamily="34" charset="0"/>
+              <a:buChar char="•"/>
+            </a:pPr>
+            <a:r>
+              <a:rPr lang="en-US" sz="2400" dirty="0" err="1" smtClean="0"/>
+              <a:t>BeanFactory</a:t>
+            </a:r>
+            <a:r>
+              <a:rPr lang="en-US" sz="2400" dirty="0" smtClean="0"/>
+              <a:t> </a:t>
+            </a:r>
+            <a:r>
+              <a:rPr lang="en-US" sz="2400" dirty="0" err="1"/>
+              <a:t>ctx</a:t>
+            </a:r>
+            <a:r>
+              <a:rPr lang="en-US" sz="2400" dirty="0"/>
+              <a:t> = </a:t>
+            </a:r>
+            <a:r>
+              <a:rPr lang="en-US" sz="2400" dirty="0" smtClean="0"/>
+              <a:t>new </a:t>
+            </a:r>
+            <a:r>
+              <a:rPr lang="en-US" sz="2400" dirty="0" err="1"/>
+              <a:t>XmlBeanFactory</a:t>
+            </a:r>
+            <a:r>
+              <a:rPr lang="en-US" sz="2400" dirty="0"/>
+              <a:t> (new </a:t>
+            </a:r>
+            <a:r>
+              <a:rPr lang="en-US" sz="2400" dirty="0" err="1"/>
+              <a:t>ClassPathResource</a:t>
+            </a:r>
+            <a:r>
+              <a:rPr lang="en-US" sz="2400" dirty="0" smtClean="0"/>
+              <a:t>(“beans.xml</a:t>
+            </a:r>
+            <a:r>
+              <a:rPr lang="en-US" sz="2400" dirty="0"/>
+              <a:t>"));</a:t>
+            </a:r>
+            <a:endParaRPr lang="fr-FR" sz="2400" dirty="0" smtClean="0"/>
+          </a:p>
+          <a:p>
+            <a:pPr marL="800100" lvl="1" indent="-342900">
+              <a:buFont typeface="Arial" panose="020B0604020202020204" pitchFamily="34" charset="0"/>
+              <a:buChar char="•"/>
+            </a:pPr>
+            <a:r>
+              <a:rPr lang="fr-FR" sz="2400" dirty="0" err="1" smtClean="0"/>
+              <a:t>ApplicationContext</a:t>
+            </a:r>
+            <a:r>
+              <a:rPr lang="fr-FR" sz="2400" dirty="0" smtClean="0"/>
+              <a:t> </a:t>
+            </a:r>
+            <a:r>
+              <a:rPr lang="fr-FR" sz="2400" dirty="0" err="1"/>
+              <a:t>ctx</a:t>
+            </a:r>
+            <a:r>
+              <a:rPr lang="fr-FR" sz="2400" dirty="0"/>
+              <a:t> = new </a:t>
+            </a:r>
+            <a:r>
+              <a:rPr lang="fr-FR" sz="2400" dirty="0" err="1"/>
+              <a:t>ClassPathXmlApplicationContext</a:t>
+            </a:r>
+            <a:r>
+              <a:rPr lang="fr-FR" sz="2400" dirty="0"/>
+              <a:t>("beans.xml</a:t>
+            </a:r>
+            <a:r>
+              <a:rPr lang="fr-FR" sz="2400" dirty="0" smtClean="0"/>
+              <a:t>");</a:t>
+            </a:r>
+          </a:p>
+          <a:p>
+            <a:pPr marL="800100" lvl="1" indent="-342900">
+              <a:buFont typeface="Arial" panose="020B0604020202020204" pitchFamily="34" charset="0"/>
+              <a:buChar char="•"/>
+            </a:pPr>
+            <a:r>
+              <a:rPr lang="en-US" sz="2400" dirty="0" err="1"/>
+              <a:t>AbstractApplicationContext</a:t>
+            </a:r>
+            <a:r>
+              <a:rPr lang="en-US" sz="2400" dirty="0"/>
+              <a:t> </a:t>
+            </a:r>
+            <a:r>
+              <a:rPr lang="en-US" sz="2400" dirty="0" err="1"/>
+              <a:t>ctx</a:t>
+            </a:r>
+            <a:r>
+              <a:rPr lang="en-US" sz="2400" dirty="0"/>
+              <a:t> = </a:t>
+            </a:r>
+            <a:r>
+              <a:rPr lang="en-US" sz="2400" dirty="0" smtClean="0"/>
+              <a:t>new </a:t>
+            </a:r>
+            <a:r>
+              <a:rPr lang="en-US" sz="2400" dirty="0" err="1" smtClean="0"/>
+              <a:t>ClassPathXmlApplicationContext</a:t>
+            </a:r>
+            <a:r>
+              <a:rPr lang="en-US" sz="2400" dirty="0"/>
+              <a:t>("beans.xml</a:t>
+            </a:r>
+            <a:r>
+              <a:rPr lang="en-US" sz="2400" dirty="0" smtClean="0"/>
+              <a:t>");</a:t>
+            </a:r>
+          </a:p>
+          <a:p>
+            <a:pPr marL="1257300" lvl="2" indent="-342900">
+              <a:buFont typeface="Arial" panose="020B0604020202020204" pitchFamily="34" charset="0"/>
+              <a:buChar char="•"/>
+            </a:pPr>
+            <a:r>
+              <a:rPr lang="en-US" sz="2400" dirty="0" err="1"/>
+              <a:t>ctx.registerShutdownHook</a:t>
+            </a:r>
+            <a:r>
+              <a:rPr lang="en-US" sz="2400" dirty="0" smtClean="0"/>
+              <a:t>(); (</a:t>
+            </a:r>
+            <a:r>
+              <a:rPr lang="en-US" sz="2400" dirty="0" err="1" smtClean="0"/>
+              <a:t>để</a:t>
+            </a:r>
+            <a:r>
+              <a:rPr lang="en-US" sz="2400" dirty="0" smtClean="0"/>
+              <a:t> </a:t>
+            </a:r>
+            <a:r>
+              <a:rPr lang="en-US" sz="2400" dirty="0" err="1" smtClean="0"/>
+              <a:t>chạy</a:t>
+            </a:r>
+            <a:r>
+              <a:rPr lang="en-US" sz="2400" dirty="0" smtClean="0"/>
+              <a:t> destroy method)</a:t>
+            </a:r>
+          </a:p>
+          <a:p>
+            <a:pPr marL="800100" lvl="1" indent="-342900">
+              <a:buFont typeface="Arial" panose="020B0604020202020204" pitchFamily="34" charset="0"/>
+              <a:buChar char="•"/>
+            </a:pPr>
+            <a:r>
+              <a:rPr lang="en-US" sz="2400" dirty="0" err="1"/>
+              <a:t>ApplicationContext</a:t>
+            </a:r>
+            <a:r>
+              <a:rPr lang="en-US" sz="2400" dirty="0"/>
+              <a:t> </a:t>
+            </a:r>
+            <a:r>
+              <a:rPr lang="en-US" sz="2400" dirty="0" err="1"/>
+              <a:t>ctx</a:t>
+            </a:r>
+            <a:r>
+              <a:rPr lang="en-US" sz="2400" dirty="0"/>
+              <a:t> = new </a:t>
+            </a:r>
+            <a:r>
+              <a:rPr lang="en-US" sz="2400" dirty="0" err="1"/>
+              <a:t>AnnotationConfigApplicationContext</a:t>
+            </a:r>
+            <a:r>
+              <a:rPr lang="en-US" sz="2400" dirty="0"/>
+              <a:t>(</a:t>
+            </a:r>
+            <a:r>
+              <a:rPr lang="en-US" sz="2400" dirty="0" err="1"/>
+              <a:t>HelloWorldConfig.class</a:t>
+            </a:r>
+            <a:r>
+              <a:rPr lang="en-US" sz="2400" dirty="0"/>
+              <a:t>);</a:t>
+            </a:r>
+            <a:endParaRPr lang="en-US" sz="2400" dirty="0" smtClean="0"/>
           </a:p>
           <a:p>
             <a:pPr marL="285750" indent="-285750">
@@ -4999,8 +7386,12 @@
           <a:lstStyle/>
           <a:p>
             <a:r>
+              <a:rPr lang="en-US" dirty="0"/>
+              <a:t>Spring </a:t>
+            </a:r>
+            <a:r>
               <a:rPr lang="en-US" dirty="0" smtClean="0"/>
-              <a:t>Beans</a:t>
+              <a:t>Core- Beans</a:t>
             </a:r>
             <a:endParaRPr lang="en-US" dirty="0"/>
           </a:p>
@@ -5024,7 +7415,7 @@
         </p:spPr>
         <p:txBody>
           <a:bodyPr>
-            <a:normAutofit lnSpcReduction="10000"/>
+            <a:normAutofit/>
           </a:bodyPr>
           <a:lstStyle/>
           <a:p>
@@ -5032,7 +7423,7 @@
               <a:buNone/>
             </a:pPr>
             <a:r>
-              <a:rPr lang="en-US" sz="2800" smtClean="0">
+              <a:rPr lang="en-US" sz="2800" dirty="0" smtClean="0">
                 <a:solidFill>
                   <a:schemeClr val="tx1"/>
                 </a:solidFill>
@@ -5045,46 +7436,20 @@
               <a:buNone/>
             </a:pPr>
             <a:r>
-              <a:rPr lang="en-US" sz="2800" smtClean="0">
-                <a:solidFill>
-                  <a:schemeClr val="tx1"/>
-                </a:solidFill>
-              </a:rPr>
-              <a:t>Bean trong Spring</a:t>
-            </a:r>
-          </a:p>
-          <a:p>
-            <a:r>
-              <a:rPr lang="en-US" sz="2800" smtClean="0">
-                <a:solidFill>
-                  <a:schemeClr val="tx1"/>
-                </a:solidFill>
-              </a:rPr>
-              <a:t>Bean Definition: </a:t>
-            </a:r>
-            <a:r>
               <a:rPr lang="en-US" sz="2800" dirty="0" smtClean="0">
                 <a:solidFill>
                   <a:schemeClr val="tx1"/>
                 </a:solidFill>
               </a:rPr>
-              <a:t>xml</a:t>
-            </a:r>
-            <a:r>
-              <a:rPr lang="en-US" sz="2800" smtClean="0">
-                <a:solidFill>
-                  <a:schemeClr val="tx1"/>
-                </a:solidFill>
-              </a:rPr>
-              <a:t>, </a:t>
-            </a:r>
-            <a:r>
-              <a:rPr lang="en-US" sz="2800" smtClean="0">
-                <a:solidFill>
-                  <a:schemeClr val="tx1"/>
-                </a:solidFill>
-              </a:rPr>
-              <a:t>annotation &amp; </a:t>
+              <a:t>Bean </a:t>
+            </a:r>
+            <a:r>
+              <a:rPr lang="en-US" sz="2800" dirty="0" err="1" smtClean="0">
+                <a:solidFill>
+                  <a:schemeClr val="tx1"/>
+                </a:solidFill>
+              </a:rPr>
+              <a:t>trong</a:t>
             </a:r>
             <a:r>
               <a:rPr lang="en-US" sz="2800" dirty="0" smtClean="0">
@@ -5092,7 +7457,17 @@
                   <a:schemeClr val="tx1"/>
                 </a:solidFill>
               </a:rPr>
-              <a:t>java code </a:t>
+              <a:t> Spring</a:t>
+            </a:r>
+          </a:p>
+          <a:p>
+            <a:r>
+              <a:rPr lang="en-US" sz="2800" dirty="0" smtClean="0">
+                <a:solidFill>
+                  <a:schemeClr val="tx1"/>
+                </a:solidFill>
+              </a:rPr>
+              <a:t>Bean Definition: xml, annotation &amp; java code </a:t>
             </a:r>
           </a:p>
           <a:p>
@@ -5157,65 +7532,6 @@
               </a:rPr>
               <a:t>destroy-method:</a:t>
             </a:r>
-          </a:p>
-          <a:p>
-            <a:pPr lvl="2"/>
-            <a:r>
-              <a:rPr lang="en-US" sz="2400" dirty="0" err="1" smtClean="0">
-                <a:solidFill>
-                  <a:schemeClr val="tx1"/>
-                </a:solidFill>
-              </a:rPr>
-              <a:t>AbstractApplicationContext</a:t>
-            </a:r>
-            <a:r>
-              <a:rPr lang="en-US" sz="2400" dirty="0" smtClean="0">
-                <a:solidFill>
-                  <a:schemeClr val="tx1"/>
-                </a:solidFill>
-              </a:rPr>
-              <a:t> context </a:t>
-            </a:r>
-            <a:r>
-              <a:rPr lang="en-US" sz="2400" smtClean="0">
-                <a:solidFill>
-                  <a:schemeClr val="tx1"/>
-                </a:solidFill>
-              </a:rPr>
-              <a:t>-&gt; </a:t>
-            </a:r>
-            <a:r>
-              <a:rPr lang="en-US" sz="2400" smtClean="0">
-                <a:solidFill>
-                  <a:schemeClr val="tx1"/>
-                </a:solidFill>
-              </a:rPr>
-              <a:t>context</a:t>
-            </a:r>
-          </a:p>
-          <a:p>
-            <a:pPr lvl="2"/>
-            <a:r>
-              <a:rPr lang="en-US" sz="2400" smtClean="0">
-                <a:solidFill>
-                  <a:schemeClr val="tx1"/>
-                </a:solidFill>
-              </a:rPr>
-              <a:t>.registerShutdownHook</a:t>
-            </a:r>
-            <a:r>
-              <a:rPr lang="en-US" sz="2400" dirty="0" smtClean="0">
-                <a:solidFill>
-                  <a:schemeClr val="tx1"/>
-                </a:solidFill>
-              </a:rPr>
-              <a:t>()</a:t>
-            </a:r>
-            <a:endParaRPr lang="en-US" sz="2400" dirty="0">
-              <a:solidFill>
-                <a:schemeClr val="tx1"/>
-              </a:solidFill>
-            </a:endParaRPr>
           </a:p>
         </p:txBody>
       </p:sp>
@@ -5272,8 +7588,16 @@
           <a:lstStyle/>
           <a:p>
             <a:r>
-              <a:rPr lang="en-US" smtClean="0"/>
-              <a:t>Beans</a:t>
+              <a:rPr lang="en-US" dirty="0" smtClean="0"/>
+              <a:t>Beans – Bean </a:t>
+            </a:r>
+            <a:r>
+              <a:rPr lang="en-US" dirty="0" err="1" smtClean="0"/>
+              <a:t>Difinition</a:t>
+            </a:r>
+            <a:r>
+              <a:rPr lang="en-US" dirty="0" smtClean="0"/>
+              <a:t> </a:t>
             </a:r>
             <a:endParaRPr lang="en-US" dirty="0"/>
           </a:p>
@@ -5301,21 +7625,8 @@
           </a:bodyPr>
           <a:lstStyle/>
           <a:p>
-            <a:pPr marL="45720" indent="0">
-              <a:buNone/>
-            </a:pPr>
-            <a:r>
-              <a:rPr lang="en-US" sz="2800">
-                <a:solidFill>
-                  <a:schemeClr val="tx1"/>
-                </a:solidFill>
-              </a:rPr>
-              <a:t>Beans Difinition</a:t>
-            </a:r>
-          </a:p>
-          <a:p>
-            <a:r>
-              <a:rPr lang="en-US" sz="2400" smtClean="0">
+            <a:r>
+              <a:rPr lang="en-US" sz="2000" dirty="0" smtClean="0">
                 <a:solidFill>
                   <a:schemeClr val="tx1"/>
                 </a:solidFill>
@@ -5326,7 +7637,7 @@
           <a:p>
             <a:pPr lvl="1"/>
             <a:r>
-              <a:rPr lang="en-US" smtClean="0">
+              <a:rPr lang="en-US" sz="1800" dirty="0" smtClean="0">
                 <a:solidFill>
                   <a:schemeClr val="tx1"/>
                 </a:solidFill>
@@ -5337,7 +7648,7 @@
           <a:p>
             <a:pPr lvl="2"/>
             <a:r>
-              <a:rPr lang="en-US" sz="2000" smtClean="0">
+              <a:rPr lang="en-US" dirty="0" smtClean="0">
                 <a:solidFill>
                   <a:schemeClr val="tx1"/>
                 </a:solidFill>
@@ -5345,7 +7656,7 @@
               <a:t>name</a:t>
             </a:r>
             <a:r>
-              <a:rPr lang="en-US" sz="2000">
+              <a:rPr lang="en-US" dirty="0">
                 <a:solidFill>
                   <a:schemeClr val="tx1"/>
                 </a:solidFill>
@@ -5353,7 +7664,7 @@
               <a:t>, </a:t>
             </a:r>
             <a:r>
-              <a:rPr lang="en-US" sz="2000" smtClean="0">
+              <a:rPr lang="en-US" dirty="0" smtClean="0">
                 <a:solidFill>
                   <a:schemeClr val="tx1"/>
                 </a:solidFill>
@@ -5361,7 +7672,7 @@
               <a:t>class, </a:t>
             </a:r>
             <a:r>
-              <a:rPr lang="en-US" sz="2000" dirty="0" err="1">
+              <a:rPr lang="en-US" dirty="0" err="1">
                 <a:solidFill>
                   <a:schemeClr val="tx1"/>
                 </a:solidFill>
@@ -5369,15 +7680,58 @@
               <a:t>init</a:t>
             </a:r>
             <a:r>
-              <a:rPr lang="en-US" sz="2000" dirty="0">
-                <a:solidFill>
-                  <a:schemeClr val="tx1"/>
-                </a:solidFill>
-              </a:rPr>
-              <a:t>-method, destroy-method</a:t>
-            </a:r>
-            <a:r>
-              <a:rPr lang="en-US" sz="2000">
+              <a:rPr lang="en-US" dirty="0">
+                <a:solidFill>
+                  <a:schemeClr val="tx1"/>
+                </a:solidFill>
+              </a:rPr>
+              <a:t>-method, destroy-method, </a:t>
+            </a:r>
+            <a:r>
+              <a:rPr lang="en-US" dirty="0" smtClean="0">
+                <a:solidFill>
+                  <a:schemeClr val="tx1"/>
+                </a:solidFill>
+              </a:rPr>
+              <a:t>scope, factory-method</a:t>
+            </a:r>
+          </a:p>
+          <a:p>
+            <a:pPr lvl="2"/>
+            <a:r>
+              <a:rPr lang="en-US" dirty="0" err="1" smtClean="0">
+                <a:solidFill>
+                  <a:schemeClr val="tx1"/>
+                </a:solidFill>
+              </a:rPr>
+              <a:t>Autowire</a:t>
+            </a:r>
+            <a:r>
+              <a:rPr lang="en-US" dirty="0" smtClean="0">
+                <a:solidFill>
+                  <a:schemeClr val="tx1"/>
+                </a:solidFill>
+              </a:rPr>
+              <a:t>: </a:t>
+            </a:r>
+            <a:r>
+              <a:rPr lang="en-US" dirty="0">
+                <a:solidFill>
+                  <a:schemeClr val="tx1"/>
+                </a:solidFill>
+              </a:rPr>
+              <a:t>No, </a:t>
+            </a:r>
+            <a:r>
+              <a:rPr lang="en-US" dirty="0" err="1">
+                <a:solidFill>
+                  <a:schemeClr val="tx1"/>
+                </a:solidFill>
+              </a:rPr>
+              <a:t>byType</a:t>
+            </a:r>
+            <a:r>
+              <a:rPr lang="en-US" dirty="0">
                 <a:solidFill>
                   <a:schemeClr val="tx1"/>
                 </a:solidFill>
@@ -5385,55 +7739,15 @@
               <a:t>, </a:t>
             </a:r>
             <a:r>
-              <a:rPr lang="en-US" sz="2000" smtClean="0">
-                <a:solidFill>
-                  <a:schemeClr val="tx1"/>
-                </a:solidFill>
-              </a:rPr>
-              <a:t>scope, factory-method</a:t>
-            </a:r>
-            <a:endParaRPr lang="en-US" sz="2000" dirty="0" smtClean="0">
-              <a:solidFill>
-                <a:schemeClr val="tx1"/>
-              </a:solidFill>
-            </a:endParaRPr>
-          </a:p>
-          <a:p>
-            <a:pPr lvl="2"/>
-            <a:r>
-              <a:rPr lang="en-US" sz="2000" dirty="0" err="1" smtClean="0">
-                <a:solidFill>
-                  <a:schemeClr val="tx1"/>
-                </a:solidFill>
-              </a:rPr>
-              <a:t>Autowire</a:t>
-            </a:r>
-            <a:r>
-              <a:rPr lang="en-US" sz="2000" dirty="0" smtClean="0">
-                <a:solidFill>
-                  <a:schemeClr val="tx1"/>
-                </a:solidFill>
-              </a:rPr>
-              <a:t>: </a:t>
-            </a:r>
-            <a:r>
-              <a:rPr lang="en-US" sz="2000" dirty="0">
-                <a:solidFill>
-                  <a:schemeClr val="tx1"/>
-                </a:solidFill>
-              </a:rPr>
-              <a:t>No, </a:t>
-            </a:r>
-            <a:r>
-              <a:rPr lang="en-US" sz="2000" dirty="0" err="1">
-                <a:solidFill>
-                  <a:schemeClr val="tx1"/>
-                </a:solidFill>
-              </a:rPr>
-              <a:t>byType</a:t>
-            </a:r>
-            <a:r>
-              <a:rPr lang="en-US" sz="2000" dirty="0">
+              <a:rPr lang="en-US" dirty="0" err="1">
+                <a:solidFill>
+                  <a:schemeClr val="tx1"/>
+                </a:solidFill>
+              </a:rPr>
+              <a:t>byName</a:t>
+            </a:r>
+            <a:r>
+              <a:rPr lang="en-US" dirty="0">
                 <a:solidFill>
                   <a:schemeClr val="tx1"/>
                 </a:solidFill>
@@ -5441,15 +7755,15 @@
               <a:t>, </a:t>
             </a:r>
             <a:r>
-              <a:rPr lang="en-US" sz="2000" dirty="0" err="1">
-                <a:solidFill>
-                  <a:schemeClr val="tx1"/>
-                </a:solidFill>
-              </a:rPr>
-              <a:t>byName</a:t>
-            </a:r>
-            <a:r>
-              <a:rPr lang="en-US" sz="2000" dirty="0">
+              <a:rPr lang="en-US" dirty="0" err="1">
+                <a:solidFill>
+                  <a:schemeClr val="tx1"/>
+                </a:solidFill>
+              </a:rPr>
+              <a:t>contructor</a:t>
+            </a:r>
+            <a:r>
+              <a:rPr lang="en-US" dirty="0">
                 <a:solidFill>
                   <a:schemeClr val="tx1"/>
                 </a:solidFill>
@@ -5457,150 +7771,12 @@
               <a:t>, </a:t>
             </a:r>
             <a:r>
-              <a:rPr lang="en-US" sz="2000" dirty="0" err="1">
-                <a:solidFill>
-                  <a:schemeClr val="tx1"/>
-                </a:solidFill>
-              </a:rPr>
-              <a:t>contructor</a:t>
-            </a:r>
-            <a:r>
-              <a:rPr lang="en-US" sz="2000" dirty="0">
-                <a:solidFill>
-                  <a:schemeClr val="tx1"/>
-                </a:solidFill>
-              </a:rPr>
-              <a:t>, </a:t>
-            </a:r>
-            <a:r>
-              <a:rPr lang="en-US" sz="2000" dirty="0" err="1" smtClean="0">
+              <a:rPr lang="en-US" dirty="0" err="1" smtClean="0">
                 <a:solidFill>
                   <a:schemeClr val="tx1"/>
                 </a:solidFill>
               </a:rPr>
               <a:t>autodetect</a:t>
-            </a:r>
-            <a:endParaRPr lang="en-US" sz="2000" dirty="0">
-              <a:solidFill>
-                <a:schemeClr val="tx1"/>
-              </a:solidFill>
-            </a:endParaRPr>
-          </a:p>
-          <a:p>
-            <a:pPr lvl="1"/>
-            <a:r>
-              <a:rPr lang="en-US" sz="2400" dirty="0">
-                <a:solidFill>
-                  <a:schemeClr val="tx1"/>
-                </a:solidFill>
-              </a:rPr>
-              <a:t>&lt;property&gt;</a:t>
-            </a:r>
-          </a:p>
-          <a:p>
-            <a:pPr lvl="1"/>
-            <a:r>
-              <a:rPr lang="en-US" sz="2400" dirty="0">
-                <a:solidFill>
-                  <a:schemeClr val="tx1"/>
-                </a:solidFill>
-              </a:rPr>
-              <a:t>&lt;constructor-</a:t>
-            </a:r>
-            <a:r>
-              <a:rPr lang="en-US" sz="2400" dirty="0" err="1">
-                <a:solidFill>
-                  <a:schemeClr val="tx1"/>
-                </a:solidFill>
-              </a:rPr>
-              <a:t>arg</a:t>
-            </a:r>
-            <a:r>
-              <a:rPr lang="en-US" sz="2400" dirty="0">
-                <a:solidFill>
-                  <a:schemeClr val="tx1"/>
-                </a:solidFill>
-              </a:rPr>
-              <a:t>&gt; </a:t>
-            </a:r>
-            <a:endParaRPr lang="en-US" sz="2400" dirty="0" smtClean="0">
-              <a:solidFill>
-                <a:schemeClr val="tx1"/>
-              </a:solidFill>
-            </a:endParaRPr>
-          </a:p>
-          <a:p>
-            <a:r>
-              <a:rPr lang="en-US" sz="2400" dirty="0" smtClean="0">
-                <a:solidFill>
-                  <a:schemeClr val="tx1"/>
-                </a:solidFill>
-              </a:rPr>
-              <a:t>Annotation </a:t>
-            </a:r>
-            <a:r>
-              <a:rPr lang="en-US" sz="2400" dirty="0">
-                <a:solidFill>
-                  <a:schemeClr val="tx1"/>
-                </a:solidFill>
-              </a:rPr>
-              <a:t>Base </a:t>
-            </a:r>
-            <a:r>
-              <a:rPr lang="en-US" sz="2400" dirty="0" smtClean="0">
-                <a:solidFill>
-                  <a:schemeClr val="tx1"/>
-                </a:solidFill>
-              </a:rPr>
-              <a:t>Configure: </a:t>
-            </a:r>
-          </a:p>
-          <a:p>
-            <a:r>
-              <a:rPr lang="en-US" sz="2400" smtClean="0">
-                <a:solidFill>
-                  <a:schemeClr val="tx1"/>
-                </a:solidFill>
-              </a:rPr>
-              <a:t>Java </a:t>
-            </a:r>
-            <a:r>
-              <a:rPr lang="en-US" sz="2400">
-                <a:solidFill>
-                  <a:schemeClr val="tx1"/>
-                </a:solidFill>
-              </a:rPr>
-              <a:t>Base </a:t>
-            </a:r>
-            <a:r>
-              <a:rPr lang="en-US" sz="2400" smtClean="0">
-                <a:solidFill>
-                  <a:schemeClr val="tx1"/>
-                </a:solidFill>
-              </a:rPr>
-              <a:t>Configure</a:t>
-            </a:r>
-          </a:p>
-          <a:p>
-            <a:pPr lvl="1"/>
-            <a:r>
-              <a:rPr lang="en-US" smtClean="0">
-                <a:solidFill>
-                  <a:schemeClr val="tx1"/>
-                </a:solidFill>
-              </a:rPr>
-              <a:t>@Configuration: class mà cung cấp các định nghĩa bean cho container IoC</a:t>
-            </a:r>
-          </a:p>
-          <a:p>
-            <a:pPr lvl="1"/>
-            <a:r>
-              <a:rPr lang="en-US" smtClean="0">
-                <a:solidFill>
-                  <a:schemeClr val="tx1"/>
-                </a:solidFill>
-              </a:rPr>
-              <a:t>@Bean: phương thức mà trả về 1 object và object đó được đăng ký như 1 bean</a:t>
             </a:r>
             <a:endParaRPr lang="en-US" dirty="0">
               <a:solidFill>
@@ -5609,7 +7785,712 @@
             </a:endParaRPr>
           </a:p>
           <a:p>
-            <a:endParaRPr lang="en-US" sz="1600" dirty="0">
+            <a:pPr lvl="1"/>
+            <a:r>
+              <a:rPr lang="en-US" dirty="0">
+                <a:solidFill>
+                  <a:schemeClr val="tx1"/>
+                </a:solidFill>
+              </a:rPr>
+              <a:t>&lt;property&gt;</a:t>
+            </a:r>
+          </a:p>
+          <a:p>
+            <a:pPr lvl="1"/>
+            <a:r>
+              <a:rPr lang="en-US" dirty="0">
+                <a:solidFill>
+                  <a:schemeClr val="tx1"/>
+                </a:solidFill>
+              </a:rPr>
+              <a:t>&lt;constructor-</a:t>
+            </a:r>
+            <a:r>
+              <a:rPr lang="en-US" dirty="0" err="1">
+                <a:solidFill>
+                  <a:schemeClr val="tx1"/>
+                </a:solidFill>
+              </a:rPr>
+              <a:t>arg</a:t>
+            </a:r>
+            <a:r>
+              <a:rPr lang="en-US" dirty="0">
+                <a:solidFill>
+                  <a:schemeClr val="tx1"/>
+                </a:solidFill>
+              </a:rPr>
+              <a:t>&gt; </a:t>
+            </a:r>
+            <a:endParaRPr lang="en-US" dirty="0" smtClean="0">
+              <a:solidFill>
+                <a:schemeClr val="tx1"/>
+              </a:solidFill>
+            </a:endParaRPr>
+          </a:p>
+          <a:p>
+            <a:r>
+              <a:rPr lang="en-US" sz="2000" dirty="0" smtClean="0">
+                <a:solidFill>
+                  <a:schemeClr val="tx1"/>
+                </a:solidFill>
+              </a:rPr>
+              <a:t>Annotation </a:t>
+            </a:r>
+            <a:r>
+              <a:rPr lang="en-US" sz="2000" dirty="0">
+                <a:solidFill>
+                  <a:schemeClr val="tx1"/>
+                </a:solidFill>
+              </a:rPr>
+              <a:t>Base </a:t>
+            </a:r>
+            <a:r>
+              <a:rPr lang="en-US" sz="2000" dirty="0" smtClean="0">
+                <a:solidFill>
+                  <a:schemeClr val="tx1"/>
+                </a:solidFill>
+              </a:rPr>
+              <a:t>Configure: </a:t>
+            </a:r>
+          </a:p>
+          <a:p>
+            <a:pPr lvl="1"/>
+            <a:r>
+              <a:rPr lang="en-US" sz="1800" dirty="0" smtClean="0">
+                <a:solidFill>
+                  <a:schemeClr val="tx1"/>
+                </a:solidFill>
+              </a:rPr>
+              <a:t>@Component: </a:t>
+            </a:r>
+            <a:r>
+              <a:rPr lang="en-US" sz="1800" dirty="0" err="1" smtClean="0">
+                <a:solidFill>
+                  <a:schemeClr val="tx1"/>
+                </a:solidFill>
+              </a:rPr>
+              <a:t>chung</a:t>
+            </a:r>
+            <a:endParaRPr lang="en-US" sz="1800" dirty="0" smtClean="0">
+              <a:solidFill>
+                <a:schemeClr val="tx1"/>
+              </a:solidFill>
+            </a:endParaRPr>
+          </a:p>
+          <a:p>
+            <a:pPr lvl="1"/>
+            <a:r>
+              <a:rPr lang="en-US" sz="1800" dirty="0" smtClean="0">
+                <a:solidFill>
+                  <a:schemeClr val="tx1"/>
+                </a:solidFill>
+              </a:rPr>
+              <a:t>@Repository, @Service, @Controller: </a:t>
+            </a:r>
+            <a:r>
+              <a:rPr lang="en-US" sz="1800" dirty="0" err="1" smtClean="0">
+                <a:solidFill>
+                  <a:schemeClr val="tx1"/>
+                </a:solidFill>
+              </a:rPr>
+              <a:t>rõ</a:t>
+            </a:r>
+            <a:r>
+              <a:rPr lang="en-US" sz="1800" dirty="0" smtClean="0">
+                <a:solidFill>
+                  <a:schemeClr val="tx1"/>
+                </a:solidFill>
+              </a:rPr>
+              <a:t> </a:t>
+            </a:r>
+            <a:r>
+              <a:rPr lang="en-US" sz="1800" dirty="0" err="1" smtClean="0">
+                <a:solidFill>
+                  <a:schemeClr val="tx1"/>
+                </a:solidFill>
+              </a:rPr>
+              <a:t>ràng</a:t>
+            </a:r>
+            <a:r>
+              <a:rPr lang="en-US" sz="1800" dirty="0" smtClean="0">
+                <a:solidFill>
+                  <a:schemeClr val="tx1"/>
+                </a:solidFill>
+              </a:rPr>
+              <a:t>, </a:t>
+            </a:r>
+            <a:r>
+              <a:rPr lang="en-US" sz="1800" dirty="0" err="1" smtClean="0">
+                <a:solidFill>
+                  <a:schemeClr val="tx1"/>
+                </a:solidFill>
+              </a:rPr>
+              <a:t>cụ</a:t>
+            </a:r>
+            <a:r>
+              <a:rPr lang="en-US" sz="1800" dirty="0" smtClean="0">
+                <a:solidFill>
+                  <a:schemeClr val="tx1"/>
+                </a:solidFill>
+              </a:rPr>
+              <a:t> </a:t>
+            </a:r>
+            <a:r>
+              <a:rPr lang="en-US" sz="1800" dirty="0" err="1" smtClean="0">
+                <a:solidFill>
+                  <a:schemeClr val="tx1"/>
+                </a:solidFill>
+              </a:rPr>
+              <a:t>thể</a:t>
+            </a:r>
+            <a:r>
+              <a:rPr lang="en-US" sz="1800" dirty="0" smtClean="0">
+                <a:solidFill>
+                  <a:schemeClr val="tx1"/>
+                </a:solidFill>
+              </a:rPr>
+              <a:t> </a:t>
+            </a:r>
+            <a:r>
+              <a:rPr lang="en-US" sz="1800" dirty="0" err="1" smtClean="0">
+                <a:solidFill>
+                  <a:schemeClr val="tx1"/>
+                </a:solidFill>
+              </a:rPr>
+              <a:t>hơn</a:t>
+            </a:r>
+            <a:endParaRPr lang="en-US" sz="1800" dirty="0" smtClean="0">
+              <a:solidFill>
+                <a:schemeClr val="tx1"/>
+              </a:solidFill>
+            </a:endParaRPr>
+          </a:p>
+          <a:p>
+            <a:pPr lvl="1"/>
+            <a:r>
+              <a:rPr lang="en-US" sz="1800" dirty="0" smtClean="0">
+                <a:solidFill>
+                  <a:schemeClr val="tx1"/>
+                </a:solidFill>
+              </a:rPr>
+              <a:t>@</a:t>
+            </a:r>
+            <a:r>
+              <a:rPr lang="en-US" sz="1800" dirty="0" err="1" smtClean="0">
+                <a:solidFill>
+                  <a:schemeClr val="tx1"/>
+                </a:solidFill>
+              </a:rPr>
+              <a:t>RestController</a:t>
+            </a:r>
+            <a:r>
+              <a:rPr lang="en-US" sz="1800" dirty="0" smtClean="0">
+                <a:solidFill>
+                  <a:schemeClr val="tx1"/>
+                </a:solidFill>
+              </a:rPr>
+              <a:t>: @</a:t>
+            </a:r>
+            <a:r>
+              <a:rPr lang="en-US" sz="1800" dirty="0" err="1" smtClean="0">
+                <a:solidFill>
+                  <a:schemeClr val="tx1"/>
+                </a:solidFill>
+              </a:rPr>
+              <a:t>ResponseBody</a:t>
+            </a:r>
+            <a:r>
+              <a:rPr lang="en-US" sz="1800" dirty="0" smtClean="0">
+                <a:solidFill>
+                  <a:schemeClr val="tx1"/>
+                </a:solidFill>
+              </a:rPr>
+              <a:t> + @Controller</a:t>
+            </a:r>
+          </a:p>
+          <a:p>
+            <a:r>
+              <a:rPr lang="en-US" sz="2000" dirty="0" smtClean="0">
+                <a:solidFill>
+                  <a:schemeClr val="tx1"/>
+                </a:solidFill>
+              </a:rPr>
+              <a:t>Java </a:t>
+            </a:r>
+            <a:r>
+              <a:rPr lang="en-US" sz="2000" dirty="0">
+                <a:solidFill>
+                  <a:schemeClr val="tx1"/>
+                </a:solidFill>
+              </a:rPr>
+              <a:t>Base </a:t>
+            </a:r>
+            <a:r>
+              <a:rPr lang="en-US" sz="2000" dirty="0" smtClean="0">
+                <a:solidFill>
+                  <a:schemeClr val="tx1"/>
+                </a:solidFill>
+              </a:rPr>
+              <a:t>Configure</a:t>
+            </a:r>
+          </a:p>
+          <a:p>
+            <a:pPr lvl="1"/>
+            <a:r>
+              <a:rPr lang="en-US" sz="1800" dirty="0" smtClean="0">
+                <a:solidFill>
+                  <a:schemeClr val="tx1"/>
+                </a:solidFill>
+              </a:rPr>
+              <a:t>@Configuration: class </a:t>
+            </a:r>
+            <a:r>
+              <a:rPr lang="en-US" sz="1800" dirty="0" err="1" smtClean="0">
+                <a:solidFill>
+                  <a:schemeClr val="tx1"/>
+                </a:solidFill>
+              </a:rPr>
+              <a:t>mà</a:t>
+            </a:r>
+            <a:r>
+              <a:rPr lang="en-US" sz="1800" dirty="0" smtClean="0">
+                <a:solidFill>
+                  <a:schemeClr val="tx1"/>
+                </a:solidFill>
+              </a:rPr>
+              <a:t> </a:t>
+            </a:r>
+            <a:r>
+              <a:rPr lang="en-US" sz="1800" dirty="0" err="1" smtClean="0">
+                <a:solidFill>
+                  <a:schemeClr val="tx1"/>
+                </a:solidFill>
+              </a:rPr>
+              <a:t>cung</a:t>
+            </a:r>
+            <a:r>
+              <a:rPr lang="en-US" sz="1800" dirty="0" smtClean="0">
+                <a:solidFill>
+                  <a:schemeClr val="tx1"/>
+                </a:solidFill>
+              </a:rPr>
+              <a:t> </a:t>
+            </a:r>
+            <a:r>
+              <a:rPr lang="en-US" sz="1800" dirty="0" err="1" smtClean="0">
+                <a:solidFill>
+                  <a:schemeClr val="tx1"/>
+                </a:solidFill>
+              </a:rPr>
+              <a:t>cấp</a:t>
+            </a:r>
+            <a:r>
+              <a:rPr lang="en-US" sz="1800" dirty="0" smtClean="0">
+                <a:solidFill>
+                  <a:schemeClr val="tx1"/>
+                </a:solidFill>
+              </a:rPr>
+              <a:t> </a:t>
+            </a:r>
+            <a:r>
+              <a:rPr lang="en-US" sz="1800" dirty="0" err="1" smtClean="0">
+                <a:solidFill>
+                  <a:schemeClr val="tx1"/>
+                </a:solidFill>
+              </a:rPr>
+              <a:t>các</a:t>
+            </a:r>
+            <a:r>
+              <a:rPr lang="en-US" sz="1800" dirty="0" smtClean="0">
+                <a:solidFill>
+                  <a:schemeClr val="tx1"/>
+                </a:solidFill>
+              </a:rPr>
+              <a:t> </a:t>
+            </a:r>
+            <a:r>
+              <a:rPr lang="en-US" sz="1800" dirty="0" err="1" smtClean="0">
+                <a:solidFill>
+                  <a:schemeClr val="tx1"/>
+                </a:solidFill>
+              </a:rPr>
+              <a:t>định</a:t>
+            </a:r>
+            <a:r>
+              <a:rPr lang="en-US" sz="1800" dirty="0" smtClean="0">
+                <a:solidFill>
+                  <a:schemeClr val="tx1"/>
+                </a:solidFill>
+              </a:rPr>
+              <a:t> </a:t>
+            </a:r>
+            <a:r>
+              <a:rPr lang="en-US" sz="1800" dirty="0" err="1" smtClean="0">
+                <a:solidFill>
+                  <a:schemeClr val="tx1"/>
+                </a:solidFill>
+              </a:rPr>
+              <a:t>nghĩa</a:t>
+            </a:r>
+            <a:r>
+              <a:rPr lang="en-US" sz="1800" dirty="0" smtClean="0">
+                <a:solidFill>
+                  <a:schemeClr val="tx1"/>
+                </a:solidFill>
+              </a:rPr>
+              <a:t> bean </a:t>
+            </a:r>
+            <a:r>
+              <a:rPr lang="en-US" sz="1800" dirty="0" err="1" smtClean="0">
+                <a:solidFill>
+                  <a:schemeClr val="tx1"/>
+                </a:solidFill>
+              </a:rPr>
+              <a:t>cho</a:t>
+            </a:r>
+            <a:r>
+              <a:rPr lang="en-US" sz="1800" dirty="0" smtClean="0">
+                <a:solidFill>
+                  <a:schemeClr val="tx1"/>
+                </a:solidFill>
+              </a:rPr>
+              <a:t> container </a:t>
+            </a:r>
+            <a:r>
+              <a:rPr lang="en-US" sz="1800" dirty="0" err="1" smtClean="0">
+                <a:solidFill>
+                  <a:schemeClr val="tx1"/>
+                </a:solidFill>
+              </a:rPr>
+              <a:t>IoC</a:t>
+            </a:r>
+            <a:endParaRPr lang="en-US" sz="1800" dirty="0" smtClean="0">
+              <a:solidFill>
+                <a:schemeClr val="tx1"/>
+              </a:solidFill>
+            </a:endParaRPr>
+          </a:p>
+          <a:p>
+            <a:pPr lvl="1"/>
+            <a:r>
+              <a:rPr lang="en-US" sz="1800" dirty="0">
+                <a:solidFill>
+                  <a:schemeClr val="tx1"/>
+                </a:solidFill>
+              </a:rPr>
+              <a:t>@</a:t>
+            </a:r>
+            <a:r>
+              <a:rPr lang="en-US" sz="1800" dirty="0" err="1">
+                <a:solidFill>
+                  <a:schemeClr val="tx1"/>
+                </a:solidFill>
+              </a:rPr>
+              <a:t>ComponentScan</a:t>
+            </a:r>
+            <a:r>
+              <a:rPr lang="en-US" sz="1800" dirty="0">
+                <a:solidFill>
+                  <a:schemeClr val="tx1"/>
+                </a:solidFill>
+              </a:rPr>
+              <a:t>(</a:t>
+            </a:r>
+            <a:r>
+              <a:rPr lang="en-US" sz="1800" dirty="0" err="1">
+                <a:solidFill>
+                  <a:schemeClr val="tx1"/>
+                </a:solidFill>
+              </a:rPr>
+              <a:t>basePackages</a:t>
+            </a:r>
+            <a:r>
+              <a:rPr lang="en-US" sz="1800" dirty="0">
+                <a:solidFill>
+                  <a:schemeClr val="tx1"/>
+                </a:solidFill>
+              </a:rPr>
+              <a:t> = "</a:t>
+            </a:r>
+            <a:r>
+              <a:rPr lang="en-US" sz="1800" dirty="0" err="1">
+                <a:solidFill>
+                  <a:schemeClr val="tx1"/>
+                </a:solidFill>
+              </a:rPr>
+              <a:t>org.example</a:t>
+            </a:r>
+            <a:r>
+              <a:rPr lang="en-US" sz="1800" dirty="0" smtClean="0">
+                <a:solidFill>
+                  <a:schemeClr val="tx1"/>
+                </a:solidFill>
+              </a:rPr>
+              <a:t>") </a:t>
+            </a:r>
+            <a:r>
+              <a:rPr lang="en-US" sz="1800" dirty="0">
+                <a:solidFill>
+                  <a:schemeClr val="tx1"/>
+                </a:solidFill>
+                <a:sym typeface="Wingdings" panose="05000000000000000000" pitchFamily="2" charset="2"/>
+              </a:rPr>
+              <a:t> &lt;</a:t>
+            </a:r>
+            <a:r>
+              <a:rPr lang="en-US" sz="1800" dirty="0" err="1">
+                <a:solidFill>
+                  <a:schemeClr val="tx1"/>
+                </a:solidFill>
+                <a:sym typeface="Wingdings" panose="05000000000000000000" pitchFamily="2" charset="2"/>
+              </a:rPr>
+              <a:t>context:component-scan</a:t>
+            </a:r>
+            <a:r>
+              <a:rPr lang="en-US" sz="1800" dirty="0">
+                <a:solidFill>
+                  <a:schemeClr val="tx1"/>
+                </a:solidFill>
+                <a:sym typeface="Wingdings" panose="05000000000000000000" pitchFamily="2" charset="2"/>
+              </a:rPr>
+              <a:t> base-package="</a:t>
+            </a:r>
+            <a:r>
+              <a:rPr lang="en-US" sz="1800" dirty="0" err="1">
+                <a:solidFill>
+                  <a:schemeClr val="tx1"/>
+                </a:solidFill>
+                <a:sym typeface="Wingdings" panose="05000000000000000000" pitchFamily="2" charset="2"/>
+              </a:rPr>
+              <a:t>org.example</a:t>
+            </a:r>
+            <a:r>
+              <a:rPr lang="en-US" sz="1800" dirty="0" smtClean="0">
+                <a:solidFill>
+                  <a:schemeClr val="tx1"/>
+                </a:solidFill>
+                <a:sym typeface="Wingdings" panose="05000000000000000000" pitchFamily="2" charset="2"/>
+              </a:rPr>
+              <a:t>"/&gt; </a:t>
+            </a:r>
+            <a:r>
+              <a:rPr lang="en-US" sz="1800" dirty="0" err="1" smtClean="0">
+                <a:solidFill>
+                  <a:schemeClr val="tx1"/>
+                </a:solidFill>
+                <a:sym typeface="Wingdings" panose="05000000000000000000" pitchFamily="2" charset="2"/>
+              </a:rPr>
+              <a:t>trong</a:t>
+            </a:r>
+            <a:r>
+              <a:rPr lang="en-US" sz="1800" smtClean="0">
+                <a:solidFill>
+                  <a:schemeClr val="tx1"/>
+                </a:solidFill>
+                <a:sym typeface="Wingdings" panose="05000000000000000000" pitchFamily="2" charset="2"/>
+              </a:rPr>
+              <a:t> xml</a:t>
+            </a:r>
+            <a:endParaRPr lang="en-US" sz="1800" dirty="0" smtClean="0">
+              <a:solidFill>
+                <a:schemeClr val="tx1"/>
+              </a:solidFill>
+            </a:endParaRPr>
+          </a:p>
+          <a:p>
+            <a:pPr lvl="1"/>
+            <a:r>
+              <a:rPr lang="en-US" sz="1800" dirty="0" smtClean="0">
+                <a:solidFill>
+                  <a:schemeClr val="tx1"/>
+                </a:solidFill>
+              </a:rPr>
+              <a:t>@Bean: </a:t>
+            </a:r>
+            <a:r>
+              <a:rPr lang="en-US" sz="1800" dirty="0" err="1" smtClean="0">
+                <a:solidFill>
+                  <a:schemeClr val="tx1"/>
+                </a:solidFill>
+              </a:rPr>
+              <a:t>phương</a:t>
+            </a:r>
+            <a:r>
+              <a:rPr lang="en-US" sz="1800" dirty="0" smtClean="0">
+                <a:solidFill>
+                  <a:schemeClr val="tx1"/>
+                </a:solidFill>
+              </a:rPr>
+              <a:t> </a:t>
+            </a:r>
+            <a:r>
+              <a:rPr lang="en-US" sz="1800" dirty="0" err="1" smtClean="0">
+                <a:solidFill>
+                  <a:schemeClr val="tx1"/>
+                </a:solidFill>
+              </a:rPr>
+              <a:t>thức</a:t>
+            </a:r>
+            <a:r>
+              <a:rPr lang="en-US" sz="1800" dirty="0" smtClean="0">
+                <a:solidFill>
+                  <a:schemeClr val="tx1"/>
+                </a:solidFill>
+              </a:rPr>
+              <a:t> </a:t>
+            </a:r>
+            <a:r>
+              <a:rPr lang="en-US" sz="1800" dirty="0" err="1" smtClean="0">
+                <a:solidFill>
+                  <a:schemeClr val="tx1"/>
+                </a:solidFill>
+              </a:rPr>
+              <a:t>mà</a:t>
+            </a:r>
+            <a:r>
+              <a:rPr lang="en-US" sz="1800" dirty="0" smtClean="0">
+                <a:solidFill>
+                  <a:schemeClr val="tx1"/>
+                </a:solidFill>
+              </a:rPr>
+              <a:t> </a:t>
+            </a:r>
+            <a:r>
+              <a:rPr lang="en-US" sz="1800" dirty="0" err="1" smtClean="0">
+                <a:solidFill>
+                  <a:schemeClr val="tx1"/>
+                </a:solidFill>
+              </a:rPr>
+              <a:t>trả</a:t>
+            </a:r>
+            <a:r>
+              <a:rPr lang="en-US" sz="1800" dirty="0" smtClean="0">
+                <a:solidFill>
+                  <a:schemeClr val="tx1"/>
+                </a:solidFill>
+              </a:rPr>
+              <a:t> </a:t>
+            </a:r>
+            <a:r>
+              <a:rPr lang="en-US" sz="1800" dirty="0" err="1" smtClean="0">
+                <a:solidFill>
+                  <a:schemeClr val="tx1"/>
+                </a:solidFill>
+              </a:rPr>
+              <a:t>về</a:t>
+            </a:r>
+            <a:r>
+              <a:rPr lang="en-US" sz="1800" dirty="0" smtClean="0">
+                <a:solidFill>
+                  <a:schemeClr val="tx1"/>
+                </a:solidFill>
+              </a:rPr>
+              <a:t> 1 object </a:t>
+            </a:r>
+            <a:r>
+              <a:rPr lang="en-US" sz="1800" dirty="0" err="1" smtClean="0">
+                <a:solidFill>
+                  <a:schemeClr val="tx1"/>
+                </a:solidFill>
+              </a:rPr>
+              <a:t>và</a:t>
+            </a:r>
+            <a:r>
+              <a:rPr lang="en-US" sz="1800" dirty="0" smtClean="0">
+                <a:solidFill>
+                  <a:schemeClr val="tx1"/>
+                </a:solidFill>
+              </a:rPr>
+              <a:t> object </a:t>
+            </a:r>
+            <a:r>
+              <a:rPr lang="en-US" sz="1800" dirty="0" err="1" smtClean="0">
+                <a:solidFill>
+                  <a:schemeClr val="tx1"/>
+                </a:solidFill>
+              </a:rPr>
+              <a:t>đó</a:t>
+            </a:r>
+            <a:r>
+              <a:rPr lang="en-US" sz="1800" dirty="0" smtClean="0">
+                <a:solidFill>
+                  <a:schemeClr val="tx1"/>
+                </a:solidFill>
+              </a:rPr>
+              <a:t> </a:t>
+            </a:r>
+            <a:r>
+              <a:rPr lang="en-US" sz="1800" dirty="0" err="1" smtClean="0">
+                <a:solidFill>
+                  <a:schemeClr val="tx1"/>
+                </a:solidFill>
+              </a:rPr>
+              <a:t>được</a:t>
+            </a:r>
+            <a:r>
+              <a:rPr lang="en-US" sz="1800" dirty="0" smtClean="0">
+                <a:solidFill>
+                  <a:schemeClr val="tx1"/>
+                </a:solidFill>
+              </a:rPr>
+              <a:t> </a:t>
+            </a:r>
+            <a:r>
+              <a:rPr lang="en-US" sz="1800" dirty="0" err="1" smtClean="0">
+                <a:solidFill>
+                  <a:schemeClr val="tx1"/>
+                </a:solidFill>
+              </a:rPr>
+              <a:t>đăng</a:t>
+            </a:r>
+            <a:r>
+              <a:rPr lang="en-US" sz="1800" dirty="0" smtClean="0">
+                <a:solidFill>
+                  <a:schemeClr val="tx1"/>
+                </a:solidFill>
+              </a:rPr>
+              <a:t> </a:t>
+            </a:r>
+            <a:r>
+              <a:rPr lang="en-US" sz="1800" dirty="0" err="1" smtClean="0">
+                <a:solidFill>
+                  <a:schemeClr val="tx1"/>
+                </a:solidFill>
+              </a:rPr>
+              <a:t>ký</a:t>
+            </a:r>
+            <a:r>
+              <a:rPr lang="en-US" sz="1800" dirty="0" smtClean="0">
+                <a:solidFill>
+                  <a:schemeClr val="tx1"/>
+                </a:solidFill>
+              </a:rPr>
+              <a:t> </a:t>
+            </a:r>
+            <a:r>
+              <a:rPr lang="en-US" sz="1800" dirty="0" err="1" smtClean="0">
+                <a:solidFill>
+                  <a:schemeClr val="tx1"/>
+                </a:solidFill>
+              </a:rPr>
+              <a:t>như</a:t>
+            </a:r>
+            <a:r>
+              <a:rPr lang="en-US" sz="1800" dirty="0" smtClean="0">
+                <a:solidFill>
+                  <a:schemeClr val="tx1"/>
+                </a:solidFill>
+              </a:rPr>
+              <a:t> 1 bean</a:t>
+            </a:r>
+            <a:endParaRPr lang="en-US" sz="1800" dirty="0">
+              <a:solidFill>
+                <a:schemeClr val="tx1"/>
+              </a:solidFill>
+            </a:endParaRPr>
+          </a:p>
+          <a:p>
+            <a:endParaRPr lang="en-US" sz="1400" dirty="0">
               <a:solidFill>
                 <a:schemeClr val="tx1"/>
               </a:solidFill>
@@ -5703,7 +8584,7 @@
               <a:buNone/>
             </a:pPr>
             <a:r>
-              <a:rPr lang="en-US" sz="2800">
+              <a:rPr lang="en-US" sz="2800" dirty="0">
                 <a:solidFill>
                   <a:schemeClr val="tx1"/>
                 </a:solidFill>
@@ -5711,18 +8592,150 @@
               <a:t>Beans </a:t>
             </a:r>
             <a:r>
-              <a:rPr lang="en-US" sz="2800" smtClean="0">
-                <a:solidFill>
-                  <a:schemeClr val="tx1"/>
-                </a:solidFill>
-              </a:rPr>
-              <a:t>Scope</a:t>
-            </a:r>
-            <a:endParaRPr lang="en-US" sz="2800">
+              <a:rPr lang="en-US" sz="2800" dirty="0" smtClean="0">
+                <a:solidFill>
+                  <a:schemeClr val="tx1"/>
+                </a:solidFill>
+              </a:rPr>
+              <a:t>Scope: scope=“…”</a:t>
+            </a:r>
+          </a:p>
+          <a:p>
+            <a:r>
+              <a:rPr lang="en-US" sz="2000" dirty="0" smtClean="0">
+                <a:solidFill>
+                  <a:schemeClr val="tx1"/>
+                </a:solidFill>
+              </a:rPr>
+              <a:t>Singleton: </a:t>
+            </a:r>
+            <a:r>
+              <a:rPr lang="en-US" sz="2000" dirty="0" err="1" smtClean="0">
+                <a:solidFill>
+                  <a:schemeClr val="tx1"/>
+                </a:solidFill>
+              </a:rPr>
+              <a:t>chỉ</a:t>
+            </a:r>
+            <a:r>
+              <a:rPr lang="en-US" sz="2000" dirty="0" smtClean="0">
+                <a:solidFill>
+                  <a:schemeClr val="tx1"/>
+                </a:solidFill>
+              </a:rPr>
+              <a:t> 1 instance </a:t>
+            </a:r>
+            <a:r>
+              <a:rPr lang="en-US" sz="2000" dirty="0" err="1" smtClean="0">
+                <a:solidFill>
+                  <a:schemeClr val="tx1"/>
+                </a:solidFill>
+              </a:rPr>
+              <a:t>cho</a:t>
+            </a:r>
+            <a:r>
+              <a:rPr lang="en-US" sz="2000" dirty="0" smtClean="0">
+                <a:solidFill>
+                  <a:schemeClr val="tx1"/>
+                </a:solidFill>
+              </a:rPr>
+              <a:t> 1 bean </a:t>
+            </a:r>
+            <a:r>
+              <a:rPr lang="en-US" sz="2000" u="sng" dirty="0" err="1" smtClean="0">
+                <a:solidFill>
+                  <a:schemeClr val="tx1"/>
+                </a:solidFill>
+              </a:rPr>
+              <a:t>trên</a:t>
+            </a:r>
+            <a:r>
+              <a:rPr lang="en-US" sz="2000" u="sng" dirty="0" smtClean="0">
+                <a:solidFill>
+                  <a:schemeClr val="tx1"/>
+                </a:solidFill>
+              </a:rPr>
+              <a:t> 1 </a:t>
+            </a:r>
+            <a:r>
+              <a:rPr lang="en-US" sz="2000" u="sng" dirty="0" err="1" smtClean="0">
+                <a:solidFill>
+                  <a:schemeClr val="tx1"/>
+                </a:solidFill>
+              </a:rPr>
+              <a:t>IoC</a:t>
+            </a:r>
+            <a:r>
+              <a:rPr lang="en-US" sz="2000" u="sng" dirty="0" smtClean="0">
+                <a:solidFill>
+                  <a:schemeClr val="tx1"/>
+                </a:solidFill>
+              </a:rPr>
+              <a:t> container</a:t>
+            </a:r>
+            <a:endParaRPr lang="en-US" sz="2000" u="sng" dirty="0">
               <a:solidFill>
                 <a:schemeClr val="tx1"/>
               </a:solidFill>
             </a:endParaRPr>
+          </a:p>
+          <a:p>
+            <a:r>
+              <a:rPr lang="en-US" sz="2000" dirty="0" smtClean="0">
+                <a:solidFill>
+                  <a:schemeClr val="tx1"/>
+                </a:solidFill>
+              </a:rPr>
+              <a:t>Prototype: </a:t>
+            </a:r>
+            <a:r>
+              <a:rPr lang="en-US" sz="2000" dirty="0" err="1" smtClean="0">
+                <a:solidFill>
+                  <a:schemeClr val="tx1"/>
+                </a:solidFill>
+              </a:rPr>
+              <a:t>số</a:t>
+            </a:r>
+            <a:r>
+              <a:rPr lang="en-US" sz="2000" dirty="0" smtClean="0">
+                <a:solidFill>
+                  <a:schemeClr val="tx1"/>
+                </a:solidFill>
+              </a:rPr>
+              <a:t> </a:t>
+            </a:r>
+            <a:r>
+              <a:rPr lang="en-US" sz="2000" dirty="0" err="1" smtClean="0">
+                <a:solidFill>
+                  <a:schemeClr val="tx1"/>
+                </a:solidFill>
+              </a:rPr>
+              <a:t>lượng</a:t>
+            </a:r>
+            <a:r>
+              <a:rPr lang="en-US" sz="2000" dirty="0" smtClean="0">
+                <a:solidFill>
+                  <a:schemeClr val="tx1"/>
+                </a:solidFill>
+              </a:rPr>
+              <a:t> instance </a:t>
+            </a:r>
+            <a:r>
+              <a:rPr lang="en-US" sz="2000" dirty="0" err="1" smtClean="0">
+                <a:solidFill>
+                  <a:schemeClr val="tx1"/>
+                </a:solidFill>
+              </a:rPr>
+              <a:t>tùy</a:t>
+            </a:r>
+            <a:r>
+              <a:rPr lang="en-US" sz="2000" dirty="0" smtClean="0">
+                <a:solidFill>
+                  <a:schemeClr val="tx1"/>
+                </a:solidFill>
+              </a:rPr>
+              <a:t> ý</a:t>
+            </a:r>
           </a:p>
           <a:p>
             <a:endParaRPr lang="en-US" sz="1600" dirty="0">
@@ -5984,7 +8997,268 @@
   <a:extraClrSchemeLst/>
   <a:extLst>
     <a:ext uri="{05A4C25C-085E-4340-85A3-A5531E510DB2}">
-      <thm15:themeFamily xmlns:thm15="http://schemas.microsoft.com/office/thememl/2012/main" xmlns="" name="Basis" id="{5665723A-49BA-4B57-8411-A56F8F207965}" vid="{90E45F77-AEFC-46EF-A7C1-5B338C297B02}"/>
+      <thm15:themeFamily xmlns:thm15="http://schemas.microsoft.com/office/thememl/2012/main" name="Basis" id="{5665723A-49BA-4B57-8411-A56F8F207965}" vid="{90E45F77-AEFC-46EF-A7C1-5B338C297B02}"/>
+    </a:ext>
+  </a:extLst>
+</a:theme>
+</file>
+
+<file path=ppt/theme/theme2.xml><?xml version="1.0" encoding="utf-8"?>
+<a:theme xmlns:a="http://schemas.openxmlformats.org/drawingml/2006/main" name="Office Theme">
+  <a:themeElements>
+    <a:clrScheme name="Office">
+      <a:dk1>
+        <a:sysClr val="windowText" lastClr="000000"/>
+      </a:dk1>
+      <a:lt1>
+        <a:sysClr val="window" lastClr="FFFFFF"/>
+      </a:lt1>
+      <a:dk2>
+        <a:srgbClr val="44546A"/>
+      </a:dk2>
+      <a:lt2>
+        <a:srgbClr val="E7E6E6"/>
+      </a:lt2>
+      <a:accent1>
+        <a:srgbClr val="5B9BD5"/>
+      </a:accent1>
+      <a:accent2>
+        <a:srgbClr val="ED7D31"/>
+      </a:accent2>
+      <a:accent3>
+        <a:srgbClr val="A5A5A5"/>
+      </a:accent3>
+      <a:accent4>
+        <a:srgbClr val="FFC000"/>
+      </a:accent4>
+      <a:accent5>
+        <a:srgbClr val="4472C4"/>
+      </a:accent5>
+      <a:accent6>
+        <a:srgbClr val="70AD47"/>
+      </a:accent6>
+      <a:hlink>
+        <a:srgbClr val="0563C1"/>
+      </a:hlink>
+      <a:folHlink>
+        <a:srgbClr val="954F72"/>
+      </a:folHlink>
+    </a:clrScheme>
+    <a:fontScheme name="Office">
+      <a:majorFont>
+        <a:latin typeface="Calibri Light" panose="020F0302020204030204"/>
+        <a:ea typeface=""/>
+        <a:cs typeface=""/>
+        <a:font script="Jpan" typeface="ＭＳ Ｐゴシック"/>
+        <a:font script="Hang" typeface="맑은 고딕"/>
+        <a:font script="Hans" typeface="宋体"/>
+        <a:font script="Hant" typeface="新細明體"/>
+        <a:font script="Arab" typeface="Times New Roman"/>
+        <a:font script="Hebr" typeface="Times New Roman"/>
+        <a:font script="Thai" typeface="Angsana New"/>
+        <a:font script="Ethi" typeface="Nyala"/>
+        <a:font script="Beng" typeface="Vrinda"/>
+        <a:font script="Gujr" typeface="Shruti"/>
+        <a:font script="Khmr" typeface="MoolBoran"/>
+        <a:font script="Knda" typeface="Tunga"/>
+        <a:font script="Guru" typeface="Raavi"/>
+        <a:font script="Cans" typeface="Euphemia"/>
+        <a:font script="Cher" typeface="Plantagenet Cherokee"/>
+        <a:font script="Yiii" typeface="Microsoft Yi Baiti"/>
+        <a:font script="Tibt" typeface="Microsoft Himalaya"/>
+        <a:font script="Thaa" typeface="MV Boli"/>
+        <a:font script="Deva" typeface="Mangal"/>
+        <a:font script="Telu" typeface="Gautami"/>
+        <a:font script="Taml" typeface="Latha"/>
+        <a:font script="Syrc" typeface="Estrangelo Edessa"/>
+        <a:font script="Orya" typeface="Kalinga"/>
+        <a:font script="Mlym" typeface="Kartika"/>
+        <a:font script="Laoo" typeface="DokChampa"/>
+        <a:font script="Sinh" typeface="Iskoola Pota"/>
+        <a:font script="Mong" typeface="Mongolian Baiti"/>
+        <a:font script="Viet" typeface="Times New Roman"/>
+        <a:font script="Uigh" typeface="Microsoft Uighur"/>
+        <a:font script="Geor" typeface="Sylfaen"/>
+      </a:majorFont>
+      <a:minorFont>
+        <a:latin typeface="Calibri" panose="020F0502020204030204"/>
+        <a:ea typeface=""/>
+        <a:cs typeface=""/>
+        <a:font script="Jpan" typeface="ＭＳ Ｐゴシック"/>
+        <a:font script="Hang" typeface="맑은 고딕"/>
+        <a:font script="Hans" typeface="宋体"/>
+        <a:font script="Hant" typeface="新細明體"/>
+        <a:font script="Arab" typeface="Arial"/>
+        <a:font script="Hebr" typeface="Arial"/>
+        <a:font script="Thai" typeface="Cordia New"/>
+        <a:font script="Ethi" typeface="Nyala"/>
+        <a:font script="Beng" typeface="Vrinda"/>
+        <a:font script="Gujr" typeface="Shruti"/>
+        <a:font script="Khmr" typeface="DaunPenh"/>
+        <a:font script="Knda" typeface="Tunga"/>
+        <a:font script="Guru" typeface="Raavi"/>
+        <a:font script="Cans" typeface="Euphemia"/>
+        <a:font script="Cher" typeface="Plantagenet Cherokee"/>
+        <a:font script="Yiii" typeface="Microsoft Yi Baiti"/>
+        <a:font script="Tibt" typeface="Microsoft Himalaya"/>
+        <a:font script="Thaa" typeface="MV Boli"/>
+        <a:font script="Deva" typeface="Mangal"/>
+        <a:font script="Telu" typeface="Gautami"/>
+        <a:font script="Taml" typeface="Latha"/>
+        <a:font script="Syrc" typeface="Estrangelo Edessa"/>
+        <a:font script="Orya" typeface="Kalinga"/>
+        <a:font script="Mlym" typeface="Kartika"/>
+        <a:font script="Laoo" typeface="DokChampa"/>
+        <a:font script="Sinh" typeface="Iskoola Pota"/>
+        <a:font script="Mong" typeface="Mongolian Baiti"/>
+        <a:font script="Viet" typeface="Arial"/>
+        <a:font script="Uigh" typeface="Microsoft Uighur"/>
+        <a:font script="Geor" typeface="Sylfaen"/>
+      </a:minorFont>
+    </a:fontScheme>
+    <a:fmtScheme name="Office">
+      <a:fillStyleLst>
+        <a:solidFill>
+          <a:schemeClr val="phClr"/>
+        </a:solidFill>
+        <a:gradFill rotWithShape="1">
+          <a:gsLst>
+            <a:gs pos="0">
+              <a:schemeClr val="phClr">
+                <a:lumMod val="110000"/>
+                <a:satMod val="105000"/>
+                <a:tint val="67000"/>
+              </a:schemeClr>
+            </a:gs>
+            <a:gs pos="50000">
+              <a:schemeClr val="phClr">
+                <a:lumMod val="105000"/>
+                <a:satMod val="103000"/>
+                <a:tint val="73000"/>
+              </a:schemeClr>
+            </a:gs>
+            <a:gs pos="100000">
+              <a:schemeClr val="phClr">
+                <a:lumMod val="105000"/>
+                <a:satMod val="109000"/>
+                <a:tint val="81000"/>
+              </a:schemeClr>
+            </a:gs>
+          </a:gsLst>
+          <a:lin ang="5400000" scaled="0"/>
+        </a:gradFill>
+        <a:gradFill rotWithShape="1">
+          <a:gsLst>
+            <a:gs pos="0">
+              <a:schemeClr val="phClr">
+                <a:satMod val="103000"/>
+                <a:lumMod val="102000"/>
+                <a:tint val="94000"/>
+              </a:schemeClr>
+            </a:gs>
+            <a:gs pos="50000">
+              <a:schemeClr val="phClr">
+                <a:satMod val="110000"/>
+                <a:lumMod val="100000"/>
+                <a:shade val="100000"/>
+              </a:schemeClr>
+            </a:gs>
+            <a:gs pos="100000">
+              <a:schemeClr val="phClr">
+                <a:lumMod val="99000"/>
+                <a:satMod val="120000"/>
+                <a:shade val="78000"/>
+              </a:schemeClr>
+            </a:gs>
+          </a:gsLst>
+          <a:lin ang="5400000" scaled="0"/>
+        </a:gradFill>
+      </a:fillStyleLst>
+      <a:lnStyleLst>
+        <a:ln w="6350" cap="flat" cmpd="sng" algn="ctr">
+          <a:solidFill>
+            <a:schemeClr val="phClr"/>
+          </a:solidFill>
+          <a:prstDash val="solid"/>
+          <a:miter lim="800000"/>
+        </a:ln>
+        <a:ln w="12700" cap="flat" cmpd="sng" algn="ctr">
+          <a:solidFill>
+            <a:schemeClr val="phClr"/>
+          </a:solidFill>
+          <a:prstDash val="solid"/>
+          <a:miter lim="800000"/>
+        </a:ln>
+        <a:ln w="19050" cap="flat" cmpd="sng" algn="ctr">
+          <a:solidFill>
+            <a:schemeClr val="phClr"/>
+          </a:solidFill>
+          <a:prstDash val="solid"/>
+          <a:miter lim="800000"/>
+        </a:ln>
+      </a:lnStyleLst>
+      <a:effectStyleLst>
+        <a:effectStyle>
+          <a:effectLst/>
+        </a:effectStyle>
+        <a:effectStyle>
+          <a:effectLst/>
+        </a:effectStyle>
+        <a:effectStyle>
+          <a:effectLst>
+            <a:outerShdw blurRad="57150" dist="19050" dir="5400000" algn="ctr" rotWithShape="0">
+              <a:srgbClr val="000000">
+                <a:alpha val="63000"/>
+              </a:srgbClr>
+            </a:outerShdw>
+          </a:effectLst>
+        </a:effectStyle>
+      </a:effectStyleLst>
+      <a:bgFillStyleLst>
+        <a:solidFill>
+          <a:schemeClr val="phClr"/>
+        </a:solidFill>
+        <a:solidFill>
+          <a:schemeClr val="phClr">
+            <a:tint val="95000"/>
+            <a:satMod val="170000"/>
+          </a:schemeClr>
+        </a:solidFill>
+        <a:gradFill rotWithShape="1">
+          <a:gsLst>
+            <a:gs pos="0">
+              <a:schemeClr val="phClr">
+                <a:tint val="93000"/>
+                <a:satMod val="150000"/>
+                <a:shade val="98000"/>
+                <a:lumMod val="102000"/>
+              </a:schemeClr>
+            </a:gs>
+            <a:gs pos="50000">
+              <a:schemeClr val="phClr">
+                <a:tint val="98000"/>
+                <a:satMod val="130000"/>
+                <a:shade val="90000"/>
+                <a:lumMod val="103000"/>
+              </a:schemeClr>
+            </a:gs>
+            <a:gs pos="100000">
+              <a:schemeClr val="phClr">
+                <a:shade val="63000"/>
+                <a:satMod val="120000"/>
+              </a:schemeClr>
+            </a:gs>
+          </a:gsLst>
+          <a:lin ang="5400000" scaled="0"/>
+        </a:gradFill>
+      </a:bgFillStyleLst>
+    </a:fmtScheme>
+  </a:themeElements>
+  <a:objectDefaults/>
+  <a:extraClrSchemeLst/>
+  <a:extLst>
+    <a:ext uri="{05A4C25C-085E-4340-85A3-A5531E510DB2}">
+      <thm15:themeFamily xmlns:thm15="http://schemas.microsoft.com/office/thememl/2012/main" name="Office Theme" id="{62F939B6-93AF-4DB8-9C6B-D6C7DFDC589F}" vid="{4A3C46E8-61CC-4603-A589-7422A47A8E4A}"/>
     </a:ext>
   </a:extLst>
 </a:theme>

--- a/Spring.pptx
+++ b/Spring.pptx
@@ -5,7 +5,7 @@
     <p:sldMasterId id="2147483684" r:id="rId1"/>
   </p:sldMasterIdLst>
   <p:notesMasterIdLst>
-    <p:notesMasterId r:id="rId21"/>
+    <p:notesMasterId r:id="rId23"/>
   </p:notesMasterIdLst>
   <p:sldIdLst>
     <p:sldId id="256" r:id="rId2"/>
@@ -21,12 +21,14 @@
     <p:sldId id="264" r:id="rId12"/>
     <p:sldId id="258" r:id="rId13"/>
     <p:sldId id="269" r:id="rId14"/>
-    <p:sldId id="271" r:id="rId15"/>
-    <p:sldId id="272" r:id="rId16"/>
-    <p:sldId id="273" r:id="rId17"/>
-    <p:sldId id="274" r:id="rId18"/>
-    <p:sldId id="275" r:id="rId19"/>
-    <p:sldId id="260" r:id="rId20"/>
+    <p:sldId id="277" r:id="rId15"/>
+    <p:sldId id="271" r:id="rId16"/>
+    <p:sldId id="272" r:id="rId17"/>
+    <p:sldId id="273" r:id="rId18"/>
+    <p:sldId id="274" r:id="rId19"/>
+    <p:sldId id="275" r:id="rId20"/>
+    <p:sldId id="276" r:id="rId21"/>
+    <p:sldId id="260" r:id="rId22"/>
   </p:sldIdLst>
   <p:sldSz cx="12192000" cy="6858000"/>
   <p:notesSz cx="6858000" cy="9144000"/>
@@ -127,7 +129,7 @@
   </p:defaultTextStyle>
   <p:extLst>
     <p:ext uri="{EFAFB233-063F-42B5-8137-9DF3F51BA10A}">
-      <p15:sldGuideLst xmlns:p15="http://schemas.microsoft.com/office/powerpoint/2012/main">
+      <p15:sldGuideLst xmlns:p15="http://schemas.microsoft.com/office/powerpoint/2012/main" xmlns="">
         <p15:guide id="1" orient="horz" pos="2160">
           <p15:clr>
             <a:srgbClr val="A4A3A4"/>
@@ -147,11 +149,7 @@
 <file path=ppt/commentAuthors.xml><?xml version="1.0" encoding="utf-8"?>
 <p:cmAuthorLst xmlns:a="http://schemas.openxmlformats.org/drawingml/2006/main" xmlns:r="http://schemas.openxmlformats.org/officeDocument/2006/relationships" xmlns:p="http://schemas.openxmlformats.org/presentationml/2006/main">
   <p:cmAuthor id="1" name="Lò Văn Kiên" initials="LVK" lastIdx="1" clrIdx="0">
-    <p:extLst>
-      <p:ext uri="{19B8F6BF-5375-455C-9EA6-DF929625EA0E}">
-        <p15:presenceInfo xmlns:p15="http://schemas.microsoft.com/office/powerpoint/2012/main" userId="S-1-5-21-982111736-496572185-1971197690-1137" providerId="AD"/>
-      </p:ext>
-    </p:extLst>
+    <p:extLst/>
   </p:cmAuthor>
 </p:cmAuthorLst>
 </file>
@@ -550,6 +548,436 @@
           <a:bodyPr/>
           <a:lstStyle/>
           <a:p>
+            <a:r>
+              <a:rPr lang="en-US" smtClean="0"/>
+              <a:t>SpEL: Spring Expression Language: </a:t>
+            </a:r>
+            <a:r>
+              <a:rPr lang="vi-VN" sz="1200" b="0" i="0" kern="1200" smtClean="0">
+                <a:solidFill>
+                  <a:schemeClr val="tx1"/>
+                </a:solidFill>
+                <a:effectLst/>
+                <a:latin typeface="+mn-lt"/>
+                <a:ea typeface="+mn-ea"/>
+                <a:cs typeface="+mn-cs"/>
+              </a:rPr>
+              <a:t>cung cấp hỗ trợ việc setting/getting giá trị, các method cải tiến cho phép truy cập collections, index, các toán tử logic...</a:t>
+            </a:r>
+          </a:p>
+          <a:p>
+            <a:r>
+              <a:rPr lang="vi-VN" sz="1200" b="0" i="0" kern="1200" smtClean="0">
+                <a:solidFill>
+                  <a:schemeClr val="tx1"/>
+                </a:solidFill>
+                <a:effectLst/>
+                <a:latin typeface="+mn-lt"/>
+                <a:ea typeface="+mn-ea"/>
+                <a:cs typeface="+mn-cs"/>
+              </a:rPr>
+              <a:t>Giúp</a:t>
+            </a:r>
+            <a:r>
+              <a:rPr lang="vi-VN" sz="1200" b="0" i="0" kern="1200" baseline="0" smtClean="0">
+                <a:solidFill>
+                  <a:schemeClr val="tx1"/>
+                </a:solidFill>
+                <a:effectLst/>
+                <a:latin typeface="+mn-lt"/>
+                <a:ea typeface="+mn-ea"/>
+                <a:cs typeface="+mn-cs"/>
+              </a:rPr>
+              <a:t> cấu hình Spring linh hoạt hơn, có dùng trong xml, annotation configuration: </a:t>
+            </a:r>
+          </a:p>
+          <a:p>
+            <a:r>
+              <a:rPr lang="vi-VN" sz="1200" kern="1200" smtClean="0">
+                <a:solidFill>
+                  <a:schemeClr val="tx1"/>
+                </a:solidFill>
+                <a:effectLst/>
+                <a:latin typeface="+mn-lt"/>
+                <a:ea typeface="+mn-ea"/>
+                <a:cs typeface="+mn-cs"/>
+              </a:rPr>
+              <a:t>&lt;property</a:t>
+            </a:r>
+            <a:r>
+              <a:rPr lang="vi-VN" smtClean="0"/>
+              <a:t> </a:t>
+            </a:r>
+            <a:r>
+              <a:rPr lang="vi-VN" sz="1200" kern="1200" smtClean="0">
+                <a:solidFill>
+                  <a:schemeClr val="tx1"/>
+                </a:solidFill>
+                <a:effectLst/>
+                <a:latin typeface="+mn-lt"/>
+                <a:ea typeface="+mn-ea"/>
+                <a:cs typeface="+mn-cs"/>
+              </a:rPr>
+              <a:t>name</a:t>
+            </a:r>
+            <a:r>
+              <a:rPr lang="vi-VN" smtClean="0"/>
+              <a:t>=</a:t>
+            </a:r>
+            <a:r>
+              <a:rPr lang="vi-VN" sz="1200" kern="1200" smtClean="0">
+                <a:solidFill>
+                  <a:schemeClr val="tx1"/>
+                </a:solidFill>
+                <a:effectLst/>
+                <a:latin typeface="+mn-lt"/>
+                <a:ea typeface="+mn-ea"/>
+                <a:cs typeface="+mn-cs"/>
+              </a:rPr>
+              <a:t>"randomNumber"</a:t>
+            </a:r>
+            <a:r>
+              <a:rPr lang="vi-VN" smtClean="0"/>
+              <a:t> </a:t>
+            </a:r>
+            <a:r>
+              <a:rPr lang="vi-VN" sz="1200" kern="1200" smtClean="0">
+                <a:solidFill>
+                  <a:schemeClr val="tx1"/>
+                </a:solidFill>
+                <a:effectLst/>
+                <a:latin typeface="+mn-lt"/>
+                <a:ea typeface="+mn-ea"/>
+                <a:cs typeface="+mn-cs"/>
+              </a:rPr>
+              <a:t>value</a:t>
+            </a:r>
+            <a:r>
+              <a:rPr lang="vi-VN" smtClean="0"/>
+              <a:t>=</a:t>
+            </a:r>
+            <a:r>
+              <a:rPr lang="vi-VN" sz="1200" kern="1200" smtClean="0">
+                <a:solidFill>
+                  <a:schemeClr val="tx1"/>
+                </a:solidFill>
+                <a:effectLst/>
+                <a:latin typeface="+mn-lt"/>
+                <a:ea typeface="+mn-ea"/>
+                <a:cs typeface="+mn-cs"/>
+              </a:rPr>
+              <a:t>"#{ T(java.lang.Math).random() * 100.0 }"/&gt;</a:t>
+            </a:r>
+          </a:p>
+          <a:p>
+            <a:r>
+              <a:rPr lang="vi-VN" sz="1200" i="1" kern="1200" smtClean="0">
+                <a:solidFill>
+                  <a:schemeClr val="tx1"/>
+                </a:solidFill>
+                <a:effectLst/>
+                <a:latin typeface="+mn-lt"/>
+                <a:ea typeface="+mn-ea"/>
+                <a:cs typeface="+mn-cs"/>
+              </a:rPr>
+              <a:t>@Value("#{ systemProperties['user.region'] }")</a:t>
+            </a:r>
+            <a:endParaRPr lang="en-US" smtClean="0"/>
+          </a:p>
+          <a:p>
+            <a:r>
+              <a:rPr lang="en-US" smtClean="0"/>
+              <a:t>IoC: Inversion of</a:t>
+            </a:r>
+            <a:r>
+              <a:rPr lang="en-US" baseline="0" smtClean="0"/>
+              <a:t> Controll (</a:t>
+            </a:r>
+            <a:r>
+              <a:rPr lang="en-US" smtClean="0"/>
+              <a:t>nguyên</a:t>
+            </a:r>
+            <a:r>
+              <a:rPr lang="en-US" baseline="0" smtClean="0"/>
+              <a:t> lý) – DI: 1 design pattern thực hiện theo nguyên lý IoC</a:t>
+            </a:r>
+          </a:p>
+          <a:p>
+            <a:pPr marL="228600" indent="-228600">
+              <a:buAutoNum type="arabicPeriod"/>
+            </a:pPr>
+            <a:r>
+              <a:rPr lang="vi-VN" smtClean="0"/>
+              <a:t>Các module cấp cao không nên phụ thuộc vào các module cấp thấp. Cả 2 nên phụ thuộc vào abstraction. </a:t>
+            </a:r>
+          </a:p>
+          <a:p>
+            <a:pPr marL="228600" indent="-228600">
+              <a:buAutoNum type="arabicPeriod"/>
+            </a:pPr>
+            <a:r>
+              <a:rPr lang="vi-VN" smtClean="0"/>
+              <a:t>Interface (abstraction) không nên phụ thuộc vào chi tiết, mà ngược lại. (Các class giao tiếp với nhau thông qua interface, không phải thông qua implementation.)</a:t>
+            </a:r>
+          </a:p>
+        </p:txBody>
+      </p:sp>
+      <p:sp>
+        <p:nvSpPr>
+          <p:cNvPr id="4" name="Slide Number Placeholder 3"/>
+          <p:cNvSpPr>
+            <a:spLocks noGrp="1"/>
+          </p:cNvSpPr>
+          <p:nvPr>
+            <p:ph type="sldNum" sz="quarter" idx="10"/>
+          </p:nvPr>
+        </p:nvSpPr>
+        <p:spPr/>
+        <p:txBody>
+          <a:bodyPr/>
+          <a:lstStyle/>
+          <a:p>
+            <a:fld id="{D5AAECD5-8335-4937-AC00-0774527DFE1F}" type="slidenum">
+              <a:rPr lang="en-US" smtClean="0"/>
+              <a:t>3</a:t>
+            </a:fld>
+            <a:endParaRPr lang="en-US"/>
+          </a:p>
+        </p:txBody>
+      </p:sp>
+    </p:spTree>
+    <p:extLst>
+      <p:ext uri="{BB962C8B-B14F-4D97-AF65-F5344CB8AC3E}">
+        <p14:creationId xmlns:p14="http://schemas.microsoft.com/office/powerpoint/2010/main" val="1958191094"/>
+      </p:ext>
+    </p:extLst>
+  </p:cSld>
+  <p:clrMapOvr>
+    <a:masterClrMapping/>
+  </p:clrMapOvr>
+</p:notes>
+</file>
+
+<file path=ppt/notesSlides/notesSlide2.xml><?xml version="1.0" encoding="utf-8"?>
+<p:notes xmlns:a="http://schemas.openxmlformats.org/drawingml/2006/main" xmlns:r="http://schemas.openxmlformats.org/officeDocument/2006/relationships" xmlns:p="http://schemas.openxmlformats.org/presentationml/2006/main">
+  <p:cSld>
+    <p:spTree>
+      <p:nvGrpSpPr>
+        <p:cNvPr id="1" name=""/>
+        <p:cNvGrpSpPr/>
+        <p:nvPr/>
+      </p:nvGrpSpPr>
+      <p:grpSpPr>
+        <a:xfrm>
+          <a:off x="0" y="0"/>
+          <a:ext cx="0" cy="0"/>
+          <a:chOff x="0" y="0"/>
+          <a:chExt cx="0" cy="0"/>
+        </a:xfrm>
+      </p:grpSpPr>
+      <p:sp>
+        <p:nvSpPr>
+          <p:cNvPr id="2" name="Slide Image Placeholder 1"/>
+          <p:cNvSpPr>
+            <a:spLocks noGrp="1" noRot="1" noChangeAspect="1"/>
+          </p:cNvSpPr>
+          <p:nvPr>
+            <p:ph type="sldImg"/>
+          </p:nvPr>
+        </p:nvSpPr>
+        <p:spPr/>
+      </p:sp>
+      <p:sp>
+        <p:nvSpPr>
+          <p:cNvPr id="3" name="Notes Placeholder 2"/>
+          <p:cNvSpPr>
+            <a:spLocks noGrp="1"/>
+          </p:cNvSpPr>
+          <p:nvPr>
+            <p:ph type="body" idx="1"/>
+          </p:nvPr>
+        </p:nvSpPr>
+        <p:spPr/>
+        <p:txBody>
+          <a:bodyPr/>
+          <a:lstStyle/>
+          <a:p>
+            <a:endParaRPr lang="vi-VN"/>
+          </a:p>
+        </p:txBody>
+      </p:sp>
+      <p:sp>
+        <p:nvSpPr>
+          <p:cNvPr id="4" name="Slide Number Placeholder 3"/>
+          <p:cNvSpPr>
+            <a:spLocks noGrp="1"/>
+          </p:cNvSpPr>
+          <p:nvPr>
+            <p:ph type="sldNum" sz="quarter" idx="10"/>
+          </p:nvPr>
+        </p:nvSpPr>
+        <p:spPr/>
+        <p:txBody>
+          <a:bodyPr/>
+          <a:lstStyle/>
+          <a:p>
+            <a:fld id="{D5AAECD5-8335-4937-AC00-0774527DFE1F}" type="slidenum">
+              <a:rPr lang="en-US" smtClean="0"/>
+              <a:t>5</a:t>
+            </a:fld>
+            <a:endParaRPr lang="en-US"/>
+          </a:p>
+        </p:txBody>
+      </p:sp>
+    </p:spTree>
+    <p:extLst>
+      <p:ext uri="{BB962C8B-B14F-4D97-AF65-F5344CB8AC3E}">
+        <p14:creationId xmlns:p14="http://schemas.microsoft.com/office/powerpoint/2010/main" val="119988101"/>
+      </p:ext>
+    </p:extLst>
+  </p:cSld>
+  <p:clrMapOvr>
+    <a:masterClrMapping/>
+  </p:clrMapOvr>
+</p:notes>
+</file>
+
+<file path=ppt/notesSlides/notesSlide3.xml><?xml version="1.0" encoding="utf-8"?>
+<p:notes xmlns:a="http://schemas.openxmlformats.org/drawingml/2006/main" xmlns:r="http://schemas.openxmlformats.org/officeDocument/2006/relationships" xmlns:p="http://schemas.openxmlformats.org/presentationml/2006/main">
+  <p:cSld>
+    <p:spTree>
+      <p:nvGrpSpPr>
+        <p:cNvPr id="1" name=""/>
+        <p:cNvGrpSpPr/>
+        <p:nvPr/>
+      </p:nvGrpSpPr>
+      <p:grpSpPr>
+        <a:xfrm>
+          <a:off x="0" y="0"/>
+          <a:ext cx="0" cy="0"/>
+          <a:chOff x="0" y="0"/>
+          <a:chExt cx="0" cy="0"/>
+        </a:xfrm>
+      </p:grpSpPr>
+      <p:sp>
+        <p:nvSpPr>
+          <p:cNvPr id="2" name="Slide Image Placeholder 1"/>
+          <p:cNvSpPr>
+            <a:spLocks noGrp="1" noRot="1" noChangeAspect="1"/>
+          </p:cNvSpPr>
+          <p:nvPr>
+            <p:ph type="sldImg"/>
+          </p:nvPr>
+        </p:nvSpPr>
+        <p:spPr/>
+      </p:sp>
+      <p:sp>
+        <p:nvSpPr>
+          <p:cNvPr id="3" name="Notes Placeholder 2"/>
+          <p:cNvSpPr>
+            <a:spLocks noGrp="1"/>
+          </p:cNvSpPr>
+          <p:nvPr>
+            <p:ph type="body" idx="1"/>
+          </p:nvPr>
+        </p:nvSpPr>
+        <p:spPr/>
+        <p:txBody>
+          <a:bodyPr/>
+          <a:lstStyle/>
+          <a:p>
+            <a:r>
+              <a:rPr lang="en-US" smtClean="0"/>
+              <a:t>IoC container:</a:t>
+            </a:r>
+            <a:r>
+              <a:rPr lang="en-US" baseline="0" smtClean="0"/>
+              <a:t> khởi tạo, quản lý, inject các bean</a:t>
+            </a:r>
+            <a:endParaRPr lang="vi-VN"/>
+          </a:p>
+        </p:txBody>
+      </p:sp>
+      <p:sp>
+        <p:nvSpPr>
+          <p:cNvPr id="4" name="Slide Number Placeholder 3"/>
+          <p:cNvSpPr>
+            <a:spLocks noGrp="1"/>
+          </p:cNvSpPr>
+          <p:nvPr>
+            <p:ph type="sldNum" sz="quarter" idx="10"/>
+          </p:nvPr>
+        </p:nvSpPr>
+        <p:spPr/>
+        <p:txBody>
+          <a:bodyPr/>
+          <a:lstStyle/>
+          <a:p>
+            <a:fld id="{D5AAECD5-8335-4937-AC00-0774527DFE1F}" type="slidenum">
+              <a:rPr lang="en-US" smtClean="0"/>
+              <a:t>6</a:t>
+            </a:fld>
+            <a:endParaRPr lang="en-US"/>
+          </a:p>
+        </p:txBody>
+      </p:sp>
+    </p:spTree>
+    <p:extLst>
+      <p:ext uri="{BB962C8B-B14F-4D97-AF65-F5344CB8AC3E}">
+        <p14:creationId xmlns:p14="http://schemas.microsoft.com/office/powerpoint/2010/main" val="1448498497"/>
+      </p:ext>
+    </p:extLst>
+  </p:cSld>
+  <p:clrMapOvr>
+    <a:masterClrMapping/>
+  </p:clrMapOvr>
+</p:notes>
+</file>
+
+<file path=ppt/notesSlides/notesSlide4.xml><?xml version="1.0" encoding="utf-8"?>
+<p:notes xmlns:a="http://schemas.openxmlformats.org/drawingml/2006/main" xmlns:r="http://schemas.openxmlformats.org/officeDocument/2006/relationships" xmlns:p="http://schemas.openxmlformats.org/presentationml/2006/main">
+  <p:cSld>
+    <p:spTree>
+      <p:nvGrpSpPr>
+        <p:cNvPr id="1" name=""/>
+        <p:cNvGrpSpPr/>
+        <p:nvPr/>
+      </p:nvGrpSpPr>
+      <p:grpSpPr>
+        <a:xfrm>
+          <a:off x="0" y="0"/>
+          <a:ext cx="0" cy="0"/>
+          <a:chOff x="0" y="0"/>
+          <a:chExt cx="0" cy="0"/>
+        </a:xfrm>
+      </p:grpSpPr>
+      <p:sp>
+        <p:nvSpPr>
+          <p:cNvPr id="2" name="Slide Image Placeholder 1"/>
+          <p:cNvSpPr>
+            <a:spLocks noGrp="1" noRot="1" noChangeAspect="1"/>
+          </p:cNvSpPr>
+          <p:nvPr>
+            <p:ph type="sldImg"/>
+          </p:nvPr>
+        </p:nvSpPr>
+        <p:spPr/>
+      </p:sp>
+      <p:sp>
+        <p:nvSpPr>
+          <p:cNvPr id="3" name="Notes Placeholder 2"/>
+          <p:cNvSpPr>
+            <a:spLocks noGrp="1"/>
+          </p:cNvSpPr>
+          <p:nvPr>
+            <p:ph type="body" idx="1"/>
+          </p:nvPr>
+        </p:nvSpPr>
+        <p:spPr/>
+        <p:txBody>
+          <a:bodyPr/>
+          <a:lstStyle/>
+          <a:p>
             <a:endParaRPr lang="en-US" dirty="0"/>
           </a:p>
         </p:txBody>
@@ -572,6 +1000,90 @@
             <a:fld id="{D5AAECD5-8335-4937-AC00-0774527DFE1F}" type="slidenum">
               <a:rPr lang="en-US" smtClean="0"/>
               <a:t>13</a:t>
+            </a:fld>
+            <a:endParaRPr lang="en-US"/>
+          </a:p>
+        </p:txBody>
+      </p:sp>
+    </p:spTree>
+    <p:extLst>
+      <p:ext uri="{BB962C8B-B14F-4D97-AF65-F5344CB8AC3E}">
+        <p14:creationId xmlns:p14="http://schemas.microsoft.com/office/powerpoint/2010/main" val="4069607188"/>
+      </p:ext>
+    </p:extLst>
+  </p:cSld>
+  <p:clrMapOvr>
+    <a:masterClrMapping/>
+  </p:clrMapOvr>
+</p:notes>
+</file>
+
+<file path=ppt/notesSlides/notesSlide5.xml><?xml version="1.0" encoding="utf-8"?>
+<p:notes xmlns:a="http://schemas.openxmlformats.org/drawingml/2006/main" xmlns:r="http://schemas.openxmlformats.org/officeDocument/2006/relationships" xmlns:p="http://schemas.openxmlformats.org/presentationml/2006/main">
+  <p:cSld>
+    <p:spTree>
+      <p:nvGrpSpPr>
+        <p:cNvPr id="1" name=""/>
+        <p:cNvGrpSpPr/>
+        <p:nvPr/>
+      </p:nvGrpSpPr>
+      <p:grpSpPr>
+        <a:xfrm>
+          <a:off x="0" y="0"/>
+          <a:ext cx="0" cy="0"/>
+          <a:chOff x="0" y="0"/>
+          <a:chExt cx="0" cy="0"/>
+        </a:xfrm>
+      </p:grpSpPr>
+      <p:sp>
+        <p:nvSpPr>
+          <p:cNvPr id="2" name="Slide Image Placeholder 1"/>
+          <p:cNvSpPr>
+            <a:spLocks noGrp="1" noRot="1" noChangeAspect="1"/>
+          </p:cNvSpPr>
+          <p:nvPr>
+            <p:ph type="sldImg"/>
+          </p:nvPr>
+        </p:nvSpPr>
+        <p:spPr/>
+      </p:sp>
+      <p:sp>
+        <p:nvSpPr>
+          <p:cNvPr id="3" name="Notes Placeholder 2"/>
+          <p:cNvSpPr>
+            <a:spLocks noGrp="1"/>
+          </p:cNvSpPr>
+          <p:nvPr>
+            <p:ph type="body" idx="1"/>
+          </p:nvPr>
+        </p:nvSpPr>
+        <p:spPr/>
+        <p:txBody>
+          <a:bodyPr/>
+          <a:lstStyle/>
+          <a:p>
+            <a:endParaRPr lang="en-US" dirty="0"/>
+          </a:p>
+        </p:txBody>
+      </p:sp>
+      <p:sp>
+        <p:nvSpPr>
+          <p:cNvPr id="4" name="Slide Number Placeholder 3"/>
+          <p:cNvSpPr>
+            <a:spLocks noGrp="1"/>
+          </p:cNvSpPr>
+          <p:nvPr>
+            <p:ph type="sldNum" sz="quarter" idx="10"/>
+          </p:nvPr>
+        </p:nvSpPr>
+        <p:spPr/>
+        <p:txBody>
+          <a:bodyPr/>
+          <a:lstStyle/>
+          <a:p>
+            <a:fld id="{D5AAECD5-8335-4937-AC00-0774527DFE1F}" type="slidenum">
+              <a:rPr lang="en-US" smtClean="0"/>
+              <a:t>14</a:t>
             </a:fld>
             <a:endParaRPr lang="en-US"/>
           </a:p>
@@ -3839,6 +4351,13 @@
   <p:clrMapOvr>
     <a:masterClrMapping/>
   </p:clrMapOvr>
+  <p:timing>
+    <p:tnLst>
+      <p:par>
+        <p:cTn id="1" dur="indefinite" restart="never" nodeType="tmRoot"/>
+      </p:par>
+    </p:tnLst>
+  </p:timing>
 </p:sld>
 </file>
 
@@ -3875,8 +4394,16 @@
           <a:lstStyle/>
           <a:p>
             <a:r>
+              <a:rPr lang="en-US"/>
+              <a:t>Spring Core -&gt; </a:t>
+            </a:r>
+            <a:r>
+              <a:rPr lang="en-US"/>
+              <a:t>Beans </a:t>
+            </a:r>
+            <a:r>
               <a:rPr lang="en-US" smtClean="0"/>
-              <a:t>Beans</a:t>
+              <a:t>-&gt; Bean Life Cycle</a:t>
             </a:r>
             <a:endParaRPr lang="en-US" dirty="0"/>
           </a:p>
@@ -4018,7 +4545,7 @@
               <a:t>.</a:t>
             </a:r>
             <a:r>
-              <a:rPr lang="en-US" sz="2400" dirty="0" err="1">
+              <a:rPr lang="en-US" sz="2400" err="1">
                 <a:solidFill>
                   <a:schemeClr val="tx1"/>
                 </a:solidFill>
@@ -4026,14 +4553,25 @@
               <a:t>registerShutdownHook</a:t>
             </a:r>
             <a:r>
-              <a:rPr lang="en-US" sz="2400" dirty="0" smtClean="0">
+              <a:rPr lang="en-US" sz="2400" smtClean="0">
                 <a:solidFill>
                   <a:schemeClr val="tx1"/>
                 </a:solidFill>
               </a:rPr>
               <a:t>()</a:t>
             </a:r>
-            <a:endParaRPr lang="en-US" sz="2800" dirty="0">
+          </a:p>
+          <a:p>
+            <a:pPr lvl="1"/>
+            <a:r>
+              <a:rPr lang="vi-VN">
+                <a:solidFill>
+                  <a:schemeClr val="tx1"/>
+                </a:solidFill>
+              </a:rPr>
+              <a:t>@PostConstruct, @PreDestroy</a:t>
+            </a:r>
+            <a:endParaRPr lang="en-US" sz="3000" dirty="0">
               <a:solidFill>
                 <a:schemeClr val="tx1"/>
               </a:solidFill>
@@ -4101,8 +4639,16 @@
           <a:lstStyle/>
           <a:p>
             <a:r>
-              <a:rPr lang="en-US" dirty="0" smtClean="0"/>
-              <a:t>Dependency </a:t>
+              <a:rPr lang="en-US"/>
+              <a:t>Spring </a:t>
+            </a:r>
+            <a:r>
+              <a:rPr lang="en-US"/>
+              <a:t>Core </a:t>
+            </a:r>
+            <a:r>
+              <a:rPr lang="en-US" smtClean="0"/>
+              <a:t>-&gt; Dependency </a:t>
             </a:r>
             <a:r>
               <a:rPr lang="en-US" dirty="0"/>
@@ -4134,7 +4680,7 @@
         </p:spPr>
         <p:txBody>
           <a:bodyPr>
-            <a:normAutofit fontScale="70000" lnSpcReduction="20000"/>
+            <a:noAutofit/>
           </a:bodyPr>
           <a:lstStyle/>
           <a:p>
@@ -4142,20 +4688,7 @@
               <a:buNone/>
             </a:pPr>
             <a:r>
-              <a:rPr lang="en-US" sz="2400" dirty="0" smtClean="0">
-                <a:solidFill>
-                  <a:schemeClr val="tx1"/>
-                </a:solidFill>
-              </a:rPr>
-              <a:t>DI: </a:t>
-            </a:r>
-          </a:p>
-          <a:p>
-            <a:pPr marL="45720" indent="0">
-              <a:buNone/>
-            </a:pPr>
-            <a:r>
-              <a:rPr lang="en-US" sz="2400" dirty="0" smtClean="0">
+              <a:rPr lang="en-US" sz="1800" smtClean="0">
                 <a:solidFill>
                   <a:schemeClr val="tx1"/>
                 </a:solidFill>
@@ -4163,7 +4696,7 @@
               <a:t>DI </a:t>
             </a:r>
             <a:r>
-              <a:rPr lang="en-US" sz="2400" dirty="0" err="1" smtClean="0">
+              <a:rPr lang="en-US" sz="1800" dirty="0" err="1" smtClean="0">
                 <a:solidFill>
                   <a:schemeClr val="tx1"/>
                 </a:solidFill>
@@ -4171,7 +4704,7 @@
               <a:t>trong</a:t>
             </a:r>
             <a:r>
-              <a:rPr lang="en-US" sz="2400" dirty="0" smtClean="0">
+              <a:rPr lang="en-US" sz="1800" dirty="0" smtClean="0">
                 <a:solidFill>
                   <a:schemeClr val="tx1"/>
                 </a:solidFill>
@@ -4181,7 +4714,7 @@
           </a:p>
           <a:p>
             <a:r>
-              <a:rPr lang="en-US" sz="2400" dirty="0" smtClean="0">
+              <a:rPr lang="en-US" sz="1800" dirty="0" smtClean="0">
                 <a:solidFill>
                   <a:schemeClr val="tx1"/>
                 </a:solidFill>
@@ -4192,7 +4725,7 @@
           <a:p>
             <a:pPr lvl="1"/>
             <a:r>
-              <a:rPr lang="en-US" sz="2400" dirty="0" smtClean="0">
+              <a:rPr lang="en-US" sz="1800" dirty="0" smtClean="0">
                 <a:solidFill>
                   <a:schemeClr val="tx1"/>
                 </a:solidFill>
@@ -4200,7 +4733,7 @@
               <a:t>Constructor-based: &lt;constructor-</a:t>
             </a:r>
             <a:r>
-              <a:rPr lang="en-US" sz="2400" dirty="0" err="1" smtClean="0">
+              <a:rPr lang="en-US" sz="1800" dirty="0" err="1" smtClean="0">
                 <a:solidFill>
                   <a:schemeClr val="tx1"/>
                 </a:solidFill>
@@ -4208,7 +4741,7 @@
               <a:t>arg</a:t>
             </a:r>
             <a:r>
-              <a:rPr lang="en-US" sz="2400" dirty="0" smtClean="0">
+              <a:rPr lang="en-US" sz="1800" dirty="0" smtClean="0">
                 <a:solidFill>
                   <a:schemeClr val="tx1"/>
                 </a:solidFill>
@@ -4216,7 +4749,7 @@
               <a:t> name=“…” </a:t>
             </a:r>
             <a:r>
-              <a:rPr lang="en-US" sz="2400" dirty="0" err="1" smtClean="0">
+              <a:rPr lang="en-US" sz="1800" dirty="0" err="1" smtClean="0">
                 <a:solidFill>
                   <a:schemeClr val="tx1"/>
                 </a:solidFill>
@@ -4224,7 +4757,7 @@
               <a:t>value|ref</a:t>
             </a:r>
             <a:r>
-              <a:rPr lang="en-US" sz="2400" dirty="0" smtClean="0">
+              <a:rPr lang="en-US" sz="1800" dirty="0" smtClean="0">
                 <a:solidFill>
                   <a:schemeClr val="tx1"/>
                 </a:solidFill>
@@ -4235,7 +4768,7 @@
           <a:p>
             <a:pPr lvl="1"/>
             <a:r>
-              <a:rPr lang="en-US" sz="2400" dirty="0" smtClean="0">
+              <a:rPr lang="en-US" sz="1800" dirty="0" smtClean="0">
                 <a:solidFill>
                   <a:schemeClr val="tx1"/>
                 </a:solidFill>
@@ -4243,7 +4776,7 @@
               <a:t>Setter-based: &lt;property name=“…” </a:t>
             </a:r>
             <a:r>
-              <a:rPr lang="en-US" sz="2400" dirty="0" err="1" smtClean="0">
+              <a:rPr lang="en-US" sz="1800" dirty="0" err="1" smtClean="0">
                 <a:solidFill>
                   <a:schemeClr val="tx1"/>
                 </a:solidFill>
@@ -4251,7 +4784,7 @@
               <a:t>value|ref</a:t>
             </a:r>
             <a:r>
-              <a:rPr lang="en-US" sz="2400" dirty="0" smtClean="0">
+              <a:rPr lang="en-US" sz="1800" dirty="0" smtClean="0">
                 <a:solidFill>
                   <a:schemeClr val="tx1"/>
                 </a:solidFill>
@@ -4261,7 +4794,7 @@
           </a:p>
           <a:p>
             <a:r>
-              <a:rPr lang="en-US" sz="2400" dirty="0" smtClean="0">
+              <a:rPr lang="en-US" sz="1800" dirty="0" smtClean="0">
                 <a:solidFill>
                   <a:schemeClr val="tx1"/>
                 </a:solidFill>
@@ -4272,7 +4805,7 @@
           <a:p>
             <a:pPr lvl="1"/>
             <a:r>
-              <a:rPr lang="en-US" sz="2100" dirty="0" err="1">
+              <a:rPr lang="en-US" sz="1600" dirty="0" err="1">
                 <a:solidFill>
                   <a:schemeClr val="tx1"/>
                 </a:solidFill>
@@ -4280,7 +4813,7 @@
               <a:t>thêm</a:t>
             </a:r>
             <a:r>
-              <a:rPr lang="en-US" sz="2100" dirty="0">
+              <a:rPr lang="en-US" sz="1600" dirty="0">
                 <a:solidFill>
                   <a:schemeClr val="tx1"/>
                 </a:solidFill>
@@ -4288,7 +4821,7 @@
               <a:t> </a:t>
             </a:r>
             <a:r>
-              <a:rPr lang="en-US" sz="2100" dirty="0" err="1">
+              <a:rPr lang="en-US" sz="1600" dirty="0" err="1">
                 <a:solidFill>
                   <a:schemeClr val="tx1"/>
                 </a:solidFill>
@@ -4296,7 +4829,7 @@
               <a:t>cấu</a:t>
             </a:r>
             <a:r>
-              <a:rPr lang="en-US" sz="2100" dirty="0">
+              <a:rPr lang="en-US" sz="1600" dirty="0">
                 <a:solidFill>
                   <a:schemeClr val="tx1"/>
                 </a:solidFill>
@@ -4304,7 +4837,7 @@
               <a:t> </a:t>
             </a:r>
             <a:r>
-              <a:rPr lang="en-US" sz="2100" dirty="0" err="1">
+              <a:rPr lang="en-US" sz="1600" dirty="0" err="1">
                 <a:solidFill>
                   <a:schemeClr val="tx1"/>
                 </a:solidFill>
@@ -4312,7 +4845,7 @@
               <a:t>hình</a:t>
             </a:r>
             <a:r>
-              <a:rPr lang="en-US" sz="2100" dirty="0">
+              <a:rPr lang="en-US" sz="1600" dirty="0">
                 <a:solidFill>
                   <a:schemeClr val="tx1"/>
                 </a:solidFill>
@@ -4320,7 +4853,7 @@
               <a:t> </a:t>
             </a:r>
             <a:r>
-              <a:rPr lang="en-US" sz="2100" dirty="0" err="1">
+              <a:rPr lang="en-US" sz="1600" dirty="0" err="1">
                 <a:solidFill>
                   <a:schemeClr val="tx1"/>
                 </a:solidFill>
@@ -4328,7 +4861,7 @@
               <a:t>trong</a:t>
             </a:r>
             <a:r>
-              <a:rPr lang="en-US" sz="2100" dirty="0">
+              <a:rPr lang="en-US" sz="1600" dirty="0">
                 <a:solidFill>
                   <a:schemeClr val="tx1"/>
                 </a:solidFill>
@@ -4336,7 +4869,7 @@
               <a:t> xml configure: &lt;</a:t>
             </a:r>
             <a:r>
-              <a:rPr lang="en-US" sz="2100" dirty="0" err="1">
+              <a:rPr lang="en-US" sz="1600" dirty="0" err="1">
                 <a:solidFill>
                   <a:schemeClr val="tx1"/>
                 </a:solidFill>
@@ -4344,7 +4877,7 @@
               <a:t>context:annotation-config</a:t>
             </a:r>
             <a:r>
-              <a:rPr lang="en-US" sz="2100" dirty="0">
+              <a:rPr lang="en-US" sz="1600" dirty="0">
                 <a:solidFill>
                   <a:schemeClr val="tx1"/>
                 </a:solidFill>
@@ -4352,7 +4885,7 @@
               <a:t>/&gt;, </a:t>
             </a:r>
             <a:r>
-              <a:rPr lang="en-US" sz="2100" dirty="0" err="1">
+              <a:rPr lang="en-US" sz="1600" dirty="0" err="1">
                 <a:solidFill>
                   <a:schemeClr val="tx1"/>
                 </a:solidFill>
@@ -4360,7 +4893,7 @@
               <a:t>trong</a:t>
             </a:r>
             <a:r>
-              <a:rPr lang="en-US" sz="2100" dirty="0">
+              <a:rPr lang="en-US" sz="1600" dirty="0">
                 <a:solidFill>
                   <a:schemeClr val="tx1"/>
                 </a:solidFill>
@@ -4371,7 +4904,7 @@
           <a:p>
             <a:pPr lvl="1"/>
             <a:r>
-              <a:rPr lang="en-US" sz="2100" dirty="0">
+              <a:rPr lang="en-US" sz="1600" dirty="0">
                 <a:solidFill>
                   <a:schemeClr val="tx1"/>
                 </a:solidFill>
@@ -4379,7 +4912,7 @@
               <a:t>@Required: </a:t>
             </a:r>
             <a:r>
-              <a:rPr lang="en-US" sz="2100" dirty="0" err="1">
+              <a:rPr lang="en-US" sz="1600" dirty="0" err="1">
                 <a:solidFill>
                   <a:schemeClr val="tx1"/>
                 </a:solidFill>
@@ -4387,7 +4920,7 @@
               <a:t>thực</a:t>
             </a:r>
             <a:r>
-              <a:rPr lang="en-US" sz="2100" dirty="0">
+              <a:rPr lang="en-US" sz="1600" dirty="0">
                 <a:solidFill>
                   <a:schemeClr val="tx1"/>
                 </a:solidFill>
@@ -4395,7 +4928,7 @@
               <a:t> </a:t>
             </a:r>
             <a:r>
-              <a:rPr lang="en-US" sz="2100" dirty="0" err="1">
+              <a:rPr lang="en-US" sz="1600" dirty="0" err="1">
                 <a:solidFill>
                   <a:schemeClr val="tx1"/>
                 </a:solidFill>
@@ -4403,7 +4936,7 @@
               <a:t>hiện</a:t>
             </a:r>
             <a:r>
-              <a:rPr lang="en-US" sz="2100" dirty="0">
+              <a:rPr lang="en-US" sz="1600" dirty="0">
                 <a:solidFill>
                   <a:schemeClr val="tx1"/>
                 </a:solidFill>
@@ -4411,7 +4944,7 @@
               <a:t> </a:t>
             </a:r>
             <a:r>
-              <a:rPr lang="en-US" sz="2100" dirty="0" err="1">
+              <a:rPr lang="en-US" sz="1600" dirty="0" err="1">
                 <a:solidFill>
                   <a:schemeClr val="tx1"/>
                 </a:solidFill>
@@ -4419,7 +4952,7 @@
               <a:t>trên</a:t>
             </a:r>
             <a:r>
-              <a:rPr lang="en-US" sz="2100" dirty="0">
+              <a:rPr lang="en-US" sz="1600" dirty="0">
                 <a:solidFill>
                   <a:schemeClr val="tx1"/>
                 </a:solidFill>
@@ -4427,7 +4960,7 @@
               <a:t> </a:t>
             </a:r>
             <a:r>
-              <a:rPr lang="en-US" sz="2100" dirty="0" err="1">
+              <a:rPr lang="en-US" sz="1600" dirty="0" err="1">
                 <a:solidFill>
                   <a:schemeClr val="tx1"/>
                 </a:solidFill>
@@ -4435,7 +4968,7 @@
               <a:t>các</a:t>
             </a:r>
             <a:r>
-              <a:rPr lang="en-US" sz="2100" dirty="0">
+              <a:rPr lang="en-US" sz="1600" dirty="0">
                 <a:solidFill>
                   <a:schemeClr val="tx1"/>
                 </a:solidFill>
@@ -4446,7 +4979,7 @@
           <a:p>
             <a:pPr lvl="1"/>
             <a:r>
-              <a:rPr lang="en-US" sz="2100" dirty="0">
+              <a:rPr lang="en-US" sz="1600" dirty="0">
                 <a:solidFill>
                   <a:schemeClr val="tx1"/>
                 </a:solidFill>
@@ -4454,7 +4987,7 @@
               <a:t>@</a:t>
             </a:r>
             <a:r>
-              <a:rPr lang="en-US" sz="2100" dirty="0" err="1">
+              <a:rPr lang="en-US" sz="1600" dirty="0" err="1">
                 <a:solidFill>
                   <a:schemeClr val="tx1"/>
                 </a:solidFill>
@@ -4462,7 +4995,7 @@
               <a:t>Autowired</a:t>
             </a:r>
             <a:r>
-              <a:rPr lang="en-US" sz="2100" dirty="0">
+              <a:rPr lang="en-US" sz="1600" dirty="0">
                 <a:solidFill>
                   <a:schemeClr val="tx1"/>
                 </a:solidFill>
@@ -4470,7 +5003,7 @@
               <a:t>: </a:t>
             </a:r>
             <a:r>
-              <a:rPr lang="en-US" sz="2100" dirty="0" err="1">
+              <a:rPr lang="en-US" sz="1600" dirty="0" err="1">
                 <a:solidFill>
                   <a:schemeClr val="tx1"/>
                 </a:solidFill>
@@ -4478,7 +5011,7 @@
               <a:t>trên</a:t>
             </a:r>
             <a:r>
-              <a:rPr lang="en-US" sz="2100" dirty="0">
+              <a:rPr lang="en-US" sz="1600" dirty="0">
                 <a:solidFill>
                   <a:schemeClr val="tx1"/>
                 </a:solidFill>
@@ -4486,7 +5019,7 @@
               <a:t> </a:t>
             </a:r>
             <a:r>
-              <a:rPr lang="en-US" sz="2100" dirty="0" err="1">
+              <a:rPr lang="en-US" sz="1600" dirty="0" err="1">
                 <a:solidFill>
                   <a:schemeClr val="tx1"/>
                 </a:solidFill>
@@ -4494,7 +5027,7 @@
               <a:t>contructor</a:t>
             </a:r>
             <a:r>
-              <a:rPr lang="en-US" sz="2100" dirty="0">
+              <a:rPr lang="en-US" sz="1600" dirty="0">
                 <a:solidFill>
                   <a:schemeClr val="tx1"/>
                 </a:solidFill>
@@ -4505,7 +5038,7 @@
           <a:p>
             <a:pPr lvl="2"/>
             <a:r>
-              <a:rPr lang="en-US" sz="2100" dirty="0">
+              <a:rPr lang="en-US" sz="1600" dirty="0">
                 <a:solidFill>
                   <a:schemeClr val="tx1"/>
                 </a:solidFill>
@@ -4513,7 +5046,7 @@
               <a:t>@</a:t>
             </a:r>
             <a:r>
-              <a:rPr lang="en-US" sz="2100" dirty="0" err="1">
+              <a:rPr lang="en-US" sz="1600" dirty="0" err="1">
                 <a:solidFill>
                   <a:schemeClr val="tx1"/>
                 </a:solidFill>
@@ -4521,7 +5054,7 @@
               <a:t>Autowired</a:t>
             </a:r>
             <a:r>
-              <a:rPr lang="en-US" sz="2100" dirty="0">
+              <a:rPr lang="en-US" sz="1600" dirty="0">
                 <a:solidFill>
                   <a:schemeClr val="tx1"/>
                 </a:solidFill>
@@ -4529,7 +5062,7 @@
               <a:t>(required=false): </a:t>
             </a:r>
             <a:r>
-              <a:rPr lang="en-US" sz="2100" dirty="0" err="1" smtClean="0">
+              <a:rPr lang="en-US" sz="1600" dirty="0" err="1" smtClean="0">
                 <a:solidFill>
                   <a:schemeClr val="tx1"/>
                 </a:solidFill>
@@ -4537,7 +5070,7 @@
               <a:t>bỏ</a:t>
             </a:r>
             <a:r>
-              <a:rPr lang="en-US" sz="2100" dirty="0" smtClean="0">
+              <a:rPr lang="en-US" sz="1600" dirty="0" smtClean="0">
                 <a:solidFill>
                   <a:schemeClr val="tx1"/>
                 </a:solidFill>
@@ -4545,7 +5078,7 @@
               <a:t> </a:t>
             </a:r>
             <a:r>
-              <a:rPr lang="en-US" sz="2100" dirty="0" err="1" smtClean="0">
+              <a:rPr lang="en-US" sz="1600" dirty="0" err="1" smtClean="0">
                 <a:solidFill>
                   <a:schemeClr val="tx1"/>
                 </a:solidFill>
@@ -4553,7 +5086,7 @@
               <a:t>yêu</a:t>
             </a:r>
             <a:r>
-              <a:rPr lang="en-US" sz="2100" dirty="0" smtClean="0">
+              <a:rPr lang="en-US" sz="1600" dirty="0" smtClean="0">
                 <a:solidFill>
                   <a:schemeClr val="tx1"/>
                 </a:solidFill>
@@ -4561,7 +5094,7 @@
               <a:t> </a:t>
             </a:r>
             <a:r>
-              <a:rPr lang="en-US" sz="2100" dirty="0" err="1">
+              <a:rPr lang="en-US" sz="1600" dirty="0" err="1">
                 <a:solidFill>
                   <a:schemeClr val="tx1"/>
                 </a:solidFill>
@@ -4569,7 +5102,7 @@
               <a:t>cầu</a:t>
             </a:r>
             <a:r>
-              <a:rPr lang="en-US" sz="2100" dirty="0">
+              <a:rPr lang="en-US" sz="1600" dirty="0">
                 <a:solidFill>
                   <a:schemeClr val="tx1"/>
                 </a:solidFill>
@@ -4577,7 +5110,7 @@
               <a:t> required </a:t>
             </a:r>
             <a:r>
-              <a:rPr lang="en-US" sz="2100" dirty="0" err="1">
+              <a:rPr lang="en-US" sz="1600" dirty="0" err="1">
                 <a:solidFill>
                   <a:schemeClr val="tx1"/>
                 </a:solidFill>
@@ -4585,7 +5118,7 @@
               <a:t>mặc</a:t>
             </a:r>
             <a:r>
-              <a:rPr lang="en-US" sz="2100" dirty="0">
+              <a:rPr lang="en-US" sz="1600" dirty="0">
                 <a:solidFill>
                   <a:schemeClr val="tx1"/>
                 </a:solidFill>
@@ -4593,7 +5126,7 @@
               <a:t> </a:t>
             </a:r>
             <a:r>
-              <a:rPr lang="en-US" sz="2100" dirty="0" err="1">
+              <a:rPr lang="en-US" sz="1600" dirty="0" err="1">
                 <a:solidFill>
                   <a:schemeClr val="tx1"/>
                 </a:solidFill>
@@ -4601,7 +5134,7 @@
               <a:t>định</a:t>
             </a:r>
             <a:r>
-              <a:rPr lang="en-US" sz="2100" dirty="0">
+              <a:rPr lang="en-US" sz="1600" dirty="0">
                 <a:solidFill>
                   <a:schemeClr val="tx1"/>
                 </a:solidFill>
@@ -4612,7 +5145,7 @@
           <a:p>
             <a:pPr lvl="2"/>
             <a:r>
-              <a:rPr lang="en-US" sz="2100" dirty="0" err="1" smtClean="0">
+              <a:rPr lang="en-US" sz="1600" dirty="0" err="1" smtClean="0">
                 <a:solidFill>
                   <a:schemeClr val="tx1"/>
                 </a:solidFill>
@@ -4620,7 +5153,7 @@
               <a:t>Cố</a:t>
             </a:r>
             <a:r>
-              <a:rPr lang="en-US" sz="2100" dirty="0" smtClean="0">
+              <a:rPr lang="en-US" sz="1600" dirty="0" smtClean="0">
                 <a:solidFill>
                   <a:schemeClr val="tx1"/>
                 </a:solidFill>
@@ -4628,7 +5161,7 @@
               <a:t> </a:t>
             </a:r>
             <a:r>
-              <a:rPr lang="en-US" sz="2100" dirty="0" err="1">
+              <a:rPr lang="en-US" sz="1600" dirty="0" err="1">
                 <a:solidFill>
                   <a:schemeClr val="tx1"/>
                 </a:solidFill>
@@ -4636,7 +5169,7 @@
               <a:t>gắng</a:t>
             </a:r>
             <a:r>
-              <a:rPr lang="en-US" sz="2100" dirty="0">
+              <a:rPr lang="en-US" sz="1600" dirty="0">
                 <a:solidFill>
                   <a:schemeClr val="tx1"/>
                 </a:solidFill>
@@ -4644,7 +5177,7 @@
               <a:t> </a:t>
             </a:r>
             <a:r>
-              <a:rPr lang="en-US" sz="2100" dirty="0" err="1">
+              <a:rPr lang="en-US" sz="1600" dirty="0" err="1">
                 <a:solidFill>
                   <a:schemeClr val="tx1"/>
                 </a:solidFill>
@@ -4652,7 +5185,7 @@
               <a:t>thực</a:t>
             </a:r>
             <a:r>
-              <a:rPr lang="en-US" sz="2100" dirty="0">
+              <a:rPr lang="en-US" sz="1600" dirty="0">
                 <a:solidFill>
                   <a:schemeClr val="tx1"/>
                 </a:solidFill>
@@ -4660,7 +5193,7 @@
               <a:t> </a:t>
             </a:r>
             <a:r>
-              <a:rPr lang="en-US" sz="2100" dirty="0" err="1">
+              <a:rPr lang="en-US" sz="1600" dirty="0" err="1">
                 <a:solidFill>
                   <a:schemeClr val="tx1"/>
                 </a:solidFill>
@@ -4668,7 +5201,7 @@
               <a:t>hiện</a:t>
             </a:r>
             <a:r>
-              <a:rPr lang="en-US" sz="2100" dirty="0">
+              <a:rPr lang="en-US" sz="1600" dirty="0">
                 <a:solidFill>
                   <a:schemeClr val="tx1"/>
                 </a:solidFill>
@@ -4676,7 +5209,7 @@
               <a:t> </a:t>
             </a:r>
             <a:r>
-              <a:rPr lang="en-US" sz="2100" dirty="0" err="1">
+              <a:rPr lang="en-US" sz="1600" dirty="0" err="1">
                 <a:solidFill>
                   <a:schemeClr val="tx1"/>
                 </a:solidFill>
@@ -4684,7 +5217,7 @@
               <a:t>autowiring</a:t>
             </a:r>
             <a:r>
-              <a:rPr lang="en-US" sz="2100" dirty="0">
+              <a:rPr lang="en-US" sz="1600" dirty="0">
                 <a:solidFill>
                   <a:schemeClr val="tx1"/>
                 </a:solidFill>
@@ -4692,7 +5225,7 @@
               <a:t> </a:t>
             </a:r>
             <a:r>
-              <a:rPr lang="en-US" sz="2100" dirty="0" err="1" smtClean="0">
+              <a:rPr lang="en-US" sz="1600" dirty="0" err="1" smtClean="0">
                 <a:solidFill>
                   <a:schemeClr val="tx1"/>
                 </a:solidFill>
@@ -4700,7 +5233,7 @@
               <a:t>theo</a:t>
             </a:r>
             <a:r>
-              <a:rPr lang="en-US" sz="2100" dirty="0" smtClean="0">
+              <a:rPr lang="en-US" sz="1600" dirty="0" smtClean="0">
                 <a:solidFill>
                   <a:schemeClr val="tx1"/>
                 </a:solidFill>
@@ -4708,14 +5241,14 @@
               <a:t> </a:t>
             </a:r>
             <a:r>
-              <a:rPr lang="en-US" sz="2100" dirty="0" err="1" smtClean="0">
+              <a:rPr lang="en-US" sz="1600" dirty="0" err="1" smtClean="0">
                 <a:solidFill>
                   <a:schemeClr val="tx1"/>
                 </a:solidFill>
               </a:rPr>
               <a:t>byType</a:t>
             </a:r>
-            <a:endParaRPr lang="en-US" sz="2100" dirty="0">
+            <a:endParaRPr lang="en-US" sz="1600" dirty="0">
               <a:solidFill>
                 <a:schemeClr val="tx1"/>
               </a:solidFill>
@@ -4724,7 +5257,7 @@
           <a:p>
             <a:pPr lvl="1"/>
             <a:r>
-              <a:rPr lang="en-US" sz="2100" dirty="0">
+              <a:rPr lang="en-US" sz="1600" dirty="0">
                 <a:solidFill>
                   <a:schemeClr val="tx1"/>
                 </a:solidFill>
@@ -4732,7 +5265,7 @@
               <a:t>@Qualifier: </a:t>
             </a:r>
             <a:r>
-              <a:rPr lang="en-US" sz="2100" dirty="0" err="1">
+              <a:rPr lang="en-US" sz="1600" dirty="0" err="1">
                 <a:solidFill>
                   <a:schemeClr val="tx1"/>
                 </a:solidFill>
@@ -4740,7 +5273,7 @@
               <a:t>hỗ</a:t>
             </a:r>
             <a:r>
-              <a:rPr lang="en-US" sz="2100" dirty="0">
+              <a:rPr lang="en-US" sz="1600" dirty="0">
                 <a:solidFill>
                   <a:schemeClr val="tx1"/>
                 </a:solidFill>
@@ -4748,7 +5281,7 @@
               <a:t> </a:t>
             </a:r>
             <a:r>
-              <a:rPr lang="en-US" sz="2100" dirty="0" err="1">
+              <a:rPr lang="en-US" sz="1600" dirty="0" err="1">
                 <a:solidFill>
                   <a:schemeClr val="tx1"/>
                 </a:solidFill>
@@ -4756,7 +5289,7 @@
               <a:t>trợ</a:t>
             </a:r>
             <a:r>
-              <a:rPr lang="en-US" sz="2100" dirty="0">
+              <a:rPr lang="en-US" sz="1600" dirty="0">
                 <a:solidFill>
                   <a:schemeClr val="tx1"/>
                 </a:solidFill>
@@ -4764,7 +5297,7 @@
               <a:t> @</a:t>
             </a:r>
             <a:r>
-              <a:rPr lang="en-US" sz="2100" dirty="0" err="1">
+              <a:rPr lang="en-US" sz="1600" dirty="0" err="1">
                 <a:solidFill>
                   <a:schemeClr val="tx1"/>
                 </a:solidFill>
@@ -4772,7 +5305,7 @@
               <a:t>Autowired</a:t>
             </a:r>
             <a:r>
-              <a:rPr lang="en-US" sz="2100" dirty="0">
+              <a:rPr lang="en-US" sz="1600" dirty="0">
                 <a:solidFill>
                   <a:schemeClr val="tx1"/>
                 </a:solidFill>
@@ -4780,7 +5313,7 @@
               <a:t> </a:t>
             </a:r>
             <a:r>
-              <a:rPr lang="en-US" sz="2100" dirty="0" err="1">
+              <a:rPr lang="en-US" sz="1600" dirty="0" err="1">
                 <a:solidFill>
                   <a:schemeClr val="tx1"/>
                 </a:solidFill>
@@ -4788,7 +5321,7 @@
               <a:t>khi</a:t>
             </a:r>
             <a:r>
-              <a:rPr lang="en-US" sz="2100" dirty="0">
+              <a:rPr lang="en-US" sz="1600" dirty="0">
                 <a:solidFill>
                   <a:schemeClr val="tx1"/>
                 </a:solidFill>
@@ -4796,7 +5329,7 @@
               <a:t> </a:t>
             </a:r>
             <a:r>
-              <a:rPr lang="en-US" sz="2100" dirty="0" err="1">
+              <a:rPr lang="en-US" sz="1600" dirty="0" err="1">
                 <a:solidFill>
                   <a:schemeClr val="tx1"/>
                 </a:solidFill>
@@ -4804,7 +5337,7 @@
               <a:t>có</a:t>
             </a:r>
             <a:r>
-              <a:rPr lang="en-US" sz="2100" dirty="0">
+              <a:rPr lang="en-US" sz="1600" dirty="0">
                 <a:solidFill>
                   <a:schemeClr val="tx1"/>
                 </a:solidFill>
@@ -4812,7 +5345,7 @@
               <a:t> </a:t>
             </a:r>
             <a:r>
-              <a:rPr lang="en-US" sz="2100" dirty="0" err="1">
+              <a:rPr lang="en-US" sz="1600" dirty="0" err="1">
                 <a:solidFill>
                   <a:schemeClr val="tx1"/>
                 </a:solidFill>
@@ -4820,7 +5353,7 @@
               <a:t>nhiều</a:t>
             </a:r>
             <a:r>
-              <a:rPr lang="en-US" sz="2100" dirty="0">
+              <a:rPr lang="en-US" sz="1600" dirty="0">
                 <a:solidFill>
                   <a:schemeClr val="tx1"/>
                 </a:solidFill>
@@ -4828,7 +5361,7 @@
               <a:t> bean </a:t>
             </a:r>
             <a:r>
-              <a:rPr lang="en-US" sz="2100" dirty="0" err="1">
+              <a:rPr lang="en-US" sz="1600" dirty="0" err="1">
                 <a:solidFill>
                   <a:schemeClr val="tx1"/>
                 </a:solidFill>
@@ -4836,7 +5369,7 @@
               <a:t>cùng</a:t>
             </a:r>
             <a:r>
-              <a:rPr lang="en-US" sz="2100" dirty="0">
+              <a:rPr lang="en-US" sz="1600" dirty="0">
                 <a:solidFill>
                   <a:schemeClr val="tx1"/>
                 </a:solidFill>
@@ -4844,7 +5377,7 @@
               <a:t> </a:t>
             </a:r>
             <a:r>
-              <a:rPr lang="en-US" sz="2100" dirty="0" err="1">
+              <a:rPr lang="en-US" sz="1600" dirty="0" err="1">
                 <a:solidFill>
                   <a:schemeClr val="tx1"/>
                 </a:solidFill>
@@ -4852,7 +5385,7 @@
               <a:t>kiểu</a:t>
             </a:r>
             <a:r>
-              <a:rPr lang="en-US" sz="2100" dirty="0">
+              <a:rPr lang="en-US" sz="1600" dirty="0">
                 <a:solidFill>
                   <a:schemeClr val="tx1"/>
                 </a:solidFill>
@@ -4860,7 +5393,7 @@
               <a:t>, </a:t>
             </a:r>
             <a:r>
-              <a:rPr lang="en-US" sz="2100" dirty="0" err="1" smtClean="0">
+              <a:rPr lang="en-US" sz="1600" dirty="0" err="1" smtClean="0">
                 <a:solidFill>
                   <a:schemeClr val="tx1"/>
                 </a:solidFill>
@@ -4868,7 +5401,7 @@
               <a:t>để</a:t>
             </a:r>
             <a:r>
-              <a:rPr lang="en-US" sz="2100" dirty="0" smtClean="0">
+              <a:rPr lang="en-US" sz="1600" dirty="0" smtClean="0">
                 <a:solidFill>
                   <a:schemeClr val="tx1"/>
                 </a:solidFill>
@@ -4876,7 +5409,7 @@
               <a:t> </a:t>
             </a:r>
             <a:r>
-              <a:rPr lang="en-US" sz="2100" dirty="0" err="1" smtClean="0">
+              <a:rPr lang="en-US" sz="1600" dirty="0" err="1" smtClean="0">
                 <a:solidFill>
                   <a:schemeClr val="tx1"/>
                 </a:solidFill>
@@ -4884,7 +5417,7 @@
               <a:t>xác</a:t>
             </a:r>
             <a:r>
-              <a:rPr lang="en-US" sz="2100" dirty="0" smtClean="0">
+              <a:rPr lang="en-US" sz="1600" dirty="0" smtClean="0">
                 <a:solidFill>
                   <a:schemeClr val="tx1"/>
                 </a:solidFill>
@@ -4892,7 +5425,7 @@
               <a:t> </a:t>
             </a:r>
             <a:r>
-              <a:rPr lang="en-US" sz="2100" dirty="0" err="1" smtClean="0">
+              <a:rPr lang="en-US" sz="1600" dirty="0" err="1" smtClean="0">
                 <a:solidFill>
                   <a:schemeClr val="tx1"/>
                 </a:solidFill>
@@ -4900,7 +5433,7 @@
               <a:t>định</a:t>
             </a:r>
             <a:r>
-              <a:rPr lang="en-US" sz="2100" dirty="0" smtClean="0">
+              <a:rPr lang="en-US" sz="1600" dirty="0" smtClean="0">
                 <a:solidFill>
                   <a:schemeClr val="tx1"/>
                 </a:solidFill>
@@ -4908,7 +5441,7 @@
               <a:t> </a:t>
             </a:r>
             <a:r>
-              <a:rPr lang="en-US" sz="2100" dirty="0" err="1" smtClean="0">
+              <a:rPr lang="en-US" sz="1600" dirty="0" err="1" smtClean="0">
                 <a:solidFill>
                   <a:schemeClr val="tx1"/>
                 </a:solidFill>
@@ -4916,7 +5449,7 @@
               <a:t>rõ</a:t>
             </a:r>
             <a:r>
-              <a:rPr lang="en-US" sz="2100" dirty="0" smtClean="0">
+              <a:rPr lang="en-US" sz="1600" dirty="0" smtClean="0">
                 <a:solidFill>
                   <a:schemeClr val="tx1"/>
                 </a:solidFill>
@@ -4924,7 +5457,7 @@
               <a:t> </a:t>
             </a:r>
             <a:r>
-              <a:rPr lang="en-US" sz="2100" dirty="0" err="1" smtClean="0">
+              <a:rPr lang="en-US" sz="1600" dirty="0" err="1" smtClean="0">
                 <a:solidFill>
                   <a:schemeClr val="tx1"/>
                 </a:solidFill>
@@ -4932,7 +5465,7 @@
               <a:t>sẽ</a:t>
             </a:r>
             <a:r>
-              <a:rPr lang="en-US" sz="2100" dirty="0" smtClean="0">
+              <a:rPr lang="en-US" sz="1600" dirty="0" smtClean="0">
                 <a:solidFill>
                   <a:schemeClr val="tx1"/>
                 </a:solidFill>
@@ -4940,7 +5473,7 @@
               <a:t> wire </a:t>
             </a:r>
             <a:r>
-              <a:rPr lang="en-US" sz="2100" dirty="0" err="1" smtClean="0">
+              <a:rPr lang="en-US" sz="1600" dirty="0" err="1" smtClean="0">
                 <a:solidFill>
                   <a:schemeClr val="tx1"/>
                 </a:solidFill>
@@ -4948,7 +5481,7 @@
               <a:t>với</a:t>
             </a:r>
             <a:r>
-              <a:rPr lang="en-US" sz="2100" dirty="0" smtClean="0">
+              <a:rPr lang="en-US" sz="1600" dirty="0" smtClean="0">
                 <a:solidFill>
                   <a:schemeClr val="tx1"/>
                 </a:solidFill>
@@ -4956,7 +5489,7 @@
               <a:t> bean </a:t>
             </a:r>
             <a:r>
-              <a:rPr lang="en-US" sz="2100" dirty="0" err="1" smtClean="0">
+              <a:rPr lang="en-US" sz="1600" dirty="0" err="1" smtClean="0">
                 <a:solidFill>
                   <a:schemeClr val="tx1"/>
                 </a:solidFill>
@@ -4964,7 +5497,7 @@
               <a:t>nào</a:t>
             </a:r>
             <a:r>
-              <a:rPr lang="en-US" sz="2100" dirty="0" smtClean="0">
+              <a:rPr lang="en-US" sz="1600" dirty="0" smtClean="0">
                 <a:solidFill>
                   <a:schemeClr val="tx1"/>
                 </a:solidFill>
@@ -4972,7 +5505,7 @@
               <a:t> </a:t>
             </a:r>
             <a:r>
-              <a:rPr lang="en-US" sz="2100" dirty="0" err="1" smtClean="0">
+              <a:rPr lang="en-US" sz="1600" dirty="0" err="1" smtClean="0">
                 <a:solidFill>
                   <a:schemeClr val="tx1"/>
                 </a:solidFill>
@@ -4980,7 +5513,7 @@
               <a:t>bằng</a:t>
             </a:r>
             <a:r>
-              <a:rPr lang="en-US" sz="2100" dirty="0" smtClean="0">
+              <a:rPr lang="en-US" sz="1600" dirty="0" smtClean="0">
                 <a:solidFill>
                   <a:schemeClr val="tx1"/>
                 </a:solidFill>
@@ -4988,7 +5521,7 @@
               <a:t> </a:t>
             </a:r>
             <a:r>
-              <a:rPr lang="en-US" sz="2100" dirty="0" err="1" smtClean="0">
+              <a:rPr lang="en-US" sz="1600" dirty="0" err="1" smtClean="0">
                 <a:solidFill>
                   <a:schemeClr val="tx1"/>
                 </a:solidFill>
@@ -4996,7 +5529,7 @@
               <a:t>định</a:t>
             </a:r>
             <a:r>
-              <a:rPr lang="en-US" sz="2100" dirty="0" smtClean="0">
+              <a:rPr lang="en-US" sz="1600" dirty="0" smtClean="0">
                 <a:solidFill>
                   <a:schemeClr val="tx1"/>
                 </a:solidFill>
@@ -5004,7 +5537,7 @@
               <a:t> </a:t>
             </a:r>
             <a:r>
-              <a:rPr lang="en-US" sz="2100" dirty="0" err="1" smtClean="0">
+              <a:rPr lang="en-US" sz="1600" dirty="0" err="1" smtClean="0">
                 <a:solidFill>
                   <a:schemeClr val="tx1"/>
                 </a:solidFill>
@@ -5012,7 +5545,7 @@
               <a:t>danh</a:t>
             </a:r>
             <a:r>
-              <a:rPr lang="en-US" sz="2100" dirty="0" smtClean="0">
+              <a:rPr lang="en-US" sz="1600" dirty="0" smtClean="0">
                 <a:solidFill>
                   <a:schemeClr val="tx1"/>
                 </a:solidFill>
@@ -5023,7 +5556,7 @@
           <a:p>
             <a:pPr lvl="1"/>
             <a:r>
-              <a:rPr lang="en-US" sz="2100" dirty="0" smtClean="0">
+              <a:rPr lang="en-US" sz="1600" dirty="0" smtClean="0">
                 <a:solidFill>
                   <a:schemeClr val="tx1"/>
                 </a:solidFill>
@@ -5031,7 +5564,7 @@
               <a:t>@Primary: </a:t>
             </a:r>
             <a:r>
-              <a:rPr lang="en-US" sz="2100" dirty="0" err="1" smtClean="0">
+              <a:rPr lang="en-US" sz="1600" dirty="0" err="1" smtClean="0">
                 <a:solidFill>
                   <a:schemeClr val="tx1"/>
                 </a:solidFill>
@@ -5039,7 +5572,7 @@
               <a:t>hỗ</a:t>
             </a:r>
             <a:r>
-              <a:rPr lang="en-US" sz="2100" dirty="0" smtClean="0">
+              <a:rPr lang="en-US" sz="1600" dirty="0" smtClean="0">
                 <a:solidFill>
                   <a:schemeClr val="tx1"/>
                 </a:solidFill>
@@ -5047,7 +5580,7 @@
               <a:t> </a:t>
             </a:r>
             <a:r>
-              <a:rPr lang="en-US" sz="2100" dirty="0" err="1" smtClean="0">
+              <a:rPr lang="en-US" sz="1600" dirty="0" err="1" smtClean="0">
                 <a:solidFill>
                   <a:schemeClr val="tx1"/>
                 </a:solidFill>
@@ -5055,7 +5588,7 @@
               <a:t>trợ</a:t>
             </a:r>
             <a:r>
-              <a:rPr lang="en-US" sz="2100" dirty="0" smtClean="0">
+              <a:rPr lang="en-US" sz="1600" dirty="0" smtClean="0">
                 <a:solidFill>
                   <a:schemeClr val="tx1"/>
                 </a:solidFill>
@@ -5063,7 +5596,7 @@
               <a:t> @</a:t>
             </a:r>
             <a:r>
-              <a:rPr lang="en-US" sz="2100" dirty="0" err="1" smtClean="0">
+              <a:rPr lang="en-US" sz="1600" dirty="0" err="1" smtClean="0">
                 <a:solidFill>
                   <a:schemeClr val="tx1"/>
                 </a:solidFill>
@@ -5071,7 +5604,7 @@
               <a:t>Autowired</a:t>
             </a:r>
             <a:r>
-              <a:rPr lang="en-US" sz="2100" dirty="0" smtClean="0">
+              <a:rPr lang="en-US" sz="1600" dirty="0" smtClean="0">
                 <a:solidFill>
                   <a:schemeClr val="tx1"/>
                 </a:solidFill>
@@ -5079,7 +5612,7 @@
               <a:t> </a:t>
             </a:r>
             <a:r>
-              <a:rPr lang="en-US" sz="2100" dirty="0" err="1" smtClean="0">
+              <a:rPr lang="en-US" sz="1600" dirty="0" err="1" smtClean="0">
                 <a:solidFill>
                   <a:schemeClr val="tx1"/>
                 </a:solidFill>
@@ -5087,7 +5620,7 @@
               <a:t>khi</a:t>
             </a:r>
             <a:r>
-              <a:rPr lang="en-US" sz="2100" dirty="0" smtClean="0">
+              <a:rPr lang="en-US" sz="1600" dirty="0" smtClean="0">
                 <a:solidFill>
                   <a:schemeClr val="tx1"/>
                 </a:solidFill>
@@ -5095,7 +5628,7 @@
               <a:t> </a:t>
             </a:r>
             <a:r>
-              <a:rPr lang="en-US" sz="2100" dirty="0" err="1" smtClean="0">
+              <a:rPr lang="en-US" sz="1600" dirty="0" err="1" smtClean="0">
                 <a:solidFill>
                   <a:schemeClr val="tx1"/>
                 </a:solidFill>
@@ -5103,7 +5636,7 @@
               <a:t>có</a:t>
             </a:r>
             <a:r>
-              <a:rPr lang="en-US" sz="2100" dirty="0" smtClean="0">
+              <a:rPr lang="en-US" sz="1600" dirty="0" smtClean="0">
                 <a:solidFill>
                   <a:schemeClr val="tx1"/>
                 </a:solidFill>
@@ -5111,7 +5644,7 @@
               <a:t> </a:t>
             </a:r>
             <a:r>
-              <a:rPr lang="en-US" sz="2100" dirty="0" err="1" smtClean="0">
+              <a:rPr lang="en-US" sz="1600" dirty="0" err="1" smtClean="0">
                 <a:solidFill>
                   <a:schemeClr val="tx1"/>
                 </a:solidFill>
@@ -5119,7 +5652,7 @@
               <a:t>nhiều</a:t>
             </a:r>
             <a:r>
-              <a:rPr lang="en-US" sz="2100" dirty="0" smtClean="0">
+              <a:rPr lang="en-US" sz="1600" dirty="0" smtClean="0">
                 <a:solidFill>
                   <a:schemeClr val="tx1"/>
                 </a:solidFill>
@@ -5127,7 +5660,7 @@
               <a:t> bean </a:t>
             </a:r>
             <a:r>
-              <a:rPr lang="en-US" sz="2100" dirty="0" err="1" smtClean="0">
+              <a:rPr lang="en-US" sz="1600" dirty="0" err="1" smtClean="0">
                 <a:solidFill>
                   <a:schemeClr val="tx1"/>
                 </a:solidFill>
@@ -5135,7 +5668,7 @@
               <a:t>cùng</a:t>
             </a:r>
             <a:r>
-              <a:rPr lang="en-US" sz="2100" dirty="0" smtClean="0">
+              <a:rPr lang="en-US" sz="1600" dirty="0" smtClean="0">
                 <a:solidFill>
                   <a:schemeClr val="tx1"/>
                 </a:solidFill>
@@ -5143,7 +5676,7 @@
               <a:t> </a:t>
             </a:r>
             <a:r>
-              <a:rPr lang="en-US" sz="2100" dirty="0" err="1" smtClean="0">
+              <a:rPr lang="en-US" sz="1600" dirty="0" err="1" smtClean="0">
                 <a:solidFill>
                   <a:schemeClr val="tx1"/>
                 </a:solidFill>
@@ -5151,7 +5684,7 @@
               <a:t>kiểu</a:t>
             </a:r>
             <a:r>
-              <a:rPr lang="en-US" sz="2100" dirty="0" smtClean="0">
+              <a:rPr lang="en-US" sz="1600" dirty="0" smtClean="0">
                 <a:solidFill>
                   <a:schemeClr val="tx1"/>
                 </a:solidFill>
@@ -5159,7 +5692,7 @@
               <a:t>, </a:t>
             </a:r>
             <a:r>
-              <a:rPr lang="en-US" sz="2100" dirty="0" err="1" smtClean="0">
+              <a:rPr lang="en-US" sz="1600" dirty="0" err="1" smtClean="0">
                 <a:solidFill>
                   <a:schemeClr val="tx1"/>
                 </a:solidFill>
@@ -5167,7 +5700,7 @@
               <a:t>sẽ</a:t>
             </a:r>
             <a:r>
-              <a:rPr lang="en-US" sz="2100" dirty="0" smtClean="0">
+              <a:rPr lang="en-US" sz="1600" dirty="0" smtClean="0">
                 <a:solidFill>
                   <a:schemeClr val="tx1"/>
                 </a:solidFill>
@@ -5175,7 +5708,7 @@
               <a:t> wire bean </a:t>
             </a:r>
             <a:r>
-              <a:rPr lang="en-US" sz="2100" dirty="0" err="1" smtClean="0">
+              <a:rPr lang="en-US" sz="1600" dirty="0" err="1" smtClean="0">
                 <a:solidFill>
                   <a:schemeClr val="tx1"/>
                 </a:solidFill>
@@ -5183,7 +5716,7 @@
               <a:t>có</a:t>
             </a:r>
             <a:r>
-              <a:rPr lang="en-US" sz="2100" dirty="0" smtClean="0">
+              <a:rPr lang="en-US" sz="1600" dirty="0" smtClean="0">
                 <a:solidFill>
                   <a:schemeClr val="tx1"/>
                 </a:solidFill>
@@ -5194,7 +5727,7 @@
           <a:p>
             <a:pPr lvl="1"/>
             <a:r>
-              <a:rPr lang="en-US" sz="2100" dirty="0" smtClean="0">
+              <a:rPr lang="en-US" sz="1600" dirty="0" smtClean="0">
                 <a:solidFill>
                   <a:schemeClr val="tx1"/>
                 </a:solidFill>
@@ -5202,7 +5735,7 @@
               <a:t>@Resource(name=“</a:t>
             </a:r>
             <a:r>
-              <a:rPr lang="en-US" sz="2100" dirty="0" err="1" smtClean="0">
+              <a:rPr lang="en-US" sz="1600" dirty="0" err="1" smtClean="0">
                 <a:solidFill>
                   <a:schemeClr val="tx1"/>
                 </a:solidFill>
@@ -5210,7 +5743,7 @@
               <a:t>beanName</a:t>
             </a:r>
             <a:r>
-              <a:rPr lang="en-US" sz="2100" dirty="0" smtClean="0">
+              <a:rPr lang="en-US" sz="1600" dirty="0" smtClean="0">
                 <a:solidFill>
                   <a:schemeClr val="tx1"/>
                 </a:solidFill>
@@ -5218,7 +5751,7 @@
               <a:t>”): </a:t>
             </a:r>
             <a:r>
-              <a:rPr lang="en-US" sz="2100" dirty="0" err="1" smtClean="0">
+              <a:rPr lang="en-US" sz="1600" dirty="0" err="1" smtClean="0">
                 <a:solidFill>
                   <a:schemeClr val="tx1"/>
                 </a:solidFill>
@@ -5226,7 +5759,7 @@
               <a:t>trên</a:t>
             </a:r>
             <a:r>
-              <a:rPr lang="en-US" sz="2100" dirty="0" smtClean="0">
+              <a:rPr lang="en-US" sz="1600" dirty="0" smtClean="0">
                 <a:solidFill>
                   <a:schemeClr val="tx1"/>
                 </a:solidFill>
@@ -5234,7 +5767,7 @@
               <a:t> field name </a:t>
             </a:r>
             <a:r>
-              <a:rPr lang="en-US" sz="2100" dirty="0" err="1" smtClean="0">
+              <a:rPr lang="en-US" sz="1600" dirty="0" err="1" smtClean="0">
                 <a:solidFill>
                   <a:schemeClr val="tx1"/>
                 </a:solidFill>
@@ -5242,7 +5775,7 @@
               <a:t>và</a:t>
             </a:r>
             <a:r>
-              <a:rPr lang="en-US" sz="2100" dirty="0" smtClean="0">
+              <a:rPr lang="en-US" sz="1600" dirty="0" smtClean="0">
                 <a:solidFill>
                   <a:schemeClr val="tx1"/>
                 </a:solidFill>
@@ -5250,7 +5783,7 @@
               <a:t> setter method, inject </a:t>
             </a:r>
             <a:r>
-              <a:rPr lang="en-US" sz="2100" dirty="0" err="1" smtClean="0">
+              <a:rPr lang="en-US" sz="1600" dirty="0" err="1" smtClean="0">
                 <a:solidFill>
                   <a:schemeClr val="tx1"/>
                 </a:solidFill>
@@ -5258,7 +5791,7 @@
               <a:t>theo</a:t>
             </a:r>
             <a:r>
-              <a:rPr lang="en-US" sz="2100" dirty="0" smtClean="0">
+              <a:rPr lang="en-US" sz="1600" dirty="0" smtClean="0">
                 <a:solidFill>
                   <a:schemeClr val="tx1"/>
                 </a:solidFill>
@@ -5269,7 +5802,7 @@
           <a:p>
             <a:pPr lvl="2"/>
             <a:r>
-              <a:rPr lang="en-US" sz="2100" dirty="0" err="1" smtClean="0">
+              <a:rPr lang="en-US" sz="1600" dirty="0" err="1" smtClean="0">
                 <a:solidFill>
                   <a:schemeClr val="tx1"/>
                 </a:solidFill>
@@ -5277,7 +5810,7 @@
               <a:t>Nếu</a:t>
             </a:r>
             <a:r>
-              <a:rPr lang="en-US" sz="2100" dirty="0" smtClean="0">
+              <a:rPr lang="en-US" sz="1600" dirty="0" smtClean="0">
                 <a:solidFill>
                   <a:schemeClr val="tx1"/>
                 </a:solidFill>
@@ -5285,7 +5818,7 @@
               <a:t> </a:t>
             </a:r>
             <a:r>
-              <a:rPr lang="en-US" sz="2100" dirty="0" err="1" smtClean="0">
+              <a:rPr lang="en-US" sz="1600" dirty="0" err="1" smtClean="0">
                 <a:solidFill>
                   <a:schemeClr val="tx1"/>
                 </a:solidFill>
@@ -5293,7 +5826,7 @@
               <a:t>ko</a:t>
             </a:r>
             <a:r>
-              <a:rPr lang="en-US" sz="2100" dirty="0" smtClean="0">
+              <a:rPr lang="en-US" sz="1600" dirty="0" smtClean="0">
                 <a:solidFill>
                   <a:schemeClr val="tx1"/>
                 </a:solidFill>
@@ -5301,7 +5834,7 @@
               <a:t> </a:t>
             </a:r>
             <a:r>
-              <a:rPr lang="en-US" sz="2100" dirty="0" err="1" smtClean="0">
+              <a:rPr lang="en-US" sz="1600" dirty="0" err="1" smtClean="0">
                 <a:solidFill>
                   <a:schemeClr val="tx1"/>
                 </a:solidFill>
@@ -5309,7 +5842,7 @@
               <a:t>chỉ</a:t>
             </a:r>
             <a:r>
-              <a:rPr lang="en-US" sz="2100" dirty="0" smtClean="0">
+              <a:rPr lang="en-US" sz="1600" dirty="0" smtClean="0">
                 <a:solidFill>
                   <a:schemeClr val="tx1"/>
                 </a:solidFill>
@@ -5317,7 +5850,7 @@
               <a:t> </a:t>
             </a:r>
             <a:r>
-              <a:rPr lang="en-US" sz="2100" dirty="0" err="1" smtClean="0">
+              <a:rPr lang="en-US" sz="1600" dirty="0" err="1" smtClean="0">
                 <a:solidFill>
                   <a:schemeClr val="tx1"/>
                 </a:solidFill>
@@ -5325,7 +5858,7 @@
               <a:t>rõ</a:t>
             </a:r>
             <a:r>
-              <a:rPr lang="en-US" sz="2100" dirty="0" smtClean="0">
+              <a:rPr lang="en-US" sz="1600" dirty="0" smtClean="0">
                 <a:solidFill>
                   <a:schemeClr val="tx1"/>
                 </a:solidFill>
@@ -5333,7 +5866,7 @@
               <a:t> name @Resource: </a:t>
             </a:r>
             <a:r>
-              <a:rPr lang="en-US" sz="2100" dirty="0" err="1" smtClean="0">
+              <a:rPr lang="en-US" sz="1600" dirty="0" err="1" smtClean="0">
                 <a:solidFill>
                   <a:schemeClr val="tx1"/>
                 </a:solidFill>
@@ -5341,7 +5874,7 @@
               <a:t>lấy</a:t>
             </a:r>
             <a:r>
-              <a:rPr lang="en-US" sz="2100" dirty="0" smtClean="0">
+              <a:rPr lang="en-US" sz="1600" dirty="0" smtClean="0">
                 <a:solidFill>
                   <a:schemeClr val="tx1"/>
                 </a:solidFill>
@@ -5352,7 +5885,7 @@
           <a:p>
             <a:pPr lvl="3"/>
             <a:r>
-              <a:rPr lang="en-US" sz="1900" dirty="0" err="1" smtClean="0">
+              <a:rPr lang="en-US" sz="1400" dirty="0" err="1" smtClean="0">
                 <a:solidFill>
                   <a:schemeClr val="tx1"/>
                 </a:solidFill>
@@ -5360,7 +5893,7 @@
               <a:t>Với</a:t>
             </a:r>
             <a:r>
-              <a:rPr lang="en-US" sz="1900" dirty="0" smtClean="0">
+              <a:rPr lang="en-US" sz="1400" dirty="0" smtClean="0">
                 <a:solidFill>
                   <a:schemeClr val="tx1"/>
                 </a:solidFill>
@@ -5368,7 +5901,7 @@
               <a:t> field: </a:t>
             </a:r>
             <a:r>
-              <a:rPr lang="en-US" sz="1900" dirty="0" err="1" smtClean="0">
+              <a:rPr lang="en-US" sz="1400" dirty="0" err="1" smtClean="0">
                 <a:solidFill>
                   <a:schemeClr val="tx1"/>
                 </a:solidFill>
@@ -5376,7 +5909,7 @@
               <a:t>lấy</a:t>
             </a:r>
             <a:r>
-              <a:rPr lang="en-US" sz="1900" dirty="0" smtClean="0">
+              <a:rPr lang="en-US" sz="1400" dirty="0" smtClean="0">
                 <a:solidFill>
                   <a:schemeClr val="tx1"/>
                 </a:solidFill>
@@ -5384,7 +5917,7 @@
               <a:t> </a:t>
             </a:r>
             <a:r>
-              <a:rPr lang="en-US" sz="1900" dirty="0" err="1" smtClean="0">
+              <a:rPr lang="en-US" sz="1400" err="1" smtClean="0">
                 <a:solidFill>
                   <a:schemeClr val="tx1"/>
                 </a:solidFill>
@@ -5392,34 +5925,31 @@
               <a:t>tên</a:t>
             </a:r>
             <a:r>
-              <a:rPr lang="en-US" sz="1900" dirty="0" smtClean="0">
-                <a:solidFill>
-                  <a:schemeClr val="tx1"/>
-                </a:solidFill>
-              </a:rPr>
-              <a:t> field</a:t>
-            </a:r>
-          </a:p>
-          <a:p>
-            <a:pPr lvl="3"/>
-            <a:r>
-              <a:rPr lang="en-US" sz="1900" dirty="0" err="1" smtClean="0">
-                <a:solidFill>
-                  <a:schemeClr val="tx1"/>
-                </a:solidFill>
-              </a:rPr>
-              <a:t>Với</a:t>
-            </a:r>
-            <a:r>
-              <a:rPr lang="en-US" sz="1900" dirty="0" smtClean="0">
-                <a:solidFill>
-                  <a:schemeClr val="tx1"/>
-                </a:solidFill>
-              </a:rPr>
-              <a:t> setter method: </a:t>
-            </a:r>
-            <a:r>
-              <a:rPr lang="en-US" sz="1900" dirty="0" err="1" smtClean="0">
+              <a:rPr lang="en-US" sz="1400" smtClean="0">
+                <a:solidFill>
+                  <a:schemeClr val="tx1"/>
+                </a:solidFill>
+              </a:rPr>
+              <a:t> </a:t>
+            </a:r>
+            <a:r>
+              <a:rPr lang="en-US" sz="1400" smtClean="0">
+                <a:solidFill>
+                  <a:schemeClr val="tx1"/>
+                </a:solidFill>
+              </a:rPr>
+              <a:t>field - Với </a:t>
+            </a:r>
+            <a:r>
+              <a:rPr lang="en-US" sz="1400" dirty="0" smtClean="0">
+                <a:solidFill>
+                  <a:schemeClr val="tx1"/>
+                </a:solidFill>
+              </a:rPr>
+              <a:t>setter method: </a:t>
+            </a:r>
+            <a:r>
+              <a:rPr lang="en-US" sz="1400" dirty="0" err="1" smtClean="0">
                 <a:solidFill>
                   <a:schemeClr val="tx1"/>
                 </a:solidFill>
@@ -5427,64 +5957,32 @@
               <a:t>lấy</a:t>
             </a:r>
             <a:r>
-              <a:rPr lang="en-US" sz="1900" dirty="0" smtClean="0">
-                <a:solidFill>
-                  <a:schemeClr val="tx1"/>
-                </a:solidFill>
-              </a:rPr>
-              <a:t> bean property name</a:t>
-            </a:r>
-          </a:p>
-          <a:p>
-            <a:pPr lvl="1"/>
-            <a:r>
-              <a:rPr lang="vi-VN" dirty="0">
-                <a:solidFill>
-                  <a:schemeClr val="tx1"/>
-                </a:solidFill>
-              </a:rPr>
-              <a:t>@</a:t>
-            </a:r>
-            <a:r>
-              <a:rPr lang="vi-VN" dirty="0" smtClean="0">
-                <a:solidFill>
-                  <a:schemeClr val="tx1"/>
-                </a:solidFill>
-              </a:rPr>
-              <a:t>PostConstruct, @PreDestroy</a:t>
-            </a:r>
-            <a:r>
-              <a:rPr lang="en-US" dirty="0">
-                <a:solidFill>
-                  <a:schemeClr val="tx1"/>
-                </a:solidFill>
-              </a:rPr>
-              <a:t>, </a:t>
-            </a:r>
-            <a:r>
-              <a:rPr lang="en-US" sz="2300" dirty="0">
-                <a:solidFill>
-                  <a:schemeClr val="tx1"/>
-                </a:solidFill>
-              </a:rPr>
-              <a:t>@Resource</a:t>
-            </a:r>
-            <a:r>
-              <a:rPr lang="vi-VN" dirty="0" smtClean="0">
-                <a:solidFill>
-                  <a:schemeClr val="tx1"/>
-                </a:solidFill>
-              </a:rPr>
-              <a:t>( như by-Name autowiring)</a:t>
-            </a:r>
-            <a:endParaRPr lang="en-US" dirty="0">
-              <a:solidFill>
-                <a:schemeClr val="tx1"/>
-              </a:solidFill>
-            </a:endParaRPr>
-          </a:p>
-          <a:p>
-            <a:endParaRPr lang="en-US" sz="2100" dirty="0">
+              <a:rPr lang="en-US" sz="1400" dirty="0" smtClean="0">
+                <a:solidFill>
+                  <a:schemeClr val="tx1"/>
+                </a:solidFill>
+              </a:rPr>
+              <a:t> bean </a:t>
+            </a:r>
+            <a:r>
+              <a:rPr lang="en-US" sz="1400" smtClean="0">
+                <a:solidFill>
+                  <a:schemeClr val="tx1"/>
+                </a:solidFill>
+              </a:rPr>
+              <a:t>property </a:t>
+            </a:r>
+            <a:r>
+              <a:rPr lang="en-US" sz="1400" smtClean="0">
+                <a:solidFill>
+                  <a:schemeClr val="tx1"/>
+                </a:solidFill>
+              </a:rPr>
+              <a:t>name</a:t>
+            </a:r>
+          </a:p>
+          <a:p>
+            <a:endParaRPr lang="en-US" sz="1600" dirty="0">
               <a:solidFill>
                 <a:schemeClr val="tx1"/>
               </a:solidFill>
@@ -5716,8 +6214,49 @@
         </p:blipFill>
         <p:spPr bwMode="auto">
           <a:xfrm>
-            <a:off x="3440538" y="2500092"/>
+            <a:off x="2676264" y="2008772"/>
             <a:ext cx="5277587" cy="3153215"/>
+          </a:xfrm>
+          <a:prstGeom prst="rect">
+            <a:avLst/>
+          </a:prstGeom>
+          <a:noFill/>
+          <a:extLst>
+            <a:ext uri="{909E8E84-426E-40DD-AFC4-6F175D3DCCD1}">
+              <a14:hiddenFill xmlns:a14="http://schemas.microsoft.com/office/drawing/2010/main">
+                <a:solidFill>
+                  <a:srgbClr val="FFFFFF"/>
+                </a:solidFill>
+              </a14:hiddenFill>
+            </a:ext>
+          </a:extLst>
+        </p:spPr>
+      </p:pic>
+      <p:pic>
+        <p:nvPicPr>
+          <p:cNvPr id="3" name="Picture 2" descr="Spring MVC - Phần 1: Kiến trúc của Spring MVC, Flow trong Spring MVC"/>
+          <p:cNvPicPr>
+            <a:picLocks noChangeAspect="1" noChangeArrowheads="1"/>
+          </p:cNvPicPr>
+          <p:nvPr/>
+        </p:nvPicPr>
+        <p:blipFill>
+          <a:blip r:embed="rId4">
+            <a:extLst>
+              <a:ext uri="{28A0092B-C50C-407E-A947-70E740481C1C}">
+                <a14:useLocalDpi xmlns:a14="http://schemas.microsoft.com/office/drawing/2010/main" val="0"/>
+              </a:ext>
+            </a:extLst>
+          </a:blip>
+          <a:srcRect/>
+          <a:stretch>
+            <a:fillRect/>
+          </a:stretch>
+        </p:blipFill>
+        <p:spPr bwMode="auto">
+          <a:xfrm>
+            <a:off x="1957080" y="1691973"/>
+            <a:ext cx="7392259" cy="4531743"/>
           </a:xfrm>
           <a:prstGeom prst="rect">
             <a:avLst/>
@@ -5744,6 +6283,134 @@
   <p:clrMapOvr>
     <a:masterClrMapping/>
   </p:clrMapOvr>
+  <p:timing>
+    <p:tnLst>
+      <p:par>
+        <p:cTn id="1" dur="indefinite" restart="never" nodeType="tmRoot">
+          <p:childTnLst>
+            <p:seq concurrent="1" nextAc="seek">
+              <p:cTn id="2" dur="indefinite" nodeType="mainSeq">
+                <p:childTnLst>
+                  <p:par>
+                    <p:cTn id="3" fill="hold">
+                      <p:stCondLst>
+                        <p:cond delay="indefinite"/>
+                      </p:stCondLst>
+                      <p:childTnLst>
+                        <p:par>
+                          <p:cTn id="4" fill="hold">
+                            <p:stCondLst>
+                              <p:cond delay="0"/>
+                            </p:stCondLst>
+                            <p:childTnLst>
+                              <p:par>
+                                <p:cTn id="5" presetID="1" presetClass="entr" presetSubtype="0" fill="hold" nodeType="clickEffect">
+                                  <p:stCondLst>
+                                    <p:cond delay="0"/>
+                                  </p:stCondLst>
+                                  <p:childTnLst>
+                                    <p:set>
+                                      <p:cBhvr>
+                                        <p:cTn id="6" dur="1" fill="hold">
+                                          <p:stCondLst>
+                                            <p:cond delay="0"/>
+                                          </p:stCondLst>
+                                        </p:cTn>
+                                        <p:tgtEl>
+                                          <p:spTgt spid="1026"/>
+                                        </p:tgtEl>
+                                        <p:attrNameLst>
+                                          <p:attrName>style.visibility</p:attrName>
+                                        </p:attrNameLst>
+                                      </p:cBhvr>
+                                      <p:to>
+                                        <p:strVal val="visible"/>
+                                      </p:to>
+                                    </p:set>
+                                  </p:childTnLst>
+                                </p:cTn>
+                              </p:par>
+                            </p:childTnLst>
+                          </p:cTn>
+                        </p:par>
+                      </p:childTnLst>
+                    </p:cTn>
+                  </p:par>
+                  <p:par>
+                    <p:cTn id="7" fill="hold">
+                      <p:stCondLst>
+                        <p:cond delay="indefinite"/>
+                      </p:stCondLst>
+                      <p:childTnLst>
+                        <p:par>
+                          <p:cTn id="8" fill="hold">
+                            <p:stCondLst>
+                              <p:cond delay="0"/>
+                            </p:stCondLst>
+                            <p:childTnLst>
+                              <p:par>
+                                <p:cTn id="9" presetID="10" presetClass="entr" presetSubtype="0" fill="hold" nodeType="clickEffect">
+                                  <p:stCondLst>
+                                    <p:cond delay="0"/>
+                                  </p:stCondLst>
+                                  <p:childTnLst>
+                                    <p:set>
+                                      <p:cBhvr>
+                                        <p:cTn id="10" dur="1" fill="hold">
+                                          <p:stCondLst>
+                                            <p:cond delay="0"/>
+                                          </p:stCondLst>
+                                        </p:cTn>
+                                        <p:tgtEl>
+                                          <p:spTgt spid="3"/>
+                                        </p:tgtEl>
+                                        <p:attrNameLst>
+                                          <p:attrName>style.visibility</p:attrName>
+                                        </p:attrNameLst>
+                                      </p:cBhvr>
+                                      <p:to>
+                                        <p:strVal val="visible"/>
+                                      </p:to>
+                                    </p:set>
+                                    <p:animEffect transition="in" filter="fade">
+                                      <p:cBhvr>
+                                        <p:cTn id="11" dur="500"/>
+                                        <p:tgtEl>
+                                          <p:spTgt spid="3"/>
+                                        </p:tgtEl>
+                                      </p:cBhvr>
+                                    </p:animEffect>
+                                  </p:childTnLst>
+                                </p:cTn>
+                              </p:par>
+                            </p:childTnLst>
+                          </p:cTn>
+                        </p:par>
+                      </p:childTnLst>
+                    </p:cTn>
+                  </p:par>
+                </p:childTnLst>
+              </p:cTn>
+              <p:prevCondLst>
+                <p:cond evt="onPrev" delay="0">
+                  <p:tgtEl>
+                    <p:sldTgt/>
+                  </p:tgtEl>
+                </p:cond>
+              </p:prevCondLst>
+              <p:nextCondLst>
+                <p:cond evt="onNext" delay="0">
+                  <p:tgtEl>
+                    <p:sldTgt/>
+                  </p:tgtEl>
+                </p:cond>
+              </p:nextCondLst>
+            </p:seq>
+          </p:childTnLst>
+        </p:cTn>
+      </p:par>
+    </p:tnLst>
+  </p:timing>
 </p:sld>
 </file>
 
@@ -5789,7 +6456,15 @@
             </a:r>
             <a:r>
               <a:rPr lang="en-US" dirty="0" err="1" smtClean="0"/>
-              <a:t>DispatcherServlet</a:t>
+              <a:t>Mô</a:t>
+            </a:r>
+            <a:r>
+              <a:rPr lang="en-US" dirty="0" smtClean="0"/>
+              <a:t> </a:t>
+            </a:r>
+            <a:r>
+              <a:rPr lang="en-US" dirty="0" err="1" smtClean="0"/>
+              <a:t>hình</a:t>
             </a:r>
             <a:endParaRPr lang="en-US" dirty="0"/>
           </a:p>
@@ -5805,25 +6480,150 @@
             <p:ph idx="1"/>
           </p:nvPr>
         </p:nvSpPr>
-        <p:spPr/>
-        <p:txBody>
-          <a:bodyPr/>
+        <p:spPr>
+          <a:xfrm>
+            <a:off x="1143000" y="1856096"/>
+            <a:ext cx="9872871" cy="4239904"/>
+          </a:xfrm>
+        </p:spPr>
+        <p:txBody>
+          <a:bodyPr>
+            <a:normAutofit fontScale="85000" lnSpcReduction="10000"/>
+          </a:bodyPr>
           <a:lstStyle/>
           <a:p>
-            <a:endParaRPr lang="en-US"/>
+            <a:pPr fontAlgn="base"/>
+            <a:r>
+              <a:rPr lang="vi-VN" smtClean="0"/>
+              <a:t>Request tới Dispatcher Servlet</a:t>
+            </a:r>
+            <a:endParaRPr lang="vi-VN"/>
+          </a:p>
+          <a:p>
+            <a:pPr fontAlgn="base"/>
+            <a:r>
+              <a:rPr lang="vi-VN"/>
+              <a:t>Dispatcher Servlet</a:t>
+            </a:r>
+            <a:r>
+              <a:rPr lang="vi-VN" smtClean="0"/>
+              <a:t> </a:t>
+            </a:r>
+            <a:r>
+              <a:rPr lang="vi-VN"/>
+              <a:t>sẽ sử dụng Handler Mapping để biết được controller nào sẽ xử lý request đó</a:t>
+            </a:r>
+          </a:p>
+          <a:p>
+            <a:pPr fontAlgn="base"/>
+            <a:r>
+              <a:rPr lang="vi-VN"/>
+              <a:t>Controller nhận request, gọi tới các class service thích hợp để xử lý yêu cầu.</a:t>
+            </a:r>
+          </a:p>
+          <a:p>
+            <a:pPr fontAlgn="base"/>
+            <a:r>
+              <a:rPr lang="vi-VN"/>
+              <a:t>Sau khi xử lý xong, Controller sẽ nhận được model từ tầng Service hoặc tầng DAO.</a:t>
+            </a:r>
+          </a:p>
+          <a:p>
+            <a:pPr fontAlgn="base"/>
+            <a:r>
+              <a:rPr lang="vi-VN"/>
+              <a:t>Controller gửi </a:t>
+            </a:r>
+            <a:r>
+              <a:rPr lang="vi-VN"/>
+              <a:t>model </a:t>
+            </a:r>
+            <a:r>
+              <a:rPr lang="vi-VN" smtClean="0"/>
+              <a:t>và tên view tới </a:t>
+            </a:r>
+            <a:r>
+              <a:rPr lang="vi-VN"/>
+              <a:t>Dispatcher </a:t>
+            </a:r>
+            <a:r>
+              <a:rPr lang="vi-VN" smtClean="0"/>
+              <a:t>Servlet</a:t>
+            </a:r>
+            <a:endParaRPr lang="vi-VN"/>
+          </a:p>
+          <a:p>
+            <a:pPr fontAlgn="base"/>
+            <a:r>
+              <a:rPr lang="vi-VN"/>
+              <a:t>Dispatcher Servlet sẽ tìm các mẫu view, sử dụng view resolver và truyền model vào nó.</a:t>
+            </a:r>
+          </a:p>
+          <a:p>
+            <a:pPr fontAlgn="base"/>
+            <a:r>
+              <a:rPr lang="vi-VN"/>
+              <a:t>View template, model, view page được build và gửi trả </a:t>
+            </a:r>
+            <a:r>
+              <a:rPr lang="vi-VN"/>
+              <a:t>lại </a:t>
+            </a:r>
+            <a:r>
+              <a:rPr lang="vi-VN"/>
+              <a:t>Dispatcher Servlet</a:t>
+            </a:r>
+            <a:endParaRPr lang="vi-VN"/>
+          </a:p>
+          <a:p>
+            <a:pPr fontAlgn="base"/>
+            <a:r>
+              <a:rPr lang="vi-VN"/>
+              <a:t>Dispatcher Servlet</a:t>
+            </a:r>
+            <a:r>
+              <a:rPr lang="vi-VN" smtClean="0"/>
+              <a:t> </a:t>
+            </a:r>
+            <a:r>
+              <a:rPr lang="vi-VN"/>
+              <a:t>gửi một page view tới trình duyệt để hiển </a:t>
+            </a:r>
+            <a:r>
+              <a:rPr lang="vi-VN"/>
+              <a:t>thị </a:t>
+            </a:r>
+            <a:r>
+              <a:rPr lang="vi-VN" smtClean="0"/>
+              <a:t>cho </a:t>
+            </a:r>
+            <a:r>
+              <a:rPr lang="vi-VN"/>
+              <a:t>người dùng.</a:t>
+            </a:r>
+          </a:p>
+          <a:p>
+            <a:endParaRPr lang="vi-VN"/>
           </a:p>
         </p:txBody>
       </p:sp>
     </p:spTree>
     <p:extLst>
       <p:ext uri="{BB962C8B-B14F-4D97-AF65-F5344CB8AC3E}">
-        <p14:creationId xmlns:p14="http://schemas.microsoft.com/office/powerpoint/2010/main" val="1952450070"/>
+        <p14:creationId xmlns:p14="http://schemas.microsoft.com/office/powerpoint/2010/main" val="3214135412"/>
       </p:ext>
     </p:extLst>
   </p:cSld>
   <p:clrMapOvr>
     <a:masterClrMapping/>
   </p:clrMapOvr>
+  <p:timing>
+    <p:tnLst>
+      <p:par>
+        <p:cTn id="1" dur="indefinite" restart="never" nodeType="tmRoot"/>
+      </p:par>
+    </p:tnLst>
+  </p:timing>
 </p:sld>
 </file>
 
@@ -5869,7 +6669,7 @@
             </a:r>
             <a:r>
               <a:rPr lang="en-US" dirty="0" err="1" smtClean="0"/>
-              <a:t>HandlerMapping</a:t>
+              <a:t>DispatcherServlet</a:t>
             </a:r>
             <a:endParaRPr lang="en-US" dirty="0"/>
           </a:p>
@@ -5890,20 +6690,31 @@
           <a:bodyPr/>
           <a:lstStyle/>
           <a:p>
-            <a:endParaRPr lang="en-US" dirty="0"/>
+            <a:r>
+              <a:rPr lang="en-US" smtClean="0"/>
+              <a:t>Bất kỳ request nào tới sẽ được gửi đến DispactherServlet</a:t>
+            </a:r>
+            <a:endParaRPr lang="en-US"/>
           </a:p>
         </p:txBody>
       </p:sp>
     </p:spTree>
     <p:extLst>
       <p:ext uri="{BB962C8B-B14F-4D97-AF65-F5344CB8AC3E}">
-        <p14:creationId xmlns:p14="http://schemas.microsoft.com/office/powerpoint/2010/main" val="2388783712"/>
+        <p14:creationId xmlns:p14="http://schemas.microsoft.com/office/powerpoint/2010/main" val="1952450070"/>
       </p:ext>
     </p:extLst>
   </p:cSld>
   <p:clrMapOvr>
     <a:masterClrMapping/>
   </p:clrMapOvr>
+  <p:timing>
+    <p:tnLst>
+      <p:par>
+        <p:cTn id="1" dur="indefinite" restart="never" nodeType="tmRoot"/>
+      </p:par>
+    </p:tnLst>
+  </p:timing>
 </p:sld>
 </file>
 
@@ -5945,7 +6756,11 @@
             </a:r>
             <a:r>
               <a:rPr lang="en-US" dirty="0" smtClean="0"/>
-              <a:t>MVC – Controller</a:t>
+              <a:t>MVC – </a:t>
+            </a:r>
+            <a:r>
+              <a:rPr lang="en-US" dirty="0" err="1" smtClean="0"/>
+              <a:t>HandlerMapping</a:t>
             </a:r>
             <a:endParaRPr lang="en-US" dirty="0"/>
           </a:p>
@@ -5966,48 +6781,6 @@
           <a:bodyPr/>
           <a:lstStyle/>
           <a:p>
-            <a:r>
-              <a:rPr lang="en-US" dirty="0" smtClean="0"/>
-              <a:t>@Controller</a:t>
-            </a:r>
-          </a:p>
-          <a:p>
-            <a:r>
-              <a:rPr lang="en-US" dirty="0" smtClean="0"/>
-              <a:t>@Configuration</a:t>
-            </a:r>
-          </a:p>
-          <a:p>
-            <a:r>
-              <a:rPr lang="en-US" dirty="0" smtClean="0"/>
-              <a:t>@</a:t>
-            </a:r>
-            <a:r>
-              <a:rPr lang="en-US" dirty="0" err="1" smtClean="0"/>
-              <a:t>ComponentScan</a:t>
-            </a:r>
-            <a:endParaRPr lang="en-US" dirty="0" smtClean="0"/>
-          </a:p>
-          <a:p>
-            <a:r>
-              <a:rPr lang="en-US" dirty="0" smtClean="0"/>
-              <a:t>@</a:t>
-            </a:r>
-            <a:r>
-              <a:rPr lang="en-US" dirty="0" err="1" smtClean="0"/>
-              <a:t>ResponseBody</a:t>
-            </a:r>
-            <a:endParaRPr lang="en-US" dirty="0" smtClean="0"/>
-          </a:p>
-          <a:p>
-            <a:r>
-              <a:rPr lang="en-US" dirty="0" smtClean="0"/>
-              <a:t>@</a:t>
-            </a:r>
-            <a:r>
-              <a:rPr lang="en-US" dirty="0" err="1" smtClean="0"/>
-              <a:t>RestController</a:t>
-            </a:r>
             <a:endParaRPr lang="en-US" dirty="0"/>
           </a:p>
         </p:txBody>
@@ -6015,13 +6788,20 @@
     </p:spTree>
     <p:extLst>
       <p:ext uri="{BB962C8B-B14F-4D97-AF65-F5344CB8AC3E}">
-        <p14:creationId xmlns:p14="http://schemas.microsoft.com/office/powerpoint/2010/main" val="2354302117"/>
+        <p14:creationId xmlns:p14="http://schemas.microsoft.com/office/powerpoint/2010/main" val="2388783712"/>
       </p:ext>
     </p:extLst>
   </p:cSld>
   <p:clrMapOvr>
     <a:masterClrMapping/>
   </p:clrMapOvr>
+  <p:timing>
+    <p:tnLst>
+      <p:par>
+        <p:cTn id="1" dur="indefinite" restart="never" nodeType="tmRoot"/>
+      </p:par>
+    </p:tnLst>
+  </p:timing>
 </p:sld>
 </file>
 
@@ -6063,11 +6843,7 @@
             </a:r>
             <a:r>
               <a:rPr lang="en-US" dirty="0" smtClean="0"/>
-              <a:t>MVC – </a:t>
-            </a:r>
-            <a:r>
-              <a:rPr lang="en-US" dirty="0" err="1" smtClean="0"/>
-              <a:t>ViewResolver</a:t>
+              <a:t>MVC – Controller</a:t>
             </a:r>
             <a:endParaRPr lang="en-US" dirty="0"/>
           </a:p>
@@ -6088,20 +6864,53 @@
           <a:bodyPr/>
           <a:lstStyle/>
           <a:p>
-            <a:endParaRPr lang="en-US"/>
+            <a:r>
+              <a:rPr lang="en-US" smtClean="0"/>
+              <a:t>@</a:t>
+            </a:r>
+            <a:r>
+              <a:rPr lang="en-US" smtClean="0"/>
+              <a:t>Controller</a:t>
+            </a:r>
+            <a:endParaRPr lang="en-US" dirty="0" smtClean="0"/>
+          </a:p>
+          <a:p>
+            <a:r>
+              <a:rPr lang="en-US" smtClean="0"/>
+              <a:t>@</a:t>
+            </a:r>
+            <a:r>
+              <a:rPr lang="en-US" smtClean="0"/>
+              <a:t>RestController: ResponseBody + Controller</a:t>
+            </a:r>
+          </a:p>
+          <a:p>
+            <a:pPr lvl="1"/>
+            <a:r>
+              <a:rPr lang="en-US"/>
+              <a:t>@ResponseBody: trả về text, ko trả về view</a:t>
+            </a:r>
+            <a:endParaRPr lang="en-US" dirty="0"/>
           </a:p>
         </p:txBody>
       </p:sp>
     </p:spTree>
     <p:extLst>
       <p:ext uri="{BB962C8B-B14F-4D97-AF65-F5344CB8AC3E}">
-        <p14:creationId xmlns:p14="http://schemas.microsoft.com/office/powerpoint/2010/main" val="3349303326"/>
+        <p14:creationId xmlns:p14="http://schemas.microsoft.com/office/powerpoint/2010/main" val="2354302117"/>
       </p:ext>
     </p:extLst>
   </p:cSld>
   <p:clrMapOvr>
     <a:masterClrMapping/>
   </p:clrMapOvr>
+  <p:timing>
+    <p:tnLst>
+      <p:par>
+        <p:cTn id="1" dur="indefinite" restart="never" nodeType="tmRoot"/>
+      </p:par>
+    </p:tnLst>
+  </p:timing>
 </p:sld>
 </file>
 
@@ -6143,7 +6952,11 @@
             </a:r>
             <a:r>
               <a:rPr lang="en-US" dirty="0" smtClean="0"/>
-              <a:t>MVC – View</a:t>
+              <a:t>MVC – </a:t>
+            </a:r>
+            <a:r>
+              <a:rPr lang="en-US" dirty="0" err="1" smtClean="0"/>
+              <a:t>ViewResolver</a:t>
             </a:r>
             <a:endParaRPr lang="en-US" dirty="0"/>
           </a:p>
@@ -6171,13 +6984,20 @@
     </p:spTree>
     <p:extLst>
       <p:ext uri="{BB962C8B-B14F-4D97-AF65-F5344CB8AC3E}">
-        <p14:creationId xmlns:p14="http://schemas.microsoft.com/office/powerpoint/2010/main" val="3604753199"/>
+        <p14:creationId xmlns:p14="http://schemas.microsoft.com/office/powerpoint/2010/main" val="3349303326"/>
       </p:ext>
     </p:extLst>
   </p:cSld>
   <p:clrMapOvr>
     <a:masterClrMapping/>
   </p:clrMapOvr>
+  <p:timing>
+    <p:tnLst>
+      <p:par>
+        <p:cTn id="1" dur="indefinite" restart="never" nodeType="tmRoot"/>
+      </p:par>
+    </p:tnLst>
+  </p:timing>
 </p:sld>
 </file>
 
@@ -6214,8 +7034,12 @@
           <a:lstStyle/>
           <a:p>
             <a:r>
+              <a:rPr lang="en-US" dirty="0"/>
+              <a:t>Spring </a:t>
+            </a:r>
+            <a:r>
               <a:rPr lang="en-US" dirty="0" smtClean="0"/>
-              <a:t>Spring Boot</a:t>
+              <a:t>MVC – View</a:t>
             </a:r>
             <a:endParaRPr lang="en-US" dirty="0"/>
           </a:p>
@@ -6243,7 +7067,7 @@
     </p:spTree>
     <p:extLst>
       <p:ext uri="{BB962C8B-B14F-4D97-AF65-F5344CB8AC3E}">
-        <p14:creationId xmlns:p14="http://schemas.microsoft.com/office/powerpoint/2010/main" val="1608400009"/>
+        <p14:creationId xmlns:p14="http://schemas.microsoft.com/office/powerpoint/2010/main" val="3604753199"/>
       </p:ext>
     </p:extLst>
   </p:cSld>
@@ -6361,6 +7185,197 @@
   <p:clrMapOvr>
     <a:masterClrMapping/>
   </p:clrMapOvr>
+  <p:timing>
+    <p:tnLst>
+      <p:par>
+        <p:cTn id="1" dur="indefinite" restart="never" nodeType="tmRoot"/>
+      </p:par>
+    </p:tnLst>
+  </p:timing>
+</p:sld>
+</file>
+
+<file path=ppt/slides/slide20.xml><?xml version="1.0" encoding="utf-8"?>
+<p:sld xmlns:a="http://schemas.openxmlformats.org/drawingml/2006/main" xmlns:r="http://schemas.openxmlformats.org/officeDocument/2006/relationships" xmlns:p="http://schemas.openxmlformats.org/presentationml/2006/main">
+  <p:cSld>
+    <p:spTree>
+      <p:nvGrpSpPr>
+        <p:cNvPr id="1" name=""/>
+        <p:cNvGrpSpPr/>
+        <p:nvPr/>
+      </p:nvGrpSpPr>
+      <p:grpSpPr>
+        <a:xfrm>
+          <a:off x="0" y="0"/>
+          <a:ext cx="0" cy="0"/>
+          <a:chOff x="0" y="0"/>
+          <a:chExt cx="0" cy="0"/>
+        </a:xfrm>
+      </p:grpSpPr>
+      <p:sp>
+        <p:nvSpPr>
+          <p:cNvPr id="2" name="Title 1"/>
+          <p:cNvSpPr>
+            <a:spLocks noGrp="1"/>
+          </p:cNvSpPr>
+          <p:nvPr>
+            <p:ph type="title"/>
+          </p:nvPr>
+        </p:nvSpPr>
+        <p:spPr/>
+        <p:txBody>
+          <a:bodyPr/>
+          <a:lstStyle/>
+          <a:p>
+            <a:r>
+              <a:rPr lang="en-US" dirty="0"/>
+              <a:t>Spring </a:t>
+            </a:r>
+            <a:r>
+              <a:rPr lang="en-US" dirty="0" smtClean="0"/>
+              <a:t>MVC </a:t>
+            </a:r>
+            <a:r>
+              <a:rPr lang="en-US" smtClean="0"/>
+              <a:t>– </a:t>
+            </a:r>
+            <a:r>
+              <a:rPr lang="en-US" smtClean="0"/>
+              <a:t>Other</a:t>
+            </a:r>
+            <a:endParaRPr lang="en-US" dirty="0"/>
+          </a:p>
+        </p:txBody>
+      </p:sp>
+      <p:sp>
+        <p:nvSpPr>
+          <p:cNvPr id="3" name="Content Placeholder 2"/>
+          <p:cNvSpPr>
+            <a:spLocks noGrp="1"/>
+          </p:cNvSpPr>
+          <p:nvPr>
+            <p:ph idx="1"/>
+          </p:nvPr>
+        </p:nvSpPr>
+        <p:spPr/>
+        <p:txBody>
+          <a:bodyPr/>
+          <a:lstStyle/>
+          <a:p>
+            <a:r>
+              <a:rPr lang="en-US"/>
+              <a:t>@Configuration</a:t>
+            </a:r>
+          </a:p>
+          <a:p>
+            <a:r>
+              <a:rPr lang="en-US"/>
+              <a:t>@</a:t>
+            </a:r>
+            <a:r>
+              <a:rPr lang="en-US" smtClean="0"/>
+              <a:t>ComponentScan</a:t>
+            </a:r>
+            <a:endParaRPr lang="en-US"/>
+          </a:p>
+        </p:txBody>
+      </p:sp>
+    </p:spTree>
+    <p:extLst>
+      <p:ext uri="{BB962C8B-B14F-4D97-AF65-F5344CB8AC3E}">
+        <p14:creationId xmlns:p14="http://schemas.microsoft.com/office/powerpoint/2010/main" val="3838123885"/>
+      </p:ext>
+    </p:extLst>
+  </p:cSld>
+  <p:clrMapOvr>
+    <a:masterClrMapping/>
+  </p:clrMapOvr>
+  <p:timing>
+    <p:tnLst>
+      <p:par>
+        <p:cTn id="1" dur="indefinite" restart="never" nodeType="tmRoot"/>
+      </p:par>
+    </p:tnLst>
+  </p:timing>
+</p:sld>
+</file>
+
+<file path=ppt/slides/slide21.xml><?xml version="1.0" encoding="utf-8"?>
+<p:sld xmlns:a="http://schemas.openxmlformats.org/drawingml/2006/main" xmlns:r="http://schemas.openxmlformats.org/officeDocument/2006/relationships" xmlns:p="http://schemas.openxmlformats.org/presentationml/2006/main">
+  <p:cSld>
+    <p:spTree>
+      <p:nvGrpSpPr>
+        <p:cNvPr id="1" name=""/>
+        <p:cNvGrpSpPr/>
+        <p:nvPr/>
+      </p:nvGrpSpPr>
+      <p:grpSpPr>
+        <a:xfrm>
+          <a:off x="0" y="0"/>
+          <a:ext cx="0" cy="0"/>
+          <a:chOff x="0" y="0"/>
+          <a:chExt cx="0" cy="0"/>
+        </a:xfrm>
+      </p:grpSpPr>
+      <p:sp>
+        <p:nvSpPr>
+          <p:cNvPr id="2" name="Title 1"/>
+          <p:cNvSpPr>
+            <a:spLocks noGrp="1"/>
+          </p:cNvSpPr>
+          <p:nvPr>
+            <p:ph type="title"/>
+          </p:nvPr>
+        </p:nvSpPr>
+        <p:spPr/>
+        <p:txBody>
+          <a:bodyPr/>
+          <a:lstStyle/>
+          <a:p>
+            <a:r>
+              <a:rPr lang="en-US" dirty="0" smtClean="0"/>
+              <a:t>Spring Boot</a:t>
+            </a:r>
+            <a:endParaRPr lang="en-US" dirty="0"/>
+          </a:p>
+        </p:txBody>
+      </p:sp>
+      <p:sp>
+        <p:nvSpPr>
+          <p:cNvPr id="3" name="Content Placeholder 2"/>
+          <p:cNvSpPr>
+            <a:spLocks noGrp="1"/>
+          </p:cNvSpPr>
+          <p:nvPr>
+            <p:ph idx="1"/>
+          </p:nvPr>
+        </p:nvSpPr>
+        <p:spPr/>
+        <p:txBody>
+          <a:bodyPr/>
+          <a:lstStyle/>
+          <a:p>
+            <a:endParaRPr lang="en-US"/>
+          </a:p>
+        </p:txBody>
+      </p:sp>
+    </p:spTree>
+    <p:extLst>
+      <p:ext uri="{BB962C8B-B14F-4D97-AF65-F5344CB8AC3E}">
+        <p14:creationId xmlns:p14="http://schemas.microsoft.com/office/powerpoint/2010/main" val="1608400009"/>
+      </p:ext>
+    </p:extLst>
+  </p:cSld>
+  <p:clrMapOvr>
+    <a:masterClrMapping/>
+  </p:clrMapOvr>
+  <p:timing>
+    <p:tnLst>
+      <p:par>
+        <p:cTn id="1" dur="indefinite" restart="never" nodeType="tmRoot"/>
+      </p:par>
+    </p:tnLst>
+  </p:timing>
 </p:sld>
 </file>
 
@@ -6415,7 +7430,7 @@
           </p:nvPr>
         </p:nvPicPr>
         <p:blipFill>
-          <a:blip r:embed="rId2">
+          <a:blip r:embed="rId3">
             <a:extLst>
               <a:ext uri="{28A0092B-C50C-407E-A947-70E740481C1C}">
                 <a14:useLocalDpi xmlns:a14="http://schemas.microsoft.com/office/drawing/2010/main" val="0"/>
@@ -6653,6 +7668,13 @@
   <p:clrMapOvr>
     <a:masterClrMapping/>
   </p:clrMapOvr>
+  <p:timing>
+    <p:tnLst>
+      <p:par>
+        <p:cTn id="1" dur="indefinite" restart="never" nodeType="tmRoot"/>
+      </p:par>
+    </p:tnLst>
+  </p:timing>
 </p:sld>
 </file>
 
@@ -6715,24 +7737,22 @@
           <a:p>
             <a:pPr lvl="1"/>
             <a:r>
-              <a:rPr lang="en-US" sz="3600" dirty="0" err="1" smtClean="0"/>
+              <a:rPr lang="en-US" sz="3600" err="1" smtClean="0"/>
               <a:t>IoC</a:t>
             </a:r>
             <a:r>
-              <a:rPr lang="en-US" sz="3600" dirty="0" smtClean="0"/>
+              <a:rPr lang="en-US" sz="3600" smtClean="0"/>
               <a:t> </a:t>
             </a:r>
-            <a:r>
-              <a:rPr lang="en-US" sz="3600" dirty="0"/>
-              <a:t>Container</a:t>
-            </a:r>
+            <a:endParaRPr lang="en-US" sz="3600" smtClean="0"/>
           </a:p>
           <a:p>
             <a:pPr lvl="1"/>
             <a:r>
-              <a:rPr lang="en-US" sz="3600" dirty="0" smtClean="0"/>
+              <a:rPr lang="en-US" sz="3600" smtClean="0"/>
               <a:t>Beans</a:t>
             </a:r>
+            <a:endParaRPr lang="en-US" sz="3600" dirty="0" smtClean="0"/>
           </a:p>
           <a:p>
             <a:pPr lvl="1"/>
@@ -6800,20 +7820,12 @@
               <a:t>Spring </a:t>
             </a:r>
             <a:r>
-              <a:rPr lang="en-US" dirty="0" smtClean="0"/>
-              <a:t>Core - </a:t>
-            </a:r>
-            <a:r>
-              <a:rPr lang="en-US" dirty="0" err="1" smtClean="0"/>
-              <a:t>IoC</a:t>
-            </a:r>
-            <a:r>
-              <a:rPr lang="en-US" dirty="0" smtClean="0"/>
-              <a:t> </a:t>
-            </a:r>
-            <a:r>
-              <a:rPr lang="en-US" dirty="0" smtClean="0"/>
-              <a:t>Container</a:t>
+              <a:rPr lang="en-US" smtClean="0"/>
+              <a:t>Core </a:t>
+            </a:r>
+            <a:r>
+              <a:rPr lang="en-US" smtClean="0"/>
+              <a:t>-&gt; IoC</a:t>
             </a:r>
             <a:endParaRPr lang="en-US" dirty="0"/>
           </a:p>
@@ -6830,7 +7842,7 @@
           </p:nvPr>
         </p:nvPicPr>
         <p:blipFill rotWithShape="1">
-          <a:blip r:embed="rId2">
+          <a:blip r:embed="rId3">
             <a:extLst>
               <a:ext uri="{28A0092B-C50C-407E-A947-70E740481C1C}">
                 <a14:useLocalDpi xmlns:a14="http://schemas.microsoft.com/office/drawing/2010/main" val="0"/>
@@ -7067,12 +8079,16 @@
           <a:lstStyle/>
           <a:p>
             <a:r>
-              <a:rPr lang="en-US" dirty="0" err="1" smtClean="0"/>
-              <a:t>IoC</a:t>
-            </a:r>
-            <a:r>
-              <a:rPr lang="en-US" dirty="0" smtClean="0"/>
-              <a:t> Container</a:t>
+              <a:rPr lang="en-US"/>
+              <a:t>Spring </a:t>
+            </a:r>
+            <a:r>
+              <a:rPr lang="en-US"/>
+              <a:t>Core </a:t>
+            </a:r>
+            <a:r>
+              <a:rPr lang="en-US" smtClean="0"/>
+              <a:t>-&gt; IoC </a:t>
             </a:r>
             <a:endParaRPr lang="en-US" dirty="0"/>
           </a:p>
@@ -7105,19 +8121,11 @@
               <a:buChar char="•"/>
             </a:pPr>
             <a:r>
-              <a:rPr lang="en-US" sz="2400" dirty="0" err="1" smtClean="0"/>
-              <a:t>Ví</a:t>
-            </a:r>
-            <a:r>
-              <a:rPr lang="en-US" sz="2400" dirty="0" smtClean="0"/>
-              <a:t> </a:t>
-            </a:r>
-            <a:r>
-              <a:rPr lang="en-US" sz="2400" dirty="0" err="1" smtClean="0"/>
-              <a:t>dụ</a:t>
-            </a:r>
-            <a:r>
-              <a:rPr lang="en-US" sz="2400" dirty="0" smtClean="0"/>
+              <a:rPr lang="en-US" sz="2400" smtClean="0"/>
+              <a:t>Một số</a:t>
+            </a:r>
+            <a:r>
+              <a:rPr lang="en-US" sz="2400" smtClean="0"/>
               <a:t> </a:t>
             </a:r>
             <a:r>
@@ -7223,12 +8231,8 @@
               <a:buChar char="•"/>
             </a:pPr>
             <a:r>
-              <a:rPr lang="en-US" sz="2400" dirty="0" err="1"/>
-              <a:t>AbstractApplicationContext</a:t>
-            </a:r>
-            <a:r>
-              <a:rPr lang="en-US" sz="2400" dirty="0"/>
-              <a:t> </a:t>
+              <a:rPr lang="en-US" sz="2400" smtClean="0"/>
+              <a:t>ApplicationContext </a:t>
             </a:r>
             <a:r>
               <a:rPr lang="en-US" sz="2400" dirty="0" err="1"/>
@@ -7236,23 +8240,33 @@
             </a:r>
             <a:r>
               <a:rPr lang="en-US" sz="2400" dirty="0"/>
-              <a:t> = </a:t>
-            </a:r>
-            <a:r>
-              <a:rPr lang="en-US" sz="2400" dirty="0" smtClean="0"/>
-              <a:t>new </a:t>
-            </a:r>
-            <a:r>
-              <a:rPr lang="en-US" sz="2400" dirty="0" err="1" smtClean="0"/>
-              <a:t>ClassPathXmlApplicationContext</a:t>
-            </a:r>
-            <a:r>
-              <a:rPr lang="en-US" sz="2400" dirty="0"/>
-              <a:t>("beans.xml</a:t>
-            </a:r>
-            <a:r>
-              <a:rPr lang="en-US" sz="2400" dirty="0" smtClean="0"/>
-              <a:t>");</a:t>
+              <a:t> = new </a:t>
+            </a:r>
+            <a:r>
+              <a:rPr lang="en-US" sz="2400" err="1"/>
+              <a:t>AnnotationConfigApplicationContext</a:t>
+            </a:r>
+            <a:r>
+              <a:rPr lang="en-US" sz="2400"/>
+              <a:t>(</a:t>
+            </a:r>
+            <a:r>
+              <a:rPr lang="en-US" sz="2400" err="1"/>
+              <a:t>HelloWorldConfig.class</a:t>
+            </a:r>
+            <a:r>
+              <a:rPr lang="en-US" sz="2400" smtClean="0"/>
+              <a:t>);</a:t>
+            </a:r>
+          </a:p>
+          <a:p>
+            <a:pPr marL="800100" lvl="1" indent="-342900">
+              <a:buFont typeface="Arial" panose="020B0604020202020204" pitchFamily="34" charset="0"/>
+              <a:buChar char="•"/>
+            </a:pPr>
+            <a:r>
+              <a:rPr lang="en-US" sz="2400"/>
+              <a:t>AbstractApplicationContext ctx = new ClassPathXmlApplicationContext("beans.xml");</a:t>
             </a:r>
           </a:p>
           <a:p>
@@ -7261,66 +8275,16 @@
               <a:buChar char="•"/>
             </a:pPr>
             <a:r>
-              <a:rPr lang="en-US" sz="2400" dirty="0" err="1"/>
-              <a:t>ctx.registerShutdownHook</a:t>
-            </a:r>
-            <a:r>
-              <a:rPr lang="en-US" sz="2400" dirty="0" smtClean="0"/>
-              <a:t>(); (</a:t>
-            </a:r>
-            <a:r>
-              <a:rPr lang="en-US" sz="2400" dirty="0" err="1" smtClean="0"/>
-              <a:t>để</a:t>
-            </a:r>
-            <a:r>
-              <a:rPr lang="en-US" sz="2400" dirty="0" smtClean="0"/>
-              <a:t> </a:t>
-            </a:r>
-            <a:r>
-              <a:rPr lang="en-US" sz="2400" dirty="0" err="1" smtClean="0"/>
-              <a:t>chạy</a:t>
-            </a:r>
-            <a:r>
-              <a:rPr lang="en-US" sz="2400" dirty="0" smtClean="0"/>
-              <a:t> destroy method)</a:t>
-            </a:r>
-          </a:p>
-          <a:p>
-            <a:pPr marL="800100" lvl="1" indent="-342900">
-              <a:buFont typeface="Arial" panose="020B0604020202020204" pitchFamily="34" charset="0"/>
-              <a:buChar char="•"/>
-            </a:pPr>
-            <a:r>
-              <a:rPr lang="en-US" sz="2400" dirty="0" err="1"/>
-              <a:t>ApplicationContext</a:t>
-            </a:r>
-            <a:r>
-              <a:rPr lang="en-US" sz="2400" dirty="0"/>
-              <a:t> </a:t>
-            </a:r>
-            <a:r>
-              <a:rPr lang="en-US" sz="2400" dirty="0" err="1"/>
-              <a:t>ctx</a:t>
-            </a:r>
-            <a:r>
-              <a:rPr lang="en-US" sz="2400" dirty="0"/>
-              <a:t> = new </a:t>
-            </a:r>
-            <a:r>
-              <a:rPr lang="en-US" sz="2400" dirty="0" err="1"/>
-              <a:t>AnnotationConfigApplicationContext</a:t>
-            </a:r>
-            <a:r>
-              <a:rPr lang="en-US" sz="2400" dirty="0"/>
-              <a:t>(</a:t>
-            </a:r>
-            <a:r>
-              <a:rPr lang="en-US" sz="2400" dirty="0" err="1"/>
-              <a:t>HelloWorldConfig.class</a:t>
-            </a:r>
-            <a:r>
-              <a:rPr lang="en-US" sz="2400" dirty="0"/>
-              <a:t>);</a:t>
+              <a:rPr lang="en-US" sz="2400"/>
+              <a:t>ctx.registerShutdownHook(); (để chạy destroy </a:t>
+            </a:r>
+            <a:r>
+              <a:rPr lang="en-US" sz="2400"/>
+              <a:t>method</a:t>
+            </a:r>
+            <a:r>
+              <a:rPr lang="en-US" sz="2400" smtClean="0"/>
+              <a:t>)</a:t>
             </a:r>
             <a:endParaRPr lang="en-US" sz="2400" dirty="0" smtClean="0"/>
           </a:p>
@@ -7386,12 +8350,16 @@
           <a:lstStyle/>
           <a:p>
             <a:r>
-              <a:rPr lang="en-US" dirty="0"/>
+              <a:rPr lang="en-US"/>
               <a:t>Spring </a:t>
             </a:r>
             <a:r>
+              <a:rPr lang="en-US" smtClean="0"/>
+              <a:t>Core -&gt; </a:t>
+            </a:r>
+            <a:r>
               <a:rPr lang="en-US" dirty="0" smtClean="0"/>
-              <a:t>Core- Beans</a:t>
+              <a:t>Beans</a:t>
             </a:r>
             <a:endParaRPr lang="en-US" dirty="0"/>
           </a:p>
@@ -7415,7 +8383,7 @@
         </p:spPr>
         <p:txBody>
           <a:bodyPr>
-            <a:normAutofit/>
+            <a:normAutofit lnSpcReduction="10000"/>
           </a:bodyPr>
           <a:lstStyle/>
           <a:p>
@@ -7423,13 +8391,31 @@
               <a:buNone/>
             </a:pPr>
             <a:r>
-              <a:rPr lang="en-US" sz="2800" dirty="0" smtClean="0">
-                <a:solidFill>
-                  <a:schemeClr val="tx1"/>
-                </a:solidFill>
-              </a:rPr>
-              <a:t>Bean: </a:t>
-            </a:r>
+              <a:rPr lang="en-US" sz="2800" smtClean="0">
+                <a:solidFill>
+                  <a:schemeClr val="tx1"/>
+                </a:solidFill>
+              </a:rPr>
+              <a:t>Bean Factory: IoC container</a:t>
+            </a:r>
+          </a:p>
+          <a:p>
+            <a:pPr marL="45720" indent="0">
+              <a:buNone/>
+            </a:pPr>
+            <a:r>
+              <a:rPr lang="en-US" sz="2800" smtClean="0">
+                <a:solidFill>
+                  <a:schemeClr val="tx1"/>
+                </a:solidFill>
+              </a:rPr>
+              <a:t>Bean: các Objects</a:t>
+            </a:r>
+            <a:endParaRPr lang="en-US" sz="2800" dirty="0" smtClean="0">
+              <a:solidFill>
+                <a:schemeClr val="tx1"/>
+              </a:solidFill>
+            </a:endParaRPr>
           </a:p>
           <a:p>
             <a:pPr marL="45720" indent="0">
@@ -7588,8 +8574,32 @@
           <a:lstStyle/>
           <a:p>
             <a:r>
+              <a:rPr lang="en-US"/>
+              <a:t>Spring </a:t>
+            </a:r>
+            <a:r>
+              <a:rPr lang="en-US"/>
+              <a:t>Core </a:t>
+            </a:r>
+            <a:r>
+              <a:rPr lang="en-US" smtClean="0"/>
+              <a:t>-&gt; </a:t>
+            </a:r>
+            <a:r>
+              <a:rPr lang="en-US"/>
+              <a:t>Beans </a:t>
+            </a:r>
+            <a:r>
+              <a:rPr lang="en-US" smtClean="0"/>
+              <a:t>-&gt;</a:t>
+            </a:r>
+            <a:r>
+              <a:rPr lang="en-US" smtClean="0"/>
+              <a:t> </a:t>
+            </a:r>
+            <a:r>
               <a:rPr lang="en-US" dirty="0" smtClean="0"/>
-              <a:t>Beans – Bean </a:t>
+              <a:t>Bean </a:t>
             </a:r>
             <a:r>
               <a:rPr lang="en-US" dirty="0" err="1" smtClean="0"/>
@@ -7837,7 +8847,7 @@
               <a:t>Annotation </a:t>
             </a:r>
             <a:r>
-              <a:rPr lang="en-US" sz="2000" dirty="0">
+              <a:rPr lang="en-US" sz="2000">
                 <a:solidFill>
                   <a:schemeClr val="tx1"/>
                 </a:solidFill>
@@ -7845,13 +8855,18 @@
               <a:t>Base </a:t>
             </a:r>
             <a:r>
-              <a:rPr lang="en-US" sz="2000" dirty="0" smtClean="0">
-                <a:solidFill>
-                  <a:schemeClr val="tx1"/>
-                </a:solidFill>
-              </a:rPr>
-              <a:t>Configure: </a:t>
-            </a:r>
+              <a:rPr lang="en-US" sz="2000" smtClean="0">
+                <a:solidFill>
+                  <a:schemeClr val="tx1"/>
+                </a:solidFill>
+              </a:rPr>
+              <a:t>: </a:t>
+            </a:r>
+            <a:endParaRPr lang="en-US" sz="2000" dirty="0" smtClean="0">
+              <a:solidFill>
+                <a:schemeClr val="tx1"/>
+              </a:solidFill>
+            </a:endParaRPr>
           </a:p>
           <a:p>
             <a:pPr lvl="1"/>
@@ -8010,7 +9025,7 @@
           </a:p>
           <a:p>
             <a:r>
-              <a:rPr lang="en-US" sz="2000" dirty="0" smtClean="0">
+              <a:rPr lang="en-US" sz="2000" smtClean="0">
                 <a:solidFill>
                   <a:schemeClr val="tx1"/>
                 </a:solidFill>
@@ -8018,21 +9033,18 @@
               <a:t>Java </a:t>
             </a:r>
             <a:r>
-              <a:rPr lang="en-US" sz="2000" dirty="0">
-                <a:solidFill>
-                  <a:schemeClr val="tx1"/>
-                </a:solidFill>
-              </a:rPr>
-              <a:t>Base </a:t>
-            </a:r>
-            <a:r>
-              <a:rPr lang="en-US" sz="2000" dirty="0" smtClean="0">
-                <a:solidFill>
-                  <a:schemeClr val="tx1"/>
-                </a:solidFill>
-              </a:rPr>
-              <a:t>Configure</a:t>
-            </a:r>
+              <a:rPr lang="en-US" sz="2000" smtClean="0">
+                <a:solidFill>
+                  <a:schemeClr val="tx1"/>
+                </a:solidFill>
+              </a:rPr>
+              <a:t>Base :</a:t>
+            </a:r>
+            <a:endParaRPr lang="en-US" sz="2000" dirty="0" smtClean="0">
+              <a:solidFill>
+                <a:schemeClr val="tx1"/>
+              </a:solidFill>
+            </a:endParaRPr>
           </a:p>
           <a:p>
             <a:pPr lvl="1"/>
@@ -8551,8 +9563,16 @@
           <a:lstStyle/>
           <a:p>
             <a:r>
+              <a:rPr lang="en-US"/>
+              <a:t>Spring Core -&gt; </a:t>
+            </a:r>
+            <a:r>
+              <a:rPr lang="en-US"/>
+              <a:t>Beans </a:t>
+            </a:r>
+            <a:r>
               <a:rPr lang="en-US" smtClean="0"/>
-              <a:t>Beans</a:t>
+              <a:t>-&gt; Beans Scope</a:t>
             </a:r>
             <a:endParaRPr lang="en-US" dirty="0"/>
           </a:p>
@@ -8597,8 +9617,29 @@
                   <a:schemeClr val="tx1"/>
                 </a:solidFill>
               </a:rPr>
-              <a:t>Scope: scope=“…”</a:t>
-            </a:r>
+              <a:t>Scope</a:t>
+            </a:r>
+            <a:r>
+              <a:rPr lang="en-US" sz="2800" smtClean="0">
+                <a:solidFill>
+                  <a:schemeClr val="tx1"/>
+                </a:solidFill>
+              </a:rPr>
+              <a:t>: </a:t>
+            </a:r>
+            <a:r>
+              <a:rPr lang="en-US" sz="2800" smtClean="0">
+                <a:solidFill>
+                  <a:schemeClr val="tx1"/>
+                </a:solidFill>
+              </a:rPr>
+              <a:t>thuộc tính scope=“…” hoặc @Scope(“”)</a:t>
+            </a:r>
+            <a:endParaRPr lang="en-US" sz="2800" dirty="0" smtClean="0">
+              <a:solidFill>
+                <a:schemeClr val="tx1"/>
+              </a:solidFill>
+            </a:endParaRPr>
           </a:p>
           <a:p>
             <a:r>
@@ -8997,7 +10038,7 @@
   <a:extraClrSchemeLst/>
   <a:extLst>
     <a:ext uri="{05A4C25C-085E-4340-85A3-A5531E510DB2}">
-      <thm15:themeFamily xmlns:thm15="http://schemas.microsoft.com/office/thememl/2012/main" name="Basis" id="{5665723A-49BA-4B57-8411-A56F8F207965}" vid="{90E45F77-AEFC-46EF-A7C1-5B338C297B02}"/>
+      <thm15:themeFamily xmlns:thm15="http://schemas.microsoft.com/office/thememl/2012/main" xmlns="" name="Basis" id="{5665723A-49BA-4B57-8411-A56F8F207965}" vid="{90E45F77-AEFC-46EF-A7C1-5B338C297B02}"/>
     </a:ext>
   </a:extLst>
 </a:theme>
@@ -9258,7 +10299,7 @@
   <a:extraClrSchemeLst/>
   <a:extLst>
     <a:ext uri="{05A4C25C-085E-4340-85A3-A5531E510DB2}">
-      <thm15:themeFamily xmlns:thm15="http://schemas.microsoft.com/office/thememl/2012/main" name="Office Theme" id="{62F939B6-93AF-4DB8-9C6B-D6C7DFDC589F}" vid="{4A3C46E8-61CC-4603-A589-7422A47A8E4A}"/>
+      <thm15:themeFamily xmlns:thm15="http://schemas.microsoft.com/office/thememl/2012/main" xmlns="" name="Office Theme" id="{62F939B6-93AF-4DB8-9C6B-D6C7DFDC589F}" vid="{4A3C46E8-61CC-4603-A589-7422A47A8E4A}"/>
     </a:ext>
   </a:extLst>
 </a:theme>

--- a/Spring.pptx
+++ b/Spring.pptx
@@ -5,7 +5,7 @@
     <p:sldMasterId id="2147483684" r:id="rId1"/>
   </p:sldMasterIdLst>
   <p:notesMasterIdLst>
-    <p:notesMasterId r:id="rId23"/>
+    <p:notesMasterId r:id="rId22"/>
   </p:notesMasterIdLst>
   <p:sldIdLst>
     <p:sldId id="256" r:id="rId2"/>
@@ -27,8 +27,7 @@
     <p:sldId id="273" r:id="rId18"/>
     <p:sldId id="274" r:id="rId19"/>
     <p:sldId id="275" r:id="rId20"/>
-    <p:sldId id="276" r:id="rId21"/>
-    <p:sldId id="260" r:id="rId22"/>
+    <p:sldId id="260" r:id="rId21"/>
   </p:sldIdLst>
   <p:sldSz cx="12192000" cy="6858000"/>
   <p:notesSz cx="6858000" cy="9144000"/>
@@ -129,7 +128,7 @@
   </p:defaultTextStyle>
   <p:extLst>
     <p:ext uri="{EFAFB233-063F-42B5-8137-9DF3F51BA10A}">
-      <p15:sldGuideLst xmlns:p15="http://schemas.microsoft.com/office/powerpoint/2012/main" xmlns="">
+      <p15:sldGuideLst xmlns:p15="http://schemas.microsoft.com/office/powerpoint/2012/main">
         <p15:guide id="1" orient="horz" pos="2160">
           <p15:clr>
             <a:srgbClr val="A4A3A4"/>
@@ -236,7 +235,7 @@
           <a:p>
             <a:fld id="{031B0C94-0509-4FB7-8ABE-E78509E4B774}" type="datetimeFigureOut">
               <a:rPr lang="en-US" smtClean="0"/>
-              <a:t>4/11/2018</a:t>
+              <a:t>4/12/2018</a:t>
             </a:fld>
             <a:endParaRPr lang="en-US"/>
           </a:p>
@@ -1298,7 +1297,7 @@
           <a:p>
             <a:fld id="{96DFF08F-DC6B-4601-B491-B0F83F6DD2DA}" type="datetimeFigureOut">
               <a:rPr lang="en-US" dirty="0"/>
-              <a:t>4/11/2018</a:t>
+              <a:t>4/12/2018</a:t>
             </a:fld>
             <a:endParaRPr lang="en-US" dirty="0"/>
           </a:p>
@@ -1514,7 +1513,7 @@
           <a:p>
             <a:fld id="{96DFF08F-DC6B-4601-B491-B0F83F6DD2DA}" type="datetimeFigureOut">
               <a:rPr lang="en-US" dirty="0"/>
-              <a:t>4/11/2018</a:t>
+              <a:t>4/12/2018</a:t>
             </a:fld>
             <a:endParaRPr lang="en-US" dirty="0"/>
           </a:p>
@@ -1689,7 +1688,7 @@
           <a:p>
             <a:fld id="{96DFF08F-DC6B-4601-B491-B0F83F6DD2DA}" type="datetimeFigureOut">
               <a:rPr lang="en-US" dirty="0"/>
-              <a:t>4/11/2018</a:t>
+              <a:t>4/12/2018</a:t>
             </a:fld>
             <a:endParaRPr lang="en-US" dirty="0"/>
           </a:p>
@@ -1854,7 +1853,7 @@
           <a:p>
             <a:fld id="{96DFF08F-DC6B-4601-B491-B0F83F6DD2DA}" type="datetimeFigureOut">
               <a:rPr lang="en-US" dirty="0"/>
-              <a:t>4/11/2018</a:t>
+              <a:t>4/12/2018</a:t>
             </a:fld>
             <a:endParaRPr lang="en-US" dirty="0"/>
           </a:p>
@@ -2100,7 +2099,7 @@
           <a:p>
             <a:fld id="{96DFF08F-DC6B-4601-B491-B0F83F6DD2DA}" type="datetimeFigureOut">
               <a:rPr lang="en-US" dirty="0"/>
-              <a:t>4/11/2018</a:t>
+              <a:t>4/12/2018</a:t>
             </a:fld>
             <a:endParaRPr lang="en-US" dirty="0"/>
           </a:p>
@@ -2418,7 +2417,7 @@
           <a:p>
             <a:fld id="{96DFF08F-DC6B-4601-B491-B0F83F6DD2DA}" type="datetimeFigureOut">
               <a:rPr lang="en-US" dirty="0"/>
-              <a:t>4/11/2018</a:t>
+              <a:t>4/12/2018</a:t>
             </a:fld>
             <a:endParaRPr lang="en-US" dirty="0"/>
           </a:p>
@@ -2837,7 +2836,7 @@
           <a:p>
             <a:fld id="{96DFF08F-DC6B-4601-B491-B0F83F6DD2DA}" type="datetimeFigureOut">
               <a:rPr lang="en-US" dirty="0"/>
-              <a:t>4/11/2018</a:t>
+              <a:t>4/12/2018</a:t>
             </a:fld>
             <a:endParaRPr lang="en-US" dirty="0"/>
           </a:p>
@@ -2950,7 +2949,7 @@
           <a:p>
             <a:fld id="{96DFF08F-DC6B-4601-B491-B0F83F6DD2DA}" type="datetimeFigureOut">
               <a:rPr lang="en-US" dirty="0"/>
-              <a:t>4/11/2018</a:t>
+              <a:t>4/12/2018</a:t>
             </a:fld>
             <a:endParaRPr lang="en-US" dirty="0"/>
           </a:p>
@@ -3040,7 +3039,7 @@
           <a:p>
             <a:fld id="{96DFF08F-DC6B-4601-B491-B0F83F6DD2DA}" type="datetimeFigureOut">
               <a:rPr lang="en-US" dirty="0"/>
-              <a:t>4/11/2018</a:t>
+              <a:t>4/12/2018</a:t>
             </a:fld>
             <a:endParaRPr lang="en-US" dirty="0"/>
           </a:p>
@@ -3325,7 +3324,7 @@
           <a:p>
             <a:fld id="{96DFF08F-DC6B-4601-B491-B0F83F6DD2DA}" type="datetimeFigureOut">
               <a:rPr lang="en-US" dirty="0"/>
-              <a:t>4/11/2018</a:t>
+              <a:t>4/12/2018</a:t>
             </a:fld>
             <a:endParaRPr lang="en-US" dirty="0"/>
           </a:p>
@@ -3592,7 +3591,7 @@
           <a:p>
             <a:fld id="{96DFF08F-DC6B-4601-B491-B0F83F6DD2DA}" type="datetimeFigureOut">
               <a:rPr lang="en-US" dirty="0"/>
-              <a:t>4/11/2018</a:t>
+              <a:t>4/12/2018</a:t>
             </a:fld>
             <a:endParaRPr lang="en-US" dirty="0"/>
           </a:p>
@@ -3842,7 +3841,7 @@
             <a:fld id="{96DFF08F-DC6B-4601-B491-B0F83F6DD2DA}" type="datetimeFigureOut">
               <a:rPr lang="en-US" dirty="0"/>
               <a:pPr/>
-              <a:t>4/11/2018</a:t>
+              <a:t>4/12/2018</a:t>
             </a:fld>
             <a:endParaRPr lang="en-US" dirty="0"/>
           </a:p>
@@ -4395,11 +4394,7 @@
           <a:p>
             <a:r>
               <a:rPr lang="en-US"/>
-              <a:t>Spring Core -&gt; </a:t>
-            </a:r>
-            <a:r>
-              <a:rPr lang="en-US"/>
-              <a:t>Beans </a:t>
+              <a:t>Spring Core -&gt; Beans </a:t>
             </a:r>
             <a:r>
               <a:rPr lang="en-US" smtClean="0"/>
@@ -4640,11 +4635,7 @@
           <a:p>
             <a:r>
               <a:rPr lang="en-US"/>
-              <a:t>Spring </a:t>
-            </a:r>
-            <a:r>
-              <a:rPr lang="en-US"/>
-              <a:t>Core </a:t>
+              <a:t>Spring Core </a:t>
             </a:r>
             <a:r>
               <a:rPr lang="en-US" smtClean="0"/>
@@ -5930,7 +5921,31 @@
                   <a:schemeClr val="tx1"/>
                 </a:solidFill>
               </a:rPr>
-              <a:t> </a:t>
+              <a:t> field - Với </a:t>
+            </a:r>
+            <a:r>
+              <a:rPr lang="en-US" sz="1400" dirty="0" smtClean="0">
+                <a:solidFill>
+                  <a:schemeClr val="tx1"/>
+                </a:solidFill>
+              </a:rPr>
+              <a:t>setter method: </a:t>
+            </a:r>
+            <a:r>
+              <a:rPr lang="en-US" sz="1400" dirty="0" err="1" smtClean="0">
+                <a:solidFill>
+                  <a:schemeClr val="tx1"/>
+                </a:solidFill>
+              </a:rPr>
+              <a:t>lấy</a:t>
+            </a:r>
+            <a:r>
+              <a:rPr lang="en-US" sz="1400" dirty="0" smtClean="0">
+                <a:solidFill>
+                  <a:schemeClr val="tx1"/>
+                </a:solidFill>
+              </a:rPr>
+              <a:t> bean </a:t>
             </a:r>
             <a:r>
               <a:rPr lang="en-US" sz="1400" smtClean="0">
@@ -5938,47 +5953,7 @@
                   <a:schemeClr val="tx1"/>
                 </a:solidFill>
               </a:rPr>
-              <a:t>field - Với </a:t>
-            </a:r>
-            <a:r>
-              <a:rPr lang="en-US" sz="1400" dirty="0" smtClean="0">
-                <a:solidFill>
-                  <a:schemeClr val="tx1"/>
-                </a:solidFill>
-              </a:rPr>
-              <a:t>setter method: </a:t>
-            </a:r>
-            <a:r>
-              <a:rPr lang="en-US" sz="1400" dirty="0" err="1" smtClean="0">
-                <a:solidFill>
-                  <a:schemeClr val="tx1"/>
-                </a:solidFill>
-              </a:rPr>
-              <a:t>lấy</a:t>
-            </a:r>
-            <a:r>
-              <a:rPr lang="en-US" sz="1400" dirty="0" smtClean="0">
-                <a:solidFill>
-                  <a:schemeClr val="tx1"/>
-                </a:solidFill>
-              </a:rPr>
-              <a:t> bean </a:t>
-            </a:r>
-            <a:r>
-              <a:rPr lang="en-US" sz="1400" smtClean="0">
-                <a:solidFill>
-                  <a:schemeClr val="tx1"/>
-                </a:solidFill>
-              </a:rPr>
-              <a:t>property </a:t>
-            </a:r>
-            <a:r>
-              <a:rPr lang="en-US" sz="1400" smtClean="0">
-                <a:solidFill>
-                  <a:schemeClr val="tx1"/>
-                </a:solidFill>
-              </a:rPr>
-              <a:t>name</a:t>
+              <a:t>property name</a:t>
             </a:r>
           </a:p>
           <a:p>
@@ -6494,116 +6469,175 @@
           <a:p>
             <a:pPr fontAlgn="base"/>
             <a:r>
-              <a:rPr lang="vi-VN" smtClean="0"/>
+              <a:rPr lang="vi-VN" dirty="0" smtClean="0">
+                <a:solidFill>
+                  <a:schemeClr val="tx1"/>
+                </a:solidFill>
+              </a:rPr>
               <a:t>Request tới Dispatcher Servlet</a:t>
             </a:r>
-            <a:endParaRPr lang="vi-VN"/>
+            <a:endParaRPr lang="vi-VN" dirty="0">
+              <a:solidFill>
+                <a:schemeClr val="tx1"/>
+              </a:solidFill>
+            </a:endParaRPr>
           </a:p>
           <a:p>
             <a:pPr fontAlgn="base"/>
             <a:r>
-              <a:rPr lang="vi-VN"/>
+              <a:rPr lang="vi-VN" dirty="0">
+                <a:solidFill>
+                  <a:schemeClr val="tx1"/>
+                </a:solidFill>
+              </a:rPr>
               <a:t>Dispatcher Servlet</a:t>
             </a:r>
             <a:r>
-              <a:rPr lang="vi-VN" smtClean="0"/>
+              <a:rPr lang="vi-VN" dirty="0" smtClean="0">
+                <a:solidFill>
+                  <a:schemeClr val="tx1"/>
+                </a:solidFill>
+              </a:rPr>
               <a:t> </a:t>
             </a:r>
             <a:r>
-              <a:rPr lang="vi-VN"/>
+              <a:rPr lang="vi-VN" dirty="0">
+                <a:solidFill>
+                  <a:schemeClr val="tx1"/>
+                </a:solidFill>
+              </a:rPr>
               <a:t>sẽ sử dụng Handler Mapping để biết được controller nào sẽ xử lý request đó</a:t>
             </a:r>
           </a:p>
           <a:p>
             <a:pPr fontAlgn="base"/>
             <a:r>
-              <a:rPr lang="vi-VN"/>
+              <a:rPr lang="vi-VN" dirty="0">
+                <a:solidFill>
+                  <a:schemeClr val="tx1"/>
+                </a:solidFill>
+              </a:rPr>
               <a:t>Controller nhận request, gọi tới các class service thích hợp để xử lý yêu cầu.</a:t>
             </a:r>
           </a:p>
           <a:p>
             <a:pPr fontAlgn="base"/>
             <a:r>
-              <a:rPr lang="vi-VN"/>
+              <a:rPr lang="vi-VN" dirty="0">
+                <a:solidFill>
+                  <a:schemeClr val="tx1"/>
+                </a:solidFill>
+              </a:rPr>
               <a:t>Sau khi xử lý xong, Controller sẽ nhận được model từ tầng Service hoặc tầng DAO.</a:t>
             </a:r>
           </a:p>
           <a:p>
             <a:pPr fontAlgn="base"/>
             <a:r>
-              <a:rPr lang="vi-VN"/>
-              <a:t>Controller gửi </a:t>
-            </a:r>
-            <a:r>
-              <a:rPr lang="vi-VN"/>
-              <a:t>model </a:t>
-            </a:r>
-            <a:r>
-              <a:rPr lang="vi-VN" smtClean="0"/>
+              <a:rPr lang="vi-VN" dirty="0">
+                <a:solidFill>
+                  <a:schemeClr val="tx1"/>
+                </a:solidFill>
+              </a:rPr>
+              <a:t>Controller gửi model </a:t>
+            </a:r>
+            <a:r>
+              <a:rPr lang="vi-VN" dirty="0" smtClean="0">
+                <a:solidFill>
+                  <a:schemeClr val="tx1"/>
+                </a:solidFill>
+              </a:rPr>
               <a:t>và tên view tới </a:t>
             </a:r>
             <a:r>
-              <a:rPr lang="vi-VN"/>
+              <a:rPr lang="vi-VN" dirty="0">
+                <a:solidFill>
+                  <a:schemeClr val="tx1"/>
+                </a:solidFill>
+              </a:rPr>
               <a:t>Dispatcher </a:t>
             </a:r>
             <a:r>
-              <a:rPr lang="vi-VN" smtClean="0"/>
+              <a:rPr lang="vi-VN" dirty="0" smtClean="0">
+                <a:solidFill>
+                  <a:schemeClr val="tx1"/>
+                </a:solidFill>
+              </a:rPr>
               <a:t>Servlet</a:t>
             </a:r>
-            <a:endParaRPr lang="vi-VN"/>
+            <a:endParaRPr lang="vi-VN" dirty="0">
+              <a:solidFill>
+                <a:schemeClr val="tx1"/>
+              </a:solidFill>
+            </a:endParaRPr>
           </a:p>
           <a:p>
             <a:pPr fontAlgn="base"/>
             <a:r>
-              <a:rPr lang="vi-VN"/>
+              <a:rPr lang="vi-VN" dirty="0">
+                <a:solidFill>
+                  <a:schemeClr val="tx1"/>
+                </a:solidFill>
+              </a:rPr>
               <a:t>Dispatcher Servlet sẽ tìm các mẫu view, sử dụng view resolver và truyền model vào nó.</a:t>
             </a:r>
           </a:p>
           <a:p>
             <a:pPr fontAlgn="base"/>
             <a:r>
-              <a:rPr lang="vi-VN"/>
-              <a:t>View template, model, view page được build và gửi trả </a:t>
-            </a:r>
-            <a:r>
-              <a:rPr lang="vi-VN"/>
-              <a:t>lại </a:t>
-            </a:r>
-            <a:r>
-              <a:rPr lang="vi-VN"/>
+              <a:rPr lang="vi-VN" dirty="0">
+                <a:solidFill>
+                  <a:schemeClr val="tx1"/>
+                </a:solidFill>
+              </a:rPr>
+              <a:t>View template, model, view page được build và gửi trả lại Dispatcher Servlet</a:t>
+            </a:r>
+          </a:p>
+          <a:p>
+            <a:pPr fontAlgn="base"/>
+            <a:r>
+              <a:rPr lang="vi-VN" dirty="0">
+                <a:solidFill>
+                  <a:schemeClr val="tx1"/>
+                </a:solidFill>
+              </a:rPr>
               <a:t>Dispatcher Servlet</a:t>
             </a:r>
-            <a:endParaRPr lang="vi-VN"/>
-          </a:p>
-          <a:p>
-            <a:pPr fontAlgn="base"/>
-            <a:r>
-              <a:rPr lang="vi-VN"/>
-              <a:t>Dispatcher Servlet</a:t>
-            </a:r>
-            <a:r>
-              <a:rPr lang="vi-VN" smtClean="0"/>
+            <a:r>
+              <a:rPr lang="vi-VN" dirty="0" smtClean="0">
+                <a:solidFill>
+                  <a:schemeClr val="tx1"/>
+                </a:solidFill>
+              </a:rPr>
               <a:t> </a:t>
             </a:r>
             <a:r>
-              <a:rPr lang="vi-VN"/>
-              <a:t>gửi một page view tới trình duyệt để hiển </a:t>
-            </a:r>
-            <a:r>
-              <a:rPr lang="vi-VN"/>
-              <a:t>thị </a:t>
-            </a:r>
-            <a:r>
-              <a:rPr lang="vi-VN" smtClean="0"/>
+              <a:rPr lang="vi-VN" dirty="0">
+                <a:solidFill>
+                  <a:schemeClr val="tx1"/>
+                </a:solidFill>
+              </a:rPr>
+              <a:t>gửi một page view tới trình duyệt để hiển thị </a:t>
+            </a:r>
+            <a:r>
+              <a:rPr lang="vi-VN" dirty="0" smtClean="0">
+                <a:solidFill>
+                  <a:schemeClr val="tx1"/>
+                </a:solidFill>
+              </a:rPr>
               <a:t>cho </a:t>
             </a:r>
             <a:r>
-              <a:rPr lang="vi-VN"/>
+              <a:rPr lang="vi-VN" dirty="0">
+                <a:solidFill>
+                  <a:schemeClr val="tx1"/>
+                </a:solidFill>
+              </a:rPr>
               <a:t>người dùng.</a:t>
             </a:r>
           </a:p>
           <a:p>
-            <a:endParaRPr lang="vi-VN"/>
+            <a:endParaRPr lang="vi-VN" dirty="0"/>
           </a:p>
         </p:txBody>
       </p:sp>
@@ -6691,10 +6725,82 @@
           <a:lstStyle/>
           <a:p>
             <a:r>
-              <a:rPr lang="en-US" smtClean="0"/>
-              <a:t>Bất kỳ request nào tới sẽ được gửi đến DispactherServlet</a:t>
-            </a:r>
-            <a:endParaRPr lang="en-US"/>
+              <a:rPr lang="en-US" dirty="0">
+                <a:solidFill>
+                  <a:schemeClr val="tx1"/>
+                </a:solidFill>
+              </a:rPr>
+              <a:t>R</a:t>
+            </a:r>
+            <a:r>
+              <a:rPr lang="en-US" dirty="0" smtClean="0">
+                <a:solidFill>
+                  <a:schemeClr val="tx1"/>
+                </a:solidFill>
+              </a:rPr>
+              <a:t>equest </a:t>
+            </a:r>
+            <a:r>
+              <a:rPr lang="en-US" dirty="0" err="1" smtClean="0">
+                <a:solidFill>
+                  <a:schemeClr val="tx1"/>
+                </a:solidFill>
+              </a:rPr>
+              <a:t>được</a:t>
+            </a:r>
+            <a:r>
+              <a:rPr lang="en-US" dirty="0" smtClean="0">
+                <a:solidFill>
+                  <a:schemeClr val="tx1"/>
+                </a:solidFill>
+              </a:rPr>
+              <a:t> </a:t>
+            </a:r>
+            <a:r>
+              <a:rPr lang="en-US" dirty="0" err="1" smtClean="0">
+                <a:solidFill>
+                  <a:schemeClr val="tx1"/>
+                </a:solidFill>
+              </a:rPr>
+              <a:t>gửi</a:t>
+            </a:r>
+            <a:r>
+              <a:rPr lang="en-US" dirty="0" smtClean="0">
+                <a:solidFill>
+                  <a:schemeClr val="tx1"/>
+                </a:solidFill>
+              </a:rPr>
+              <a:t> </a:t>
+            </a:r>
+            <a:r>
+              <a:rPr lang="en-US" dirty="0" err="1" smtClean="0">
+                <a:solidFill>
+                  <a:schemeClr val="tx1"/>
+                </a:solidFill>
+              </a:rPr>
+              <a:t>đến</a:t>
+            </a:r>
+            <a:r>
+              <a:rPr lang="en-US" dirty="0" smtClean="0">
+                <a:solidFill>
+                  <a:schemeClr val="tx1"/>
+                </a:solidFill>
+              </a:rPr>
+              <a:t> </a:t>
+            </a:r>
+            <a:r>
+              <a:rPr lang="en-US" dirty="0" err="1" smtClean="0">
+                <a:solidFill>
+                  <a:schemeClr val="tx1"/>
+                </a:solidFill>
+              </a:rPr>
+              <a:t>DispactherServlet</a:t>
+            </a:r>
+            <a:endParaRPr lang="en-US" dirty="0">
+              <a:solidFill>
+                <a:schemeClr val="tx1"/>
+              </a:solidFill>
+            </a:endParaRPr>
           </a:p>
         </p:txBody>
       </p:sp>
@@ -6781,7 +6887,91 @@
           <a:bodyPr/>
           <a:lstStyle/>
           <a:p>
-            <a:endParaRPr lang="en-US" dirty="0"/>
+            <a:r>
+              <a:rPr lang="en-US" dirty="0" smtClean="0">
+                <a:solidFill>
+                  <a:schemeClr val="tx1"/>
+                </a:solidFill>
+              </a:rPr>
+              <a:t>@</a:t>
+            </a:r>
+            <a:r>
+              <a:rPr lang="en-US" dirty="0" err="1" smtClean="0">
+                <a:solidFill>
+                  <a:schemeClr val="tx1"/>
+                </a:solidFill>
+              </a:rPr>
+              <a:t>RequestMapping</a:t>
+            </a:r>
+            <a:endParaRPr lang="en-US" dirty="0" smtClean="0">
+              <a:solidFill>
+                <a:schemeClr val="tx1"/>
+              </a:solidFill>
+            </a:endParaRPr>
+          </a:p>
+          <a:p>
+            <a:pPr lvl="1"/>
+            <a:r>
+              <a:rPr lang="en-US" dirty="0" err="1" smtClean="0">
+                <a:solidFill>
+                  <a:schemeClr val="tx1"/>
+                </a:solidFill>
+              </a:rPr>
+              <a:t>GetMapping</a:t>
+            </a:r>
+            <a:endParaRPr lang="en-US" dirty="0" smtClean="0">
+              <a:solidFill>
+                <a:schemeClr val="tx1"/>
+              </a:solidFill>
+            </a:endParaRPr>
+          </a:p>
+          <a:p>
+            <a:pPr lvl="1"/>
+            <a:r>
+              <a:rPr lang="en-US" dirty="0" err="1" smtClean="0">
+                <a:solidFill>
+                  <a:schemeClr val="tx1"/>
+                </a:solidFill>
+              </a:rPr>
+              <a:t>PostMapping</a:t>
+            </a:r>
+            <a:endParaRPr lang="en-US" dirty="0" smtClean="0">
+              <a:solidFill>
+                <a:schemeClr val="tx1"/>
+              </a:solidFill>
+            </a:endParaRPr>
+          </a:p>
+          <a:p>
+            <a:pPr lvl="1"/>
+            <a:r>
+              <a:rPr lang="en-US" dirty="0" err="1" smtClean="0">
+                <a:solidFill>
+                  <a:schemeClr val="tx1"/>
+                </a:solidFill>
+              </a:rPr>
+              <a:t>PutMapping</a:t>
+            </a:r>
+            <a:endParaRPr lang="en-US" dirty="0" smtClean="0">
+              <a:solidFill>
+                <a:schemeClr val="tx1"/>
+              </a:solidFill>
+            </a:endParaRPr>
+          </a:p>
+          <a:p>
+            <a:pPr lvl="1"/>
+            <a:r>
+              <a:rPr lang="en-US" dirty="0" err="1" smtClean="0">
+                <a:solidFill>
+                  <a:schemeClr val="tx1"/>
+                </a:solidFill>
+              </a:rPr>
+              <a:t>DeleteMapping</a:t>
+            </a:r>
+            <a:endParaRPr lang="en-US" dirty="0">
+              <a:solidFill>
+                <a:schemeClr val="tx1"/>
+              </a:solidFill>
+            </a:endParaRPr>
           </a:p>
         </p:txBody>
       </p:sp>
@@ -6865,32 +7055,178 @@
           <a:lstStyle/>
           <a:p>
             <a:r>
-              <a:rPr lang="en-US" smtClean="0"/>
+              <a:rPr lang="en-US" dirty="0" smtClean="0">
+                <a:solidFill>
+                  <a:schemeClr val="tx1"/>
+                </a:solidFill>
+              </a:rPr>
+              <a:t>@Controller</a:t>
+            </a:r>
+          </a:p>
+          <a:p>
+            <a:r>
+              <a:rPr lang="en-US" dirty="0" smtClean="0">
+                <a:solidFill>
+                  <a:schemeClr val="tx1"/>
+                </a:solidFill>
+              </a:rPr>
               <a:t>@</a:t>
             </a:r>
             <a:r>
-              <a:rPr lang="en-US" smtClean="0"/>
-              <a:t>Controller</a:t>
-            </a:r>
-            <a:endParaRPr lang="en-US" dirty="0" smtClean="0"/>
-          </a:p>
-          <a:p>
-            <a:r>
-              <a:rPr lang="en-US" smtClean="0"/>
+              <a:rPr lang="en-US" dirty="0" err="1" smtClean="0">
+                <a:solidFill>
+                  <a:schemeClr val="tx1"/>
+                </a:solidFill>
+              </a:rPr>
+              <a:t>RestController</a:t>
+            </a:r>
+            <a:r>
+              <a:rPr lang="en-US" dirty="0" smtClean="0">
+                <a:solidFill>
+                  <a:schemeClr val="tx1"/>
+                </a:solidFill>
+              </a:rPr>
+              <a:t>: </a:t>
+            </a:r>
+            <a:r>
+              <a:rPr lang="en-US" dirty="0" err="1" smtClean="0">
+                <a:solidFill>
+                  <a:schemeClr val="tx1"/>
+                </a:solidFill>
+              </a:rPr>
+              <a:t>ResponseBody</a:t>
+            </a:r>
+            <a:r>
+              <a:rPr lang="en-US" dirty="0" smtClean="0">
+                <a:solidFill>
+                  <a:schemeClr val="tx1"/>
+                </a:solidFill>
+              </a:rPr>
+              <a:t> + Controller</a:t>
+            </a:r>
+          </a:p>
+          <a:p>
+            <a:pPr lvl="1"/>
+            <a:r>
+              <a:rPr lang="en-US" dirty="0">
+                <a:solidFill>
+                  <a:schemeClr val="tx1"/>
+                </a:solidFill>
+              </a:rPr>
               <a:t>@</a:t>
             </a:r>
             <a:r>
-              <a:rPr lang="en-US" smtClean="0"/>
-              <a:t>RestController: ResponseBody + Controller</a:t>
-            </a:r>
-          </a:p>
-          <a:p>
-            <a:pPr lvl="1"/>
-            <a:r>
-              <a:rPr lang="en-US"/>
-              <a:t>@ResponseBody: trả về text, ko trả về view</a:t>
-            </a:r>
-            <a:endParaRPr lang="en-US" dirty="0"/>
+              <a:rPr lang="en-US" dirty="0" err="1">
+                <a:solidFill>
+                  <a:schemeClr val="tx1"/>
+                </a:solidFill>
+              </a:rPr>
+              <a:t>ResponseBody</a:t>
+            </a:r>
+            <a:r>
+              <a:rPr lang="en-US" dirty="0">
+                <a:solidFill>
+                  <a:schemeClr val="tx1"/>
+                </a:solidFill>
+              </a:rPr>
+              <a:t>: </a:t>
+            </a:r>
+            <a:r>
+              <a:rPr lang="en-US" dirty="0" err="1">
+                <a:solidFill>
+                  <a:schemeClr val="tx1"/>
+                </a:solidFill>
+              </a:rPr>
+              <a:t>trả</a:t>
+            </a:r>
+            <a:r>
+              <a:rPr lang="en-US" dirty="0">
+                <a:solidFill>
+                  <a:schemeClr val="tx1"/>
+                </a:solidFill>
+              </a:rPr>
+              <a:t> </a:t>
+            </a:r>
+            <a:r>
+              <a:rPr lang="en-US" dirty="0" err="1">
+                <a:solidFill>
+                  <a:schemeClr val="tx1"/>
+                </a:solidFill>
+              </a:rPr>
+              <a:t>về</a:t>
+            </a:r>
+            <a:r>
+              <a:rPr lang="en-US" dirty="0">
+                <a:solidFill>
+                  <a:schemeClr val="tx1"/>
+                </a:solidFill>
+              </a:rPr>
+              <a:t> </a:t>
+            </a:r>
+            <a:r>
+              <a:rPr lang="en-US" dirty="0" smtClean="0">
+                <a:solidFill>
+                  <a:schemeClr val="tx1"/>
+                </a:solidFill>
+              </a:rPr>
+              <a:t>text, </a:t>
+            </a:r>
+            <a:r>
+              <a:rPr lang="en-US" smtClean="0">
+                <a:solidFill>
+                  <a:schemeClr val="tx1"/>
+                </a:solidFill>
+              </a:rPr>
+              <a:t>json, </a:t>
+            </a:r>
+            <a:r>
+              <a:rPr lang="en-US" dirty="0" err="1">
+                <a:solidFill>
+                  <a:schemeClr val="tx1"/>
+                </a:solidFill>
+              </a:rPr>
+              <a:t>ko</a:t>
+            </a:r>
+            <a:r>
+              <a:rPr lang="en-US" dirty="0">
+                <a:solidFill>
+                  <a:schemeClr val="tx1"/>
+                </a:solidFill>
+              </a:rPr>
+              <a:t> </a:t>
+            </a:r>
+            <a:r>
+              <a:rPr lang="en-US" dirty="0" err="1">
+                <a:solidFill>
+                  <a:schemeClr val="tx1"/>
+                </a:solidFill>
+              </a:rPr>
+              <a:t>trả</a:t>
+            </a:r>
+            <a:r>
+              <a:rPr lang="en-US" dirty="0">
+                <a:solidFill>
+                  <a:schemeClr val="tx1"/>
+                </a:solidFill>
+              </a:rPr>
+              <a:t> </a:t>
+            </a:r>
+            <a:r>
+              <a:rPr lang="en-US" dirty="0" err="1">
+                <a:solidFill>
+                  <a:schemeClr val="tx1"/>
+                </a:solidFill>
+              </a:rPr>
+              <a:t>về</a:t>
+            </a:r>
+            <a:r>
+              <a:rPr lang="en-US" dirty="0">
+                <a:solidFill>
+                  <a:schemeClr val="tx1"/>
+                </a:solidFill>
+              </a:rPr>
+              <a:t> view</a:t>
+            </a:r>
           </a:p>
         </p:txBody>
       </p:sp>
@@ -6977,7 +7313,38 @@
           <a:bodyPr/>
           <a:lstStyle/>
           <a:p>
-            <a:endParaRPr lang="en-US"/>
+            <a:r>
+              <a:rPr lang="en-US" dirty="0" err="1" smtClean="0">
+                <a:solidFill>
+                  <a:schemeClr val="tx1"/>
+                </a:solidFill>
+              </a:rPr>
+              <a:t>Jsp</a:t>
+            </a:r>
+            <a:r>
+              <a:rPr lang="en-US" dirty="0" smtClean="0">
+                <a:solidFill>
+                  <a:schemeClr val="tx1"/>
+                </a:solidFill>
+              </a:rPr>
+              <a:t>, </a:t>
+            </a:r>
+            <a:r>
+              <a:rPr lang="en-US" dirty="0" err="1" smtClean="0">
+                <a:solidFill>
+                  <a:schemeClr val="tx1"/>
+                </a:solidFill>
+              </a:rPr>
+              <a:t>thymeleaf</a:t>
+            </a:r>
+            <a:r>
+              <a:rPr lang="en-US" dirty="0" smtClean="0">
+                <a:solidFill>
+                  <a:schemeClr val="tx1"/>
+                </a:solidFill>
+              </a:rPr>
+              <a:t> …</a:t>
+            </a:r>
           </a:p>
         </p:txBody>
       </p:sp>
@@ -7060,7 +7427,29 @@
           <a:bodyPr/>
           <a:lstStyle/>
           <a:p>
-            <a:endParaRPr lang="en-US"/>
+            <a:r>
+              <a:rPr lang="en-US" dirty="0" smtClean="0">
+                <a:solidFill>
+                  <a:schemeClr val="tx1"/>
+                </a:solidFill>
+              </a:rPr>
+              <a:t>html</a:t>
+            </a:r>
+          </a:p>
+          <a:p>
+            <a:r>
+              <a:rPr lang="en-US" dirty="0" smtClean="0">
+                <a:solidFill>
+                  <a:schemeClr val="tx1"/>
+                </a:solidFill>
+              </a:rPr>
+              <a:t>text</a:t>
+            </a:r>
+            <a:endParaRPr lang="en-US" dirty="0">
+              <a:solidFill>
+                <a:schemeClr val="tx1"/>
+              </a:solidFill>
+            </a:endParaRPr>
           </a:p>
         </p:txBody>
       </p:sp>
@@ -7228,20 +7617,8 @@
           <a:lstStyle/>
           <a:p>
             <a:r>
-              <a:rPr lang="en-US" dirty="0"/>
-              <a:t>Spring </a:t>
-            </a:r>
-            <a:r>
               <a:rPr lang="en-US" dirty="0" smtClean="0"/>
-              <a:t>MVC </a:t>
-            </a:r>
-            <a:r>
-              <a:rPr lang="en-US" smtClean="0"/>
-              <a:t>– </a:t>
-            </a:r>
-            <a:r>
-              <a:rPr lang="en-US" smtClean="0"/>
-              <a:t>Other</a:t>
+              <a:t>Spring Boot</a:t>
             </a:r>
             <a:endParaRPr lang="en-US" dirty="0"/>
           </a:p>
@@ -7263,99 +7640,497 @@
           <a:lstStyle/>
           <a:p>
             <a:r>
-              <a:rPr lang="en-US"/>
-              <a:t>@Configuration</a:t>
-            </a:r>
-          </a:p>
-          <a:p>
-            <a:r>
-              <a:rPr lang="en-US"/>
+              <a:rPr lang="en-US" dirty="0" err="1" smtClean="0">
+                <a:solidFill>
+                  <a:schemeClr val="tx1"/>
+                </a:solidFill>
+              </a:rPr>
+              <a:t>Là</a:t>
+            </a:r>
+            <a:r>
+              <a:rPr lang="en-US" dirty="0" smtClean="0">
+                <a:solidFill>
+                  <a:schemeClr val="tx1"/>
+                </a:solidFill>
+              </a:rPr>
+              <a:t> module </a:t>
+            </a:r>
+            <a:r>
+              <a:rPr lang="en-US" dirty="0" err="1" smtClean="0">
+                <a:solidFill>
+                  <a:schemeClr val="tx1"/>
+                </a:solidFill>
+              </a:rPr>
+              <a:t>trong</a:t>
+            </a:r>
+            <a:r>
+              <a:rPr lang="en-US" dirty="0" smtClean="0">
+                <a:solidFill>
+                  <a:schemeClr val="tx1"/>
+                </a:solidFill>
+              </a:rPr>
+              <a:t> spring framework </a:t>
+            </a:r>
+            <a:r>
+              <a:rPr lang="en-US" dirty="0" err="1" smtClean="0">
+                <a:solidFill>
+                  <a:schemeClr val="tx1"/>
+                </a:solidFill>
+              </a:rPr>
+              <a:t>giúp</a:t>
+            </a:r>
+            <a:r>
+              <a:rPr lang="en-US" dirty="0" smtClean="0">
+                <a:solidFill>
+                  <a:schemeClr val="tx1"/>
+                </a:solidFill>
+              </a:rPr>
+              <a:t> </a:t>
+            </a:r>
+            <a:r>
+              <a:rPr lang="en-US" dirty="0" err="1" smtClean="0">
+                <a:solidFill>
+                  <a:schemeClr val="tx1"/>
+                </a:solidFill>
+              </a:rPr>
+              <a:t>tạo</a:t>
+            </a:r>
+            <a:r>
+              <a:rPr lang="en-US" dirty="0" smtClean="0">
+                <a:solidFill>
+                  <a:schemeClr val="tx1"/>
+                </a:solidFill>
+              </a:rPr>
+              <a:t> </a:t>
+            </a:r>
+            <a:r>
+              <a:rPr lang="en-US" dirty="0" err="1" smtClean="0">
+                <a:solidFill>
+                  <a:schemeClr val="tx1"/>
+                </a:solidFill>
+              </a:rPr>
+              <a:t>ứng</a:t>
+            </a:r>
+            <a:r>
+              <a:rPr lang="en-US" dirty="0" smtClean="0">
+                <a:solidFill>
+                  <a:schemeClr val="tx1"/>
+                </a:solidFill>
+              </a:rPr>
+              <a:t> </a:t>
+            </a:r>
+            <a:r>
+              <a:rPr lang="en-US" dirty="0" err="1" smtClean="0">
+                <a:solidFill>
+                  <a:schemeClr val="tx1"/>
+                </a:solidFill>
+              </a:rPr>
+              <a:t>dụng</a:t>
+            </a:r>
+            <a:r>
+              <a:rPr lang="en-US" dirty="0" smtClean="0">
+                <a:solidFill>
+                  <a:schemeClr val="tx1"/>
+                </a:solidFill>
+              </a:rPr>
+              <a:t> </a:t>
+            </a:r>
+            <a:r>
+              <a:rPr lang="en-US" dirty="0" err="1" smtClean="0">
+                <a:solidFill>
+                  <a:schemeClr val="tx1"/>
+                </a:solidFill>
+              </a:rPr>
+              <a:t>nhanh</a:t>
+            </a:r>
+            <a:r>
+              <a:rPr lang="en-US" dirty="0" smtClean="0">
+                <a:solidFill>
+                  <a:schemeClr val="tx1"/>
+                </a:solidFill>
+              </a:rPr>
+              <a:t>, </a:t>
+            </a:r>
+            <a:r>
+              <a:rPr lang="en-US" dirty="0" err="1" smtClean="0">
+                <a:solidFill>
+                  <a:schemeClr val="tx1"/>
+                </a:solidFill>
+              </a:rPr>
+              <a:t>ít</a:t>
+            </a:r>
+            <a:r>
+              <a:rPr lang="en-US" dirty="0" smtClean="0">
+                <a:solidFill>
+                  <a:schemeClr val="tx1"/>
+                </a:solidFill>
+              </a:rPr>
+              <a:t> </a:t>
+            </a:r>
+            <a:r>
+              <a:rPr lang="en-US" dirty="0" err="1" smtClean="0">
+                <a:solidFill>
+                  <a:schemeClr val="tx1"/>
+                </a:solidFill>
+              </a:rPr>
+              <a:t>cấu</a:t>
+            </a:r>
+            <a:r>
+              <a:rPr lang="en-US" dirty="0" smtClean="0">
+                <a:solidFill>
+                  <a:schemeClr val="tx1"/>
+                </a:solidFill>
+              </a:rPr>
+              <a:t> </a:t>
+            </a:r>
+            <a:r>
+              <a:rPr lang="en-US" dirty="0" err="1" smtClean="0">
+                <a:solidFill>
+                  <a:schemeClr val="tx1"/>
+                </a:solidFill>
+              </a:rPr>
+              <a:t>hình</a:t>
+            </a:r>
+            <a:r>
+              <a:rPr lang="en-US" dirty="0" smtClean="0">
+                <a:solidFill>
+                  <a:schemeClr val="tx1"/>
+                </a:solidFill>
+              </a:rPr>
+              <a:t> </a:t>
+            </a:r>
+            <a:r>
+              <a:rPr lang="en-US" dirty="0" err="1" smtClean="0">
+                <a:solidFill>
+                  <a:schemeClr val="tx1"/>
+                </a:solidFill>
+              </a:rPr>
+              <a:t>hơn</a:t>
+            </a:r>
+            <a:r>
+              <a:rPr lang="en-US" dirty="0" smtClean="0">
+                <a:solidFill>
+                  <a:schemeClr val="tx1"/>
+                </a:solidFill>
+              </a:rPr>
+              <a:t>.. .</a:t>
+            </a:r>
+          </a:p>
+          <a:p>
+            <a:r>
+              <a:rPr lang="en-US" dirty="0" smtClean="0">
+                <a:solidFill>
+                  <a:schemeClr val="tx1"/>
+                </a:solidFill>
+              </a:rPr>
               <a:t>@</a:t>
             </a:r>
             <a:r>
-              <a:rPr lang="en-US" smtClean="0"/>
+              <a:rPr lang="en-US" dirty="0" err="1" smtClean="0">
+                <a:solidFill>
+                  <a:schemeClr val="tx1"/>
+                </a:solidFill>
+              </a:rPr>
+              <a:t>SpringBootApplication</a:t>
+            </a:r>
+            <a:r>
+              <a:rPr lang="en-US" dirty="0" smtClean="0">
+                <a:solidFill>
+                  <a:schemeClr val="tx1"/>
+                </a:solidFill>
+              </a:rPr>
+              <a:t>: </a:t>
+            </a:r>
+            <a:r>
+              <a:rPr lang="en-US" dirty="0" err="1" smtClean="0">
+                <a:solidFill>
+                  <a:schemeClr val="tx1"/>
+                </a:solidFill>
+              </a:rPr>
+              <a:t>tương</a:t>
+            </a:r>
+            <a:r>
+              <a:rPr lang="en-US" dirty="0" smtClean="0">
+                <a:solidFill>
+                  <a:schemeClr val="tx1"/>
+                </a:solidFill>
+              </a:rPr>
+              <a:t> </a:t>
+            </a:r>
+            <a:r>
+              <a:rPr lang="en-US" dirty="0" err="1" smtClean="0">
+                <a:solidFill>
+                  <a:schemeClr val="tx1"/>
+                </a:solidFill>
+              </a:rPr>
+              <a:t>đương</a:t>
+            </a:r>
+            <a:r>
+              <a:rPr lang="en-US" dirty="0" smtClean="0">
+                <a:solidFill>
+                  <a:schemeClr val="tx1"/>
+                </a:solidFill>
+              </a:rPr>
+              <a:t> </a:t>
+            </a:r>
+            <a:r>
+              <a:rPr lang="en-US" dirty="0" err="1" smtClean="0">
+                <a:solidFill>
+                  <a:schemeClr val="tx1"/>
+                </a:solidFill>
+              </a:rPr>
+              <a:t>gồm</a:t>
+            </a:r>
+            <a:r>
+              <a:rPr lang="en-US" dirty="0" smtClean="0">
+                <a:solidFill>
+                  <a:schemeClr val="tx1"/>
+                </a:solidFill>
+              </a:rPr>
+              <a:t> </a:t>
+            </a:r>
+            <a:r>
+              <a:rPr lang="en-US" dirty="0" err="1" smtClean="0">
+                <a:solidFill>
+                  <a:schemeClr val="tx1"/>
+                </a:solidFill>
+              </a:rPr>
+              <a:t>nhiều</a:t>
+            </a:r>
+            <a:r>
+              <a:rPr lang="en-US" dirty="0" smtClean="0">
+                <a:solidFill>
+                  <a:schemeClr val="tx1"/>
+                </a:solidFill>
+              </a:rPr>
+              <a:t> annotation </a:t>
+            </a:r>
+            <a:r>
+              <a:rPr lang="en-US" dirty="0" err="1" smtClean="0">
+                <a:solidFill>
+                  <a:schemeClr val="tx1"/>
+                </a:solidFill>
+              </a:rPr>
+              <a:t>như</a:t>
+            </a:r>
+            <a:r>
+              <a:rPr lang="en-US" dirty="0" smtClean="0">
+                <a:solidFill>
+                  <a:schemeClr val="tx1"/>
+                </a:solidFill>
+              </a:rPr>
+              <a:t>:</a:t>
+            </a:r>
+          </a:p>
+          <a:p>
+            <a:pPr lvl="1"/>
+            <a:r>
+              <a:rPr lang="en-US" dirty="0" smtClean="0">
+                <a:solidFill>
+                  <a:schemeClr val="tx1"/>
+                </a:solidFill>
+              </a:rPr>
+              <a:t>@ Configuration</a:t>
+            </a:r>
+          </a:p>
+          <a:p>
+            <a:pPr lvl="1"/>
+            <a:r>
+              <a:rPr lang="en-US" dirty="0" smtClean="0">
+                <a:solidFill>
+                  <a:schemeClr val="tx1"/>
+                </a:solidFill>
+              </a:rPr>
+              <a:t>@</a:t>
+            </a:r>
+            <a:r>
+              <a:rPr lang="en-US" dirty="0" err="1" smtClean="0">
+                <a:solidFill>
+                  <a:schemeClr val="tx1"/>
+                </a:solidFill>
+              </a:rPr>
+              <a:t>EnableAutoConfiguration</a:t>
+            </a:r>
+            <a:endParaRPr lang="en-US" dirty="0" smtClean="0">
+              <a:solidFill>
+                <a:schemeClr val="tx1"/>
+              </a:solidFill>
+            </a:endParaRPr>
+          </a:p>
+          <a:p>
+            <a:pPr lvl="1"/>
+            <a:r>
+              <a:rPr lang="en-US" dirty="0" smtClean="0">
+                <a:solidFill>
+                  <a:schemeClr val="tx1"/>
+                </a:solidFill>
+              </a:rPr>
+              <a:t>@</a:t>
+            </a:r>
+            <a:r>
+              <a:rPr lang="en-US" dirty="0" err="1" smtClean="0">
+                <a:solidFill>
+                  <a:schemeClr val="tx1"/>
+                </a:solidFill>
+              </a:rPr>
               <a:t>ComponentScan</a:t>
             </a:r>
-            <a:endParaRPr lang="en-US"/>
-          </a:p>
-        </p:txBody>
-      </p:sp>
-    </p:spTree>
-    <p:extLst>
-      <p:ext uri="{BB962C8B-B14F-4D97-AF65-F5344CB8AC3E}">
-        <p14:creationId xmlns:p14="http://schemas.microsoft.com/office/powerpoint/2010/main" val="3838123885"/>
-      </p:ext>
-    </p:extLst>
-  </p:cSld>
-  <p:clrMapOvr>
-    <a:masterClrMapping/>
-  </p:clrMapOvr>
-  <p:timing>
-    <p:tnLst>
-      <p:par>
-        <p:cTn id="1" dur="indefinite" restart="never" nodeType="tmRoot"/>
-      </p:par>
-    </p:tnLst>
-  </p:timing>
-</p:sld>
-</file>
-
-<file path=ppt/slides/slide21.xml><?xml version="1.0" encoding="utf-8"?>
-<p:sld xmlns:a="http://schemas.openxmlformats.org/drawingml/2006/main" xmlns:r="http://schemas.openxmlformats.org/officeDocument/2006/relationships" xmlns:p="http://schemas.openxmlformats.org/presentationml/2006/main">
-  <p:cSld>
-    <p:spTree>
-      <p:nvGrpSpPr>
-        <p:cNvPr id="1" name=""/>
-        <p:cNvGrpSpPr/>
-        <p:nvPr/>
-      </p:nvGrpSpPr>
-      <p:grpSpPr>
-        <a:xfrm>
-          <a:off x="0" y="0"/>
-          <a:ext cx="0" cy="0"/>
-          <a:chOff x="0" y="0"/>
-          <a:chExt cx="0" cy="0"/>
-        </a:xfrm>
-      </p:grpSpPr>
-      <p:sp>
-        <p:nvSpPr>
-          <p:cNvPr id="2" name="Title 1"/>
-          <p:cNvSpPr>
-            <a:spLocks noGrp="1"/>
-          </p:cNvSpPr>
-          <p:nvPr>
-            <p:ph type="title"/>
-          </p:nvPr>
-        </p:nvSpPr>
-        <p:spPr/>
-        <p:txBody>
-          <a:bodyPr/>
-          <a:lstStyle/>
-          <a:p>
-            <a:r>
-              <a:rPr lang="en-US" dirty="0" smtClean="0"/>
-              <a:t>Spring Boot</a:t>
-            </a:r>
-            <a:endParaRPr lang="en-US" dirty="0"/>
-          </a:p>
-        </p:txBody>
-      </p:sp>
-      <p:sp>
-        <p:nvSpPr>
-          <p:cNvPr id="3" name="Content Placeholder 2"/>
-          <p:cNvSpPr>
-            <a:spLocks noGrp="1"/>
-          </p:cNvSpPr>
-          <p:nvPr>
-            <p:ph idx="1"/>
-          </p:nvPr>
-        </p:nvSpPr>
-        <p:spPr/>
-        <p:txBody>
-          <a:bodyPr/>
-          <a:lstStyle/>
-          <a:p>
-            <a:endParaRPr lang="en-US"/>
+            <a:endParaRPr lang="en-US" dirty="0" smtClean="0">
+              <a:solidFill>
+                <a:schemeClr val="tx1"/>
+              </a:solidFill>
+            </a:endParaRPr>
+          </a:p>
+          <a:p>
+            <a:pPr lvl="1"/>
+            <a:r>
+              <a:rPr lang="en-US" dirty="0">
+                <a:solidFill>
+                  <a:schemeClr val="tx1"/>
+                </a:solidFill>
+              </a:rPr>
+              <a:t>@ </a:t>
+            </a:r>
+            <a:r>
+              <a:rPr lang="en-US" dirty="0" err="1">
+                <a:solidFill>
+                  <a:schemeClr val="tx1"/>
+                </a:solidFill>
+              </a:rPr>
+              <a:t>EnableWebMvc</a:t>
+            </a:r>
+            <a:endParaRPr lang="en-US" dirty="0" smtClean="0">
+              <a:solidFill>
+                <a:schemeClr val="tx1"/>
+              </a:solidFill>
+            </a:endParaRPr>
+          </a:p>
+          <a:p>
+            <a:r>
+              <a:rPr lang="en-US" dirty="0" smtClean="0">
+                <a:solidFill>
+                  <a:schemeClr val="tx1"/>
+                </a:solidFill>
+              </a:rPr>
+              <a:t>Class </a:t>
+            </a:r>
+            <a:r>
+              <a:rPr lang="en-US" dirty="0" err="1" smtClean="0">
+                <a:solidFill>
+                  <a:schemeClr val="tx1"/>
+                </a:solidFill>
+              </a:rPr>
+              <a:t>SpringApplication</a:t>
+            </a:r>
+            <a:r>
+              <a:rPr lang="en-US" dirty="0" smtClean="0">
+                <a:solidFill>
+                  <a:schemeClr val="tx1"/>
+                </a:solidFill>
+              </a:rPr>
+              <a:t>: </a:t>
+            </a:r>
+            <a:r>
+              <a:rPr lang="en-US" dirty="0" err="1" smtClean="0">
+                <a:solidFill>
+                  <a:schemeClr val="tx1"/>
+                </a:solidFill>
+              </a:rPr>
+              <a:t>khởi</a:t>
+            </a:r>
+            <a:r>
+              <a:rPr lang="en-US" dirty="0" smtClean="0">
+                <a:solidFill>
+                  <a:schemeClr val="tx1"/>
+                </a:solidFill>
+              </a:rPr>
+              <a:t> </a:t>
+            </a:r>
+            <a:r>
+              <a:rPr lang="en-US" dirty="0" err="1" smtClean="0">
+                <a:solidFill>
+                  <a:schemeClr val="tx1"/>
+                </a:solidFill>
+              </a:rPr>
+              <a:t>chạy</a:t>
+            </a:r>
+            <a:r>
+              <a:rPr lang="en-US" dirty="0" smtClean="0">
+                <a:solidFill>
+                  <a:schemeClr val="tx1"/>
+                </a:solidFill>
+              </a:rPr>
+              <a:t> </a:t>
+            </a:r>
+            <a:r>
+              <a:rPr lang="en-US" dirty="0" err="1" smtClean="0">
+                <a:solidFill>
+                  <a:schemeClr val="tx1"/>
+                </a:solidFill>
+              </a:rPr>
+              <a:t>ứng</a:t>
+            </a:r>
+            <a:r>
+              <a:rPr lang="en-US" dirty="0" smtClean="0">
+                <a:solidFill>
+                  <a:schemeClr val="tx1"/>
+                </a:solidFill>
+              </a:rPr>
+              <a:t> </a:t>
+            </a:r>
+            <a:r>
+              <a:rPr lang="en-US" dirty="0" err="1" smtClean="0">
+                <a:solidFill>
+                  <a:schemeClr val="tx1"/>
+                </a:solidFill>
+              </a:rPr>
+              <a:t>dụng</a:t>
+            </a:r>
+            <a:r>
+              <a:rPr lang="en-US" dirty="0" smtClean="0">
+                <a:solidFill>
+                  <a:schemeClr val="tx1"/>
+                </a:solidFill>
+              </a:rPr>
+              <a:t> </a:t>
+            </a:r>
+            <a:r>
+              <a:rPr lang="en-US" dirty="0" err="1" smtClean="0">
+                <a:solidFill>
+                  <a:schemeClr val="tx1"/>
+                </a:solidFill>
+              </a:rPr>
+              <a:t>từ</a:t>
+            </a:r>
+            <a:r>
+              <a:rPr lang="en-US" dirty="0" smtClean="0">
+                <a:solidFill>
+                  <a:schemeClr val="tx1"/>
+                </a:solidFill>
+              </a:rPr>
+              <a:t> </a:t>
+            </a:r>
+            <a:r>
+              <a:rPr lang="en-US" dirty="0" err="1" smtClean="0">
+                <a:solidFill>
+                  <a:schemeClr val="tx1"/>
+                </a:solidFill>
+              </a:rPr>
+              <a:t>hàm</a:t>
+            </a:r>
+            <a:r>
+              <a:rPr lang="en-US" dirty="0" smtClean="0">
+                <a:solidFill>
+                  <a:schemeClr val="tx1"/>
+                </a:solidFill>
+              </a:rPr>
+              <a:t> run</a:t>
+            </a:r>
+            <a:endParaRPr lang="en-US" dirty="0">
+              <a:solidFill>
+                <a:schemeClr val="tx1"/>
+              </a:solidFill>
+            </a:endParaRPr>
           </a:p>
         </p:txBody>
       </p:sp>
@@ -7744,7 +8519,6 @@
               <a:rPr lang="en-US" sz="3600" smtClean="0"/>
               <a:t> </a:t>
             </a:r>
-            <a:endParaRPr lang="en-US" sz="3600" smtClean="0"/>
           </a:p>
           <a:p>
             <a:pPr lvl="1"/>
@@ -7821,11 +8595,7 @@
             </a:r>
             <a:r>
               <a:rPr lang="en-US" smtClean="0"/>
-              <a:t>Core </a:t>
-            </a:r>
-            <a:r>
-              <a:rPr lang="en-US" smtClean="0"/>
-              <a:t>-&gt; IoC</a:t>
+              <a:t>Core -&gt; IoC</a:t>
             </a:r>
             <a:endParaRPr lang="en-US" dirty="0"/>
           </a:p>
@@ -8080,11 +8850,7 @@
           <a:p>
             <a:r>
               <a:rPr lang="en-US"/>
-              <a:t>Spring </a:t>
-            </a:r>
-            <a:r>
-              <a:rPr lang="en-US"/>
-              <a:t>Core </a:t>
+              <a:t>Spring Core </a:t>
             </a:r>
             <a:r>
               <a:rPr lang="en-US" smtClean="0"/>
@@ -8122,11 +8888,7 @@
             </a:pPr>
             <a:r>
               <a:rPr lang="en-US" sz="2400" smtClean="0"/>
-              <a:t>Một số</a:t>
-            </a:r>
-            <a:r>
-              <a:rPr lang="en-US" sz="2400" smtClean="0"/>
-              <a:t> </a:t>
+              <a:t>Một số </a:t>
             </a:r>
             <a:r>
               <a:rPr lang="en-US" sz="2400" dirty="0" err="1" smtClean="0"/>
@@ -8276,11 +9038,7 @@
             </a:pPr>
             <a:r>
               <a:rPr lang="en-US" sz="2400"/>
-              <a:t>ctx.registerShutdownHook(); (để chạy destroy </a:t>
-            </a:r>
-            <a:r>
-              <a:rPr lang="en-US" sz="2400"/>
-              <a:t>method</a:t>
+              <a:t>ctx.registerShutdownHook(); (để chạy destroy method</a:t>
             </a:r>
             <a:r>
               <a:rPr lang="en-US" sz="2400" smtClean="0"/>
@@ -8575,11 +9333,7 @@
           <a:p>
             <a:r>
               <a:rPr lang="en-US"/>
-              <a:t>Spring </a:t>
-            </a:r>
-            <a:r>
-              <a:rPr lang="en-US"/>
-              <a:t>Core </a:t>
+              <a:t>Spring Core </a:t>
             </a:r>
             <a:r>
               <a:rPr lang="en-US" smtClean="0"/>
@@ -8591,11 +9345,7 @@
             </a:r>
             <a:r>
               <a:rPr lang="en-US" smtClean="0"/>
-              <a:t>-&gt;</a:t>
-            </a:r>
-            <a:r>
-              <a:rPr lang="en-US" smtClean="0"/>
-              <a:t> </a:t>
+              <a:t>-&gt; </a:t>
             </a:r>
             <a:r>
               <a:rPr lang="en-US" dirty="0" smtClean="0"/>
@@ -9030,15 +9780,7 @@
                   <a:schemeClr val="tx1"/>
                 </a:solidFill>
               </a:rPr>
-              <a:t>Java </a:t>
-            </a:r>
-            <a:r>
-              <a:rPr lang="en-US" sz="2000" smtClean="0">
-                <a:solidFill>
-                  <a:schemeClr val="tx1"/>
-                </a:solidFill>
-              </a:rPr>
-              <a:t>Base :</a:t>
+              <a:t>Java Base :</a:t>
             </a:r>
             <a:endParaRPr lang="en-US" sz="2000" dirty="0" smtClean="0">
               <a:solidFill>
@@ -9564,11 +10306,7 @@
           <a:p>
             <a:r>
               <a:rPr lang="en-US"/>
-              <a:t>Spring Core -&gt; </a:t>
-            </a:r>
-            <a:r>
-              <a:rPr lang="en-US"/>
-              <a:t>Beans </a:t>
+              <a:t>Spring Core -&gt; Beans </a:t>
             </a:r>
             <a:r>
               <a:rPr lang="en-US" smtClean="0"/>
@@ -9625,15 +10363,7 @@
                   <a:schemeClr val="tx1"/>
                 </a:solidFill>
               </a:rPr>
-              <a:t>: </a:t>
-            </a:r>
-            <a:r>
-              <a:rPr lang="en-US" sz="2800" smtClean="0">
-                <a:solidFill>
-                  <a:schemeClr val="tx1"/>
-                </a:solidFill>
-              </a:rPr>
-              <a:t>thuộc tính scope=“…” hoặc @Scope(“”)</a:t>
+              <a:t>: thuộc tính scope=“…” hoặc @Scope(“”)</a:t>
             </a:r>
             <a:endParaRPr lang="en-US" sz="2800" dirty="0" smtClean="0">
               <a:solidFill>
@@ -10038,7 +10768,7 @@
   <a:extraClrSchemeLst/>
   <a:extLst>
     <a:ext uri="{05A4C25C-085E-4340-85A3-A5531E510DB2}">
-      <thm15:themeFamily xmlns:thm15="http://schemas.microsoft.com/office/thememl/2012/main" xmlns="" name="Basis" id="{5665723A-49BA-4B57-8411-A56F8F207965}" vid="{90E45F77-AEFC-46EF-A7C1-5B338C297B02}"/>
+      <thm15:themeFamily xmlns:thm15="http://schemas.microsoft.com/office/thememl/2012/main" name="Basis" id="{5665723A-49BA-4B57-8411-A56F8F207965}" vid="{90E45F77-AEFC-46EF-A7C1-5B338C297B02}"/>
     </a:ext>
   </a:extLst>
 </a:theme>
@@ -10299,7 +11029,7 @@
   <a:extraClrSchemeLst/>
   <a:extLst>
     <a:ext uri="{05A4C25C-085E-4340-85A3-A5531E510DB2}">
-      <thm15:themeFamily xmlns:thm15="http://schemas.microsoft.com/office/thememl/2012/main" xmlns="" name="Office Theme" id="{62F939B6-93AF-4DB8-9C6B-D6C7DFDC589F}" vid="{4A3C46E8-61CC-4603-A589-7422A47A8E4A}"/>
+      <thm15:themeFamily xmlns:thm15="http://schemas.microsoft.com/office/thememl/2012/main" name="Office Theme" id="{62F939B6-93AF-4DB8-9C6B-D6C7DFDC589F}" vid="{4A3C46E8-61CC-4603-A589-7422A47A8E4A}"/>
     </a:ext>
   </a:extLst>
 </a:theme>

--- a/Spring.pptx
+++ b/Spring.pptx
@@ -235,7 +235,7 @@
           <a:p>
             <a:fld id="{031B0C94-0509-4FB7-8ABE-E78509E4B774}" type="datetimeFigureOut">
               <a:rPr lang="en-US" smtClean="0"/>
-              <a:t>4/12/2018</a:t>
+              <a:t>4/13/2018</a:t>
             </a:fld>
             <a:endParaRPr lang="en-US"/>
           </a:p>
@@ -1297,7 +1297,7 @@
           <a:p>
             <a:fld id="{96DFF08F-DC6B-4601-B491-B0F83F6DD2DA}" type="datetimeFigureOut">
               <a:rPr lang="en-US" dirty="0"/>
-              <a:t>4/12/2018</a:t>
+              <a:t>4/13/2018</a:t>
             </a:fld>
             <a:endParaRPr lang="en-US" dirty="0"/>
           </a:p>
@@ -1513,7 +1513,7 @@
           <a:p>
             <a:fld id="{96DFF08F-DC6B-4601-B491-B0F83F6DD2DA}" type="datetimeFigureOut">
               <a:rPr lang="en-US" dirty="0"/>
-              <a:t>4/12/2018</a:t>
+              <a:t>4/13/2018</a:t>
             </a:fld>
             <a:endParaRPr lang="en-US" dirty="0"/>
           </a:p>
@@ -1688,7 +1688,7 @@
           <a:p>
             <a:fld id="{96DFF08F-DC6B-4601-B491-B0F83F6DD2DA}" type="datetimeFigureOut">
               <a:rPr lang="en-US" dirty="0"/>
-              <a:t>4/12/2018</a:t>
+              <a:t>4/13/2018</a:t>
             </a:fld>
             <a:endParaRPr lang="en-US" dirty="0"/>
           </a:p>
@@ -1853,7 +1853,7 @@
           <a:p>
             <a:fld id="{96DFF08F-DC6B-4601-B491-B0F83F6DD2DA}" type="datetimeFigureOut">
               <a:rPr lang="en-US" dirty="0"/>
-              <a:t>4/12/2018</a:t>
+              <a:t>4/13/2018</a:t>
             </a:fld>
             <a:endParaRPr lang="en-US" dirty="0"/>
           </a:p>
@@ -2099,7 +2099,7 @@
           <a:p>
             <a:fld id="{96DFF08F-DC6B-4601-B491-B0F83F6DD2DA}" type="datetimeFigureOut">
               <a:rPr lang="en-US" dirty="0"/>
-              <a:t>4/12/2018</a:t>
+              <a:t>4/13/2018</a:t>
             </a:fld>
             <a:endParaRPr lang="en-US" dirty="0"/>
           </a:p>
@@ -2417,7 +2417,7 @@
           <a:p>
             <a:fld id="{96DFF08F-DC6B-4601-B491-B0F83F6DD2DA}" type="datetimeFigureOut">
               <a:rPr lang="en-US" dirty="0"/>
-              <a:t>4/12/2018</a:t>
+              <a:t>4/13/2018</a:t>
             </a:fld>
             <a:endParaRPr lang="en-US" dirty="0"/>
           </a:p>
@@ -2836,7 +2836,7 @@
           <a:p>
             <a:fld id="{96DFF08F-DC6B-4601-B491-B0F83F6DD2DA}" type="datetimeFigureOut">
               <a:rPr lang="en-US" dirty="0"/>
-              <a:t>4/12/2018</a:t>
+              <a:t>4/13/2018</a:t>
             </a:fld>
             <a:endParaRPr lang="en-US" dirty="0"/>
           </a:p>
@@ -2949,7 +2949,7 @@
           <a:p>
             <a:fld id="{96DFF08F-DC6B-4601-B491-B0F83F6DD2DA}" type="datetimeFigureOut">
               <a:rPr lang="en-US" dirty="0"/>
-              <a:t>4/12/2018</a:t>
+              <a:t>4/13/2018</a:t>
             </a:fld>
             <a:endParaRPr lang="en-US" dirty="0"/>
           </a:p>
@@ -3039,7 +3039,7 @@
           <a:p>
             <a:fld id="{96DFF08F-DC6B-4601-B491-B0F83F6DD2DA}" type="datetimeFigureOut">
               <a:rPr lang="en-US" dirty="0"/>
-              <a:t>4/12/2018</a:t>
+              <a:t>4/13/2018</a:t>
             </a:fld>
             <a:endParaRPr lang="en-US" dirty="0"/>
           </a:p>
@@ -3324,7 +3324,7 @@
           <a:p>
             <a:fld id="{96DFF08F-DC6B-4601-B491-B0F83F6DD2DA}" type="datetimeFigureOut">
               <a:rPr lang="en-US" dirty="0"/>
-              <a:t>4/12/2018</a:t>
+              <a:t>4/13/2018</a:t>
             </a:fld>
             <a:endParaRPr lang="en-US" dirty="0"/>
           </a:p>
@@ -3591,7 +3591,7 @@
           <a:p>
             <a:fld id="{96DFF08F-DC6B-4601-B491-B0F83F6DD2DA}" type="datetimeFigureOut">
               <a:rPr lang="en-US" dirty="0"/>
-              <a:t>4/12/2018</a:t>
+              <a:t>4/13/2018</a:t>
             </a:fld>
             <a:endParaRPr lang="en-US" dirty="0"/>
           </a:p>
@@ -3841,7 +3841,7 @@
             <a:fld id="{96DFF08F-DC6B-4601-B491-B0F83F6DD2DA}" type="datetimeFigureOut">
               <a:rPr lang="en-US" dirty="0"/>
               <a:pPr/>
-              <a:t>4/12/2018</a:t>
+              <a:t>4/13/2018</a:t>
             </a:fld>
             <a:endParaRPr lang="en-US" dirty="0"/>
           </a:p>
@@ -4679,7 +4679,7 @@
               <a:buNone/>
             </a:pPr>
             <a:r>
-              <a:rPr lang="en-US" sz="1800" smtClean="0">
+              <a:rPr lang="en-US" sz="1800" dirty="0" smtClean="0">
                 <a:solidFill>
                   <a:schemeClr val="tx1"/>
                 </a:solidFill>
@@ -5541,8 +5541,133 @@
                   <a:schemeClr val="tx1"/>
                 </a:solidFill>
               </a:rPr>
-              <a:t> name</a:t>
-            </a:r>
+              <a:t> </a:t>
+            </a:r>
+            <a:r>
+              <a:rPr lang="en-US" sz="1600" dirty="0" smtClean="0">
+                <a:solidFill>
+                  <a:schemeClr val="tx1"/>
+                </a:solidFill>
+              </a:rPr>
+              <a:t>name (</a:t>
+            </a:r>
+            <a:r>
+              <a:rPr lang="en-US" sz="1600" b="1" dirty="0" err="1" smtClean="0">
+                <a:solidFill>
+                  <a:schemeClr val="tx1"/>
+                </a:solidFill>
+              </a:rPr>
+              <a:t>hạn</a:t>
+            </a:r>
+            <a:r>
+              <a:rPr lang="en-US" sz="1600" b="1" dirty="0" smtClean="0">
+                <a:solidFill>
+                  <a:schemeClr val="tx1"/>
+                </a:solidFill>
+              </a:rPr>
+              <a:t> </a:t>
+            </a:r>
+            <a:r>
+              <a:rPr lang="en-US" sz="1600" b="1" dirty="0" err="1" smtClean="0">
+                <a:solidFill>
+                  <a:schemeClr val="tx1"/>
+                </a:solidFill>
+              </a:rPr>
+              <a:t>chế</a:t>
+            </a:r>
+            <a:r>
+              <a:rPr lang="en-US" sz="1600" b="1" dirty="0" smtClean="0">
+                <a:solidFill>
+                  <a:schemeClr val="tx1"/>
+                </a:solidFill>
+              </a:rPr>
+              <a:t> </a:t>
+            </a:r>
+            <a:r>
+              <a:rPr lang="en-US" sz="1600" b="1" dirty="0" err="1" smtClean="0">
+                <a:solidFill>
+                  <a:schemeClr val="tx1"/>
+                </a:solidFill>
+              </a:rPr>
+              <a:t>dùng</a:t>
+            </a:r>
+            <a:r>
+              <a:rPr lang="en-US" sz="1600" b="1" dirty="0" smtClean="0">
+                <a:solidFill>
+                  <a:schemeClr val="tx1"/>
+                </a:solidFill>
+              </a:rPr>
+              <a:t> </a:t>
+            </a:r>
+            <a:r>
+              <a:rPr lang="en-US" sz="1600" b="1" dirty="0" err="1" smtClean="0">
+                <a:solidFill>
+                  <a:schemeClr val="tx1"/>
+                </a:solidFill>
+              </a:rPr>
+              <a:t>nếu</a:t>
+            </a:r>
+            <a:r>
+              <a:rPr lang="en-US" sz="1600" b="1" dirty="0" smtClean="0">
+                <a:solidFill>
+                  <a:schemeClr val="tx1"/>
+                </a:solidFill>
+              </a:rPr>
+              <a:t> </a:t>
+            </a:r>
+            <a:r>
+              <a:rPr lang="en-US" sz="1600" b="1" dirty="0" err="1" smtClean="0">
+                <a:solidFill>
+                  <a:schemeClr val="tx1"/>
+                </a:solidFill>
+              </a:rPr>
+              <a:t>ko</a:t>
+            </a:r>
+            <a:r>
+              <a:rPr lang="en-US" sz="1600" b="1" dirty="0" smtClean="0">
+                <a:solidFill>
+                  <a:schemeClr val="tx1"/>
+                </a:solidFill>
+              </a:rPr>
+              <a:t> </a:t>
+            </a:r>
+            <a:r>
+              <a:rPr lang="en-US" sz="1600" b="1" dirty="0" err="1" smtClean="0">
+                <a:solidFill>
+                  <a:schemeClr val="tx1"/>
+                </a:solidFill>
+              </a:rPr>
+              <a:t>bắt</a:t>
+            </a:r>
+            <a:r>
+              <a:rPr lang="en-US" sz="1600" b="1" dirty="0" smtClean="0">
+                <a:solidFill>
+                  <a:schemeClr val="tx1"/>
+                </a:solidFill>
+              </a:rPr>
+              <a:t> </a:t>
+            </a:r>
+            <a:r>
+              <a:rPr lang="en-US" sz="1600" b="1" dirty="0" err="1" smtClean="0">
+                <a:solidFill>
+                  <a:schemeClr val="tx1"/>
+                </a:solidFill>
+              </a:rPr>
+              <a:t>buộc</a:t>
+            </a:r>
+            <a:r>
+              <a:rPr lang="en-US" sz="1600" dirty="0" smtClean="0">
+                <a:solidFill>
+                  <a:schemeClr val="tx1"/>
+                </a:solidFill>
+              </a:rPr>
+              <a:t>)</a:t>
+            </a:r>
+            <a:endParaRPr lang="en-US" sz="1600" dirty="0" smtClean="0">
+              <a:solidFill>
+                <a:schemeClr val="tx1"/>
+              </a:solidFill>
+            </a:endParaRPr>
           </a:p>
           <a:p>
             <a:pPr lvl="1"/>
@@ -5908,7 +6033,7 @@
               <a:t> </a:t>
             </a:r>
             <a:r>
-              <a:rPr lang="en-US" sz="1400" err="1" smtClean="0">
+              <a:rPr lang="en-US" sz="1400" dirty="0" err="1" smtClean="0">
                 <a:solidFill>
                   <a:schemeClr val="tx1"/>
                 </a:solidFill>
@@ -5916,20 +6041,12 @@
               <a:t>tên</a:t>
             </a:r>
             <a:r>
-              <a:rPr lang="en-US" sz="1400" smtClean="0">
-                <a:solidFill>
-                  <a:schemeClr val="tx1"/>
-                </a:solidFill>
-              </a:rPr>
-              <a:t> field - Với </a:t>
-            </a:r>
-            <a:r>
               <a:rPr lang="en-US" sz="1400" dirty="0" smtClean="0">
                 <a:solidFill>
                   <a:schemeClr val="tx1"/>
                 </a:solidFill>
               </a:rPr>
-              <a:t>setter method: </a:t>
+              <a:t> field - </a:t>
             </a:r>
             <a:r>
               <a:rPr lang="en-US" sz="1400" dirty="0" err="1" smtClean="0">
@@ -5937,6 +6054,22 @@
                   <a:schemeClr val="tx1"/>
                 </a:solidFill>
               </a:rPr>
+              <a:t>Với</a:t>
+            </a:r>
+            <a:r>
+              <a:rPr lang="en-US" sz="1400" dirty="0" smtClean="0">
+                <a:solidFill>
+                  <a:schemeClr val="tx1"/>
+                </a:solidFill>
+              </a:rPr>
+              <a:t> setter method: </a:t>
+            </a:r>
+            <a:r>
+              <a:rPr lang="en-US" sz="1400" dirty="0" err="1" smtClean="0">
+                <a:solidFill>
+                  <a:schemeClr val="tx1"/>
+                </a:solidFill>
+              </a:rPr>
               <a:t>lấy</a:t>
             </a:r>
             <a:r>
@@ -5945,15 +6078,7 @@
                   <a:schemeClr val="tx1"/>
                 </a:solidFill>
               </a:rPr>
-              <a:t> bean </a:t>
-            </a:r>
-            <a:r>
-              <a:rPr lang="en-US" sz="1400" smtClean="0">
-                <a:solidFill>
-                  <a:schemeClr val="tx1"/>
-                </a:solidFill>
-              </a:rPr>
-              <a:t>property name</a:t>
+              <a:t> bean property name</a:t>
             </a:r>
           </a:p>
           <a:p>
@@ -9597,7 +9722,7 @@
               <a:t>Annotation </a:t>
             </a:r>
             <a:r>
-              <a:rPr lang="en-US" sz="2000">
+              <a:rPr lang="en-US" sz="2000" dirty="0">
                 <a:solidFill>
                   <a:schemeClr val="tx1"/>
                 </a:solidFill>
@@ -9605,18 +9730,13 @@
               <a:t>Base </a:t>
             </a:r>
             <a:r>
-              <a:rPr lang="en-US" sz="2000" smtClean="0">
+              <a:rPr lang="en-US" sz="2000" dirty="0" smtClean="0">
                 <a:solidFill>
                   <a:schemeClr val="tx1"/>
                 </a:solidFill>
               </a:rPr>
               <a:t>: </a:t>
             </a:r>
-            <a:endParaRPr lang="en-US" sz="2000" dirty="0" smtClean="0">
-              <a:solidFill>
-                <a:schemeClr val="tx1"/>
-              </a:solidFill>
-            </a:endParaRPr>
           </a:p>
           <a:p>
             <a:pPr lvl="1"/>
@@ -9770,23 +9890,186 @@
                   <a:schemeClr val="tx1"/>
                 </a:solidFill>
               </a:rPr>
-              <a:t> + @Controller</a:t>
-            </a:r>
-          </a:p>
-          <a:p>
-            <a:r>
-              <a:rPr lang="en-US" sz="2000" smtClean="0">
-                <a:solidFill>
-                  <a:schemeClr val="tx1"/>
-                </a:solidFill>
-              </a:rPr>
-              <a:t>Java Base :</a:t>
-            </a:r>
-            <a:endParaRPr lang="en-US" sz="2000" dirty="0" smtClean="0">
+              <a:t> + @</a:t>
+            </a:r>
+            <a:r>
+              <a:rPr lang="en-US" sz="1800" dirty="0" smtClean="0">
+                <a:solidFill>
+                  <a:schemeClr val="tx1"/>
+                </a:solidFill>
+              </a:rPr>
+              <a:t>Controller</a:t>
+            </a:r>
+          </a:p>
+          <a:p>
+            <a:pPr lvl="1"/>
+            <a:r>
+              <a:rPr lang="en-US" sz="1800" b="1" dirty="0" err="1" smtClean="0">
+                <a:solidFill>
+                  <a:schemeClr val="tx1"/>
+                </a:solidFill>
+              </a:rPr>
+              <a:t>Khi</a:t>
+            </a:r>
+            <a:r>
+              <a:rPr lang="en-US" sz="1800" b="1" dirty="0" smtClean="0">
+                <a:solidFill>
+                  <a:schemeClr val="tx1"/>
+                </a:solidFill>
+              </a:rPr>
+              <a:t> </a:t>
+            </a:r>
+            <a:r>
+              <a:rPr lang="en-US" sz="1800" b="1" dirty="0" err="1" smtClean="0">
+                <a:solidFill>
+                  <a:schemeClr val="tx1"/>
+                </a:solidFill>
+              </a:rPr>
+              <a:t>tạo</a:t>
+            </a:r>
+            <a:r>
+              <a:rPr lang="en-US" sz="1800" b="1" dirty="0" smtClean="0">
+                <a:solidFill>
+                  <a:schemeClr val="tx1"/>
+                </a:solidFill>
+              </a:rPr>
+              <a:t> bean </a:t>
+            </a:r>
+            <a:r>
+              <a:rPr lang="en-US" sz="1800" b="1" dirty="0" err="1" smtClean="0">
+                <a:solidFill>
+                  <a:schemeClr val="tx1"/>
+                </a:solidFill>
+              </a:rPr>
+              <a:t>nên</a:t>
+            </a:r>
+            <a:r>
+              <a:rPr lang="en-US" sz="1800" b="1" dirty="0" smtClean="0">
+                <a:solidFill>
+                  <a:schemeClr val="tx1"/>
+                </a:solidFill>
+              </a:rPr>
+              <a:t> </a:t>
+            </a:r>
+            <a:r>
+              <a:rPr lang="en-US" sz="1800" b="1" dirty="0" err="1" smtClean="0">
+                <a:solidFill>
+                  <a:schemeClr val="tx1"/>
+                </a:solidFill>
+              </a:rPr>
+              <a:t>chỉ</a:t>
+            </a:r>
+            <a:r>
+              <a:rPr lang="en-US" sz="1800" b="1" dirty="0" smtClean="0">
+                <a:solidFill>
+                  <a:schemeClr val="tx1"/>
+                </a:solidFill>
+              </a:rPr>
+              <a:t> </a:t>
+            </a:r>
+            <a:r>
+              <a:rPr lang="en-US" sz="1800" b="1" dirty="0" err="1" smtClean="0">
+                <a:solidFill>
+                  <a:schemeClr val="tx1"/>
+                </a:solidFill>
+              </a:rPr>
+              <a:t>rõ</a:t>
+            </a:r>
+            <a:r>
+              <a:rPr lang="en-US" sz="1800" b="1" dirty="0" smtClean="0">
+                <a:solidFill>
+                  <a:schemeClr val="tx1"/>
+                </a:solidFill>
+              </a:rPr>
+              <a:t> </a:t>
+            </a:r>
+            <a:r>
+              <a:rPr lang="en-US" sz="1800" b="1" dirty="0" err="1" smtClean="0">
+                <a:solidFill>
+                  <a:schemeClr val="tx1"/>
+                </a:solidFill>
+              </a:rPr>
+              <a:t>tên</a:t>
+            </a:r>
+            <a:r>
+              <a:rPr lang="en-US" sz="1800" b="1" dirty="0" smtClean="0">
+                <a:solidFill>
+                  <a:schemeClr val="tx1"/>
+                </a:solidFill>
+              </a:rPr>
+              <a:t>: </a:t>
+            </a:r>
+            <a:r>
+              <a:rPr lang="en-US" sz="1800" b="1" dirty="0" err="1" smtClean="0">
+                <a:solidFill>
+                  <a:schemeClr val="tx1"/>
+                </a:solidFill>
+              </a:rPr>
+              <a:t>ví</a:t>
+            </a:r>
+            <a:r>
+              <a:rPr lang="en-US" sz="1800" b="1" dirty="0" smtClean="0">
+                <a:solidFill>
+                  <a:schemeClr val="tx1"/>
+                </a:solidFill>
+              </a:rPr>
+              <a:t> </a:t>
+            </a:r>
+            <a:r>
+              <a:rPr lang="en-US" sz="1800" b="1" dirty="0" err="1" smtClean="0">
+                <a:solidFill>
+                  <a:schemeClr val="tx1"/>
+                </a:solidFill>
+              </a:rPr>
+              <a:t>dụ</a:t>
+            </a:r>
+            <a:r>
+              <a:rPr lang="en-US" sz="1800" b="1" dirty="0" smtClean="0">
+                <a:solidFill>
+                  <a:schemeClr val="tx1"/>
+                </a:solidFill>
+              </a:rPr>
+              <a:t> </a:t>
+            </a:r>
+            <a:r>
+              <a:rPr lang="en-US" sz="1800" b="1" dirty="0">
+                <a:solidFill>
+                  <a:schemeClr val="tx1"/>
+                </a:solidFill>
+              </a:rPr>
+              <a:t>@Component("</a:t>
+            </a:r>
+            <a:r>
+              <a:rPr lang="en-US" sz="1800" b="1" dirty="0" err="1">
+                <a:solidFill>
+                  <a:schemeClr val="tx1"/>
+                </a:solidFill>
+              </a:rPr>
+              <a:t>beanName</a:t>
+            </a:r>
+            <a:r>
+              <a:rPr lang="en-US" sz="1800" b="1" dirty="0">
+                <a:solidFill>
+                  <a:schemeClr val="tx1"/>
+                </a:solidFill>
+              </a:rPr>
+              <a:t>")</a:t>
+            </a:r>
+            <a:endParaRPr lang="en-US" sz="1800" b="1" dirty="0" smtClean="0">
               <a:solidFill>
                 <a:schemeClr val="tx1"/>
               </a:solidFill>
             </a:endParaRPr>
+          </a:p>
+          <a:p>
+            <a:r>
+              <a:rPr lang="en-US" sz="2000" dirty="0" smtClean="0">
+                <a:solidFill>
+                  <a:schemeClr val="tx1"/>
+                </a:solidFill>
+              </a:rPr>
+              <a:t>Java Base :</a:t>
+            </a:r>
           </a:p>
           <a:p>
             <a:pPr lvl="1"/>
@@ -10037,7 +10320,7 @@
               <a:t>trong</a:t>
             </a:r>
             <a:r>
-              <a:rPr lang="en-US" sz="1800" smtClean="0">
+              <a:rPr lang="en-US" sz="1800" dirty="0" smtClean="0">
                 <a:solidFill>
                   <a:schemeClr val="tx1"/>
                 </a:solidFill>

--- a/Spring.pptx
+++ b/Spring.pptx
@@ -128,7 +128,7 @@
   </p:defaultTextStyle>
   <p:extLst>
     <p:ext uri="{EFAFB233-063F-42B5-8137-9DF3F51BA10A}">
-      <p15:sldGuideLst xmlns:p15="http://schemas.microsoft.com/office/powerpoint/2012/main">
+      <p15:sldGuideLst xmlns:p15="http://schemas.microsoft.com/office/powerpoint/2012/main" xmlns="">
         <p15:guide id="1" orient="horz" pos="2160">
           <p15:clr>
             <a:srgbClr val="A4A3A4"/>
@@ -235,7 +235,7 @@
           <a:p>
             <a:fld id="{031B0C94-0509-4FB7-8ABE-E78509E4B774}" type="datetimeFigureOut">
               <a:rPr lang="en-US" smtClean="0"/>
-              <a:t>4/13/2018</a:t>
+              <a:t>5/8/2018</a:t>
             </a:fld>
             <a:endParaRPr lang="en-US"/>
           </a:p>
@@ -977,6 +977,114 @@
           <a:bodyPr/>
           <a:lstStyle/>
           <a:p>
+            <a:r>
+              <a:rPr lang="vi-VN" smtClean="0"/>
+              <a:t>Default name: https://bit.ly/2jG3qs7</a:t>
+            </a:r>
+          </a:p>
+          <a:p>
+            <a:r>
+              <a:rPr lang="en-US" sz="1200" b="0" i="0" kern="1200" smtClean="0">
+                <a:solidFill>
+                  <a:schemeClr val="tx1"/>
+                </a:solidFill>
+                <a:effectLst/>
+                <a:latin typeface="+mn-lt"/>
+                <a:ea typeface="+mn-ea"/>
+                <a:cs typeface="+mn-cs"/>
+              </a:rPr>
+              <a:t>If the annotation's value doesn't indicate a bean name, an appropriate name will be built based on the short name of the class (with the first letter lower-cased). For example:</a:t>
+            </a:r>
+          </a:p>
+          <a:p>
+            <a:r>
+              <a:rPr lang="en-US" smtClean="0"/>
+              <a:t>com.xyz.FooServiceImpl -&gt; fooServiceImpl</a:t>
+            </a:r>
+            <a:endParaRPr lang="vi-VN"/>
+          </a:p>
+        </p:txBody>
+      </p:sp>
+      <p:sp>
+        <p:nvSpPr>
+          <p:cNvPr id="4" name="Slide Number Placeholder 3"/>
+          <p:cNvSpPr>
+            <a:spLocks noGrp="1"/>
+          </p:cNvSpPr>
+          <p:nvPr>
+            <p:ph type="sldNum" sz="quarter" idx="10"/>
+          </p:nvPr>
+        </p:nvSpPr>
+        <p:spPr/>
+        <p:txBody>
+          <a:bodyPr/>
+          <a:lstStyle/>
+          <a:p>
+            <a:fld id="{D5AAECD5-8335-4937-AC00-0774527DFE1F}" type="slidenum">
+              <a:rPr lang="en-US" smtClean="0"/>
+              <a:t>11</a:t>
+            </a:fld>
+            <a:endParaRPr lang="en-US"/>
+          </a:p>
+        </p:txBody>
+      </p:sp>
+    </p:spTree>
+    <p:extLst>
+      <p:ext uri="{BB962C8B-B14F-4D97-AF65-F5344CB8AC3E}">
+        <p14:creationId xmlns:p14="http://schemas.microsoft.com/office/powerpoint/2010/main" val="144442951"/>
+      </p:ext>
+    </p:extLst>
+  </p:cSld>
+  <p:clrMapOvr>
+    <a:masterClrMapping/>
+  </p:clrMapOvr>
+</p:notes>
+</file>
+
+<file path=ppt/notesSlides/notesSlide5.xml><?xml version="1.0" encoding="utf-8"?>
+<p:notes xmlns:a="http://schemas.openxmlformats.org/drawingml/2006/main" xmlns:r="http://schemas.openxmlformats.org/officeDocument/2006/relationships" xmlns:p="http://schemas.openxmlformats.org/presentationml/2006/main">
+  <p:cSld>
+    <p:spTree>
+      <p:nvGrpSpPr>
+        <p:cNvPr id="1" name=""/>
+        <p:cNvGrpSpPr/>
+        <p:nvPr/>
+      </p:nvGrpSpPr>
+      <p:grpSpPr>
+        <a:xfrm>
+          <a:off x="0" y="0"/>
+          <a:ext cx="0" cy="0"/>
+          <a:chOff x="0" y="0"/>
+          <a:chExt cx="0" cy="0"/>
+        </a:xfrm>
+      </p:grpSpPr>
+      <p:sp>
+        <p:nvSpPr>
+          <p:cNvPr id="2" name="Slide Image Placeholder 1"/>
+          <p:cNvSpPr>
+            <a:spLocks noGrp="1" noRot="1" noChangeAspect="1"/>
+          </p:cNvSpPr>
+          <p:nvPr>
+            <p:ph type="sldImg"/>
+          </p:nvPr>
+        </p:nvSpPr>
+        <p:spPr/>
+      </p:sp>
+      <p:sp>
+        <p:nvSpPr>
+          <p:cNvPr id="3" name="Notes Placeholder 2"/>
+          <p:cNvSpPr>
+            <a:spLocks noGrp="1"/>
+          </p:cNvSpPr>
+          <p:nvPr>
+            <p:ph type="body" idx="1"/>
+          </p:nvPr>
+        </p:nvSpPr>
+        <p:spPr/>
+        <p:txBody>
+          <a:bodyPr/>
+          <a:lstStyle/>
+          <a:p>
             <a:endParaRPr lang="en-US" dirty="0"/>
           </a:p>
         </p:txBody>
@@ -1017,7 +1125,7 @@
 </p:notes>
 </file>
 
-<file path=ppt/notesSlides/notesSlide5.xml><?xml version="1.0" encoding="utf-8"?>
+<file path=ppt/notesSlides/notesSlide6.xml><?xml version="1.0" encoding="utf-8"?>
 <p:notes xmlns:a="http://schemas.openxmlformats.org/drawingml/2006/main" xmlns:r="http://schemas.openxmlformats.org/officeDocument/2006/relationships" xmlns:p="http://schemas.openxmlformats.org/presentationml/2006/main">
   <p:cSld>
     <p:spTree>
@@ -1297,7 +1405,7 @@
           <a:p>
             <a:fld id="{96DFF08F-DC6B-4601-B491-B0F83F6DD2DA}" type="datetimeFigureOut">
               <a:rPr lang="en-US" dirty="0"/>
-              <a:t>4/13/2018</a:t>
+              <a:t>5/8/2018</a:t>
             </a:fld>
             <a:endParaRPr lang="en-US" dirty="0"/>
           </a:p>
@@ -1513,7 +1621,7 @@
           <a:p>
             <a:fld id="{96DFF08F-DC6B-4601-B491-B0F83F6DD2DA}" type="datetimeFigureOut">
               <a:rPr lang="en-US" dirty="0"/>
-              <a:t>4/13/2018</a:t>
+              <a:t>5/8/2018</a:t>
             </a:fld>
             <a:endParaRPr lang="en-US" dirty="0"/>
           </a:p>
@@ -1688,7 +1796,7 @@
           <a:p>
             <a:fld id="{96DFF08F-DC6B-4601-B491-B0F83F6DD2DA}" type="datetimeFigureOut">
               <a:rPr lang="en-US" dirty="0"/>
-              <a:t>4/13/2018</a:t>
+              <a:t>5/8/2018</a:t>
             </a:fld>
             <a:endParaRPr lang="en-US" dirty="0"/>
           </a:p>
@@ -1853,7 +1961,7 @@
           <a:p>
             <a:fld id="{96DFF08F-DC6B-4601-B491-B0F83F6DD2DA}" type="datetimeFigureOut">
               <a:rPr lang="en-US" dirty="0"/>
-              <a:t>4/13/2018</a:t>
+              <a:t>5/8/2018</a:t>
             </a:fld>
             <a:endParaRPr lang="en-US" dirty="0"/>
           </a:p>
@@ -2099,7 +2207,7 @@
           <a:p>
             <a:fld id="{96DFF08F-DC6B-4601-B491-B0F83F6DD2DA}" type="datetimeFigureOut">
               <a:rPr lang="en-US" dirty="0"/>
-              <a:t>4/13/2018</a:t>
+              <a:t>5/8/2018</a:t>
             </a:fld>
             <a:endParaRPr lang="en-US" dirty="0"/>
           </a:p>
@@ -2417,7 +2525,7 @@
           <a:p>
             <a:fld id="{96DFF08F-DC6B-4601-B491-B0F83F6DD2DA}" type="datetimeFigureOut">
               <a:rPr lang="en-US" dirty="0"/>
-              <a:t>4/13/2018</a:t>
+              <a:t>5/8/2018</a:t>
             </a:fld>
             <a:endParaRPr lang="en-US" dirty="0"/>
           </a:p>
@@ -2836,7 +2944,7 @@
           <a:p>
             <a:fld id="{96DFF08F-DC6B-4601-B491-B0F83F6DD2DA}" type="datetimeFigureOut">
               <a:rPr lang="en-US" dirty="0"/>
-              <a:t>4/13/2018</a:t>
+              <a:t>5/8/2018</a:t>
             </a:fld>
             <a:endParaRPr lang="en-US" dirty="0"/>
           </a:p>
@@ -2949,7 +3057,7 @@
           <a:p>
             <a:fld id="{96DFF08F-DC6B-4601-B491-B0F83F6DD2DA}" type="datetimeFigureOut">
               <a:rPr lang="en-US" dirty="0"/>
-              <a:t>4/13/2018</a:t>
+              <a:t>5/8/2018</a:t>
             </a:fld>
             <a:endParaRPr lang="en-US" dirty="0"/>
           </a:p>
@@ -3039,7 +3147,7 @@
           <a:p>
             <a:fld id="{96DFF08F-DC6B-4601-B491-B0F83F6DD2DA}" type="datetimeFigureOut">
               <a:rPr lang="en-US" dirty="0"/>
-              <a:t>4/13/2018</a:t>
+              <a:t>5/8/2018</a:t>
             </a:fld>
             <a:endParaRPr lang="en-US" dirty="0"/>
           </a:p>
@@ -3324,7 +3432,7 @@
           <a:p>
             <a:fld id="{96DFF08F-DC6B-4601-B491-B0F83F6DD2DA}" type="datetimeFigureOut">
               <a:rPr lang="en-US" dirty="0"/>
-              <a:t>4/13/2018</a:t>
+              <a:t>5/8/2018</a:t>
             </a:fld>
             <a:endParaRPr lang="en-US" dirty="0"/>
           </a:p>
@@ -3591,7 +3699,7 @@
           <a:p>
             <a:fld id="{96DFF08F-DC6B-4601-B491-B0F83F6DD2DA}" type="datetimeFigureOut">
               <a:rPr lang="en-US" dirty="0"/>
-              <a:t>4/13/2018</a:t>
+              <a:t>5/8/2018</a:t>
             </a:fld>
             <a:endParaRPr lang="en-US" dirty="0"/>
           </a:p>
@@ -3841,7 +3949,7 @@
             <a:fld id="{96DFF08F-DC6B-4601-B491-B0F83F6DD2DA}" type="datetimeFigureOut">
               <a:rPr lang="en-US" dirty="0"/>
               <a:pPr/>
-              <a:t>4/13/2018</a:t>
+              <a:t>5/8/2018</a:t>
             </a:fld>
             <a:endParaRPr lang="en-US" dirty="0"/>
           </a:p>
@@ -5541,133 +5649,120 @@
                   <a:schemeClr val="tx1"/>
                 </a:solidFill>
               </a:rPr>
+              <a:t> name (</a:t>
+            </a:r>
+            <a:r>
+              <a:rPr lang="en-US" sz="1600" b="1" dirty="0" err="1" smtClean="0">
+                <a:solidFill>
+                  <a:schemeClr val="tx1"/>
+                </a:solidFill>
+              </a:rPr>
+              <a:t>hạn</a:t>
+            </a:r>
+            <a:r>
+              <a:rPr lang="en-US" sz="1600" b="1" dirty="0" smtClean="0">
+                <a:solidFill>
+                  <a:schemeClr val="tx1"/>
+                </a:solidFill>
+              </a:rPr>
               <a:t> </a:t>
             </a:r>
             <a:r>
+              <a:rPr lang="en-US" sz="1600" b="1" dirty="0" err="1" smtClean="0">
+                <a:solidFill>
+                  <a:schemeClr val="tx1"/>
+                </a:solidFill>
+              </a:rPr>
+              <a:t>chế</a:t>
+            </a:r>
+            <a:r>
+              <a:rPr lang="en-US" sz="1600" b="1" dirty="0" smtClean="0">
+                <a:solidFill>
+                  <a:schemeClr val="tx1"/>
+                </a:solidFill>
+              </a:rPr>
+              <a:t> </a:t>
+            </a:r>
+            <a:r>
+              <a:rPr lang="en-US" sz="1600" b="1" dirty="0" err="1" smtClean="0">
+                <a:solidFill>
+                  <a:schemeClr val="tx1"/>
+                </a:solidFill>
+              </a:rPr>
+              <a:t>dùng</a:t>
+            </a:r>
+            <a:r>
+              <a:rPr lang="en-US" sz="1600" b="1" dirty="0" smtClean="0">
+                <a:solidFill>
+                  <a:schemeClr val="tx1"/>
+                </a:solidFill>
+              </a:rPr>
+              <a:t> </a:t>
+            </a:r>
+            <a:r>
+              <a:rPr lang="en-US" sz="1600" b="1" dirty="0" err="1" smtClean="0">
+                <a:solidFill>
+                  <a:schemeClr val="tx1"/>
+                </a:solidFill>
+              </a:rPr>
+              <a:t>nếu</a:t>
+            </a:r>
+            <a:r>
+              <a:rPr lang="en-US" sz="1600" b="1" dirty="0" smtClean="0">
+                <a:solidFill>
+                  <a:schemeClr val="tx1"/>
+                </a:solidFill>
+              </a:rPr>
+              <a:t> </a:t>
+            </a:r>
+            <a:r>
+              <a:rPr lang="en-US" sz="1600" b="1" dirty="0" err="1" smtClean="0">
+                <a:solidFill>
+                  <a:schemeClr val="tx1"/>
+                </a:solidFill>
+              </a:rPr>
+              <a:t>ko</a:t>
+            </a:r>
+            <a:r>
+              <a:rPr lang="en-US" sz="1600" b="1" dirty="0" smtClean="0">
+                <a:solidFill>
+                  <a:schemeClr val="tx1"/>
+                </a:solidFill>
+              </a:rPr>
+              <a:t> </a:t>
+            </a:r>
+            <a:r>
+              <a:rPr lang="en-US" sz="1600" b="1" dirty="0" err="1" smtClean="0">
+                <a:solidFill>
+                  <a:schemeClr val="tx1"/>
+                </a:solidFill>
+              </a:rPr>
+              <a:t>bắt</a:t>
+            </a:r>
+            <a:r>
+              <a:rPr lang="en-US" sz="1600" b="1" dirty="0" smtClean="0">
+                <a:solidFill>
+                  <a:schemeClr val="tx1"/>
+                </a:solidFill>
+              </a:rPr>
+              <a:t> </a:t>
+            </a:r>
+            <a:r>
+              <a:rPr lang="en-US" sz="1600" b="1" dirty="0" err="1" smtClean="0">
+                <a:solidFill>
+                  <a:schemeClr val="tx1"/>
+                </a:solidFill>
+              </a:rPr>
+              <a:t>buộc</a:t>
+            </a:r>
+            <a:r>
               <a:rPr lang="en-US" sz="1600" dirty="0" smtClean="0">
                 <a:solidFill>
                   <a:schemeClr val="tx1"/>
                 </a:solidFill>
               </a:rPr>
-              <a:t>name (</a:t>
-            </a:r>
-            <a:r>
-              <a:rPr lang="en-US" sz="1600" b="1" dirty="0" err="1" smtClean="0">
-                <a:solidFill>
-                  <a:schemeClr val="tx1"/>
-                </a:solidFill>
-              </a:rPr>
-              <a:t>hạn</a:t>
-            </a:r>
-            <a:r>
-              <a:rPr lang="en-US" sz="1600" b="1" dirty="0" smtClean="0">
-                <a:solidFill>
-                  <a:schemeClr val="tx1"/>
-                </a:solidFill>
-              </a:rPr>
-              <a:t> </a:t>
-            </a:r>
-            <a:r>
-              <a:rPr lang="en-US" sz="1600" b="1" dirty="0" err="1" smtClean="0">
-                <a:solidFill>
-                  <a:schemeClr val="tx1"/>
-                </a:solidFill>
-              </a:rPr>
-              <a:t>chế</a:t>
-            </a:r>
-            <a:r>
-              <a:rPr lang="en-US" sz="1600" b="1" dirty="0" smtClean="0">
-                <a:solidFill>
-                  <a:schemeClr val="tx1"/>
-                </a:solidFill>
-              </a:rPr>
-              <a:t> </a:t>
-            </a:r>
-            <a:r>
-              <a:rPr lang="en-US" sz="1600" b="1" dirty="0" err="1" smtClean="0">
-                <a:solidFill>
-                  <a:schemeClr val="tx1"/>
-                </a:solidFill>
-              </a:rPr>
-              <a:t>dùng</a:t>
-            </a:r>
-            <a:r>
-              <a:rPr lang="en-US" sz="1600" b="1" dirty="0" smtClean="0">
-                <a:solidFill>
-                  <a:schemeClr val="tx1"/>
-                </a:solidFill>
-              </a:rPr>
-              <a:t> </a:t>
-            </a:r>
-            <a:r>
-              <a:rPr lang="en-US" sz="1600" b="1" dirty="0" err="1" smtClean="0">
-                <a:solidFill>
-                  <a:schemeClr val="tx1"/>
-                </a:solidFill>
-              </a:rPr>
-              <a:t>nếu</a:t>
-            </a:r>
-            <a:r>
-              <a:rPr lang="en-US" sz="1600" b="1" dirty="0" smtClean="0">
-                <a:solidFill>
-                  <a:schemeClr val="tx1"/>
-                </a:solidFill>
-              </a:rPr>
-              <a:t> </a:t>
-            </a:r>
-            <a:r>
-              <a:rPr lang="en-US" sz="1600" b="1" dirty="0" err="1" smtClean="0">
-                <a:solidFill>
-                  <a:schemeClr val="tx1"/>
-                </a:solidFill>
-              </a:rPr>
-              <a:t>ko</a:t>
-            </a:r>
-            <a:r>
-              <a:rPr lang="en-US" sz="1600" b="1" dirty="0" smtClean="0">
-                <a:solidFill>
-                  <a:schemeClr val="tx1"/>
-                </a:solidFill>
-              </a:rPr>
-              <a:t> </a:t>
-            </a:r>
-            <a:r>
-              <a:rPr lang="en-US" sz="1600" b="1" dirty="0" err="1" smtClean="0">
-                <a:solidFill>
-                  <a:schemeClr val="tx1"/>
-                </a:solidFill>
-              </a:rPr>
-              <a:t>bắt</a:t>
-            </a:r>
-            <a:r>
-              <a:rPr lang="en-US" sz="1600" b="1" dirty="0" smtClean="0">
-                <a:solidFill>
-                  <a:schemeClr val="tx1"/>
-                </a:solidFill>
-              </a:rPr>
-              <a:t> </a:t>
-            </a:r>
-            <a:r>
-              <a:rPr lang="en-US" sz="1600" b="1" dirty="0" err="1" smtClean="0">
-                <a:solidFill>
-                  <a:schemeClr val="tx1"/>
-                </a:solidFill>
-              </a:rPr>
-              <a:t>buộc</a:t>
-            </a:r>
-            <a:r>
-              <a:rPr lang="en-US" sz="1600" dirty="0" smtClean="0">
-                <a:solidFill>
-                  <a:schemeClr val="tx1"/>
-                </a:solidFill>
-              </a:rPr>
               <a:t>)</a:t>
             </a:r>
-            <a:endParaRPr lang="en-US" sz="1600" dirty="0" smtClean="0">
-              <a:solidFill>
-                <a:schemeClr val="tx1"/>
-              </a:solidFill>
-            </a:endParaRPr>
           </a:p>
           <a:p>
             <a:pPr lvl="1"/>
@@ -9890,15 +9985,7 @@
                   <a:schemeClr val="tx1"/>
                 </a:solidFill>
               </a:rPr>
-              <a:t> + @</a:t>
-            </a:r>
-            <a:r>
-              <a:rPr lang="en-US" sz="1800" dirty="0" smtClean="0">
-                <a:solidFill>
-                  <a:schemeClr val="tx1"/>
-                </a:solidFill>
-              </a:rPr>
-              <a:t>Controller</a:t>
+              <a:t> + @Controller</a:t>
             </a:r>
           </a:p>
           <a:p>
@@ -11051,7 +11138,7 @@
   <a:extraClrSchemeLst/>
   <a:extLst>
     <a:ext uri="{05A4C25C-085E-4340-85A3-A5531E510DB2}">
-      <thm15:themeFamily xmlns:thm15="http://schemas.microsoft.com/office/thememl/2012/main" name="Basis" id="{5665723A-49BA-4B57-8411-A56F8F207965}" vid="{90E45F77-AEFC-46EF-A7C1-5B338C297B02}"/>
+      <thm15:themeFamily xmlns:thm15="http://schemas.microsoft.com/office/thememl/2012/main" xmlns="" name="Basis" id="{5665723A-49BA-4B57-8411-A56F8F207965}" vid="{90E45F77-AEFC-46EF-A7C1-5B338C297B02}"/>
     </a:ext>
   </a:extLst>
 </a:theme>
@@ -11312,7 +11399,7 @@
   <a:extraClrSchemeLst/>
   <a:extLst>
     <a:ext uri="{05A4C25C-085E-4340-85A3-A5531E510DB2}">
-      <thm15:themeFamily xmlns:thm15="http://schemas.microsoft.com/office/thememl/2012/main" name="Office Theme" id="{62F939B6-93AF-4DB8-9C6B-D6C7DFDC589F}" vid="{4A3C46E8-61CC-4603-A589-7422A47A8E4A}"/>
+      <thm15:themeFamily xmlns:thm15="http://schemas.microsoft.com/office/thememl/2012/main" xmlns="" name="Office Theme" id="{62F939B6-93AF-4DB8-9C6B-D6C7DFDC589F}" vid="{4A3C46E8-61CC-4603-A589-7422A47A8E4A}"/>
     </a:ext>
   </a:extLst>
 </a:theme>
